--- a/presentations/problem_presentation.pptx
+++ b/presentations/problem_presentation.pptx
@@ -1,27 +1,27 @@
 
 <file path=ppt/presentation.xml><?xml version="1.0" encoding="utf-8"?>
-<p:presentation xmlns:a="http://schemas.openxmlformats.org/drawingml/2006/main" xmlns:r="http://schemas.openxmlformats.org/officeDocument/2006/relationships" xmlns:mc="http://schemas.openxmlformats.org/markup-compatibility/2006" xmlns:mv="urn:schemas-microsoft-com:mac:vml" xmlns:p="http://schemas.openxmlformats.org/presentationml/2006/main" xmlns:c="http://schemas.openxmlformats.org/drawingml/2006/chart" xmlns:dgm="http://schemas.openxmlformats.org/drawingml/2006/diagram" xmlns:o="urn:schemas-microsoft-com:office:office" xmlns:v="urn:schemas-microsoft-com:vml" xmlns:pvml="urn:schemas-microsoft-com:office:powerpoint" xmlns:com="http://schemas.openxmlformats.org/drawingml/2006/compatibility" xmlns:p14="http://schemas.microsoft.com/office/powerpoint/2010/main" xmlns:p15="http://schemas.microsoft.com/office/powerpoint/2012/main" xmlns:ahyp="http://schemas.microsoft.com/office/drawing/2018/hyperlinkcolor" autoCompressPictures="0" strictFirstAndLastChars="0" saveSubsetFonts="1">
+<p:presentation xmlns:a="http://schemas.openxmlformats.org/drawingml/2006/main" xmlns:r="http://schemas.openxmlformats.org/officeDocument/2006/relationships" xmlns:p="http://schemas.openxmlformats.org/presentationml/2006/main" strictFirstAndLastChars="0" saveSubsetFonts="1" autoCompressPictures="0">
   <p:sldMasterIdLst>
-    <p:sldMasterId id="2147483659" r:id="rId3"/>
+    <p:sldMasterId id="2147483659" r:id="rId1"/>
   </p:sldMasterIdLst>
   <p:notesMasterIdLst>
-    <p:notesMasterId r:id="rId4"/>
+    <p:notesMasterId r:id="rId11"/>
   </p:notesMasterIdLst>
   <p:sldIdLst>
-    <p:sldId id="256" r:id="rId5"/>
-    <p:sldId id="257" r:id="rId6"/>
-    <p:sldId id="258" r:id="rId7"/>
-    <p:sldId id="259" r:id="rId8"/>
-    <p:sldId id="260" r:id="rId9"/>
-    <p:sldId id="261" r:id="rId10"/>
-    <p:sldId id="262" r:id="rId11"/>
-    <p:sldId id="263" r:id="rId12"/>
-    <p:sldId id="264" r:id="rId13"/>
+    <p:sldId id="256" r:id="rId2"/>
+    <p:sldId id="257" r:id="rId3"/>
+    <p:sldId id="258" r:id="rId4"/>
+    <p:sldId id="259" r:id="rId5"/>
+    <p:sldId id="260" r:id="rId6"/>
+    <p:sldId id="261" r:id="rId7"/>
+    <p:sldId id="262" r:id="rId8"/>
+    <p:sldId id="263" r:id="rId9"/>
+    <p:sldId id="264" r:id="rId10"/>
   </p:sldIdLst>
-  <p:sldSz cy="6858000" cx="12192000"/>
+  <p:sldSz cx="12192000" cy="6858000"/>
   <p:notesSz cx="6858000" cy="9144000"/>
   <p:defaultTextStyle>
-    <a:defPPr lvl="0" marR="0" rtl="0" algn="l">
+    <a:defPPr marR="0" lvl="0" algn="l" rtl="0">
       <a:lnSpc>
         <a:spcPct val="100000"/>
       </a:lnSpc>
@@ -32,7 +32,7 @@
         <a:spcPts val="0"/>
       </a:spcAft>
     </a:defPPr>
-    <a:lvl1pPr lvl="0" marR="0" rtl="0" algn="l">
+    <a:lvl1pPr marR="0" lvl="0" algn="l" rtl="0">
       <a:lnSpc>
         <a:spcPct val="100000"/>
       </a:lnSpc>
@@ -46,7 +46,7 @@
         <a:srgbClr val="000000"/>
       </a:buClr>
       <a:buFont typeface="Arial"/>
-      <a:defRPr b="0" i="0" sz="1400" u="none" cap="none" strike="noStrike">
+      <a:defRPr sz="1400" b="0" i="0" u="none" strike="noStrike" cap="none">
         <a:solidFill>
           <a:srgbClr val="000000"/>
         </a:solidFill>
@@ -56,7 +56,7 @@
         <a:sym typeface="Arial"/>
       </a:defRPr>
     </a:lvl1pPr>
-    <a:lvl2pPr lvl="1" marR="0" rtl="0" algn="l">
+    <a:lvl2pPr marR="0" lvl="1" algn="l" rtl="0">
       <a:lnSpc>
         <a:spcPct val="100000"/>
       </a:lnSpc>
@@ -70,7 +70,7 @@
         <a:srgbClr val="000000"/>
       </a:buClr>
       <a:buFont typeface="Arial"/>
-      <a:defRPr b="0" i="0" sz="1400" u="none" cap="none" strike="noStrike">
+      <a:defRPr sz="1400" b="0" i="0" u="none" strike="noStrike" cap="none">
         <a:solidFill>
           <a:srgbClr val="000000"/>
         </a:solidFill>
@@ -80,7 +80,7 @@
         <a:sym typeface="Arial"/>
       </a:defRPr>
     </a:lvl2pPr>
-    <a:lvl3pPr lvl="2" marR="0" rtl="0" algn="l">
+    <a:lvl3pPr marR="0" lvl="2" algn="l" rtl="0">
       <a:lnSpc>
         <a:spcPct val="100000"/>
       </a:lnSpc>
@@ -94,7 +94,7 @@
         <a:srgbClr val="000000"/>
       </a:buClr>
       <a:buFont typeface="Arial"/>
-      <a:defRPr b="0" i="0" sz="1400" u="none" cap="none" strike="noStrike">
+      <a:defRPr sz="1400" b="0" i="0" u="none" strike="noStrike" cap="none">
         <a:solidFill>
           <a:srgbClr val="000000"/>
         </a:solidFill>
@@ -104,7 +104,7 @@
         <a:sym typeface="Arial"/>
       </a:defRPr>
     </a:lvl3pPr>
-    <a:lvl4pPr lvl="3" marR="0" rtl="0" algn="l">
+    <a:lvl4pPr marR="0" lvl="3" algn="l" rtl="0">
       <a:lnSpc>
         <a:spcPct val="100000"/>
       </a:lnSpc>
@@ -118,7 +118,7 @@
         <a:srgbClr val="000000"/>
       </a:buClr>
       <a:buFont typeface="Arial"/>
-      <a:defRPr b="0" i="0" sz="1400" u="none" cap="none" strike="noStrike">
+      <a:defRPr sz="1400" b="0" i="0" u="none" strike="noStrike" cap="none">
         <a:solidFill>
           <a:srgbClr val="000000"/>
         </a:solidFill>
@@ -128,7 +128,7 @@
         <a:sym typeface="Arial"/>
       </a:defRPr>
     </a:lvl4pPr>
-    <a:lvl5pPr lvl="4" marR="0" rtl="0" algn="l">
+    <a:lvl5pPr marR="0" lvl="4" algn="l" rtl="0">
       <a:lnSpc>
         <a:spcPct val="100000"/>
       </a:lnSpc>
@@ -142,7 +142,7 @@
         <a:srgbClr val="000000"/>
       </a:buClr>
       <a:buFont typeface="Arial"/>
-      <a:defRPr b="0" i="0" sz="1400" u="none" cap="none" strike="noStrike">
+      <a:defRPr sz="1400" b="0" i="0" u="none" strike="noStrike" cap="none">
         <a:solidFill>
           <a:srgbClr val="000000"/>
         </a:solidFill>
@@ -152,7 +152,7 @@
         <a:sym typeface="Arial"/>
       </a:defRPr>
     </a:lvl5pPr>
-    <a:lvl6pPr lvl="5" marR="0" rtl="0" algn="l">
+    <a:lvl6pPr marR="0" lvl="5" algn="l" rtl="0">
       <a:lnSpc>
         <a:spcPct val="100000"/>
       </a:lnSpc>
@@ -166,7 +166,7 @@
         <a:srgbClr val="000000"/>
       </a:buClr>
       <a:buFont typeface="Arial"/>
-      <a:defRPr b="0" i="0" sz="1400" u="none" cap="none" strike="noStrike">
+      <a:defRPr sz="1400" b="0" i="0" u="none" strike="noStrike" cap="none">
         <a:solidFill>
           <a:srgbClr val="000000"/>
         </a:solidFill>
@@ -176,7 +176,7 @@
         <a:sym typeface="Arial"/>
       </a:defRPr>
     </a:lvl6pPr>
-    <a:lvl7pPr lvl="6" marR="0" rtl="0" algn="l">
+    <a:lvl7pPr marR="0" lvl="6" algn="l" rtl="0">
       <a:lnSpc>
         <a:spcPct val="100000"/>
       </a:lnSpc>
@@ -190,7 +190,7 @@
         <a:srgbClr val="000000"/>
       </a:buClr>
       <a:buFont typeface="Arial"/>
-      <a:defRPr b="0" i="0" sz="1400" u="none" cap="none" strike="noStrike">
+      <a:defRPr sz="1400" b="0" i="0" u="none" strike="noStrike" cap="none">
         <a:solidFill>
           <a:srgbClr val="000000"/>
         </a:solidFill>
@@ -200,7 +200,7 @@
         <a:sym typeface="Arial"/>
       </a:defRPr>
     </a:lvl7pPr>
-    <a:lvl8pPr lvl="7" marR="0" rtl="0" algn="l">
+    <a:lvl8pPr marR="0" lvl="7" algn="l" rtl="0">
       <a:lnSpc>
         <a:spcPct val="100000"/>
       </a:lnSpc>
@@ -214,7 +214,7 @@
         <a:srgbClr val="000000"/>
       </a:buClr>
       <a:buFont typeface="Arial"/>
-      <a:defRPr b="0" i="0" sz="1400" u="none" cap="none" strike="noStrike">
+      <a:defRPr sz="1400" b="0" i="0" u="none" strike="noStrike" cap="none">
         <a:solidFill>
           <a:srgbClr val="000000"/>
         </a:solidFill>
@@ -224,7 +224,7 @@
         <a:sym typeface="Arial"/>
       </a:defRPr>
     </a:lvl8pPr>
-    <a:lvl9pPr lvl="8" marR="0" rtl="0" algn="l">
+    <a:lvl9pPr marR="0" lvl="8" algn="l" rtl="0">
       <a:lnSpc>
         <a:spcPct val="100000"/>
       </a:lnSpc>
@@ -238,7 +238,7 @@
         <a:srgbClr val="000000"/>
       </a:buClr>
       <a:buFont typeface="Arial"/>
-      <a:defRPr b="0" i="0" sz="1400" u="none" cap="none" strike="noStrike">
+      <a:defRPr sz="1400" b="0" i="0" u="none" strike="noStrike" cap="none">
         <a:solidFill>
           <a:srgbClr val="000000"/>
         </a:solidFill>
@@ -253,11 +253,16 @@
 </file>
 
 <file path=ppt/notesMasters/notesMaster1.xml><?xml version="1.0" encoding="utf-8"?>
-<p:notesMaster xmlns:a="http://schemas.openxmlformats.org/drawingml/2006/main" xmlns:r="http://schemas.openxmlformats.org/officeDocument/2006/relationships" xmlns:mc="http://schemas.openxmlformats.org/markup-compatibility/2006" xmlns:mv="urn:schemas-microsoft-com:mac:vml" xmlns:p="http://schemas.openxmlformats.org/presentationml/2006/main" xmlns:c="http://schemas.openxmlformats.org/drawingml/2006/chart" xmlns:dgm="http://schemas.openxmlformats.org/drawingml/2006/diagram" xmlns:o="urn:schemas-microsoft-com:office:office" xmlns:v="urn:schemas-microsoft-com:vml" xmlns:pvml="urn:schemas-microsoft-com:office:powerpoint" xmlns:com="http://schemas.openxmlformats.org/drawingml/2006/compatibility" xmlns:p14="http://schemas.microsoft.com/office/powerpoint/2010/main" xmlns:p15="http://schemas.microsoft.com/office/powerpoint/2012/main" xmlns:ahyp="http://schemas.microsoft.com/office/drawing/2018/hyperlinkcolor">
+<p:notesMaster xmlns:a="http://schemas.openxmlformats.org/drawingml/2006/main" xmlns:r="http://schemas.openxmlformats.org/officeDocument/2006/relationships" xmlns:p="http://schemas.openxmlformats.org/presentationml/2006/main">
   <p:cSld>
+    <p:bg>
+      <p:bgRef idx="1001">
+        <a:schemeClr val="bg1"/>
+      </p:bgRef>
+    </p:bg>
     <p:spTree>
       <p:nvGrpSpPr>
-        <p:cNvPr id="2" name="Shape 2"/>
+        <p:cNvPr id="1" name="Shape 2"/>
         <p:cNvGrpSpPr/>
         <p:nvPr/>
       </p:nvGrpSpPr>
@@ -272,9 +277,11 @@
       <p:sp>
         <p:nvSpPr>
           <p:cNvPr id="3" name="Google Shape;3;n"/>
-          <p:cNvSpPr/>
+          <p:cNvSpPr>
+            <a:spLocks noGrp="1" noRot="1" noChangeAspect="1"/>
+          </p:cNvSpPr>
           <p:nvPr>
-            <p:ph idx="2" type="sldImg"/>
+            <p:ph type="sldImg" idx="2"/>
           </p:nvPr>
         </p:nvSpPr>
         <p:spPr>
@@ -283,9 +290,13 @@
             <a:ext cx="4572225" cy="3429000"/>
           </a:xfrm>
           <a:custGeom>
-            <a:rect b="b" l="l" r="r" t="t"/>
+            <a:avLst/>
+            <a:gdLst/>
+            <a:ahLst/>
+            <a:cxnLst/>
+            <a:rect l="l" t="t" r="r" b="b"/>
             <a:pathLst>
-              <a:path extrusionOk="0" h="120000" w="120000">
+              <a:path w="120000" h="120000" extrusionOk="0">
                 <a:moveTo>
                   <a:pt x="0" y="0"/>
                 </a:moveTo>
@@ -303,23 +314,25 @@
             </a:pathLst>
           </a:custGeom>
           <a:noFill/>
-          <a:ln cap="flat" cmpd="sng" w="9525">
+          <a:ln w="9525" cap="flat" cmpd="sng">
             <a:solidFill>
               <a:srgbClr val="000000"/>
             </a:solidFill>
             <a:prstDash val="solid"/>
             <a:round/>
-            <a:headEnd len="sm" w="sm" type="none"/>
-            <a:tailEnd len="sm" w="sm" type="none"/>
+            <a:headEnd type="none" w="sm" len="sm"/>
+            <a:tailEnd type="none" w="sm" len="sm"/>
           </a:ln>
         </p:spPr>
       </p:sp>
       <p:sp>
         <p:nvSpPr>
           <p:cNvPr id="4" name="Google Shape;4;n"/>
-          <p:cNvSpPr txBox="1"/>
+          <p:cNvSpPr txBox="1">
+            <a:spLocks noGrp="1"/>
+          </p:cNvSpPr>
           <p:nvPr>
-            <p:ph idx="1" type="body"/>
+            <p:ph type="body" idx="1"/>
           </p:nvPr>
         </p:nvSpPr>
         <p:spPr>
@@ -336,11 +349,11 @@
           </a:ln>
         </p:spPr>
         <p:txBody>
-          <a:bodyPr anchorCtr="0" anchor="t" bIns="91425" lIns="91425" spcFirstLastPara="1" rIns="91425" wrap="square" tIns="91425">
+          <a:bodyPr spcFirstLastPara="1" wrap="square" lIns="91425" tIns="91425" rIns="91425" bIns="91425" anchor="t" anchorCtr="0">
             <a:noAutofit/>
           </a:bodyPr>
           <a:lstStyle>
-            <a:lvl1pPr indent="-298450" lvl="0" marL="457200">
+            <a:lvl1pPr marL="457200" lvl="0" indent="-298450">
               <a:spcBef>
                 <a:spcPts val="0"/>
               </a:spcBef>
@@ -351,7 +364,7 @@
               <a:buChar char="●"/>
               <a:defRPr sz="1100"/>
             </a:lvl1pPr>
-            <a:lvl2pPr indent="-298450" lvl="1" marL="914400">
+            <a:lvl2pPr marL="914400" lvl="1" indent="-298450">
               <a:spcBef>
                 <a:spcPts val="0"/>
               </a:spcBef>
@@ -362,7 +375,7 @@
               <a:buChar char="○"/>
               <a:defRPr sz="1100"/>
             </a:lvl2pPr>
-            <a:lvl3pPr indent="-298450" lvl="2" marL="1371600">
+            <a:lvl3pPr marL="1371600" lvl="2" indent="-298450">
               <a:spcBef>
                 <a:spcPts val="0"/>
               </a:spcBef>
@@ -373,7 +386,7 @@
               <a:buChar char="■"/>
               <a:defRPr sz="1100"/>
             </a:lvl3pPr>
-            <a:lvl4pPr indent="-298450" lvl="3" marL="1828800">
+            <a:lvl4pPr marL="1828800" lvl="3" indent="-298450">
               <a:spcBef>
                 <a:spcPts val="0"/>
               </a:spcBef>
@@ -384,7 +397,7 @@
               <a:buChar char="●"/>
               <a:defRPr sz="1100"/>
             </a:lvl4pPr>
-            <a:lvl5pPr indent="-298450" lvl="4" marL="2286000">
+            <a:lvl5pPr marL="2286000" lvl="4" indent="-298450">
               <a:spcBef>
                 <a:spcPts val="0"/>
               </a:spcBef>
@@ -395,7 +408,7 @@
               <a:buChar char="○"/>
               <a:defRPr sz="1100"/>
             </a:lvl5pPr>
-            <a:lvl6pPr indent="-298450" lvl="5" marL="2743200">
+            <a:lvl6pPr marL="2743200" lvl="5" indent="-298450">
               <a:spcBef>
                 <a:spcPts val="0"/>
               </a:spcBef>
@@ -406,7 +419,7 @@
               <a:buChar char="■"/>
               <a:defRPr sz="1100"/>
             </a:lvl6pPr>
-            <a:lvl7pPr indent="-298450" lvl="6" marL="3200400">
+            <a:lvl7pPr marL="3200400" lvl="6" indent="-298450">
               <a:spcBef>
                 <a:spcPts val="0"/>
               </a:spcBef>
@@ -417,7 +430,7 @@
               <a:buChar char="●"/>
               <a:defRPr sz="1100"/>
             </a:lvl7pPr>
-            <a:lvl8pPr indent="-298450" lvl="7" marL="3657600">
+            <a:lvl8pPr marL="3657600" lvl="7" indent="-298450">
               <a:spcBef>
                 <a:spcPts val="0"/>
               </a:spcBef>
@@ -428,7 +441,7 @@
               <a:buChar char="○"/>
               <a:defRPr sz="1100"/>
             </a:lvl8pPr>
-            <a:lvl9pPr indent="-298450" lvl="8" marL="4114800">
+            <a:lvl9pPr marL="4114800" lvl="8" indent="-298450">
               <a:spcBef>
                 <a:spcPts val="0"/>
               </a:spcBef>
@@ -440,14 +453,16 @@
               <a:defRPr sz="1100"/>
             </a:lvl9pPr>
           </a:lstStyle>
-          <a:p/>
+          <a:p>
+            <a:endParaRPr/>
+          </a:p>
         </p:txBody>
       </p:sp>
     </p:spTree>
   </p:cSld>
-  <p:clrMap accent1="accent1" accent2="accent2" accent3="accent3" accent4="accent4" accent5="accent5" accent6="accent6" bg1="lt1" bg2="dk2" tx1="dk1" tx2="lt2" folHlink="folHlink" hlink="hlink"/>
+  <p:clrMap bg1="lt1" tx1="dk1" bg2="dk2" tx2="lt2" accent1="accent1" accent2="accent2" accent3="accent3" accent4="accent4" accent5="accent5" accent6="accent6" hlink="hlink" folHlink="folHlink"/>
   <p:notesStyle>
-    <a:defPPr lvl="0" marR="0" rtl="0" algn="l">
+    <a:defPPr marR="0" lvl="0" algn="l" rtl="0">
       <a:lnSpc>
         <a:spcPct val="100000"/>
       </a:lnSpc>
@@ -458,7 +473,7 @@
         <a:spcPts val="0"/>
       </a:spcAft>
     </a:defPPr>
-    <a:lvl1pPr lvl="0" marR="0" rtl="0" algn="l">
+    <a:lvl1pPr marR="0" lvl="0" algn="l" rtl="0">
       <a:lnSpc>
         <a:spcPct val="100000"/>
       </a:lnSpc>
@@ -472,7 +487,7 @@
         <a:srgbClr val="000000"/>
       </a:buClr>
       <a:buFont typeface="Arial"/>
-      <a:defRPr b="0" i="0" sz="1400" u="none" cap="none" strike="noStrike">
+      <a:defRPr sz="1400" b="0" i="0" u="none" strike="noStrike" cap="none">
         <a:solidFill>
           <a:srgbClr val="000000"/>
         </a:solidFill>
@@ -482,7 +497,7 @@
         <a:sym typeface="Arial"/>
       </a:defRPr>
     </a:lvl1pPr>
-    <a:lvl2pPr lvl="1" marR="0" rtl="0" algn="l">
+    <a:lvl2pPr marR="0" lvl="1" algn="l" rtl="0">
       <a:lnSpc>
         <a:spcPct val="100000"/>
       </a:lnSpc>
@@ -496,7 +511,7 @@
         <a:srgbClr val="000000"/>
       </a:buClr>
       <a:buFont typeface="Arial"/>
-      <a:defRPr b="0" i="0" sz="1400" u="none" cap="none" strike="noStrike">
+      <a:defRPr sz="1400" b="0" i="0" u="none" strike="noStrike" cap="none">
         <a:solidFill>
           <a:srgbClr val="000000"/>
         </a:solidFill>
@@ -506,7 +521,7 @@
         <a:sym typeface="Arial"/>
       </a:defRPr>
     </a:lvl2pPr>
-    <a:lvl3pPr lvl="2" marR="0" rtl="0" algn="l">
+    <a:lvl3pPr marR="0" lvl="2" algn="l" rtl="0">
       <a:lnSpc>
         <a:spcPct val="100000"/>
       </a:lnSpc>
@@ -520,7 +535,7 @@
         <a:srgbClr val="000000"/>
       </a:buClr>
       <a:buFont typeface="Arial"/>
-      <a:defRPr b="0" i="0" sz="1400" u="none" cap="none" strike="noStrike">
+      <a:defRPr sz="1400" b="0" i="0" u="none" strike="noStrike" cap="none">
         <a:solidFill>
           <a:srgbClr val="000000"/>
         </a:solidFill>
@@ -530,7 +545,7 @@
         <a:sym typeface="Arial"/>
       </a:defRPr>
     </a:lvl3pPr>
-    <a:lvl4pPr lvl="3" marR="0" rtl="0" algn="l">
+    <a:lvl4pPr marR="0" lvl="3" algn="l" rtl="0">
       <a:lnSpc>
         <a:spcPct val="100000"/>
       </a:lnSpc>
@@ -544,7 +559,7 @@
         <a:srgbClr val="000000"/>
       </a:buClr>
       <a:buFont typeface="Arial"/>
-      <a:defRPr b="0" i="0" sz="1400" u="none" cap="none" strike="noStrike">
+      <a:defRPr sz="1400" b="0" i="0" u="none" strike="noStrike" cap="none">
         <a:solidFill>
           <a:srgbClr val="000000"/>
         </a:solidFill>
@@ -554,7 +569,7 @@
         <a:sym typeface="Arial"/>
       </a:defRPr>
     </a:lvl4pPr>
-    <a:lvl5pPr lvl="4" marR="0" rtl="0" algn="l">
+    <a:lvl5pPr marR="0" lvl="4" algn="l" rtl="0">
       <a:lnSpc>
         <a:spcPct val="100000"/>
       </a:lnSpc>
@@ -568,7 +583,7 @@
         <a:srgbClr val="000000"/>
       </a:buClr>
       <a:buFont typeface="Arial"/>
-      <a:defRPr b="0" i="0" sz="1400" u="none" cap="none" strike="noStrike">
+      <a:defRPr sz="1400" b="0" i="0" u="none" strike="noStrike" cap="none">
         <a:solidFill>
           <a:srgbClr val="000000"/>
         </a:solidFill>
@@ -578,7 +593,7 @@
         <a:sym typeface="Arial"/>
       </a:defRPr>
     </a:lvl5pPr>
-    <a:lvl6pPr lvl="5" marR="0" rtl="0" algn="l">
+    <a:lvl6pPr marR="0" lvl="5" algn="l" rtl="0">
       <a:lnSpc>
         <a:spcPct val="100000"/>
       </a:lnSpc>
@@ -592,7 +607,7 @@
         <a:srgbClr val="000000"/>
       </a:buClr>
       <a:buFont typeface="Arial"/>
-      <a:defRPr b="0" i="0" sz="1400" u="none" cap="none" strike="noStrike">
+      <a:defRPr sz="1400" b="0" i="0" u="none" strike="noStrike" cap="none">
         <a:solidFill>
           <a:srgbClr val="000000"/>
         </a:solidFill>
@@ -602,7 +617,7 @@
         <a:sym typeface="Arial"/>
       </a:defRPr>
     </a:lvl6pPr>
-    <a:lvl7pPr lvl="6" marR="0" rtl="0" algn="l">
+    <a:lvl7pPr marR="0" lvl="6" algn="l" rtl="0">
       <a:lnSpc>
         <a:spcPct val="100000"/>
       </a:lnSpc>
@@ -616,7 +631,7 @@
         <a:srgbClr val="000000"/>
       </a:buClr>
       <a:buFont typeface="Arial"/>
-      <a:defRPr b="0" i="0" sz="1400" u="none" cap="none" strike="noStrike">
+      <a:defRPr sz="1400" b="0" i="0" u="none" strike="noStrike" cap="none">
         <a:solidFill>
           <a:srgbClr val="000000"/>
         </a:solidFill>
@@ -626,7 +641,7 @@
         <a:sym typeface="Arial"/>
       </a:defRPr>
     </a:lvl7pPr>
-    <a:lvl8pPr lvl="7" marR="0" rtl="0" algn="l">
+    <a:lvl8pPr marR="0" lvl="7" algn="l" rtl="0">
       <a:lnSpc>
         <a:spcPct val="100000"/>
       </a:lnSpc>
@@ -640,7 +655,7 @@
         <a:srgbClr val="000000"/>
       </a:buClr>
       <a:buFont typeface="Arial"/>
-      <a:defRPr b="0" i="0" sz="1400" u="none" cap="none" strike="noStrike">
+      <a:defRPr sz="1400" b="0" i="0" u="none" strike="noStrike" cap="none">
         <a:solidFill>
           <a:srgbClr val="000000"/>
         </a:solidFill>
@@ -650,7 +665,7 @@
         <a:sym typeface="Arial"/>
       </a:defRPr>
     </a:lvl8pPr>
-    <a:lvl9pPr lvl="8" marR="0" rtl="0" algn="l">
+    <a:lvl9pPr marR="0" lvl="8" algn="l" rtl="0">
       <a:lnSpc>
         <a:spcPct val="100000"/>
       </a:lnSpc>
@@ -664,7 +679,7 @@
         <a:srgbClr val="000000"/>
       </a:buClr>
       <a:buFont typeface="Arial"/>
-      <a:defRPr b="0" i="0" sz="1400" u="none" cap="none" strike="noStrike">
+      <a:defRPr sz="1400" b="0" i="0" u="none" strike="noStrike" cap="none">
         <a:solidFill>
           <a:srgbClr val="000000"/>
         </a:solidFill>
@@ -679,11 +694,11 @@
 </file>
 
 <file path=ppt/notesSlides/notesSlide1.xml><?xml version="1.0" encoding="utf-8"?>
-<p:notes xmlns:a="http://schemas.openxmlformats.org/drawingml/2006/main" xmlns:r="http://schemas.openxmlformats.org/officeDocument/2006/relationships" xmlns:mc="http://schemas.openxmlformats.org/markup-compatibility/2006" xmlns:mv="urn:schemas-microsoft-com:mac:vml" xmlns:p="http://schemas.openxmlformats.org/presentationml/2006/main" xmlns:c="http://schemas.openxmlformats.org/drawingml/2006/chart" xmlns:dgm="http://schemas.openxmlformats.org/drawingml/2006/diagram" xmlns:o="urn:schemas-microsoft-com:office:office" xmlns:v="urn:schemas-microsoft-com:vml" xmlns:pvml="urn:schemas-microsoft-com:office:powerpoint" xmlns:com="http://schemas.openxmlformats.org/drawingml/2006/compatibility" xmlns:p14="http://schemas.microsoft.com/office/powerpoint/2010/main" xmlns:p15="http://schemas.microsoft.com/office/powerpoint/2012/main" xmlns:ahyp="http://schemas.microsoft.com/office/drawing/2018/hyperlinkcolor" showMasterPhAnim="0" showMasterSp="0">
+<p:notes xmlns:a="http://schemas.openxmlformats.org/drawingml/2006/main" xmlns:r="http://schemas.openxmlformats.org/officeDocument/2006/relationships" xmlns:p="http://schemas.openxmlformats.org/presentationml/2006/main" showMasterSp="0" showMasterPhAnim="0">
   <p:cSld>
     <p:spTree>
       <p:nvGrpSpPr>
-        <p:cNvPr id="50" name="Shape 50"/>
+        <p:cNvPr id="1" name="Shape 50"/>
         <p:cNvGrpSpPr/>
         <p:nvPr/>
       </p:nvGrpSpPr>
@@ -698,9 +713,11 @@
       <p:sp>
         <p:nvSpPr>
           <p:cNvPr id="51" name="Google Shape;51;p1:notes"/>
-          <p:cNvSpPr txBox="1"/>
+          <p:cNvSpPr txBox="1">
+            <a:spLocks noGrp="1"/>
+          </p:cNvSpPr>
           <p:nvPr>
-            <p:ph idx="1" type="body"/>
+            <p:ph type="body" idx="1"/>
           </p:nvPr>
         </p:nvSpPr>
         <p:spPr>
@@ -713,12 +730,12 @@
           </a:prstGeom>
         </p:spPr>
         <p:txBody>
-          <a:bodyPr anchorCtr="0" anchor="t" bIns="91425" lIns="91425" spcFirstLastPara="1" rIns="91425" wrap="square" tIns="91425">
+          <a:bodyPr spcFirstLastPara="1" wrap="square" lIns="91425" tIns="91425" rIns="91425" bIns="91425" anchor="t" anchorCtr="0">
             <a:noAutofit/>
           </a:bodyPr>
           <a:lstStyle/>
           <a:p>
-            <a:pPr indent="0" lvl="0" marL="0" rtl="0" algn="l">
+            <a:pPr marL="0" lvl="0" indent="0" algn="l" rtl="0">
               <a:spcBef>
                 <a:spcPts val="0"/>
               </a:spcBef>
@@ -727,9 +744,6 @@
               </a:spcAft>
               <a:buNone/>
             </a:pPr>
-            <a:r>
-              <a:t/>
-            </a:r>
             <a:endParaRPr/>
           </a:p>
         </p:txBody>
@@ -737,9 +751,11 @@
       <p:sp>
         <p:nvSpPr>
           <p:cNvPr id="52" name="Google Shape;52;p1:notes"/>
-          <p:cNvSpPr/>
+          <p:cNvSpPr>
+            <a:spLocks noGrp="1" noRot="1" noChangeAspect="1"/>
+          </p:cNvSpPr>
           <p:nvPr>
-            <p:ph idx="2" type="sldImg"/>
+            <p:ph type="sldImg" idx="2"/>
           </p:nvPr>
         </p:nvSpPr>
         <p:spPr>
@@ -748,9 +764,13 @@
             <a:ext cx="4572225" cy="3429000"/>
           </a:xfrm>
           <a:custGeom>
-            <a:rect b="b" l="l" r="r" t="t"/>
+            <a:avLst/>
+            <a:gdLst/>
+            <a:ahLst/>
+            <a:cxnLst/>
+            <a:rect l="l" t="t" r="r" b="b"/>
             <a:pathLst>
-              <a:path extrusionOk="0" h="120000" w="120000">
+              <a:path w="120000" h="120000" extrusionOk="0">
                 <a:moveTo>
                   <a:pt x="0" y="0"/>
                 </a:moveTo>
@@ -778,11 +798,11 @@
 </file>
 
 <file path=ppt/notesSlides/notesSlide2.xml><?xml version="1.0" encoding="utf-8"?>
-<p:notes xmlns:a="http://schemas.openxmlformats.org/drawingml/2006/main" xmlns:r="http://schemas.openxmlformats.org/officeDocument/2006/relationships" xmlns:mc="http://schemas.openxmlformats.org/markup-compatibility/2006" xmlns:mv="urn:schemas-microsoft-com:mac:vml" xmlns:p="http://schemas.openxmlformats.org/presentationml/2006/main" xmlns:c="http://schemas.openxmlformats.org/drawingml/2006/chart" xmlns:dgm="http://schemas.openxmlformats.org/drawingml/2006/diagram" xmlns:o="urn:schemas-microsoft-com:office:office" xmlns:v="urn:schemas-microsoft-com:vml" xmlns:pvml="urn:schemas-microsoft-com:office:powerpoint" xmlns:com="http://schemas.openxmlformats.org/drawingml/2006/compatibility" xmlns:p14="http://schemas.microsoft.com/office/powerpoint/2010/main" xmlns:p15="http://schemas.microsoft.com/office/powerpoint/2012/main" xmlns:ahyp="http://schemas.microsoft.com/office/drawing/2018/hyperlinkcolor" showMasterPhAnim="0" showMasterSp="0">
+<p:notes xmlns:a="http://schemas.openxmlformats.org/drawingml/2006/main" xmlns:r="http://schemas.openxmlformats.org/officeDocument/2006/relationships" xmlns:p="http://schemas.openxmlformats.org/presentationml/2006/main" showMasterSp="0" showMasterPhAnim="0">
   <p:cSld>
     <p:spTree>
       <p:nvGrpSpPr>
-        <p:cNvPr id="56" name="Shape 56"/>
+        <p:cNvPr id="1" name="Shape 56"/>
         <p:cNvGrpSpPr/>
         <p:nvPr/>
       </p:nvGrpSpPr>
@@ -797,9 +817,11 @@
       <p:sp>
         <p:nvSpPr>
           <p:cNvPr id="57" name="Google Shape;57;p2:notes"/>
-          <p:cNvSpPr txBox="1"/>
+          <p:cNvSpPr txBox="1">
+            <a:spLocks noGrp="1"/>
+          </p:cNvSpPr>
           <p:nvPr>
-            <p:ph idx="1" type="body"/>
+            <p:ph type="body" idx="1"/>
           </p:nvPr>
         </p:nvSpPr>
         <p:spPr>
@@ -812,12 +834,12 @@
           </a:prstGeom>
         </p:spPr>
         <p:txBody>
-          <a:bodyPr anchorCtr="0" anchor="t" bIns="91425" lIns="91425" spcFirstLastPara="1" rIns="91425" wrap="square" tIns="91425">
+          <a:bodyPr spcFirstLastPara="1" wrap="square" lIns="91425" tIns="91425" rIns="91425" bIns="91425" anchor="t" anchorCtr="0">
             <a:noAutofit/>
           </a:bodyPr>
           <a:lstStyle/>
           <a:p>
-            <a:pPr indent="0" lvl="0" marL="0" rtl="0" algn="l">
+            <a:pPr marL="0" lvl="0" indent="0" algn="l" rtl="0">
               <a:spcBef>
                 <a:spcPts val="0"/>
               </a:spcBef>
@@ -826,9 +848,6 @@
               </a:spcAft>
               <a:buNone/>
             </a:pPr>
-            <a:r>
-              <a:t/>
-            </a:r>
             <a:endParaRPr/>
           </a:p>
         </p:txBody>
@@ -836,20 +855,26 @@
       <p:sp>
         <p:nvSpPr>
           <p:cNvPr id="58" name="Google Shape;58;p2:notes"/>
-          <p:cNvSpPr/>
+          <p:cNvSpPr>
+            <a:spLocks noGrp="1" noRot="1" noChangeAspect="1"/>
+          </p:cNvSpPr>
           <p:nvPr>
-            <p:ph idx="2" type="sldImg"/>
+            <p:ph type="sldImg" idx="2"/>
           </p:nvPr>
         </p:nvSpPr>
         <p:spPr>
           <a:xfrm>
-            <a:off x="1143225" y="685800"/>
-            <a:ext cx="4572225" cy="3429000"/>
+            <a:off x="381000" y="685800"/>
+            <a:ext cx="6096000" cy="3429000"/>
           </a:xfrm>
           <a:custGeom>
-            <a:rect b="b" l="l" r="r" t="t"/>
+            <a:avLst/>
+            <a:gdLst/>
+            <a:ahLst/>
+            <a:cxnLst/>
+            <a:rect l="l" t="t" r="r" b="b"/>
             <a:pathLst>
-              <a:path extrusionOk="0" h="120000" w="120000">
+              <a:path w="120000" h="120000" extrusionOk="0">
                 <a:moveTo>
                   <a:pt x="0" y="0"/>
                 </a:moveTo>
@@ -877,11 +902,11 @@
 </file>
 
 <file path=ppt/notesSlides/notesSlide3.xml><?xml version="1.0" encoding="utf-8"?>
-<p:notes xmlns:a="http://schemas.openxmlformats.org/drawingml/2006/main" xmlns:r="http://schemas.openxmlformats.org/officeDocument/2006/relationships" xmlns:mc="http://schemas.openxmlformats.org/markup-compatibility/2006" xmlns:mv="urn:schemas-microsoft-com:mac:vml" xmlns:p="http://schemas.openxmlformats.org/presentationml/2006/main" xmlns:c="http://schemas.openxmlformats.org/drawingml/2006/chart" xmlns:dgm="http://schemas.openxmlformats.org/drawingml/2006/diagram" xmlns:o="urn:schemas-microsoft-com:office:office" xmlns:v="urn:schemas-microsoft-com:vml" xmlns:pvml="urn:schemas-microsoft-com:office:powerpoint" xmlns:com="http://schemas.openxmlformats.org/drawingml/2006/compatibility" xmlns:p14="http://schemas.microsoft.com/office/powerpoint/2010/main" xmlns:p15="http://schemas.microsoft.com/office/powerpoint/2012/main" xmlns:ahyp="http://schemas.microsoft.com/office/drawing/2018/hyperlinkcolor" showMasterPhAnim="0" showMasterSp="0">
+<p:notes xmlns:a="http://schemas.openxmlformats.org/drawingml/2006/main" xmlns:r="http://schemas.openxmlformats.org/officeDocument/2006/relationships" xmlns:p="http://schemas.openxmlformats.org/presentationml/2006/main" showMasterSp="0" showMasterPhAnim="0">
   <p:cSld>
     <p:spTree>
       <p:nvGrpSpPr>
-        <p:cNvPr id="64" name="Shape 64"/>
+        <p:cNvPr id="1" name="Shape 64"/>
         <p:cNvGrpSpPr/>
         <p:nvPr/>
       </p:nvGrpSpPr>
@@ -896,9 +921,11 @@
       <p:sp>
         <p:nvSpPr>
           <p:cNvPr id="65" name="Google Shape;65;p3:notes"/>
-          <p:cNvSpPr txBox="1"/>
+          <p:cNvSpPr txBox="1">
+            <a:spLocks noGrp="1"/>
+          </p:cNvSpPr>
           <p:nvPr>
-            <p:ph idx="1" type="body"/>
+            <p:ph type="body" idx="1"/>
           </p:nvPr>
         </p:nvSpPr>
         <p:spPr>
@@ -911,12 +938,12 @@
           </a:prstGeom>
         </p:spPr>
         <p:txBody>
-          <a:bodyPr anchorCtr="0" anchor="t" bIns="91425" lIns="91425" spcFirstLastPara="1" rIns="91425" wrap="square" tIns="91425">
+          <a:bodyPr spcFirstLastPara="1" wrap="square" lIns="91425" tIns="91425" rIns="91425" bIns="91425" anchor="t" anchorCtr="0">
             <a:noAutofit/>
           </a:bodyPr>
           <a:lstStyle/>
           <a:p>
-            <a:pPr indent="0" lvl="0" marL="0" rtl="0" algn="l">
+            <a:pPr marL="0" lvl="0" indent="0" algn="l" rtl="0">
               <a:spcBef>
                 <a:spcPts val="0"/>
               </a:spcBef>
@@ -925,9 +952,6 @@
               </a:spcAft>
               <a:buNone/>
             </a:pPr>
-            <a:r>
-              <a:t/>
-            </a:r>
             <a:endParaRPr/>
           </a:p>
         </p:txBody>
@@ -935,20 +959,26 @@
       <p:sp>
         <p:nvSpPr>
           <p:cNvPr id="66" name="Google Shape;66;p3:notes"/>
-          <p:cNvSpPr/>
+          <p:cNvSpPr>
+            <a:spLocks noGrp="1" noRot="1" noChangeAspect="1"/>
+          </p:cNvSpPr>
           <p:nvPr>
-            <p:ph idx="2" type="sldImg"/>
+            <p:ph type="sldImg" idx="2"/>
           </p:nvPr>
         </p:nvSpPr>
         <p:spPr>
           <a:xfrm>
-            <a:off x="1143225" y="685800"/>
-            <a:ext cx="4572225" cy="3429000"/>
+            <a:off x="381000" y="685800"/>
+            <a:ext cx="6096000" cy="3429000"/>
           </a:xfrm>
           <a:custGeom>
-            <a:rect b="b" l="l" r="r" t="t"/>
+            <a:avLst/>
+            <a:gdLst/>
+            <a:ahLst/>
+            <a:cxnLst/>
+            <a:rect l="l" t="t" r="r" b="b"/>
             <a:pathLst>
-              <a:path extrusionOk="0" h="120000" w="120000">
+              <a:path w="120000" h="120000" extrusionOk="0">
                 <a:moveTo>
                   <a:pt x="0" y="0"/>
                 </a:moveTo>
@@ -976,11 +1006,11 @@
 </file>
 
 <file path=ppt/notesSlides/notesSlide4.xml><?xml version="1.0" encoding="utf-8"?>
-<p:notes xmlns:a="http://schemas.openxmlformats.org/drawingml/2006/main" xmlns:r="http://schemas.openxmlformats.org/officeDocument/2006/relationships" xmlns:mc="http://schemas.openxmlformats.org/markup-compatibility/2006" xmlns:mv="urn:schemas-microsoft-com:mac:vml" xmlns:p="http://schemas.openxmlformats.org/presentationml/2006/main" xmlns:c="http://schemas.openxmlformats.org/drawingml/2006/chart" xmlns:dgm="http://schemas.openxmlformats.org/drawingml/2006/diagram" xmlns:o="urn:schemas-microsoft-com:office:office" xmlns:v="urn:schemas-microsoft-com:vml" xmlns:pvml="urn:schemas-microsoft-com:office:powerpoint" xmlns:com="http://schemas.openxmlformats.org/drawingml/2006/compatibility" xmlns:p14="http://schemas.microsoft.com/office/powerpoint/2010/main" xmlns:p15="http://schemas.microsoft.com/office/powerpoint/2012/main" xmlns:ahyp="http://schemas.microsoft.com/office/drawing/2018/hyperlinkcolor" showMasterPhAnim="0" showMasterSp="0">
+<p:notes xmlns:a="http://schemas.openxmlformats.org/drawingml/2006/main" xmlns:r="http://schemas.openxmlformats.org/officeDocument/2006/relationships" xmlns:p="http://schemas.openxmlformats.org/presentationml/2006/main" showMasterSp="0" showMasterPhAnim="0">
   <p:cSld>
     <p:spTree>
       <p:nvGrpSpPr>
-        <p:cNvPr id="72" name="Shape 72"/>
+        <p:cNvPr id="1" name="Shape 72"/>
         <p:cNvGrpSpPr/>
         <p:nvPr/>
       </p:nvGrpSpPr>
@@ -995,9 +1025,11 @@
       <p:sp>
         <p:nvSpPr>
           <p:cNvPr id="73" name="Google Shape;73;p4:notes"/>
-          <p:cNvSpPr txBox="1"/>
+          <p:cNvSpPr txBox="1">
+            <a:spLocks noGrp="1"/>
+          </p:cNvSpPr>
           <p:nvPr>
-            <p:ph idx="1" type="body"/>
+            <p:ph type="body" idx="1"/>
           </p:nvPr>
         </p:nvSpPr>
         <p:spPr>
@@ -1010,12 +1042,12 @@
           </a:prstGeom>
         </p:spPr>
         <p:txBody>
-          <a:bodyPr anchorCtr="0" anchor="t" bIns="91425" lIns="91425" spcFirstLastPara="1" rIns="91425" wrap="square" tIns="91425">
+          <a:bodyPr spcFirstLastPara="1" wrap="square" lIns="91425" tIns="91425" rIns="91425" bIns="91425" anchor="t" anchorCtr="0">
             <a:noAutofit/>
           </a:bodyPr>
           <a:lstStyle/>
           <a:p>
-            <a:pPr indent="0" lvl="0" marL="0" rtl="0" algn="l">
+            <a:pPr marL="0" lvl="0" indent="0" algn="l" rtl="0">
               <a:spcBef>
                 <a:spcPts val="0"/>
               </a:spcBef>
@@ -1024,9 +1056,6 @@
               </a:spcAft>
               <a:buNone/>
             </a:pPr>
-            <a:r>
-              <a:t/>
-            </a:r>
             <a:endParaRPr/>
           </a:p>
         </p:txBody>
@@ -1034,9 +1063,11 @@
       <p:sp>
         <p:nvSpPr>
           <p:cNvPr id="74" name="Google Shape;74;p4:notes"/>
-          <p:cNvSpPr/>
+          <p:cNvSpPr>
+            <a:spLocks noGrp="1" noRot="1" noChangeAspect="1"/>
+          </p:cNvSpPr>
           <p:nvPr>
-            <p:ph idx="2" type="sldImg"/>
+            <p:ph type="sldImg" idx="2"/>
           </p:nvPr>
         </p:nvSpPr>
         <p:spPr>
@@ -1045,9 +1076,13 @@
             <a:ext cx="4572225" cy="3429000"/>
           </a:xfrm>
           <a:custGeom>
-            <a:rect b="b" l="l" r="r" t="t"/>
+            <a:avLst/>
+            <a:gdLst/>
+            <a:ahLst/>
+            <a:cxnLst/>
+            <a:rect l="l" t="t" r="r" b="b"/>
             <a:pathLst>
-              <a:path extrusionOk="0" h="120000" w="120000">
+              <a:path w="120000" h="120000" extrusionOk="0">
                 <a:moveTo>
                   <a:pt x="0" y="0"/>
                 </a:moveTo>
@@ -1075,11 +1110,11 @@
 </file>
 
 <file path=ppt/notesSlides/notesSlide5.xml><?xml version="1.0" encoding="utf-8"?>
-<p:notes xmlns:a="http://schemas.openxmlformats.org/drawingml/2006/main" xmlns:r="http://schemas.openxmlformats.org/officeDocument/2006/relationships" xmlns:mc="http://schemas.openxmlformats.org/markup-compatibility/2006" xmlns:mv="urn:schemas-microsoft-com:mac:vml" xmlns:p="http://schemas.openxmlformats.org/presentationml/2006/main" xmlns:c="http://schemas.openxmlformats.org/drawingml/2006/chart" xmlns:dgm="http://schemas.openxmlformats.org/drawingml/2006/diagram" xmlns:o="urn:schemas-microsoft-com:office:office" xmlns:v="urn:schemas-microsoft-com:vml" xmlns:pvml="urn:schemas-microsoft-com:office:powerpoint" xmlns:com="http://schemas.openxmlformats.org/drawingml/2006/compatibility" xmlns:p14="http://schemas.microsoft.com/office/powerpoint/2010/main" xmlns:p15="http://schemas.microsoft.com/office/powerpoint/2012/main" xmlns:ahyp="http://schemas.microsoft.com/office/drawing/2018/hyperlinkcolor" showMasterPhAnim="0" showMasterSp="0">
+<p:notes xmlns:a="http://schemas.openxmlformats.org/drawingml/2006/main" xmlns:r="http://schemas.openxmlformats.org/officeDocument/2006/relationships" xmlns:p="http://schemas.openxmlformats.org/presentationml/2006/main" showMasterSp="0" showMasterPhAnim="0">
   <p:cSld>
     <p:spTree>
       <p:nvGrpSpPr>
-        <p:cNvPr id="80" name="Shape 80"/>
+        <p:cNvPr id="1" name="Shape 80"/>
         <p:cNvGrpSpPr/>
         <p:nvPr/>
       </p:nvGrpSpPr>
@@ -1094,9 +1129,11 @@
       <p:sp>
         <p:nvSpPr>
           <p:cNvPr id="81" name="Google Shape;81;p5:notes"/>
-          <p:cNvSpPr txBox="1"/>
+          <p:cNvSpPr txBox="1">
+            <a:spLocks noGrp="1"/>
+          </p:cNvSpPr>
           <p:nvPr>
-            <p:ph idx="1" type="body"/>
+            <p:ph type="body" idx="1"/>
           </p:nvPr>
         </p:nvSpPr>
         <p:spPr>
@@ -1109,12 +1146,12 @@
           </a:prstGeom>
         </p:spPr>
         <p:txBody>
-          <a:bodyPr anchorCtr="0" anchor="t" bIns="91425" lIns="91425" spcFirstLastPara="1" rIns="91425" wrap="square" tIns="91425">
+          <a:bodyPr spcFirstLastPara="1" wrap="square" lIns="91425" tIns="91425" rIns="91425" bIns="91425" anchor="t" anchorCtr="0">
             <a:noAutofit/>
           </a:bodyPr>
           <a:lstStyle/>
           <a:p>
-            <a:pPr indent="0" lvl="0" marL="0" rtl="0" algn="l">
+            <a:pPr marL="0" lvl="0" indent="0" algn="l" rtl="0">
               <a:spcBef>
                 <a:spcPts val="0"/>
               </a:spcBef>
@@ -1123,9 +1160,6 @@
               </a:spcAft>
               <a:buNone/>
             </a:pPr>
-            <a:r>
-              <a:t/>
-            </a:r>
             <a:endParaRPr/>
           </a:p>
         </p:txBody>
@@ -1133,9 +1167,11 @@
       <p:sp>
         <p:nvSpPr>
           <p:cNvPr id="82" name="Google Shape;82;p5:notes"/>
-          <p:cNvSpPr/>
+          <p:cNvSpPr>
+            <a:spLocks noGrp="1" noRot="1" noChangeAspect="1"/>
+          </p:cNvSpPr>
           <p:nvPr>
-            <p:ph idx="2" type="sldImg"/>
+            <p:ph type="sldImg" idx="2"/>
           </p:nvPr>
         </p:nvSpPr>
         <p:spPr>
@@ -1144,9 +1180,13 @@
             <a:ext cx="4572225" cy="3429000"/>
           </a:xfrm>
           <a:custGeom>
-            <a:rect b="b" l="l" r="r" t="t"/>
+            <a:avLst/>
+            <a:gdLst/>
+            <a:ahLst/>
+            <a:cxnLst/>
+            <a:rect l="l" t="t" r="r" b="b"/>
             <a:pathLst>
-              <a:path extrusionOk="0" h="120000" w="120000">
+              <a:path w="120000" h="120000" extrusionOk="0">
                 <a:moveTo>
                   <a:pt x="0" y="0"/>
                 </a:moveTo>
@@ -1174,11 +1214,11 @@
 </file>
 
 <file path=ppt/notesSlides/notesSlide6.xml><?xml version="1.0" encoding="utf-8"?>
-<p:notes xmlns:a="http://schemas.openxmlformats.org/drawingml/2006/main" xmlns:r="http://schemas.openxmlformats.org/officeDocument/2006/relationships" xmlns:mc="http://schemas.openxmlformats.org/markup-compatibility/2006" xmlns:mv="urn:schemas-microsoft-com:mac:vml" xmlns:p="http://schemas.openxmlformats.org/presentationml/2006/main" xmlns:c="http://schemas.openxmlformats.org/drawingml/2006/chart" xmlns:dgm="http://schemas.openxmlformats.org/drawingml/2006/diagram" xmlns:o="urn:schemas-microsoft-com:office:office" xmlns:v="urn:schemas-microsoft-com:vml" xmlns:pvml="urn:schemas-microsoft-com:office:powerpoint" xmlns:com="http://schemas.openxmlformats.org/drawingml/2006/compatibility" xmlns:p14="http://schemas.microsoft.com/office/powerpoint/2010/main" xmlns:p15="http://schemas.microsoft.com/office/powerpoint/2012/main" xmlns:ahyp="http://schemas.microsoft.com/office/drawing/2018/hyperlinkcolor" showMasterPhAnim="0" showMasterSp="0">
+<p:notes xmlns:a="http://schemas.openxmlformats.org/drawingml/2006/main" xmlns:r="http://schemas.openxmlformats.org/officeDocument/2006/relationships" xmlns:p="http://schemas.openxmlformats.org/presentationml/2006/main" showMasterSp="0" showMasterPhAnim="0">
   <p:cSld>
     <p:spTree>
       <p:nvGrpSpPr>
-        <p:cNvPr id="88" name="Shape 88"/>
+        <p:cNvPr id="1" name="Shape 88"/>
         <p:cNvGrpSpPr/>
         <p:nvPr/>
       </p:nvGrpSpPr>
@@ -1193,9 +1233,11 @@
       <p:sp>
         <p:nvSpPr>
           <p:cNvPr id="89" name="Google Shape;89;p6:notes"/>
-          <p:cNvSpPr txBox="1"/>
+          <p:cNvSpPr txBox="1">
+            <a:spLocks noGrp="1"/>
+          </p:cNvSpPr>
           <p:nvPr>
-            <p:ph idx="1" type="body"/>
+            <p:ph type="body" idx="1"/>
           </p:nvPr>
         </p:nvSpPr>
         <p:spPr>
@@ -1208,12 +1250,12 @@
           </a:prstGeom>
         </p:spPr>
         <p:txBody>
-          <a:bodyPr anchorCtr="0" anchor="t" bIns="91425" lIns="91425" spcFirstLastPara="1" rIns="91425" wrap="square" tIns="91425">
+          <a:bodyPr spcFirstLastPara="1" wrap="square" lIns="91425" tIns="91425" rIns="91425" bIns="91425" anchor="t" anchorCtr="0">
             <a:noAutofit/>
           </a:bodyPr>
           <a:lstStyle/>
           <a:p>
-            <a:pPr indent="0" lvl="0" marL="0" rtl="0" algn="l">
+            <a:pPr marL="0" lvl="0" indent="0" algn="l" rtl="0">
               <a:spcBef>
                 <a:spcPts val="0"/>
               </a:spcBef>
@@ -1222,9 +1264,6 @@
               </a:spcAft>
               <a:buNone/>
             </a:pPr>
-            <a:r>
-              <a:t/>
-            </a:r>
             <a:endParaRPr/>
           </a:p>
         </p:txBody>
@@ -1232,9 +1271,11 @@
       <p:sp>
         <p:nvSpPr>
           <p:cNvPr id="90" name="Google Shape;90;p6:notes"/>
-          <p:cNvSpPr/>
+          <p:cNvSpPr>
+            <a:spLocks noGrp="1" noRot="1" noChangeAspect="1"/>
+          </p:cNvSpPr>
           <p:nvPr>
-            <p:ph idx="2" type="sldImg"/>
+            <p:ph type="sldImg" idx="2"/>
           </p:nvPr>
         </p:nvSpPr>
         <p:spPr>
@@ -1243,9 +1284,13 @@
             <a:ext cx="4572225" cy="3429000"/>
           </a:xfrm>
           <a:custGeom>
-            <a:rect b="b" l="l" r="r" t="t"/>
+            <a:avLst/>
+            <a:gdLst/>
+            <a:ahLst/>
+            <a:cxnLst/>
+            <a:rect l="l" t="t" r="r" b="b"/>
             <a:pathLst>
-              <a:path extrusionOk="0" h="120000" w="120000">
+              <a:path w="120000" h="120000" extrusionOk="0">
                 <a:moveTo>
                   <a:pt x="0" y="0"/>
                 </a:moveTo>
@@ -1273,11 +1318,11 @@
 </file>
 
 <file path=ppt/notesSlides/notesSlide7.xml><?xml version="1.0" encoding="utf-8"?>
-<p:notes xmlns:a="http://schemas.openxmlformats.org/drawingml/2006/main" xmlns:r="http://schemas.openxmlformats.org/officeDocument/2006/relationships" xmlns:mc="http://schemas.openxmlformats.org/markup-compatibility/2006" xmlns:mv="urn:schemas-microsoft-com:mac:vml" xmlns:p="http://schemas.openxmlformats.org/presentationml/2006/main" xmlns:c="http://schemas.openxmlformats.org/drawingml/2006/chart" xmlns:dgm="http://schemas.openxmlformats.org/drawingml/2006/diagram" xmlns:o="urn:schemas-microsoft-com:office:office" xmlns:v="urn:schemas-microsoft-com:vml" xmlns:pvml="urn:schemas-microsoft-com:office:powerpoint" xmlns:com="http://schemas.openxmlformats.org/drawingml/2006/compatibility" xmlns:p14="http://schemas.microsoft.com/office/powerpoint/2010/main" xmlns:p15="http://schemas.microsoft.com/office/powerpoint/2012/main" xmlns:ahyp="http://schemas.microsoft.com/office/drawing/2018/hyperlinkcolor" showMasterPhAnim="0" showMasterSp="0">
+<p:notes xmlns:a="http://schemas.openxmlformats.org/drawingml/2006/main" xmlns:r="http://schemas.openxmlformats.org/officeDocument/2006/relationships" xmlns:p="http://schemas.openxmlformats.org/presentationml/2006/main" showMasterSp="0" showMasterPhAnim="0">
   <p:cSld>
     <p:spTree>
       <p:nvGrpSpPr>
-        <p:cNvPr id="95" name="Shape 95"/>
+        <p:cNvPr id="1" name="Shape 95"/>
         <p:cNvGrpSpPr/>
         <p:nvPr/>
       </p:nvGrpSpPr>
@@ -1292,9 +1337,11 @@
       <p:sp>
         <p:nvSpPr>
           <p:cNvPr id="96" name="Google Shape;96;p7:notes"/>
-          <p:cNvSpPr txBox="1"/>
+          <p:cNvSpPr txBox="1">
+            <a:spLocks noGrp="1"/>
+          </p:cNvSpPr>
           <p:nvPr>
-            <p:ph idx="1" type="body"/>
+            <p:ph type="body" idx="1"/>
           </p:nvPr>
         </p:nvSpPr>
         <p:spPr>
@@ -1307,12 +1354,12 @@
           </a:prstGeom>
         </p:spPr>
         <p:txBody>
-          <a:bodyPr anchorCtr="0" anchor="t" bIns="91425" lIns="91425" spcFirstLastPara="1" rIns="91425" wrap="square" tIns="91425">
+          <a:bodyPr spcFirstLastPara="1" wrap="square" lIns="91425" tIns="91425" rIns="91425" bIns="91425" anchor="t" anchorCtr="0">
             <a:noAutofit/>
           </a:bodyPr>
           <a:lstStyle/>
           <a:p>
-            <a:pPr indent="0" lvl="0" marL="0" rtl="0" algn="l">
+            <a:pPr marL="0" lvl="0" indent="0" algn="l" rtl="0">
               <a:spcBef>
                 <a:spcPts val="0"/>
               </a:spcBef>
@@ -1321,9 +1368,6 @@
               </a:spcAft>
               <a:buNone/>
             </a:pPr>
-            <a:r>
-              <a:t/>
-            </a:r>
             <a:endParaRPr/>
           </a:p>
         </p:txBody>
@@ -1331,9 +1375,11 @@
       <p:sp>
         <p:nvSpPr>
           <p:cNvPr id="97" name="Google Shape;97;p7:notes"/>
-          <p:cNvSpPr/>
+          <p:cNvSpPr>
+            <a:spLocks noGrp="1" noRot="1" noChangeAspect="1"/>
+          </p:cNvSpPr>
           <p:nvPr>
-            <p:ph idx="2" type="sldImg"/>
+            <p:ph type="sldImg" idx="2"/>
           </p:nvPr>
         </p:nvSpPr>
         <p:spPr>
@@ -1342,9 +1388,13 @@
             <a:ext cx="4572225" cy="3429000"/>
           </a:xfrm>
           <a:custGeom>
-            <a:rect b="b" l="l" r="r" t="t"/>
+            <a:avLst/>
+            <a:gdLst/>
+            <a:ahLst/>
+            <a:cxnLst/>
+            <a:rect l="l" t="t" r="r" b="b"/>
             <a:pathLst>
-              <a:path extrusionOk="0" h="120000" w="120000">
+              <a:path w="120000" h="120000" extrusionOk="0">
                 <a:moveTo>
                   <a:pt x="0" y="0"/>
                 </a:moveTo>
@@ -1372,11 +1422,11 @@
 </file>
 
 <file path=ppt/notesSlides/notesSlide8.xml><?xml version="1.0" encoding="utf-8"?>
-<p:notes xmlns:a="http://schemas.openxmlformats.org/drawingml/2006/main" xmlns:r="http://schemas.openxmlformats.org/officeDocument/2006/relationships" xmlns:mc="http://schemas.openxmlformats.org/markup-compatibility/2006" xmlns:mv="urn:schemas-microsoft-com:mac:vml" xmlns:p="http://schemas.openxmlformats.org/presentationml/2006/main" xmlns:c="http://schemas.openxmlformats.org/drawingml/2006/chart" xmlns:dgm="http://schemas.openxmlformats.org/drawingml/2006/diagram" xmlns:o="urn:schemas-microsoft-com:office:office" xmlns:v="urn:schemas-microsoft-com:vml" xmlns:pvml="urn:schemas-microsoft-com:office:powerpoint" xmlns:com="http://schemas.openxmlformats.org/drawingml/2006/compatibility" xmlns:p14="http://schemas.microsoft.com/office/powerpoint/2010/main" xmlns:p15="http://schemas.microsoft.com/office/powerpoint/2012/main" xmlns:ahyp="http://schemas.microsoft.com/office/drawing/2018/hyperlinkcolor" showMasterPhAnim="0" showMasterSp="0">
+<p:notes xmlns:a="http://schemas.openxmlformats.org/drawingml/2006/main" xmlns:r="http://schemas.openxmlformats.org/officeDocument/2006/relationships" xmlns:p="http://schemas.openxmlformats.org/presentationml/2006/main" showMasterSp="0" showMasterPhAnim="0">
   <p:cSld>
     <p:spTree>
       <p:nvGrpSpPr>
-        <p:cNvPr id="103" name="Shape 103"/>
+        <p:cNvPr id="1" name="Shape 103"/>
         <p:cNvGrpSpPr/>
         <p:nvPr/>
       </p:nvGrpSpPr>
@@ -1391,9 +1441,11 @@
       <p:sp>
         <p:nvSpPr>
           <p:cNvPr id="104" name="Google Shape;104;p8:notes"/>
-          <p:cNvSpPr txBox="1"/>
+          <p:cNvSpPr txBox="1">
+            <a:spLocks noGrp="1"/>
+          </p:cNvSpPr>
           <p:nvPr>
-            <p:ph idx="1" type="body"/>
+            <p:ph type="body" idx="1"/>
           </p:nvPr>
         </p:nvSpPr>
         <p:spPr>
@@ -1406,12 +1458,12 @@
           </a:prstGeom>
         </p:spPr>
         <p:txBody>
-          <a:bodyPr anchorCtr="0" anchor="t" bIns="91425" lIns="91425" spcFirstLastPara="1" rIns="91425" wrap="square" tIns="91425">
+          <a:bodyPr spcFirstLastPara="1" wrap="square" lIns="91425" tIns="91425" rIns="91425" bIns="91425" anchor="t" anchorCtr="0">
             <a:noAutofit/>
           </a:bodyPr>
           <a:lstStyle/>
           <a:p>
-            <a:pPr indent="0" lvl="0" marL="0" rtl="0" algn="l">
+            <a:pPr marL="0" lvl="0" indent="0" algn="l" rtl="0">
               <a:spcBef>
                 <a:spcPts val="0"/>
               </a:spcBef>
@@ -1420,9 +1472,6 @@
               </a:spcAft>
               <a:buNone/>
             </a:pPr>
-            <a:r>
-              <a:t/>
-            </a:r>
             <a:endParaRPr/>
           </a:p>
         </p:txBody>
@@ -1430,9 +1479,11 @@
       <p:sp>
         <p:nvSpPr>
           <p:cNvPr id="105" name="Google Shape;105;p8:notes"/>
-          <p:cNvSpPr/>
+          <p:cNvSpPr>
+            <a:spLocks noGrp="1" noRot="1" noChangeAspect="1"/>
+          </p:cNvSpPr>
           <p:nvPr>
-            <p:ph idx="2" type="sldImg"/>
+            <p:ph type="sldImg" idx="2"/>
           </p:nvPr>
         </p:nvSpPr>
         <p:spPr>
@@ -1441,9 +1492,13 @@
             <a:ext cx="4572225" cy="3429000"/>
           </a:xfrm>
           <a:custGeom>
-            <a:rect b="b" l="l" r="r" t="t"/>
+            <a:avLst/>
+            <a:gdLst/>
+            <a:ahLst/>
+            <a:cxnLst/>
+            <a:rect l="l" t="t" r="r" b="b"/>
             <a:pathLst>
-              <a:path extrusionOk="0" h="120000" w="120000">
+              <a:path w="120000" h="120000" extrusionOk="0">
                 <a:moveTo>
                   <a:pt x="0" y="0"/>
                 </a:moveTo>
@@ -1471,11 +1526,11 @@
 </file>
 
 <file path=ppt/notesSlides/notesSlide9.xml><?xml version="1.0" encoding="utf-8"?>
-<p:notes xmlns:a="http://schemas.openxmlformats.org/drawingml/2006/main" xmlns:r="http://schemas.openxmlformats.org/officeDocument/2006/relationships" xmlns:mc="http://schemas.openxmlformats.org/markup-compatibility/2006" xmlns:mv="urn:schemas-microsoft-com:mac:vml" xmlns:p="http://schemas.openxmlformats.org/presentationml/2006/main" xmlns:c="http://schemas.openxmlformats.org/drawingml/2006/chart" xmlns:dgm="http://schemas.openxmlformats.org/drawingml/2006/diagram" xmlns:o="urn:schemas-microsoft-com:office:office" xmlns:v="urn:schemas-microsoft-com:vml" xmlns:pvml="urn:schemas-microsoft-com:office:powerpoint" xmlns:com="http://schemas.openxmlformats.org/drawingml/2006/compatibility" xmlns:p14="http://schemas.microsoft.com/office/powerpoint/2010/main" xmlns:p15="http://schemas.microsoft.com/office/powerpoint/2012/main" xmlns:ahyp="http://schemas.microsoft.com/office/drawing/2018/hyperlinkcolor" showMasterPhAnim="0" showMasterSp="0">
+<p:notes xmlns:a="http://schemas.openxmlformats.org/drawingml/2006/main" xmlns:r="http://schemas.openxmlformats.org/officeDocument/2006/relationships" xmlns:p="http://schemas.openxmlformats.org/presentationml/2006/main" showMasterSp="0" showMasterPhAnim="0">
   <p:cSld>
     <p:spTree>
       <p:nvGrpSpPr>
-        <p:cNvPr id="108" name="Shape 108"/>
+        <p:cNvPr id="1" name="Shape 108"/>
         <p:cNvGrpSpPr/>
         <p:nvPr/>
       </p:nvGrpSpPr>
@@ -1490,9 +1545,11 @@
       <p:sp>
         <p:nvSpPr>
           <p:cNvPr id="109" name="Google Shape;109;p9:notes"/>
-          <p:cNvSpPr txBox="1"/>
+          <p:cNvSpPr txBox="1">
+            <a:spLocks noGrp="1"/>
+          </p:cNvSpPr>
           <p:nvPr>
-            <p:ph idx="1" type="body"/>
+            <p:ph type="body" idx="1"/>
           </p:nvPr>
         </p:nvSpPr>
         <p:spPr>
@@ -1505,12 +1562,12 @@
           </a:prstGeom>
         </p:spPr>
         <p:txBody>
-          <a:bodyPr anchorCtr="0" anchor="t" bIns="91425" lIns="91425" spcFirstLastPara="1" rIns="91425" wrap="square" tIns="91425">
+          <a:bodyPr spcFirstLastPara="1" wrap="square" lIns="91425" tIns="91425" rIns="91425" bIns="91425" anchor="t" anchorCtr="0">
             <a:noAutofit/>
           </a:bodyPr>
           <a:lstStyle/>
           <a:p>
-            <a:pPr indent="0" lvl="0" marL="0" rtl="0" algn="l">
+            <a:pPr marL="0" lvl="0" indent="0" algn="l" rtl="0">
               <a:spcBef>
                 <a:spcPts val="0"/>
               </a:spcBef>
@@ -1519,9 +1576,6 @@
               </a:spcAft>
               <a:buNone/>
             </a:pPr>
-            <a:r>
-              <a:t/>
-            </a:r>
             <a:endParaRPr/>
           </a:p>
         </p:txBody>
@@ -1529,9 +1583,11 @@
       <p:sp>
         <p:nvSpPr>
           <p:cNvPr id="110" name="Google Shape;110;p9:notes"/>
-          <p:cNvSpPr/>
+          <p:cNvSpPr>
+            <a:spLocks noGrp="1" noRot="1" noChangeAspect="1"/>
+          </p:cNvSpPr>
           <p:nvPr>
-            <p:ph idx="2" type="sldImg"/>
+            <p:ph type="sldImg" idx="2"/>
           </p:nvPr>
         </p:nvSpPr>
         <p:spPr>
@@ -1540,9 +1596,13 @@
             <a:ext cx="4572225" cy="3429000"/>
           </a:xfrm>
           <a:custGeom>
-            <a:rect b="b" l="l" r="r" t="t"/>
+            <a:avLst/>
+            <a:gdLst/>
+            <a:ahLst/>
+            <a:cxnLst/>
+            <a:rect l="l" t="t" r="r" b="b"/>
             <a:pathLst>
-              <a:path extrusionOk="0" h="120000" w="120000">
+              <a:path w="120000" h="120000" extrusionOk="0">
                 <a:moveTo>
                   <a:pt x="0" y="0"/>
                 </a:moveTo>
@@ -1570,11 +1630,11 @@
 </file>
 
 <file path=ppt/slideLayouts/slideLayout1.xml><?xml version="1.0" encoding="utf-8"?>
-<p:sldLayout xmlns:a="http://schemas.openxmlformats.org/drawingml/2006/main" xmlns:r="http://schemas.openxmlformats.org/officeDocument/2006/relationships" xmlns:mc="http://schemas.openxmlformats.org/markup-compatibility/2006" xmlns:mv="urn:schemas-microsoft-com:mac:vml" xmlns:p="http://schemas.openxmlformats.org/presentationml/2006/main" xmlns:c="http://schemas.openxmlformats.org/drawingml/2006/chart" xmlns:dgm="http://schemas.openxmlformats.org/drawingml/2006/diagram" xmlns:o="urn:schemas-microsoft-com:office:office" xmlns:v="urn:schemas-microsoft-com:vml" xmlns:pvml="urn:schemas-microsoft-com:office:powerpoint" xmlns:com="http://schemas.openxmlformats.org/drawingml/2006/compatibility" xmlns:p14="http://schemas.microsoft.com/office/powerpoint/2010/main" xmlns:p15="http://schemas.microsoft.com/office/powerpoint/2012/main" xmlns:ahyp="http://schemas.microsoft.com/office/drawing/2018/hyperlinkcolor" matchingName="Title slide" type="title">
+<p:sldLayout xmlns:a="http://schemas.openxmlformats.org/drawingml/2006/main" xmlns:r="http://schemas.openxmlformats.org/officeDocument/2006/relationships" xmlns:p="http://schemas.openxmlformats.org/presentationml/2006/main" matchingName="Title slide" type="title">
   <p:cSld name="TITLE">
     <p:spTree>
       <p:nvGrpSpPr>
-        <p:cNvPr id="9" name="Shape 9"/>
+        <p:cNvPr id="1" name="Shape 9"/>
         <p:cNvGrpSpPr/>
         <p:nvPr/>
       </p:nvGrpSpPr>
@@ -1589,7 +1649,9 @@
       <p:sp>
         <p:nvSpPr>
           <p:cNvPr id="10" name="Google Shape;10;p2"/>
-          <p:cNvSpPr txBox="1"/>
+          <p:cNvSpPr txBox="1">
+            <a:spLocks noGrp="1"/>
+          </p:cNvSpPr>
           <p:nvPr>
             <p:ph type="ctrTitle"/>
           </p:nvPr>
@@ -1604,7 +1666,7 @@
           </a:prstGeom>
         </p:spPr>
         <p:txBody>
-          <a:bodyPr anchorCtr="0" anchor="b" bIns="121900" lIns="121900" spcFirstLastPara="1" rIns="121900" wrap="square" tIns="121900">
+          <a:bodyPr spcFirstLastPara="1" wrap="square" lIns="121900" tIns="121900" rIns="121900" bIns="121900" anchor="b" anchorCtr="0">
             <a:normAutofit/>
           </a:bodyPr>
           <a:lstStyle>
@@ -1708,15 +1770,19 @@
               <a:defRPr sz="6900"/>
             </a:lvl9pPr>
           </a:lstStyle>
-          <a:p/>
+          <a:p>
+            <a:endParaRPr/>
+          </a:p>
         </p:txBody>
       </p:sp>
       <p:sp>
         <p:nvSpPr>
           <p:cNvPr id="11" name="Google Shape;11;p2"/>
-          <p:cNvSpPr txBox="1"/>
+          <p:cNvSpPr txBox="1">
+            <a:spLocks noGrp="1"/>
+          </p:cNvSpPr>
           <p:nvPr>
-            <p:ph idx="1" type="subTitle"/>
+            <p:ph type="subTitle" idx="1"/>
           </p:nvPr>
         </p:nvSpPr>
         <p:spPr>
@@ -1729,7 +1795,7 @@
           </a:prstGeom>
         </p:spPr>
         <p:txBody>
-          <a:bodyPr anchorCtr="0" anchor="t" bIns="121900" lIns="121900" spcFirstLastPara="1" rIns="121900" wrap="square" tIns="121900">
+          <a:bodyPr spcFirstLastPara="1" wrap="square" lIns="121900" tIns="121900" rIns="121900" bIns="121900" anchor="t" anchorCtr="0">
             <a:normAutofit/>
           </a:bodyPr>
           <a:lstStyle>
@@ -1860,15 +1926,19 @@
               <a:defRPr sz="3700"/>
             </a:lvl9pPr>
           </a:lstStyle>
-          <a:p/>
+          <a:p>
+            <a:endParaRPr/>
+          </a:p>
         </p:txBody>
       </p:sp>
       <p:sp>
         <p:nvSpPr>
           <p:cNvPr id="12" name="Google Shape;12;p2"/>
-          <p:cNvSpPr txBox="1"/>
+          <p:cNvSpPr txBox="1">
+            <a:spLocks noGrp="1"/>
+          </p:cNvSpPr>
           <p:nvPr>
-            <p:ph idx="12" type="sldNum"/>
+            <p:ph type="sldNum" idx="12"/>
           </p:nvPr>
         </p:nvSpPr>
         <p:spPr>
@@ -1881,7 +1951,7 @@
           </a:prstGeom>
         </p:spPr>
         <p:txBody>
-          <a:bodyPr anchorCtr="0" anchor="ctr" bIns="121900" lIns="121900" spcFirstLastPara="1" rIns="121900" wrap="square" tIns="121900">
+          <a:bodyPr spcFirstLastPara="1" wrap="square" lIns="121900" tIns="121900" rIns="121900" bIns="121900" anchor="ctr" anchorCtr="0">
             <a:normAutofit/>
           </a:bodyPr>
           <a:lstStyle>
@@ -1923,7 +1993,7 @@
             </a:lvl9pPr>
           </a:lstStyle>
           <a:p>
-            <a:pPr indent="0" lvl="0" marL="0" rtl="0" algn="r">
+            <a:pPr marL="0" lvl="0" indent="0" algn="r" rtl="0">
               <a:spcBef>
                 <a:spcPts val="0"/>
               </a:spcBef>
@@ -1949,11 +2019,11 @@
 </file>
 
 <file path=ppt/slideLayouts/slideLayout10.xml><?xml version="1.0" encoding="utf-8"?>
-<p:sldLayout xmlns:a="http://schemas.openxmlformats.org/drawingml/2006/main" xmlns:r="http://schemas.openxmlformats.org/officeDocument/2006/relationships" xmlns:mc="http://schemas.openxmlformats.org/markup-compatibility/2006" xmlns:mv="urn:schemas-microsoft-com:mac:vml" xmlns:p="http://schemas.openxmlformats.org/presentationml/2006/main" xmlns:c="http://schemas.openxmlformats.org/drawingml/2006/chart" xmlns:dgm="http://schemas.openxmlformats.org/drawingml/2006/diagram" xmlns:o="urn:schemas-microsoft-com:office:office" xmlns:v="urn:schemas-microsoft-com:vml" xmlns:pvml="urn:schemas-microsoft-com:office:powerpoint" xmlns:com="http://schemas.openxmlformats.org/drawingml/2006/compatibility" xmlns:p14="http://schemas.microsoft.com/office/powerpoint/2010/main" xmlns:p15="http://schemas.microsoft.com/office/powerpoint/2012/main" xmlns:ahyp="http://schemas.microsoft.com/office/drawing/2018/hyperlinkcolor" matchingName="Big number">
+<p:sldLayout xmlns:a="http://schemas.openxmlformats.org/drawingml/2006/main" xmlns:r="http://schemas.openxmlformats.org/officeDocument/2006/relationships" xmlns:p="http://schemas.openxmlformats.org/presentationml/2006/main" matchingName="Big number">
   <p:cSld name="BIG_NUMBER">
     <p:spTree>
       <p:nvGrpSpPr>
-        <p:cNvPr id="44" name="Shape 44"/>
+        <p:cNvPr id="1" name="Shape 44"/>
         <p:cNvGrpSpPr/>
         <p:nvPr/>
       </p:nvGrpSpPr>
@@ -1968,9 +2038,11 @@
       <p:sp>
         <p:nvSpPr>
           <p:cNvPr id="45" name="Google Shape;45;p11"/>
-          <p:cNvSpPr txBox="1"/>
+          <p:cNvSpPr txBox="1">
+            <a:spLocks noGrp="1"/>
+          </p:cNvSpPr>
           <p:nvPr>
-            <p:ph hasCustomPrompt="1" type="title"/>
+            <p:ph type="title" hasCustomPrompt="1"/>
           </p:nvPr>
         </p:nvSpPr>
         <p:spPr>
@@ -1983,7 +2055,7 @@
           </a:prstGeom>
         </p:spPr>
         <p:txBody>
-          <a:bodyPr anchorCtr="0" anchor="b" bIns="121900" lIns="121900" spcFirstLastPara="1" rIns="121900" wrap="square" tIns="121900">
+          <a:bodyPr spcFirstLastPara="1" wrap="square" lIns="121900" tIns="121900" rIns="121900" bIns="121900" anchor="b" anchorCtr="0">
             <a:normAutofit/>
           </a:bodyPr>
           <a:lstStyle>
@@ -2097,9 +2169,11 @@
       <p:sp>
         <p:nvSpPr>
           <p:cNvPr id="46" name="Google Shape;46;p11"/>
-          <p:cNvSpPr txBox="1"/>
+          <p:cNvSpPr txBox="1">
+            <a:spLocks noGrp="1"/>
+          </p:cNvSpPr>
           <p:nvPr>
-            <p:ph idx="1" type="body"/>
+            <p:ph type="body" idx="1"/>
           </p:nvPr>
         </p:nvSpPr>
         <p:spPr>
@@ -2112,11 +2186,11 @@
           </a:prstGeom>
         </p:spPr>
         <p:txBody>
-          <a:bodyPr anchorCtr="0" anchor="t" bIns="121900" lIns="121900" spcFirstLastPara="1" rIns="121900" wrap="square" tIns="121900">
+          <a:bodyPr spcFirstLastPara="1" wrap="square" lIns="121900" tIns="121900" rIns="121900" bIns="121900" anchor="t" anchorCtr="0">
             <a:normAutofit/>
           </a:bodyPr>
           <a:lstStyle>
-            <a:lvl1pPr indent="-381000" lvl="0" marL="457200" algn="ctr">
+            <a:lvl1pPr marL="457200" lvl="0" indent="-381000" algn="ctr">
               <a:spcBef>
                 <a:spcPts val="0"/>
               </a:spcBef>
@@ -2127,7 +2201,7 @@
               <a:buChar char="●"/>
               <a:defRPr/>
             </a:lvl1pPr>
-            <a:lvl2pPr indent="-349250" lvl="1" marL="914400" algn="ctr">
+            <a:lvl2pPr marL="914400" lvl="1" indent="-349250" algn="ctr">
               <a:spcBef>
                 <a:spcPts val="0"/>
               </a:spcBef>
@@ -2138,7 +2212,7 @@
               <a:buChar char="○"/>
               <a:defRPr/>
             </a:lvl2pPr>
-            <a:lvl3pPr indent="-349250" lvl="2" marL="1371600" algn="ctr">
+            <a:lvl3pPr marL="1371600" lvl="2" indent="-349250" algn="ctr">
               <a:spcBef>
                 <a:spcPts val="0"/>
               </a:spcBef>
@@ -2149,7 +2223,7 @@
               <a:buChar char="■"/>
               <a:defRPr/>
             </a:lvl3pPr>
-            <a:lvl4pPr indent="-349250" lvl="3" marL="1828800" algn="ctr">
+            <a:lvl4pPr marL="1828800" lvl="3" indent="-349250" algn="ctr">
               <a:spcBef>
                 <a:spcPts val="0"/>
               </a:spcBef>
@@ -2160,7 +2234,7 @@
               <a:buChar char="●"/>
               <a:defRPr/>
             </a:lvl4pPr>
-            <a:lvl5pPr indent="-349250" lvl="4" marL="2286000" algn="ctr">
+            <a:lvl5pPr marL="2286000" lvl="4" indent="-349250" algn="ctr">
               <a:spcBef>
                 <a:spcPts val="0"/>
               </a:spcBef>
@@ -2171,7 +2245,7 @@
               <a:buChar char="○"/>
               <a:defRPr/>
             </a:lvl5pPr>
-            <a:lvl6pPr indent="-349250" lvl="5" marL="2743200" algn="ctr">
+            <a:lvl6pPr marL="2743200" lvl="5" indent="-349250" algn="ctr">
               <a:spcBef>
                 <a:spcPts val="0"/>
               </a:spcBef>
@@ -2182,7 +2256,7 @@
               <a:buChar char="■"/>
               <a:defRPr/>
             </a:lvl6pPr>
-            <a:lvl7pPr indent="-349250" lvl="6" marL="3200400" algn="ctr">
+            <a:lvl7pPr marL="3200400" lvl="6" indent="-349250" algn="ctr">
               <a:spcBef>
                 <a:spcPts val="0"/>
               </a:spcBef>
@@ -2193,7 +2267,7 @@
               <a:buChar char="●"/>
               <a:defRPr/>
             </a:lvl7pPr>
-            <a:lvl8pPr indent="-349250" lvl="7" marL="3657600" algn="ctr">
+            <a:lvl8pPr marL="3657600" lvl="7" indent="-349250" algn="ctr">
               <a:spcBef>
                 <a:spcPts val="0"/>
               </a:spcBef>
@@ -2204,7 +2278,7 @@
               <a:buChar char="○"/>
               <a:defRPr/>
             </a:lvl8pPr>
-            <a:lvl9pPr indent="-349250" lvl="8" marL="4114800" algn="ctr">
+            <a:lvl9pPr marL="4114800" lvl="8" indent="-349250" algn="ctr">
               <a:spcBef>
                 <a:spcPts val="0"/>
               </a:spcBef>
@@ -2216,15 +2290,19 @@
               <a:defRPr/>
             </a:lvl9pPr>
           </a:lstStyle>
-          <a:p/>
+          <a:p>
+            <a:endParaRPr/>
+          </a:p>
         </p:txBody>
       </p:sp>
       <p:sp>
         <p:nvSpPr>
           <p:cNvPr id="47" name="Google Shape;47;p11"/>
-          <p:cNvSpPr txBox="1"/>
+          <p:cNvSpPr txBox="1">
+            <a:spLocks noGrp="1"/>
+          </p:cNvSpPr>
           <p:nvPr>
-            <p:ph idx="12" type="sldNum"/>
+            <p:ph type="sldNum" idx="12"/>
           </p:nvPr>
         </p:nvSpPr>
         <p:spPr>
@@ -2237,7 +2315,7 @@
           </a:prstGeom>
         </p:spPr>
         <p:txBody>
-          <a:bodyPr anchorCtr="0" anchor="ctr" bIns="121900" lIns="121900" spcFirstLastPara="1" rIns="121900" wrap="square" tIns="121900">
+          <a:bodyPr spcFirstLastPara="1" wrap="square" lIns="121900" tIns="121900" rIns="121900" bIns="121900" anchor="ctr" anchorCtr="0">
             <a:normAutofit/>
           </a:bodyPr>
           <a:lstStyle>
@@ -2279,7 +2357,7 @@
             </a:lvl9pPr>
           </a:lstStyle>
           <a:p>
-            <a:pPr indent="0" lvl="0" marL="0" rtl="0" algn="r">
+            <a:pPr marL="0" lvl="0" indent="0" algn="r" rtl="0">
               <a:spcBef>
                 <a:spcPts val="0"/>
               </a:spcBef>
@@ -2305,11 +2383,11 @@
 </file>
 
 <file path=ppt/slideLayouts/slideLayout11.xml><?xml version="1.0" encoding="utf-8"?>
-<p:sldLayout xmlns:a="http://schemas.openxmlformats.org/drawingml/2006/main" xmlns:r="http://schemas.openxmlformats.org/officeDocument/2006/relationships" xmlns:mc="http://schemas.openxmlformats.org/markup-compatibility/2006" xmlns:mv="urn:schemas-microsoft-com:mac:vml" xmlns:p="http://schemas.openxmlformats.org/presentationml/2006/main" xmlns:c="http://schemas.openxmlformats.org/drawingml/2006/chart" xmlns:dgm="http://schemas.openxmlformats.org/drawingml/2006/diagram" xmlns:o="urn:schemas-microsoft-com:office:office" xmlns:v="urn:schemas-microsoft-com:vml" xmlns:pvml="urn:schemas-microsoft-com:office:powerpoint" xmlns:com="http://schemas.openxmlformats.org/drawingml/2006/compatibility" xmlns:p14="http://schemas.microsoft.com/office/powerpoint/2010/main" xmlns:p15="http://schemas.microsoft.com/office/powerpoint/2012/main" xmlns:ahyp="http://schemas.microsoft.com/office/drawing/2018/hyperlinkcolor" matchingName="Blank" type="blank">
+<p:sldLayout xmlns:a="http://schemas.openxmlformats.org/drawingml/2006/main" xmlns:r="http://schemas.openxmlformats.org/officeDocument/2006/relationships" xmlns:p="http://schemas.openxmlformats.org/presentationml/2006/main" matchingName="Blank" type="blank">
   <p:cSld name="BLANK">
     <p:spTree>
       <p:nvGrpSpPr>
-        <p:cNvPr id="48" name="Shape 48"/>
+        <p:cNvPr id="1" name="Shape 48"/>
         <p:cNvGrpSpPr/>
         <p:nvPr/>
       </p:nvGrpSpPr>
@@ -2324,9 +2402,11 @@
       <p:sp>
         <p:nvSpPr>
           <p:cNvPr id="49" name="Google Shape;49;p12"/>
-          <p:cNvSpPr txBox="1"/>
+          <p:cNvSpPr txBox="1">
+            <a:spLocks noGrp="1"/>
+          </p:cNvSpPr>
           <p:nvPr>
-            <p:ph idx="12" type="sldNum"/>
+            <p:ph type="sldNum" idx="12"/>
           </p:nvPr>
         </p:nvSpPr>
         <p:spPr>
@@ -2339,7 +2419,7 @@
           </a:prstGeom>
         </p:spPr>
         <p:txBody>
-          <a:bodyPr anchorCtr="0" anchor="ctr" bIns="121900" lIns="121900" spcFirstLastPara="1" rIns="121900" wrap="square" tIns="121900">
+          <a:bodyPr spcFirstLastPara="1" wrap="square" lIns="121900" tIns="121900" rIns="121900" bIns="121900" anchor="ctr" anchorCtr="0">
             <a:normAutofit/>
           </a:bodyPr>
           <a:lstStyle>
@@ -2381,7 +2461,7 @@
             </a:lvl9pPr>
           </a:lstStyle>
           <a:p>
-            <a:pPr indent="0" lvl="0" marL="0" rtl="0" algn="r">
+            <a:pPr marL="0" lvl="0" indent="0" algn="r" rtl="0">
               <a:spcBef>
                 <a:spcPts val="0"/>
               </a:spcBef>
@@ -2407,11 +2487,11 @@
 </file>
 
 <file path=ppt/slideLayouts/slideLayout2.xml><?xml version="1.0" encoding="utf-8"?>
-<p:sldLayout xmlns:a="http://schemas.openxmlformats.org/drawingml/2006/main" xmlns:r="http://schemas.openxmlformats.org/officeDocument/2006/relationships" xmlns:mc="http://schemas.openxmlformats.org/markup-compatibility/2006" xmlns:mv="urn:schemas-microsoft-com:mac:vml" xmlns:p="http://schemas.openxmlformats.org/presentationml/2006/main" xmlns:c="http://schemas.openxmlformats.org/drawingml/2006/chart" xmlns:dgm="http://schemas.openxmlformats.org/drawingml/2006/diagram" xmlns:o="urn:schemas-microsoft-com:office:office" xmlns:v="urn:schemas-microsoft-com:vml" xmlns:pvml="urn:schemas-microsoft-com:office:powerpoint" xmlns:com="http://schemas.openxmlformats.org/drawingml/2006/compatibility" xmlns:p14="http://schemas.microsoft.com/office/powerpoint/2010/main" xmlns:p15="http://schemas.microsoft.com/office/powerpoint/2012/main" xmlns:ahyp="http://schemas.microsoft.com/office/drawing/2018/hyperlinkcolor" matchingName="Section header" type="secHead">
+<p:sldLayout xmlns:a="http://schemas.openxmlformats.org/drawingml/2006/main" xmlns:r="http://schemas.openxmlformats.org/officeDocument/2006/relationships" xmlns:p="http://schemas.openxmlformats.org/presentationml/2006/main" matchingName="Section header" type="secHead">
   <p:cSld name="SECTION_HEADER">
     <p:spTree>
       <p:nvGrpSpPr>
-        <p:cNvPr id="13" name="Shape 13"/>
+        <p:cNvPr id="1" name="Shape 13"/>
         <p:cNvGrpSpPr/>
         <p:nvPr/>
       </p:nvGrpSpPr>
@@ -2426,7 +2506,9 @@
       <p:sp>
         <p:nvSpPr>
           <p:cNvPr id="14" name="Google Shape;14;p3"/>
-          <p:cNvSpPr txBox="1"/>
+          <p:cNvSpPr txBox="1">
+            <a:spLocks noGrp="1"/>
+          </p:cNvSpPr>
           <p:nvPr>
             <p:ph type="title"/>
           </p:nvPr>
@@ -2441,7 +2523,7 @@
           </a:prstGeom>
         </p:spPr>
         <p:txBody>
-          <a:bodyPr anchorCtr="0" anchor="ctr" bIns="121900" lIns="121900" spcFirstLastPara="1" rIns="121900" wrap="square" tIns="121900">
+          <a:bodyPr spcFirstLastPara="1" wrap="square" lIns="121900" tIns="121900" rIns="121900" bIns="121900" anchor="ctr" anchorCtr="0">
             <a:normAutofit/>
           </a:bodyPr>
           <a:lstStyle>
@@ -2545,15 +2627,19 @@
               <a:defRPr sz="4800"/>
             </a:lvl9pPr>
           </a:lstStyle>
-          <a:p/>
+          <a:p>
+            <a:endParaRPr/>
+          </a:p>
         </p:txBody>
       </p:sp>
       <p:sp>
         <p:nvSpPr>
           <p:cNvPr id="15" name="Google Shape;15;p3"/>
-          <p:cNvSpPr txBox="1"/>
+          <p:cNvSpPr txBox="1">
+            <a:spLocks noGrp="1"/>
+          </p:cNvSpPr>
           <p:nvPr>
-            <p:ph idx="12" type="sldNum"/>
+            <p:ph type="sldNum" idx="12"/>
           </p:nvPr>
         </p:nvSpPr>
         <p:spPr>
@@ -2566,7 +2652,7 @@
           </a:prstGeom>
         </p:spPr>
         <p:txBody>
-          <a:bodyPr anchorCtr="0" anchor="ctr" bIns="121900" lIns="121900" spcFirstLastPara="1" rIns="121900" wrap="square" tIns="121900">
+          <a:bodyPr spcFirstLastPara="1" wrap="square" lIns="121900" tIns="121900" rIns="121900" bIns="121900" anchor="ctr" anchorCtr="0">
             <a:normAutofit/>
           </a:bodyPr>
           <a:lstStyle>
@@ -2608,7 +2694,7 @@
             </a:lvl9pPr>
           </a:lstStyle>
           <a:p>
-            <a:pPr indent="0" lvl="0" marL="0" rtl="0" algn="r">
+            <a:pPr marL="0" lvl="0" indent="0" algn="r" rtl="0">
               <a:spcBef>
                 <a:spcPts val="0"/>
               </a:spcBef>
@@ -2634,11 +2720,11 @@
 </file>
 
 <file path=ppt/slideLayouts/slideLayout3.xml><?xml version="1.0" encoding="utf-8"?>
-<p:sldLayout xmlns:a="http://schemas.openxmlformats.org/drawingml/2006/main" xmlns:r="http://schemas.openxmlformats.org/officeDocument/2006/relationships" xmlns:mc="http://schemas.openxmlformats.org/markup-compatibility/2006" xmlns:mv="urn:schemas-microsoft-com:mac:vml" xmlns:p="http://schemas.openxmlformats.org/presentationml/2006/main" xmlns:c="http://schemas.openxmlformats.org/drawingml/2006/chart" xmlns:dgm="http://schemas.openxmlformats.org/drawingml/2006/diagram" xmlns:o="urn:schemas-microsoft-com:office:office" xmlns:v="urn:schemas-microsoft-com:vml" xmlns:pvml="urn:schemas-microsoft-com:office:powerpoint" xmlns:com="http://schemas.openxmlformats.org/drawingml/2006/compatibility" xmlns:p14="http://schemas.microsoft.com/office/powerpoint/2010/main" xmlns:p15="http://schemas.microsoft.com/office/powerpoint/2012/main" xmlns:ahyp="http://schemas.microsoft.com/office/drawing/2018/hyperlinkcolor" matchingName="Title and body" type="tx">
+<p:sldLayout xmlns:a="http://schemas.openxmlformats.org/drawingml/2006/main" xmlns:r="http://schemas.openxmlformats.org/officeDocument/2006/relationships" xmlns:p="http://schemas.openxmlformats.org/presentationml/2006/main" matchingName="Title and body" type="tx">
   <p:cSld name="TITLE_AND_BODY">
     <p:spTree>
       <p:nvGrpSpPr>
-        <p:cNvPr id="16" name="Shape 16"/>
+        <p:cNvPr id="1" name="Shape 16"/>
         <p:cNvGrpSpPr/>
         <p:nvPr/>
       </p:nvGrpSpPr>
@@ -2653,7 +2739,9 @@
       <p:sp>
         <p:nvSpPr>
           <p:cNvPr id="17" name="Google Shape;17;p4"/>
-          <p:cNvSpPr txBox="1"/>
+          <p:cNvSpPr txBox="1">
+            <a:spLocks noGrp="1"/>
+          </p:cNvSpPr>
           <p:nvPr>
             <p:ph type="title"/>
           </p:nvPr>
@@ -2668,7 +2756,7 @@
           </a:prstGeom>
         </p:spPr>
         <p:txBody>
-          <a:bodyPr anchorCtr="0" anchor="t" bIns="121900" lIns="121900" spcFirstLastPara="1" rIns="121900" wrap="square" tIns="121900">
+          <a:bodyPr spcFirstLastPara="1" wrap="square" lIns="121900" tIns="121900" rIns="121900" bIns="121900" anchor="t" anchorCtr="0">
             <a:normAutofit/>
           </a:bodyPr>
           <a:lstStyle>
@@ -2772,15 +2860,19 @@
               <a:defRPr/>
             </a:lvl9pPr>
           </a:lstStyle>
-          <a:p/>
+          <a:p>
+            <a:endParaRPr/>
+          </a:p>
         </p:txBody>
       </p:sp>
       <p:sp>
         <p:nvSpPr>
           <p:cNvPr id="18" name="Google Shape;18;p4"/>
-          <p:cNvSpPr txBox="1"/>
+          <p:cNvSpPr txBox="1">
+            <a:spLocks noGrp="1"/>
+          </p:cNvSpPr>
           <p:nvPr>
-            <p:ph idx="1" type="body"/>
+            <p:ph type="body" idx="1"/>
           </p:nvPr>
         </p:nvSpPr>
         <p:spPr>
@@ -2793,11 +2885,11 @@
           </a:prstGeom>
         </p:spPr>
         <p:txBody>
-          <a:bodyPr anchorCtr="0" anchor="t" bIns="121900" lIns="121900" spcFirstLastPara="1" rIns="121900" wrap="square" tIns="121900">
+          <a:bodyPr spcFirstLastPara="1" wrap="square" lIns="121900" tIns="121900" rIns="121900" bIns="121900" anchor="t" anchorCtr="0">
             <a:normAutofit/>
           </a:bodyPr>
           <a:lstStyle>
-            <a:lvl1pPr indent="-381000" lvl="0" marL="457200">
+            <a:lvl1pPr marL="457200" lvl="0" indent="-381000">
               <a:spcBef>
                 <a:spcPts val="0"/>
               </a:spcBef>
@@ -2808,7 +2900,7 @@
               <a:buChar char="●"/>
               <a:defRPr/>
             </a:lvl1pPr>
-            <a:lvl2pPr indent="-349250" lvl="1" marL="914400">
+            <a:lvl2pPr marL="914400" lvl="1" indent="-349250">
               <a:spcBef>
                 <a:spcPts val="0"/>
               </a:spcBef>
@@ -2819,7 +2911,7 @@
               <a:buChar char="○"/>
               <a:defRPr/>
             </a:lvl2pPr>
-            <a:lvl3pPr indent="-349250" lvl="2" marL="1371600">
+            <a:lvl3pPr marL="1371600" lvl="2" indent="-349250">
               <a:spcBef>
                 <a:spcPts val="0"/>
               </a:spcBef>
@@ -2830,7 +2922,7 @@
               <a:buChar char="■"/>
               <a:defRPr/>
             </a:lvl3pPr>
-            <a:lvl4pPr indent="-349250" lvl="3" marL="1828800">
+            <a:lvl4pPr marL="1828800" lvl="3" indent="-349250">
               <a:spcBef>
                 <a:spcPts val="0"/>
               </a:spcBef>
@@ -2841,7 +2933,7 @@
               <a:buChar char="●"/>
               <a:defRPr/>
             </a:lvl4pPr>
-            <a:lvl5pPr indent="-349250" lvl="4" marL="2286000">
+            <a:lvl5pPr marL="2286000" lvl="4" indent="-349250">
               <a:spcBef>
                 <a:spcPts val="0"/>
               </a:spcBef>
@@ -2852,7 +2944,7 @@
               <a:buChar char="○"/>
               <a:defRPr/>
             </a:lvl5pPr>
-            <a:lvl6pPr indent="-349250" lvl="5" marL="2743200">
+            <a:lvl6pPr marL="2743200" lvl="5" indent="-349250">
               <a:spcBef>
                 <a:spcPts val="0"/>
               </a:spcBef>
@@ -2863,7 +2955,7 @@
               <a:buChar char="■"/>
               <a:defRPr/>
             </a:lvl6pPr>
-            <a:lvl7pPr indent="-349250" lvl="6" marL="3200400">
+            <a:lvl7pPr marL="3200400" lvl="6" indent="-349250">
               <a:spcBef>
                 <a:spcPts val="0"/>
               </a:spcBef>
@@ -2874,7 +2966,7 @@
               <a:buChar char="●"/>
               <a:defRPr/>
             </a:lvl7pPr>
-            <a:lvl8pPr indent="-349250" lvl="7" marL="3657600">
+            <a:lvl8pPr marL="3657600" lvl="7" indent="-349250">
               <a:spcBef>
                 <a:spcPts val="0"/>
               </a:spcBef>
@@ -2885,7 +2977,7 @@
               <a:buChar char="○"/>
               <a:defRPr/>
             </a:lvl8pPr>
-            <a:lvl9pPr indent="-349250" lvl="8" marL="4114800">
+            <a:lvl9pPr marL="4114800" lvl="8" indent="-349250">
               <a:spcBef>
                 <a:spcPts val="0"/>
               </a:spcBef>
@@ -2897,15 +2989,19 @@
               <a:defRPr/>
             </a:lvl9pPr>
           </a:lstStyle>
-          <a:p/>
+          <a:p>
+            <a:endParaRPr/>
+          </a:p>
         </p:txBody>
       </p:sp>
       <p:sp>
         <p:nvSpPr>
           <p:cNvPr id="19" name="Google Shape;19;p4"/>
-          <p:cNvSpPr txBox="1"/>
+          <p:cNvSpPr txBox="1">
+            <a:spLocks noGrp="1"/>
+          </p:cNvSpPr>
           <p:nvPr>
-            <p:ph idx="12" type="sldNum"/>
+            <p:ph type="sldNum" idx="12"/>
           </p:nvPr>
         </p:nvSpPr>
         <p:spPr>
@@ -2918,7 +3014,7 @@
           </a:prstGeom>
         </p:spPr>
         <p:txBody>
-          <a:bodyPr anchorCtr="0" anchor="ctr" bIns="121900" lIns="121900" spcFirstLastPara="1" rIns="121900" wrap="square" tIns="121900">
+          <a:bodyPr spcFirstLastPara="1" wrap="square" lIns="121900" tIns="121900" rIns="121900" bIns="121900" anchor="ctr" anchorCtr="0">
             <a:normAutofit/>
           </a:bodyPr>
           <a:lstStyle>
@@ -2960,7 +3056,7 @@
             </a:lvl9pPr>
           </a:lstStyle>
           <a:p>
-            <a:pPr indent="0" lvl="0" marL="0" rtl="0" algn="r">
+            <a:pPr marL="0" lvl="0" indent="0" algn="r" rtl="0">
               <a:spcBef>
                 <a:spcPts val="0"/>
               </a:spcBef>
@@ -2986,11 +3082,11 @@
 </file>
 
 <file path=ppt/slideLayouts/slideLayout4.xml><?xml version="1.0" encoding="utf-8"?>
-<p:sldLayout xmlns:a="http://schemas.openxmlformats.org/drawingml/2006/main" xmlns:r="http://schemas.openxmlformats.org/officeDocument/2006/relationships" xmlns:mc="http://schemas.openxmlformats.org/markup-compatibility/2006" xmlns:mv="urn:schemas-microsoft-com:mac:vml" xmlns:p="http://schemas.openxmlformats.org/presentationml/2006/main" xmlns:c="http://schemas.openxmlformats.org/drawingml/2006/chart" xmlns:dgm="http://schemas.openxmlformats.org/drawingml/2006/diagram" xmlns:o="urn:schemas-microsoft-com:office:office" xmlns:v="urn:schemas-microsoft-com:vml" xmlns:pvml="urn:schemas-microsoft-com:office:powerpoint" xmlns:com="http://schemas.openxmlformats.org/drawingml/2006/compatibility" xmlns:p14="http://schemas.microsoft.com/office/powerpoint/2010/main" xmlns:p15="http://schemas.microsoft.com/office/powerpoint/2012/main" xmlns:ahyp="http://schemas.microsoft.com/office/drawing/2018/hyperlinkcolor" matchingName="Title and two columns" type="twoColTx">
+<p:sldLayout xmlns:a="http://schemas.openxmlformats.org/drawingml/2006/main" xmlns:r="http://schemas.openxmlformats.org/officeDocument/2006/relationships" xmlns:p="http://schemas.openxmlformats.org/presentationml/2006/main" matchingName="Title and two columns" type="twoColTx">
   <p:cSld name="TITLE_AND_TWO_COLUMNS">
     <p:spTree>
       <p:nvGrpSpPr>
-        <p:cNvPr id="20" name="Shape 20"/>
+        <p:cNvPr id="1" name="Shape 20"/>
         <p:cNvGrpSpPr/>
         <p:nvPr/>
       </p:nvGrpSpPr>
@@ -3005,7 +3101,9 @@
       <p:sp>
         <p:nvSpPr>
           <p:cNvPr id="21" name="Google Shape;21;p5"/>
-          <p:cNvSpPr txBox="1"/>
+          <p:cNvSpPr txBox="1">
+            <a:spLocks noGrp="1"/>
+          </p:cNvSpPr>
           <p:nvPr>
             <p:ph type="title"/>
           </p:nvPr>
@@ -3020,7 +3118,7 @@
           </a:prstGeom>
         </p:spPr>
         <p:txBody>
-          <a:bodyPr anchorCtr="0" anchor="t" bIns="121900" lIns="121900" spcFirstLastPara="1" rIns="121900" wrap="square" tIns="121900">
+          <a:bodyPr spcFirstLastPara="1" wrap="square" lIns="121900" tIns="121900" rIns="121900" bIns="121900" anchor="t" anchorCtr="0">
             <a:normAutofit/>
           </a:bodyPr>
           <a:lstStyle>
@@ -3124,15 +3222,19 @@
               <a:defRPr/>
             </a:lvl9pPr>
           </a:lstStyle>
-          <a:p/>
+          <a:p>
+            <a:endParaRPr/>
+          </a:p>
         </p:txBody>
       </p:sp>
       <p:sp>
         <p:nvSpPr>
           <p:cNvPr id="22" name="Google Shape;22;p5"/>
-          <p:cNvSpPr txBox="1"/>
+          <p:cNvSpPr txBox="1">
+            <a:spLocks noGrp="1"/>
+          </p:cNvSpPr>
           <p:nvPr>
-            <p:ph idx="1" type="body"/>
+            <p:ph type="body" idx="1"/>
           </p:nvPr>
         </p:nvSpPr>
         <p:spPr>
@@ -3145,11 +3247,11 @@
           </a:prstGeom>
         </p:spPr>
         <p:txBody>
-          <a:bodyPr anchorCtr="0" anchor="t" bIns="121900" lIns="121900" spcFirstLastPara="1" rIns="121900" wrap="square" tIns="121900">
+          <a:bodyPr spcFirstLastPara="1" wrap="square" lIns="121900" tIns="121900" rIns="121900" bIns="121900" anchor="t" anchorCtr="0">
             <a:normAutofit/>
           </a:bodyPr>
           <a:lstStyle>
-            <a:lvl1pPr indent="-349250" lvl="0" marL="457200">
+            <a:lvl1pPr marL="457200" lvl="0" indent="-349250">
               <a:spcBef>
                 <a:spcPts val="0"/>
               </a:spcBef>
@@ -3160,7 +3262,7 @@
               <a:buChar char="●"/>
               <a:defRPr sz="1900"/>
             </a:lvl1pPr>
-            <a:lvl2pPr indent="-330200" lvl="1" marL="914400">
+            <a:lvl2pPr marL="914400" lvl="1" indent="-330200">
               <a:spcBef>
                 <a:spcPts val="0"/>
               </a:spcBef>
@@ -3171,7 +3273,7 @@
               <a:buChar char="○"/>
               <a:defRPr sz="1600"/>
             </a:lvl2pPr>
-            <a:lvl3pPr indent="-330200" lvl="2" marL="1371600">
+            <a:lvl3pPr marL="1371600" lvl="2" indent="-330200">
               <a:spcBef>
                 <a:spcPts val="0"/>
               </a:spcBef>
@@ -3182,7 +3284,7 @@
               <a:buChar char="■"/>
               <a:defRPr sz="1600"/>
             </a:lvl3pPr>
-            <a:lvl4pPr indent="-330200" lvl="3" marL="1828800">
+            <a:lvl4pPr marL="1828800" lvl="3" indent="-330200">
               <a:spcBef>
                 <a:spcPts val="0"/>
               </a:spcBef>
@@ -3193,7 +3295,7 @@
               <a:buChar char="●"/>
               <a:defRPr sz="1600"/>
             </a:lvl4pPr>
-            <a:lvl5pPr indent="-330200" lvl="4" marL="2286000">
+            <a:lvl5pPr marL="2286000" lvl="4" indent="-330200">
               <a:spcBef>
                 <a:spcPts val="0"/>
               </a:spcBef>
@@ -3204,7 +3306,7 @@
               <a:buChar char="○"/>
               <a:defRPr sz="1600"/>
             </a:lvl5pPr>
-            <a:lvl6pPr indent="-330200" lvl="5" marL="2743200">
+            <a:lvl6pPr marL="2743200" lvl="5" indent="-330200">
               <a:spcBef>
                 <a:spcPts val="0"/>
               </a:spcBef>
@@ -3215,7 +3317,7 @@
               <a:buChar char="■"/>
               <a:defRPr sz="1600"/>
             </a:lvl6pPr>
-            <a:lvl7pPr indent="-330200" lvl="6" marL="3200400">
+            <a:lvl7pPr marL="3200400" lvl="6" indent="-330200">
               <a:spcBef>
                 <a:spcPts val="0"/>
               </a:spcBef>
@@ -3226,7 +3328,7 @@
               <a:buChar char="●"/>
               <a:defRPr sz="1600"/>
             </a:lvl7pPr>
-            <a:lvl8pPr indent="-330200" lvl="7" marL="3657600">
+            <a:lvl8pPr marL="3657600" lvl="7" indent="-330200">
               <a:spcBef>
                 <a:spcPts val="0"/>
               </a:spcBef>
@@ -3237,7 +3339,7 @@
               <a:buChar char="○"/>
               <a:defRPr sz="1600"/>
             </a:lvl8pPr>
-            <a:lvl9pPr indent="-330200" lvl="8" marL="4114800">
+            <a:lvl9pPr marL="4114800" lvl="8" indent="-330200">
               <a:spcBef>
                 <a:spcPts val="0"/>
               </a:spcBef>
@@ -3249,15 +3351,19 @@
               <a:defRPr sz="1600"/>
             </a:lvl9pPr>
           </a:lstStyle>
-          <a:p/>
+          <a:p>
+            <a:endParaRPr/>
+          </a:p>
         </p:txBody>
       </p:sp>
       <p:sp>
         <p:nvSpPr>
           <p:cNvPr id="23" name="Google Shape;23;p5"/>
-          <p:cNvSpPr txBox="1"/>
+          <p:cNvSpPr txBox="1">
+            <a:spLocks noGrp="1"/>
+          </p:cNvSpPr>
           <p:nvPr>
-            <p:ph idx="2" type="body"/>
+            <p:ph type="body" idx="2"/>
           </p:nvPr>
         </p:nvSpPr>
         <p:spPr>
@@ -3270,11 +3376,11 @@
           </a:prstGeom>
         </p:spPr>
         <p:txBody>
-          <a:bodyPr anchorCtr="0" anchor="t" bIns="121900" lIns="121900" spcFirstLastPara="1" rIns="121900" wrap="square" tIns="121900">
+          <a:bodyPr spcFirstLastPara="1" wrap="square" lIns="121900" tIns="121900" rIns="121900" bIns="121900" anchor="t" anchorCtr="0">
             <a:normAutofit/>
           </a:bodyPr>
           <a:lstStyle>
-            <a:lvl1pPr indent="-349250" lvl="0" marL="457200">
+            <a:lvl1pPr marL="457200" lvl="0" indent="-349250">
               <a:spcBef>
                 <a:spcPts val="0"/>
               </a:spcBef>
@@ -3285,7 +3391,7 @@
               <a:buChar char="●"/>
               <a:defRPr sz="1900"/>
             </a:lvl1pPr>
-            <a:lvl2pPr indent="-330200" lvl="1" marL="914400">
+            <a:lvl2pPr marL="914400" lvl="1" indent="-330200">
               <a:spcBef>
                 <a:spcPts val="0"/>
               </a:spcBef>
@@ -3296,7 +3402,7 @@
               <a:buChar char="○"/>
               <a:defRPr sz="1600"/>
             </a:lvl2pPr>
-            <a:lvl3pPr indent="-330200" lvl="2" marL="1371600">
+            <a:lvl3pPr marL="1371600" lvl="2" indent="-330200">
               <a:spcBef>
                 <a:spcPts val="0"/>
               </a:spcBef>
@@ -3307,7 +3413,7 @@
               <a:buChar char="■"/>
               <a:defRPr sz="1600"/>
             </a:lvl3pPr>
-            <a:lvl4pPr indent="-330200" lvl="3" marL="1828800">
+            <a:lvl4pPr marL="1828800" lvl="3" indent="-330200">
               <a:spcBef>
                 <a:spcPts val="0"/>
               </a:spcBef>
@@ -3318,7 +3424,7 @@
               <a:buChar char="●"/>
               <a:defRPr sz="1600"/>
             </a:lvl4pPr>
-            <a:lvl5pPr indent="-330200" lvl="4" marL="2286000">
+            <a:lvl5pPr marL="2286000" lvl="4" indent="-330200">
               <a:spcBef>
                 <a:spcPts val="0"/>
               </a:spcBef>
@@ -3329,7 +3435,7 @@
               <a:buChar char="○"/>
               <a:defRPr sz="1600"/>
             </a:lvl5pPr>
-            <a:lvl6pPr indent="-330200" lvl="5" marL="2743200">
+            <a:lvl6pPr marL="2743200" lvl="5" indent="-330200">
               <a:spcBef>
                 <a:spcPts val="0"/>
               </a:spcBef>
@@ -3340,7 +3446,7 @@
               <a:buChar char="■"/>
               <a:defRPr sz="1600"/>
             </a:lvl6pPr>
-            <a:lvl7pPr indent="-330200" lvl="6" marL="3200400">
+            <a:lvl7pPr marL="3200400" lvl="6" indent="-330200">
               <a:spcBef>
                 <a:spcPts val="0"/>
               </a:spcBef>
@@ -3351,7 +3457,7 @@
               <a:buChar char="●"/>
               <a:defRPr sz="1600"/>
             </a:lvl7pPr>
-            <a:lvl8pPr indent="-330200" lvl="7" marL="3657600">
+            <a:lvl8pPr marL="3657600" lvl="7" indent="-330200">
               <a:spcBef>
                 <a:spcPts val="0"/>
               </a:spcBef>
@@ -3362,7 +3468,7 @@
               <a:buChar char="○"/>
               <a:defRPr sz="1600"/>
             </a:lvl8pPr>
-            <a:lvl9pPr indent="-330200" lvl="8" marL="4114800">
+            <a:lvl9pPr marL="4114800" lvl="8" indent="-330200">
               <a:spcBef>
                 <a:spcPts val="0"/>
               </a:spcBef>
@@ -3374,15 +3480,19 @@
               <a:defRPr sz="1600"/>
             </a:lvl9pPr>
           </a:lstStyle>
-          <a:p/>
+          <a:p>
+            <a:endParaRPr/>
+          </a:p>
         </p:txBody>
       </p:sp>
       <p:sp>
         <p:nvSpPr>
           <p:cNvPr id="24" name="Google Shape;24;p5"/>
-          <p:cNvSpPr txBox="1"/>
+          <p:cNvSpPr txBox="1">
+            <a:spLocks noGrp="1"/>
+          </p:cNvSpPr>
           <p:nvPr>
-            <p:ph idx="12" type="sldNum"/>
+            <p:ph type="sldNum" idx="12"/>
           </p:nvPr>
         </p:nvSpPr>
         <p:spPr>
@@ -3395,7 +3505,7 @@
           </a:prstGeom>
         </p:spPr>
         <p:txBody>
-          <a:bodyPr anchorCtr="0" anchor="ctr" bIns="121900" lIns="121900" spcFirstLastPara="1" rIns="121900" wrap="square" tIns="121900">
+          <a:bodyPr spcFirstLastPara="1" wrap="square" lIns="121900" tIns="121900" rIns="121900" bIns="121900" anchor="ctr" anchorCtr="0">
             <a:normAutofit/>
           </a:bodyPr>
           <a:lstStyle>
@@ -3437,7 +3547,7 @@
             </a:lvl9pPr>
           </a:lstStyle>
           <a:p>
-            <a:pPr indent="0" lvl="0" marL="0" rtl="0" algn="r">
+            <a:pPr marL="0" lvl="0" indent="0" algn="r" rtl="0">
               <a:spcBef>
                 <a:spcPts val="0"/>
               </a:spcBef>
@@ -3463,11 +3573,11 @@
 </file>
 
 <file path=ppt/slideLayouts/slideLayout5.xml><?xml version="1.0" encoding="utf-8"?>
-<p:sldLayout xmlns:a="http://schemas.openxmlformats.org/drawingml/2006/main" xmlns:r="http://schemas.openxmlformats.org/officeDocument/2006/relationships" xmlns:mc="http://schemas.openxmlformats.org/markup-compatibility/2006" xmlns:mv="urn:schemas-microsoft-com:mac:vml" xmlns:p="http://schemas.openxmlformats.org/presentationml/2006/main" xmlns:c="http://schemas.openxmlformats.org/drawingml/2006/chart" xmlns:dgm="http://schemas.openxmlformats.org/drawingml/2006/diagram" xmlns:o="urn:schemas-microsoft-com:office:office" xmlns:v="urn:schemas-microsoft-com:vml" xmlns:pvml="urn:schemas-microsoft-com:office:powerpoint" xmlns:com="http://schemas.openxmlformats.org/drawingml/2006/compatibility" xmlns:p14="http://schemas.microsoft.com/office/powerpoint/2010/main" xmlns:p15="http://schemas.microsoft.com/office/powerpoint/2012/main" xmlns:ahyp="http://schemas.microsoft.com/office/drawing/2018/hyperlinkcolor" matchingName="Title only" type="titleOnly">
+<p:sldLayout xmlns:a="http://schemas.openxmlformats.org/drawingml/2006/main" xmlns:r="http://schemas.openxmlformats.org/officeDocument/2006/relationships" xmlns:p="http://schemas.openxmlformats.org/presentationml/2006/main" matchingName="Title only" type="titleOnly">
   <p:cSld name="TITLE_ONLY">
     <p:spTree>
       <p:nvGrpSpPr>
-        <p:cNvPr id="25" name="Shape 25"/>
+        <p:cNvPr id="1" name="Shape 25"/>
         <p:cNvGrpSpPr/>
         <p:nvPr/>
       </p:nvGrpSpPr>
@@ -3482,7 +3592,9 @@
       <p:sp>
         <p:nvSpPr>
           <p:cNvPr id="26" name="Google Shape;26;p6"/>
-          <p:cNvSpPr txBox="1"/>
+          <p:cNvSpPr txBox="1">
+            <a:spLocks noGrp="1"/>
+          </p:cNvSpPr>
           <p:nvPr>
             <p:ph type="title"/>
           </p:nvPr>
@@ -3497,7 +3609,7 @@
           </a:prstGeom>
         </p:spPr>
         <p:txBody>
-          <a:bodyPr anchorCtr="0" anchor="t" bIns="121900" lIns="121900" spcFirstLastPara="1" rIns="121900" wrap="square" tIns="121900">
+          <a:bodyPr spcFirstLastPara="1" wrap="square" lIns="121900" tIns="121900" rIns="121900" bIns="121900" anchor="t" anchorCtr="0">
             <a:normAutofit/>
           </a:bodyPr>
           <a:lstStyle>
@@ -3601,15 +3713,19 @@
               <a:defRPr/>
             </a:lvl9pPr>
           </a:lstStyle>
-          <a:p/>
+          <a:p>
+            <a:endParaRPr/>
+          </a:p>
         </p:txBody>
       </p:sp>
       <p:sp>
         <p:nvSpPr>
           <p:cNvPr id="27" name="Google Shape;27;p6"/>
-          <p:cNvSpPr txBox="1"/>
+          <p:cNvSpPr txBox="1">
+            <a:spLocks noGrp="1"/>
+          </p:cNvSpPr>
           <p:nvPr>
-            <p:ph idx="12" type="sldNum"/>
+            <p:ph type="sldNum" idx="12"/>
           </p:nvPr>
         </p:nvSpPr>
         <p:spPr>
@@ -3622,7 +3738,7 @@
           </a:prstGeom>
         </p:spPr>
         <p:txBody>
-          <a:bodyPr anchorCtr="0" anchor="ctr" bIns="121900" lIns="121900" spcFirstLastPara="1" rIns="121900" wrap="square" tIns="121900">
+          <a:bodyPr spcFirstLastPara="1" wrap="square" lIns="121900" tIns="121900" rIns="121900" bIns="121900" anchor="ctr" anchorCtr="0">
             <a:normAutofit/>
           </a:bodyPr>
           <a:lstStyle>
@@ -3664,7 +3780,7 @@
             </a:lvl9pPr>
           </a:lstStyle>
           <a:p>
-            <a:pPr indent="0" lvl="0" marL="0" rtl="0" algn="r">
+            <a:pPr marL="0" lvl="0" indent="0" algn="r" rtl="0">
               <a:spcBef>
                 <a:spcPts val="0"/>
               </a:spcBef>
@@ -3690,11 +3806,11 @@
 </file>
 
 <file path=ppt/slideLayouts/slideLayout6.xml><?xml version="1.0" encoding="utf-8"?>
-<p:sldLayout xmlns:a="http://schemas.openxmlformats.org/drawingml/2006/main" xmlns:r="http://schemas.openxmlformats.org/officeDocument/2006/relationships" xmlns:mc="http://schemas.openxmlformats.org/markup-compatibility/2006" xmlns:mv="urn:schemas-microsoft-com:mac:vml" xmlns:p="http://schemas.openxmlformats.org/presentationml/2006/main" xmlns:c="http://schemas.openxmlformats.org/drawingml/2006/chart" xmlns:dgm="http://schemas.openxmlformats.org/drawingml/2006/diagram" xmlns:o="urn:schemas-microsoft-com:office:office" xmlns:v="urn:schemas-microsoft-com:vml" xmlns:pvml="urn:schemas-microsoft-com:office:powerpoint" xmlns:com="http://schemas.openxmlformats.org/drawingml/2006/compatibility" xmlns:p14="http://schemas.microsoft.com/office/powerpoint/2010/main" xmlns:p15="http://schemas.microsoft.com/office/powerpoint/2012/main" xmlns:ahyp="http://schemas.microsoft.com/office/drawing/2018/hyperlinkcolor" matchingName="One column text">
+<p:sldLayout xmlns:a="http://schemas.openxmlformats.org/drawingml/2006/main" xmlns:r="http://schemas.openxmlformats.org/officeDocument/2006/relationships" xmlns:p="http://schemas.openxmlformats.org/presentationml/2006/main" matchingName="One column text">
   <p:cSld name="ONE_COLUMN_TEXT">
     <p:spTree>
       <p:nvGrpSpPr>
-        <p:cNvPr id="28" name="Shape 28"/>
+        <p:cNvPr id="1" name="Shape 28"/>
         <p:cNvGrpSpPr/>
         <p:nvPr/>
       </p:nvGrpSpPr>
@@ -3709,7 +3825,9 @@
       <p:sp>
         <p:nvSpPr>
           <p:cNvPr id="29" name="Google Shape;29;p7"/>
-          <p:cNvSpPr txBox="1"/>
+          <p:cNvSpPr txBox="1">
+            <a:spLocks noGrp="1"/>
+          </p:cNvSpPr>
           <p:nvPr>
             <p:ph type="title"/>
           </p:nvPr>
@@ -3724,7 +3842,7 @@
           </a:prstGeom>
         </p:spPr>
         <p:txBody>
-          <a:bodyPr anchorCtr="0" anchor="b" bIns="121900" lIns="121900" spcFirstLastPara="1" rIns="121900" wrap="square" tIns="121900">
+          <a:bodyPr spcFirstLastPara="1" wrap="square" lIns="121900" tIns="121900" rIns="121900" bIns="121900" anchor="b" anchorCtr="0">
             <a:normAutofit/>
           </a:bodyPr>
           <a:lstStyle>
@@ -3828,15 +3946,19 @@
               <a:defRPr sz="3200"/>
             </a:lvl9pPr>
           </a:lstStyle>
-          <a:p/>
+          <a:p>
+            <a:endParaRPr/>
+          </a:p>
         </p:txBody>
       </p:sp>
       <p:sp>
         <p:nvSpPr>
           <p:cNvPr id="30" name="Google Shape;30;p7"/>
-          <p:cNvSpPr txBox="1"/>
+          <p:cNvSpPr txBox="1">
+            <a:spLocks noGrp="1"/>
+          </p:cNvSpPr>
           <p:nvPr>
-            <p:ph idx="1" type="body"/>
+            <p:ph type="body" idx="1"/>
           </p:nvPr>
         </p:nvSpPr>
         <p:spPr>
@@ -3849,11 +3971,11 @@
           </a:prstGeom>
         </p:spPr>
         <p:txBody>
-          <a:bodyPr anchorCtr="0" anchor="t" bIns="121900" lIns="121900" spcFirstLastPara="1" rIns="121900" wrap="square" tIns="121900">
+          <a:bodyPr spcFirstLastPara="1" wrap="square" lIns="121900" tIns="121900" rIns="121900" bIns="121900" anchor="t" anchorCtr="0">
             <a:normAutofit/>
           </a:bodyPr>
           <a:lstStyle>
-            <a:lvl1pPr indent="-330200" lvl="0" marL="457200">
+            <a:lvl1pPr marL="457200" lvl="0" indent="-330200">
               <a:spcBef>
                 <a:spcPts val="0"/>
               </a:spcBef>
@@ -3864,7 +3986,7 @@
               <a:buChar char="●"/>
               <a:defRPr sz="1600"/>
             </a:lvl1pPr>
-            <a:lvl2pPr indent="-330200" lvl="1" marL="914400">
+            <a:lvl2pPr marL="914400" lvl="1" indent="-330200">
               <a:spcBef>
                 <a:spcPts val="0"/>
               </a:spcBef>
@@ -3875,7 +3997,7 @@
               <a:buChar char="○"/>
               <a:defRPr sz="1600"/>
             </a:lvl2pPr>
-            <a:lvl3pPr indent="-330200" lvl="2" marL="1371600">
+            <a:lvl3pPr marL="1371600" lvl="2" indent="-330200">
               <a:spcBef>
                 <a:spcPts val="0"/>
               </a:spcBef>
@@ -3886,7 +4008,7 @@
               <a:buChar char="■"/>
               <a:defRPr sz="1600"/>
             </a:lvl3pPr>
-            <a:lvl4pPr indent="-330200" lvl="3" marL="1828800">
+            <a:lvl4pPr marL="1828800" lvl="3" indent="-330200">
               <a:spcBef>
                 <a:spcPts val="0"/>
               </a:spcBef>
@@ -3897,7 +4019,7 @@
               <a:buChar char="●"/>
               <a:defRPr sz="1600"/>
             </a:lvl4pPr>
-            <a:lvl5pPr indent="-330200" lvl="4" marL="2286000">
+            <a:lvl5pPr marL="2286000" lvl="4" indent="-330200">
               <a:spcBef>
                 <a:spcPts val="0"/>
               </a:spcBef>
@@ -3908,7 +4030,7 @@
               <a:buChar char="○"/>
               <a:defRPr sz="1600"/>
             </a:lvl5pPr>
-            <a:lvl6pPr indent="-330200" lvl="5" marL="2743200">
+            <a:lvl6pPr marL="2743200" lvl="5" indent="-330200">
               <a:spcBef>
                 <a:spcPts val="0"/>
               </a:spcBef>
@@ -3919,7 +4041,7 @@
               <a:buChar char="■"/>
               <a:defRPr sz="1600"/>
             </a:lvl6pPr>
-            <a:lvl7pPr indent="-330200" lvl="6" marL="3200400">
+            <a:lvl7pPr marL="3200400" lvl="6" indent="-330200">
               <a:spcBef>
                 <a:spcPts val="0"/>
               </a:spcBef>
@@ -3930,7 +4052,7 @@
               <a:buChar char="●"/>
               <a:defRPr sz="1600"/>
             </a:lvl7pPr>
-            <a:lvl8pPr indent="-330200" lvl="7" marL="3657600">
+            <a:lvl8pPr marL="3657600" lvl="7" indent="-330200">
               <a:spcBef>
                 <a:spcPts val="0"/>
               </a:spcBef>
@@ -3941,7 +4063,7 @@
               <a:buChar char="○"/>
               <a:defRPr sz="1600"/>
             </a:lvl8pPr>
-            <a:lvl9pPr indent="-330200" lvl="8" marL="4114800">
+            <a:lvl9pPr marL="4114800" lvl="8" indent="-330200">
               <a:spcBef>
                 <a:spcPts val="0"/>
               </a:spcBef>
@@ -3953,15 +4075,19 @@
               <a:defRPr sz="1600"/>
             </a:lvl9pPr>
           </a:lstStyle>
-          <a:p/>
+          <a:p>
+            <a:endParaRPr/>
+          </a:p>
         </p:txBody>
       </p:sp>
       <p:sp>
         <p:nvSpPr>
           <p:cNvPr id="31" name="Google Shape;31;p7"/>
-          <p:cNvSpPr txBox="1"/>
+          <p:cNvSpPr txBox="1">
+            <a:spLocks noGrp="1"/>
+          </p:cNvSpPr>
           <p:nvPr>
-            <p:ph idx="12" type="sldNum"/>
+            <p:ph type="sldNum" idx="12"/>
           </p:nvPr>
         </p:nvSpPr>
         <p:spPr>
@@ -3974,7 +4100,7 @@
           </a:prstGeom>
         </p:spPr>
         <p:txBody>
-          <a:bodyPr anchorCtr="0" anchor="ctr" bIns="121900" lIns="121900" spcFirstLastPara="1" rIns="121900" wrap="square" tIns="121900">
+          <a:bodyPr spcFirstLastPara="1" wrap="square" lIns="121900" tIns="121900" rIns="121900" bIns="121900" anchor="ctr" anchorCtr="0">
             <a:normAutofit/>
           </a:bodyPr>
           <a:lstStyle>
@@ -4016,7 +4142,7 @@
             </a:lvl9pPr>
           </a:lstStyle>
           <a:p>
-            <a:pPr indent="0" lvl="0" marL="0" rtl="0" algn="r">
+            <a:pPr marL="0" lvl="0" indent="0" algn="r" rtl="0">
               <a:spcBef>
                 <a:spcPts val="0"/>
               </a:spcBef>
@@ -4042,11 +4168,11 @@
 </file>
 
 <file path=ppt/slideLayouts/slideLayout7.xml><?xml version="1.0" encoding="utf-8"?>
-<p:sldLayout xmlns:a="http://schemas.openxmlformats.org/drawingml/2006/main" xmlns:r="http://schemas.openxmlformats.org/officeDocument/2006/relationships" xmlns:mc="http://schemas.openxmlformats.org/markup-compatibility/2006" xmlns:mv="urn:schemas-microsoft-com:mac:vml" xmlns:p="http://schemas.openxmlformats.org/presentationml/2006/main" xmlns:c="http://schemas.openxmlformats.org/drawingml/2006/chart" xmlns:dgm="http://schemas.openxmlformats.org/drawingml/2006/diagram" xmlns:o="urn:schemas-microsoft-com:office:office" xmlns:v="urn:schemas-microsoft-com:vml" xmlns:pvml="urn:schemas-microsoft-com:office:powerpoint" xmlns:com="http://schemas.openxmlformats.org/drawingml/2006/compatibility" xmlns:p14="http://schemas.microsoft.com/office/powerpoint/2010/main" xmlns:p15="http://schemas.microsoft.com/office/powerpoint/2012/main" xmlns:ahyp="http://schemas.microsoft.com/office/drawing/2018/hyperlinkcolor" matchingName="Main point">
+<p:sldLayout xmlns:a="http://schemas.openxmlformats.org/drawingml/2006/main" xmlns:r="http://schemas.openxmlformats.org/officeDocument/2006/relationships" xmlns:p="http://schemas.openxmlformats.org/presentationml/2006/main" matchingName="Main point">
   <p:cSld name="MAIN_POINT">
     <p:spTree>
       <p:nvGrpSpPr>
-        <p:cNvPr id="32" name="Shape 32"/>
+        <p:cNvPr id="1" name="Shape 32"/>
         <p:cNvGrpSpPr/>
         <p:nvPr/>
       </p:nvGrpSpPr>
@@ -4061,7 +4187,9 @@
       <p:sp>
         <p:nvSpPr>
           <p:cNvPr id="33" name="Google Shape;33;p8"/>
-          <p:cNvSpPr txBox="1"/>
+          <p:cNvSpPr txBox="1">
+            <a:spLocks noGrp="1"/>
+          </p:cNvSpPr>
           <p:nvPr>
             <p:ph type="title"/>
           </p:nvPr>
@@ -4076,7 +4204,7 @@
           </a:prstGeom>
         </p:spPr>
         <p:txBody>
-          <a:bodyPr anchorCtr="0" anchor="ctr" bIns="121900" lIns="121900" spcFirstLastPara="1" rIns="121900" wrap="square" tIns="121900">
+          <a:bodyPr spcFirstLastPara="1" wrap="square" lIns="121900" tIns="121900" rIns="121900" bIns="121900" anchor="ctr" anchorCtr="0">
             <a:normAutofit/>
           </a:bodyPr>
           <a:lstStyle>
@@ -4180,15 +4308,19 @@
               <a:defRPr sz="6400"/>
             </a:lvl9pPr>
           </a:lstStyle>
-          <a:p/>
+          <a:p>
+            <a:endParaRPr/>
+          </a:p>
         </p:txBody>
       </p:sp>
       <p:sp>
         <p:nvSpPr>
           <p:cNvPr id="34" name="Google Shape;34;p8"/>
-          <p:cNvSpPr txBox="1"/>
+          <p:cNvSpPr txBox="1">
+            <a:spLocks noGrp="1"/>
+          </p:cNvSpPr>
           <p:nvPr>
-            <p:ph idx="12" type="sldNum"/>
+            <p:ph type="sldNum" idx="12"/>
           </p:nvPr>
         </p:nvSpPr>
         <p:spPr>
@@ -4201,7 +4333,7 @@
           </a:prstGeom>
         </p:spPr>
         <p:txBody>
-          <a:bodyPr anchorCtr="0" anchor="ctr" bIns="121900" lIns="121900" spcFirstLastPara="1" rIns="121900" wrap="square" tIns="121900">
+          <a:bodyPr spcFirstLastPara="1" wrap="square" lIns="121900" tIns="121900" rIns="121900" bIns="121900" anchor="ctr" anchorCtr="0">
             <a:normAutofit/>
           </a:bodyPr>
           <a:lstStyle>
@@ -4243,7 +4375,7 @@
             </a:lvl9pPr>
           </a:lstStyle>
           <a:p>
-            <a:pPr indent="0" lvl="0" marL="0" rtl="0" algn="r">
+            <a:pPr marL="0" lvl="0" indent="0" algn="r" rtl="0">
               <a:spcBef>
                 <a:spcPts val="0"/>
               </a:spcBef>
@@ -4269,11 +4401,11 @@
 </file>
 
 <file path=ppt/slideLayouts/slideLayout8.xml><?xml version="1.0" encoding="utf-8"?>
-<p:sldLayout xmlns:a="http://schemas.openxmlformats.org/drawingml/2006/main" xmlns:r="http://schemas.openxmlformats.org/officeDocument/2006/relationships" xmlns:mc="http://schemas.openxmlformats.org/markup-compatibility/2006" xmlns:mv="urn:schemas-microsoft-com:mac:vml" xmlns:p="http://schemas.openxmlformats.org/presentationml/2006/main" xmlns:c="http://schemas.openxmlformats.org/drawingml/2006/chart" xmlns:dgm="http://schemas.openxmlformats.org/drawingml/2006/diagram" xmlns:o="urn:schemas-microsoft-com:office:office" xmlns:v="urn:schemas-microsoft-com:vml" xmlns:pvml="urn:schemas-microsoft-com:office:powerpoint" xmlns:com="http://schemas.openxmlformats.org/drawingml/2006/compatibility" xmlns:p14="http://schemas.microsoft.com/office/powerpoint/2010/main" xmlns:p15="http://schemas.microsoft.com/office/powerpoint/2012/main" xmlns:ahyp="http://schemas.microsoft.com/office/drawing/2018/hyperlinkcolor" matchingName="Section title and description">
+<p:sldLayout xmlns:a="http://schemas.openxmlformats.org/drawingml/2006/main" xmlns:r="http://schemas.openxmlformats.org/officeDocument/2006/relationships" xmlns:p="http://schemas.openxmlformats.org/presentationml/2006/main" matchingName="Section title and description">
   <p:cSld name="SECTION_TITLE_AND_DESCRIPTION">
     <p:spTree>
       <p:nvGrpSpPr>
-        <p:cNvPr id="35" name="Shape 35"/>
+        <p:cNvPr id="1" name="Shape 35"/>
         <p:cNvGrpSpPr/>
         <p:nvPr/>
       </p:nvGrpSpPr>
@@ -4307,12 +4439,12 @@
           </a:ln>
         </p:spPr>
         <p:txBody>
-          <a:bodyPr anchorCtr="0" anchor="ctr" bIns="121900" lIns="121900" spcFirstLastPara="1" rIns="121900" wrap="square" tIns="121900">
+          <a:bodyPr spcFirstLastPara="1" wrap="square" lIns="121900" tIns="121900" rIns="121900" bIns="121900" anchor="ctr" anchorCtr="0">
             <a:noAutofit/>
           </a:bodyPr>
           <a:lstStyle/>
           <a:p>
-            <a:pPr indent="0" lvl="0" marL="0" rtl="0" algn="l">
+            <a:pPr marL="0" lvl="0" indent="0" algn="l" rtl="0">
               <a:spcBef>
                 <a:spcPts val="0"/>
               </a:spcBef>
@@ -4321,9 +4453,6 @@
               </a:spcAft>
               <a:buNone/>
             </a:pPr>
-            <a:r>
-              <a:t/>
-            </a:r>
             <a:endParaRPr/>
           </a:p>
         </p:txBody>
@@ -4331,7 +4460,9 @@
       <p:sp>
         <p:nvSpPr>
           <p:cNvPr id="37" name="Google Shape;37;p9"/>
-          <p:cNvSpPr txBox="1"/>
+          <p:cNvSpPr txBox="1">
+            <a:spLocks noGrp="1"/>
+          </p:cNvSpPr>
           <p:nvPr>
             <p:ph type="title"/>
           </p:nvPr>
@@ -4346,7 +4477,7 @@
           </a:prstGeom>
         </p:spPr>
         <p:txBody>
-          <a:bodyPr anchorCtr="0" anchor="b" bIns="121900" lIns="121900" spcFirstLastPara="1" rIns="121900" wrap="square" tIns="121900">
+          <a:bodyPr spcFirstLastPara="1" wrap="square" lIns="121900" tIns="121900" rIns="121900" bIns="121900" anchor="b" anchorCtr="0">
             <a:normAutofit/>
           </a:bodyPr>
           <a:lstStyle>
@@ -4450,15 +4581,19 @@
               <a:defRPr sz="5600"/>
             </a:lvl9pPr>
           </a:lstStyle>
-          <a:p/>
+          <a:p>
+            <a:endParaRPr/>
+          </a:p>
         </p:txBody>
       </p:sp>
       <p:sp>
         <p:nvSpPr>
           <p:cNvPr id="38" name="Google Shape;38;p9"/>
-          <p:cNvSpPr txBox="1"/>
+          <p:cNvSpPr txBox="1">
+            <a:spLocks noGrp="1"/>
+          </p:cNvSpPr>
           <p:nvPr>
-            <p:ph idx="1" type="subTitle"/>
+            <p:ph type="subTitle" idx="1"/>
           </p:nvPr>
         </p:nvSpPr>
         <p:spPr>
@@ -4471,7 +4606,7 @@
           </a:prstGeom>
         </p:spPr>
         <p:txBody>
-          <a:bodyPr anchorCtr="0" anchor="t" bIns="121900" lIns="121900" spcFirstLastPara="1" rIns="121900" wrap="square" tIns="121900">
+          <a:bodyPr spcFirstLastPara="1" wrap="square" lIns="121900" tIns="121900" rIns="121900" bIns="121900" anchor="t" anchorCtr="0">
             <a:normAutofit/>
           </a:bodyPr>
           <a:lstStyle>
@@ -4602,15 +4737,19 @@
               <a:defRPr sz="2800"/>
             </a:lvl9pPr>
           </a:lstStyle>
-          <a:p/>
+          <a:p>
+            <a:endParaRPr/>
+          </a:p>
         </p:txBody>
       </p:sp>
       <p:sp>
         <p:nvSpPr>
           <p:cNvPr id="39" name="Google Shape;39;p9"/>
-          <p:cNvSpPr txBox="1"/>
+          <p:cNvSpPr txBox="1">
+            <a:spLocks noGrp="1"/>
+          </p:cNvSpPr>
           <p:nvPr>
-            <p:ph idx="2" type="body"/>
+            <p:ph type="body" idx="2"/>
           </p:nvPr>
         </p:nvSpPr>
         <p:spPr>
@@ -4623,11 +4762,11 @@
           </a:prstGeom>
         </p:spPr>
         <p:txBody>
-          <a:bodyPr anchorCtr="0" anchor="ctr" bIns="121900" lIns="121900" spcFirstLastPara="1" rIns="121900" wrap="square" tIns="121900">
+          <a:bodyPr spcFirstLastPara="1" wrap="square" lIns="121900" tIns="121900" rIns="121900" bIns="121900" anchor="ctr" anchorCtr="0">
             <a:normAutofit/>
           </a:bodyPr>
           <a:lstStyle>
-            <a:lvl1pPr indent="-381000" lvl="0" marL="457200">
+            <a:lvl1pPr marL="457200" lvl="0" indent="-381000">
               <a:spcBef>
                 <a:spcPts val="0"/>
               </a:spcBef>
@@ -4638,7 +4777,7 @@
               <a:buChar char="●"/>
               <a:defRPr/>
             </a:lvl1pPr>
-            <a:lvl2pPr indent="-349250" lvl="1" marL="914400">
+            <a:lvl2pPr marL="914400" lvl="1" indent="-349250">
               <a:spcBef>
                 <a:spcPts val="0"/>
               </a:spcBef>
@@ -4649,7 +4788,7 @@
               <a:buChar char="○"/>
               <a:defRPr/>
             </a:lvl2pPr>
-            <a:lvl3pPr indent="-349250" lvl="2" marL="1371600">
+            <a:lvl3pPr marL="1371600" lvl="2" indent="-349250">
               <a:spcBef>
                 <a:spcPts val="0"/>
               </a:spcBef>
@@ -4660,7 +4799,7 @@
               <a:buChar char="■"/>
               <a:defRPr/>
             </a:lvl3pPr>
-            <a:lvl4pPr indent="-349250" lvl="3" marL="1828800">
+            <a:lvl4pPr marL="1828800" lvl="3" indent="-349250">
               <a:spcBef>
                 <a:spcPts val="0"/>
               </a:spcBef>
@@ -4671,7 +4810,7 @@
               <a:buChar char="●"/>
               <a:defRPr/>
             </a:lvl4pPr>
-            <a:lvl5pPr indent="-349250" lvl="4" marL="2286000">
+            <a:lvl5pPr marL="2286000" lvl="4" indent="-349250">
               <a:spcBef>
                 <a:spcPts val="0"/>
               </a:spcBef>
@@ -4682,7 +4821,7 @@
               <a:buChar char="○"/>
               <a:defRPr/>
             </a:lvl5pPr>
-            <a:lvl6pPr indent="-349250" lvl="5" marL="2743200">
+            <a:lvl6pPr marL="2743200" lvl="5" indent="-349250">
               <a:spcBef>
                 <a:spcPts val="0"/>
               </a:spcBef>
@@ -4693,7 +4832,7 @@
               <a:buChar char="■"/>
               <a:defRPr/>
             </a:lvl6pPr>
-            <a:lvl7pPr indent="-349250" lvl="6" marL="3200400">
+            <a:lvl7pPr marL="3200400" lvl="6" indent="-349250">
               <a:spcBef>
                 <a:spcPts val="0"/>
               </a:spcBef>
@@ -4704,7 +4843,7 @@
               <a:buChar char="●"/>
               <a:defRPr/>
             </a:lvl7pPr>
-            <a:lvl8pPr indent="-349250" lvl="7" marL="3657600">
+            <a:lvl8pPr marL="3657600" lvl="7" indent="-349250">
               <a:spcBef>
                 <a:spcPts val="0"/>
               </a:spcBef>
@@ -4715,7 +4854,7 @@
               <a:buChar char="○"/>
               <a:defRPr/>
             </a:lvl8pPr>
-            <a:lvl9pPr indent="-349250" lvl="8" marL="4114800">
+            <a:lvl9pPr marL="4114800" lvl="8" indent="-349250">
               <a:spcBef>
                 <a:spcPts val="0"/>
               </a:spcBef>
@@ -4727,15 +4866,19 @@
               <a:defRPr/>
             </a:lvl9pPr>
           </a:lstStyle>
-          <a:p/>
+          <a:p>
+            <a:endParaRPr/>
+          </a:p>
         </p:txBody>
       </p:sp>
       <p:sp>
         <p:nvSpPr>
           <p:cNvPr id="40" name="Google Shape;40;p9"/>
-          <p:cNvSpPr txBox="1"/>
+          <p:cNvSpPr txBox="1">
+            <a:spLocks noGrp="1"/>
+          </p:cNvSpPr>
           <p:nvPr>
-            <p:ph idx="12" type="sldNum"/>
+            <p:ph type="sldNum" idx="12"/>
           </p:nvPr>
         </p:nvSpPr>
         <p:spPr>
@@ -4748,7 +4891,7 @@
           </a:prstGeom>
         </p:spPr>
         <p:txBody>
-          <a:bodyPr anchorCtr="0" anchor="ctr" bIns="121900" lIns="121900" spcFirstLastPara="1" rIns="121900" wrap="square" tIns="121900">
+          <a:bodyPr spcFirstLastPara="1" wrap="square" lIns="121900" tIns="121900" rIns="121900" bIns="121900" anchor="ctr" anchorCtr="0">
             <a:normAutofit/>
           </a:bodyPr>
           <a:lstStyle>
@@ -4790,7 +4933,7 @@
             </a:lvl9pPr>
           </a:lstStyle>
           <a:p>
-            <a:pPr indent="0" lvl="0" marL="0" rtl="0" algn="r">
+            <a:pPr marL="0" lvl="0" indent="0" algn="r" rtl="0">
               <a:spcBef>
                 <a:spcPts val="0"/>
               </a:spcBef>
@@ -4816,11 +4959,11 @@
 </file>
 
 <file path=ppt/slideLayouts/slideLayout9.xml><?xml version="1.0" encoding="utf-8"?>
-<p:sldLayout xmlns:a="http://schemas.openxmlformats.org/drawingml/2006/main" xmlns:r="http://schemas.openxmlformats.org/officeDocument/2006/relationships" xmlns:mc="http://schemas.openxmlformats.org/markup-compatibility/2006" xmlns:mv="urn:schemas-microsoft-com:mac:vml" xmlns:p="http://schemas.openxmlformats.org/presentationml/2006/main" xmlns:c="http://schemas.openxmlformats.org/drawingml/2006/chart" xmlns:dgm="http://schemas.openxmlformats.org/drawingml/2006/diagram" xmlns:o="urn:schemas-microsoft-com:office:office" xmlns:v="urn:schemas-microsoft-com:vml" xmlns:pvml="urn:schemas-microsoft-com:office:powerpoint" xmlns:com="http://schemas.openxmlformats.org/drawingml/2006/compatibility" xmlns:p14="http://schemas.microsoft.com/office/powerpoint/2010/main" xmlns:p15="http://schemas.microsoft.com/office/powerpoint/2012/main" xmlns:ahyp="http://schemas.microsoft.com/office/drawing/2018/hyperlinkcolor" matchingName="Caption">
+<p:sldLayout xmlns:a="http://schemas.openxmlformats.org/drawingml/2006/main" xmlns:r="http://schemas.openxmlformats.org/officeDocument/2006/relationships" xmlns:p="http://schemas.openxmlformats.org/presentationml/2006/main" matchingName="Caption">
   <p:cSld name="CAPTION_ONLY">
     <p:spTree>
       <p:nvGrpSpPr>
-        <p:cNvPr id="41" name="Shape 41"/>
+        <p:cNvPr id="1" name="Shape 41"/>
         <p:cNvGrpSpPr/>
         <p:nvPr/>
       </p:nvGrpSpPr>
@@ -4835,9 +4978,11 @@
       <p:sp>
         <p:nvSpPr>
           <p:cNvPr id="42" name="Google Shape;42;p10"/>
-          <p:cNvSpPr txBox="1"/>
+          <p:cNvSpPr txBox="1">
+            <a:spLocks noGrp="1"/>
+          </p:cNvSpPr>
           <p:nvPr>
-            <p:ph idx="1" type="body"/>
+            <p:ph type="body" idx="1"/>
           </p:nvPr>
         </p:nvSpPr>
         <p:spPr>
@@ -4850,11 +4995,11 @@
           </a:prstGeom>
         </p:spPr>
         <p:txBody>
-          <a:bodyPr anchorCtr="0" anchor="ctr" bIns="121900" lIns="121900" spcFirstLastPara="1" rIns="121900" wrap="square" tIns="121900">
+          <a:bodyPr spcFirstLastPara="1" wrap="square" lIns="121900" tIns="121900" rIns="121900" bIns="121900" anchor="ctr" anchorCtr="0">
             <a:normAutofit/>
           </a:bodyPr>
           <a:lstStyle>
-            <a:lvl1pPr indent="-228600" lvl="0" marL="457200">
+            <a:lvl1pPr marL="457200" lvl="0" indent="-228600">
               <a:lnSpc>
                 <a:spcPct val="100000"/>
               </a:lnSpc>
@@ -4869,15 +5014,19 @@
               <a:defRPr/>
             </a:lvl1pPr>
           </a:lstStyle>
-          <a:p/>
+          <a:p>
+            <a:endParaRPr/>
+          </a:p>
         </p:txBody>
       </p:sp>
       <p:sp>
         <p:nvSpPr>
           <p:cNvPr id="43" name="Google Shape;43;p10"/>
-          <p:cNvSpPr txBox="1"/>
+          <p:cNvSpPr txBox="1">
+            <a:spLocks noGrp="1"/>
+          </p:cNvSpPr>
           <p:nvPr>
-            <p:ph idx="12" type="sldNum"/>
+            <p:ph type="sldNum" idx="12"/>
           </p:nvPr>
         </p:nvSpPr>
         <p:spPr>
@@ -4890,7 +5039,7 @@
           </a:prstGeom>
         </p:spPr>
         <p:txBody>
-          <a:bodyPr anchorCtr="0" anchor="ctr" bIns="121900" lIns="121900" spcFirstLastPara="1" rIns="121900" wrap="square" tIns="121900">
+          <a:bodyPr spcFirstLastPara="1" wrap="square" lIns="121900" tIns="121900" rIns="121900" bIns="121900" anchor="ctr" anchorCtr="0">
             <a:normAutofit/>
           </a:bodyPr>
           <a:lstStyle>
@@ -4932,7 +5081,7 @@
             </a:lvl9pPr>
           </a:lstStyle>
           <a:p>
-            <a:pPr indent="0" lvl="0" marL="0" rtl="0" algn="r">
+            <a:pPr marL="0" lvl="0" indent="0" algn="r" rtl="0">
               <a:spcBef>
                 <a:spcPts val="0"/>
               </a:spcBef>
@@ -4958,18 +5107,19 @@
 </file>
 
 <file path=ppt/slideMasters/slideMaster1.xml><?xml version="1.0" encoding="utf-8"?>
-<p:sldMaster xmlns:a="http://schemas.openxmlformats.org/drawingml/2006/main" xmlns:r="http://schemas.openxmlformats.org/officeDocument/2006/relationships" xmlns:mc="http://schemas.openxmlformats.org/markup-compatibility/2006" xmlns:mv="urn:schemas-microsoft-com:mac:vml" xmlns:p="http://schemas.openxmlformats.org/presentationml/2006/main" xmlns:c="http://schemas.openxmlformats.org/drawingml/2006/chart" xmlns:dgm="http://schemas.openxmlformats.org/drawingml/2006/diagram" xmlns:o="urn:schemas-microsoft-com:office:office" xmlns:v="urn:schemas-microsoft-com:vml" xmlns:pvml="urn:schemas-microsoft-com:office:powerpoint" xmlns:com="http://schemas.openxmlformats.org/drawingml/2006/compatibility" xmlns:p14="http://schemas.microsoft.com/office/powerpoint/2010/main" xmlns:p15="http://schemas.microsoft.com/office/powerpoint/2012/main" xmlns:ahyp="http://schemas.microsoft.com/office/drawing/2018/hyperlinkcolor">
+<p:sldMaster xmlns:a="http://schemas.openxmlformats.org/drawingml/2006/main" xmlns:r="http://schemas.openxmlformats.org/officeDocument/2006/relationships" xmlns:p="http://schemas.openxmlformats.org/presentationml/2006/main">
   <p:cSld name="simple-light-2">
     <p:bg>
       <p:bgPr>
         <a:solidFill>
           <a:schemeClr val="lt1"/>
         </a:solidFill>
+        <a:effectLst/>
       </p:bgPr>
     </p:bg>
     <p:spTree>
       <p:nvGrpSpPr>
-        <p:cNvPr id="5" name="Shape 5"/>
+        <p:cNvPr id="1" name="Shape 5"/>
         <p:cNvGrpSpPr/>
         <p:nvPr/>
       </p:nvGrpSpPr>
@@ -4984,7 +5134,9 @@
       <p:sp>
         <p:nvSpPr>
           <p:cNvPr id="6" name="Google Shape;6;p1"/>
-          <p:cNvSpPr txBox="1"/>
+          <p:cNvSpPr txBox="1">
+            <a:spLocks noGrp="1"/>
+          </p:cNvSpPr>
           <p:nvPr>
             <p:ph type="title"/>
           </p:nvPr>
@@ -5003,7 +5155,7 @@
           </a:ln>
         </p:spPr>
         <p:txBody>
-          <a:bodyPr anchorCtr="0" anchor="t" bIns="121900" lIns="121900" spcFirstLastPara="1" rIns="121900" wrap="square" tIns="121900">
+          <a:bodyPr spcFirstLastPara="1" wrap="square" lIns="121900" tIns="121900" rIns="121900" bIns="121900" anchor="t" anchorCtr="0">
             <a:normAutofit/>
           </a:bodyPr>
           <a:lstStyle>
@@ -5170,15 +5322,19 @@
               </a:defRPr>
             </a:lvl9pPr>
           </a:lstStyle>
-          <a:p/>
+          <a:p>
+            <a:endParaRPr/>
+          </a:p>
         </p:txBody>
       </p:sp>
       <p:sp>
         <p:nvSpPr>
           <p:cNvPr id="7" name="Google Shape;7;p1"/>
-          <p:cNvSpPr txBox="1"/>
+          <p:cNvSpPr txBox="1">
+            <a:spLocks noGrp="1"/>
+          </p:cNvSpPr>
           <p:nvPr>
-            <p:ph idx="1" type="body"/>
+            <p:ph type="body" idx="1"/>
           </p:nvPr>
         </p:nvSpPr>
         <p:spPr>
@@ -5195,11 +5351,11 @@
           </a:ln>
         </p:spPr>
         <p:txBody>
-          <a:bodyPr anchorCtr="0" anchor="t" bIns="121900" lIns="121900" spcFirstLastPara="1" rIns="121900" wrap="square" tIns="121900">
+          <a:bodyPr spcFirstLastPara="1" wrap="square" lIns="121900" tIns="121900" rIns="121900" bIns="121900" anchor="t" anchorCtr="0">
             <a:normAutofit/>
           </a:bodyPr>
           <a:lstStyle>
-            <a:lvl1pPr indent="-381000" lvl="0" marL="457200">
+            <a:lvl1pPr marL="457200" lvl="0" indent="-381000">
               <a:lnSpc>
                 <a:spcPct val="115000"/>
               </a:lnSpc>
@@ -5220,7 +5376,7 @@
                 </a:solidFill>
               </a:defRPr>
             </a:lvl1pPr>
-            <a:lvl2pPr indent="-349250" lvl="1" marL="914400">
+            <a:lvl2pPr marL="914400" lvl="1" indent="-349250">
               <a:lnSpc>
                 <a:spcPct val="115000"/>
               </a:lnSpc>
@@ -5241,7 +5397,7 @@
                 </a:solidFill>
               </a:defRPr>
             </a:lvl2pPr>
-            <a:lvl3pPr indent="-349250" lvl="2" marL="1371600">
+            <a:lvl3pPr marL="1371600" lvl="2" indent="-349250">
               <a:lnSpc>
                 <a:spcPct val="115000"/>
               </a:lnSpc>
@@ -5262,7 +5418,7 @@
                 </a:solidFill>
               </a:defRPr>
             </a:lvl3pPr>
-            <a:lvl4pPr indent="-349250" lvl="3" marL="1828800">
+            <a:lvl4pPr marL="1828800" lvl="3" indent="-349250">
               <a:lnSpc>
                 <a:spcPct val="115000"/>
               </a:lnSpc>
@@ -5283,7 +5439,7 @@
                 </a:solidFill>
               </a:defRPr>
             </a:lvl4pPr>
-            <a:lvl5pPr indent="-349250" lvl="4" marL="2286000">
+            <a:lvl5pPr marL="2286000" lvl="4" indent="-349250">
               <a:lnSpc>
                 <a:spcPct val="115000"/>
               </a:lnSpc>
@@ -5304,7 +5460,7 @@
                 </a:solidFill>
               </a:defRPr>
             </a:lvl5pPr>
-            <a:lvl6pPr indent="-349250" lvl="5" marL="2743200">
+            <a:lvl6pPr marL="2743200" lvl="5" indent="-349250">
               <a:lnSpc>
                 <a:spcPct val="115000"/>
               </a:lnSpc>
@@ -5325,7 +5481,7 @@
                 </a:solidFill>
               </a:defRPr>
             </a:lvl6pPr>
-            <a:lvl7pPr indent="-349250" lvl="6" marL="3200400">
+            <a:lvl7pPr marL="3200400" lvl="6" indent="-349250">
               <a:lnSpc>
                 <a:spcPct val="115000"/>
               </a:lnSpc>
@@ -5346,7 +5502,7 @@
                 </a:solidFill>
               </a:defRPr>
             </a:lvl7pPr>
-            <a:lvl8pPr indent="-349250" lvl="7" marL="3657600">
+            <a:lvl8pPr marL="3657600" lvl="7" indent="-349250">
               <a:lnSpc>
                 <a:spcPct val="115000"/>
               </a:lnSpc>
@@ -5367,7 +5523,7 @@
                 </a:solidFill>
               </a:defRPr>
             </a:lvl8pPr>
-            <a:lvl9pPr indent="-349250" lvl="8" marL="4114800">
+            <a:lvl9pPr marL="4114800" lvl="8" indent="-349250">
               <a:lnSpc>
                 <a:spcPct val="115000"/>
               </a:lnSpc>
@@ -5389,15 +5545,19 @@
               </a:defRPr>
             </a:lvl9pPr>
           </a:lstStyle>
-          <a:p/>
+          <a:p>
+            <a:endParaRPr/>
+          </a:p>
         </p:txBody>
       </p:sp>
       <p:sp>
         <p:nvSpPr>
           <p:cNvPr id="8" name="Google Shape;8;p1"/>
-          <p:cNvSpPr txBox="1"/>
+          <p:cNvSpPr txBox="1">
+            <a:spLocks noGrp="1"/>
+          </p:cNvSpPr>
           <p:nvPr>
-            <p:ph idx="12" type="sldNum"/>
+            <p:ph type="sldNum" idx="12"/>
           </p:nvPr>
         </p:nvSpPr>
         <p:spPr>
@@ -5414,7 +5574,7 @@
           </a:ln>
         </p:spPr>
         <p:txBody>
-          <a:bodyPr anchorCtr="0" anchor="ctr" bIns="121900" lIns="121900" spcFirstLastPara="1" rIns="121900" wrap="square" tIns="121900">
+          <a:bodyPr spcFirstLastPara="1" wrap="square" lIns="121900" tIns="121900" rIns="121900" bIns="121900" anchor="ctr" anchorCtr="0">
             <a:normAutofit/>
           </a:bodyPr>
           <a:lstStyle>
@@ -5492,7 +5652,7 @@
             </a:lvl9pPr>
           </a:lstStyle>
           <a:p>
-            <a:pPr indent="0" lvl="0" marL="0" rtl="0" algn="r">
+            <a:pPr marL="0" lvl="0" indent="0" algn="r" rtl="0">
               <a:spcBef>
                 <a:spcPts val="0"/>
               </a:spcBef>
@@ -5511,7 +5671,7 @@
       </p:sp>
     </p:spTree>
   </p:cSld>
-  <p:clrMap accent1="accent1" accent2="accent2" accent3="accent3" accent4="accent4" accent5="accent5" accent6="accent6" bg1="lt1" bg2="dk2" tx1="dk1" tx2="lt2" folHlink="folHlink" hlink="hlink"/>
+  <p:clrMap bg1="lt1" tx1="dk1" bg2="dk2" tx2="lt2" accent1="accent1" accent2="accent2" accent3="accent3" accent4="accent4" accent5="accent5" accent6="accent6" hlink="hlink" folHlink="folHlink"/>
   <p:sldLayoutIdLst>
     <p:sldLayoutId id="2147483648" r:id="rId1"/>
     <p:sldLayoutId id="2147483649" r:id="rId2"/>
@@ -5525,10 +5685,10 @@
     <p:sldLayoutId id="2147483657" r:id="rId10"/>
     <p:sldLayoutId id="2147483658" r:id="rId11"/>
   </p:sldLayoutIdLst>
-  <p:hf dt="0" ftr="0" hdr="0" sldNum="0"/>
+  <p:hf sldNum="0" hdr="0" ftr="0" dt="0"/>
   <p:txStyles>
     <p:titleStyle>
-      <a:defPPr lvl="0" marR="0" rtl="0" algn="l">
+      <a:defPPr marR="0" lvl="0" algn="l" rtl="0">
         <a:lnSpc>
           <a:spcPct val="100000"/>
         </a:lnSpc>
@@ -5539,7 +5699,7 @@
           <a:spcPts val="0"/>
         </a:spcAft>
       </a:defPPr>
-      <a:lvl1pPr lvl="0" marR="0" rtl="0" algn="l">
+      <a:lvl1pPr marR="0" lvl="0" algn="l" rtl="0">
         <a:lnSpc>
           <a:spcPct val="100000"/>
         </a:lnSpc>
@@ -5553,7 +5713,7 @@
           <a:srgbClr val="000000"/>
         </a:buClr>
         <a:buFont typeface="Arial"/>
-        <a:defRPr b="0" i="0" sz="1400" u="none" cap="none" strike="noStrike">
+        <a:defRPr sz="1400" b="0" i="0" u="none" strike="noStrike" cap="none">
           <a:solidFill>
             <a:srgbClr val="000000"/>
           </a:solidFill>
@@ -5563,7 +5723,7 @@
           <a:sym typeface="Arial"/>
         </a:defRPr>
       </a:lvl1pPr>
-      <a:lvl2pPr lvl="1" marR="0" rtl="0" algn="l">
+      <a:lvl2pPr marR="0" lvl="1" algn="l" rtl="0">
         <a:lnSpc>
           <a:spcPct val="100000"/>
         </a:lnSpc>
@@ -5577,7 +5737,7 @@
           <a:srgbClr val="000000"/>
         </a:buClr>
         <a:buFont typeface="Arial"/>
-        <a:defRPr b="0" i="0" sz="1400" u="none" cap="none" strike="noStrike">
+        <a:defRPr sz="1400" b="0" i="0" u="none" strike="noStrike" cap="none">
           <a:solidFill>
             <a:srgbClr val="000000"/>
           </a:solidFill>
@@ -5587,7 +5747,7 @@
           <a:sym typeface="Arial"/>
         </a:defRPr>
       </a:lvl2pPr>
-      <a:lvl3pPr lvl="2" marR="0" rtl="0" algn="l">
+      <a:lvl3pPr marR="0" lvl="2" algn="l" rtl="0">
         <a:lnSpc>
           <a:spcPct val="100000"/>
         </a:lnSpc>
@@ -5601,7 +5761,7 @@
           <a:srgbClr val="000000"/>
         </a:buClr>
         <a:buFont typeface="Arial"/>
-        <a:defRPr b="0" i="0" sz="1400" u="none" cap="none" strike="noStrike">
+        <a:defRPr sz="1400" b="0" i="0" u="none" strike="noStrike" cap="none">
           <a:solidFill>
             <a:srgbClr val="000000"/>
           </a:solidFill>
@@ -5611,7 +5771,7 @@
           <a:sym typeface="Arial"/>
         </a:defRPr>
       </a:lvl3pPr>
-      <a:lvl4pPr lvl="3" marR="0" rtl="0" algn="l">
+      <a:lvl4pPr marR="0" lvl="3" algn="l" rtl="0">
         <a:lnSpc>
           <a:spcPct val="100000"/>
         </a:lnSpc>
@@ -5625,7 +5785,7 @@
           <a:srgbClr val="000000"/>
         </a:buClr>
         <a:buFont typeface="Arial"/>
-        <a:defRPr b="0" i="0" sz="1400" u="none" cap="none" strike="noStrike">
+        <a:defRPr sz="1400" b="0" i="0" u="none" strike="noStrike" cap="none">
           <a:solidFill>
             <a:srgbClr val="000000"/>
           </a:solidFill>
@@ -5635,7 +5795,7 @@
           <a:sym typeface="Arial"/>
         </a:defRPr>
       </a:lvl4pPr>
-      <a:lvl5pPr lvl="4" marR="0" rtl="0" algn="l">
+      <a:lvl5pPr marR="0" lvl="4" algn="l" rtl="0">
         <a:lnSpc>
           <a:spcPct val="100000"/>
         </a:lnSpc>
@@ -5649,7 +5809,7 @@
           <a:srgbClr val="000000"/>
         </a:buClr>
         <a:buFont typeface="Arial"/>
-        <a:defRPr b="0" i="0" sz="1400" u="none" cap="none" strike="noStrike">
+        <a:defRPr sz="1400" b="0" i="0" u="none" strike="noStrike" cap="none">
           <a:solidFill>
             <a:srgbClr val="000000"/>
           </a:solidFill>
@@ -5659,7 +5819,7 @@
           <a:sym typeface="Arial"/>
         </a:defRPr>
       </a:lvl5pPr>
-      <a:lvl6pPr lvl="5" marR="0" rtl="0" algn="l">
+      <a:lvl6pPr marR="0" lvl="5" algn="l" rtl="0">
         <a:lnSpc>
           <a:spcPct val="100000"/>
         </a:lnSpc>
@@ -5673,7 +5833,7 @@
           <a:srgbClr val="000000"/>
         </a:buClr>
         <a:buFont typeface="Arial"/>
-        <a:defRPr b="0" i="0" sz="1400" u="none" cap="none" strike="noStrike">
+        <a:defRPr sz="1400" b="0" i="0" u="none" strike="noStrike" cap="none">
           <a:solidFill>
             <a:srgbClr val="000000"/>
           </a:solidFill>
@@ -5683,7 +5843,7 @@
           <a:sym typeface="Arial"/>
         </a:defRPr>
       </a:lvl6pPr>
-      <a:lvl7pPr lvl="6" marR="0" rtl="0" algn="l">
+      <a:lvl7pPr marR="0" lvl="6" algn="l" rtl="0">
         <a:lnSpc>
           <a:spcPct val="100000"/>
         </a:lnSpc>
@@ -5697,7 +5857,7 @@
           <a:srgbClr val="000000"/>
         </a:buClr>
         <a:buFont typeface="Arial"/>
-        <a:defRPr b="0" i="0" sz="1400" u="none" cap="none" strike="noStrike">
+        <a:defRPr sz="1400" b="0" i="0" u="none" strike="noStrike" cap="none">
           <a:solidFill>
             <a:srgbClr val="000000"/>
           </a:solidFill>
@@ -5707,7 +5867,7 @@
           <a:sym typeface="Arial"/>
         </a:defRPr>
       </a:lvl7pPr>
-      <a:lvl8pPr lvl="7" marR="0" rtl="0" algn="l">
+      <a:lvl8pPr marR="0" lvl="7" algn="l" rtl="0">
         <a:lnSpc>
           <a:spcPct val="100000"/>
         </a:lnSpc>
@@ -5721,7 +5881,7 @@
           <a:srgbClr val="000000"/>
         </a:buClr>
         <a:buFont typeface="Arial"/>
-        <a:defRPr b="0" i="0" sz="1400" u="none" cap="none" strike="noStrike">
+        <a:defRPr sz="1400" b="0" i="0" u="none" strike="noStrike" cap="none">
           <a:solidFill>
             <a:srgbClr val="000000"/>
           </a:solidFill>
@@ -5731,7 +5891,7 @@
           <a:sym typeface="Arial"/>
         </a:defRPr>
       </a:lvl8pPr>
-      <a:lvl9pPr lvl="8" marR="0" rtl="0" algn="l">
+      <a:lvl9pPr marR="0" lvl="8" algn="l" rtl="0">
         <a:lnSpc>
           <a:spcPct val="100000"/>
         </a:lnSpc>
@@ -5745,7 +5905,7 @@
           <a:srgbClr val="000000"/>
         </a:buClr>
         <a:buFont typeface="Arial"/>
-        <a:defRPr b="0" i="0" sz="1400" u="none" cap="none" strike="noStrike">
+        <a:defRPr sz="1400" b="0" i="0" u="none" strike="noStrike" cap="none">
           <a:solidFill>
             <a:srgbClr val="000000"/>
           </a:solidFill>
@@ -5757,7 +5917,7 @@
       </a:lvl9pPr>
     </p:titleStyle>
     <p:bodyStyle>
-      <a:defPPr lvl="0" marR="0" rtl="0" algn="l">
+      <a:defPPr marR="0" lvl="0" algn="l" rtl="0">
         <a:lnSpc>
           <a:spcPct val="100000"/>
         </a:lnSpc>
@@ -5768,7 +5928,7 @@
           <a:spcPts val="0"/>
         </a:spcAft>
       </a:defPPr>
-      <a:lvl1pPr lvl="0" marR="0" rtl="0" algn="l">
+      <a:lvl1pPr marR="0" lvl="0" algn="l" rtl="0">
         <a:lnSpc>
           <a:spcPct val="100000"/>
         </a:lnSpc>
@@ -5782,7 +5942,7 @@
           <a:srgbClr val="000000"/>
         </a:buClr>
         <a:buFont typeface="Arial"/>
-        <a:defRPr b="0" i="0" sz="1400" u="none" cap="none" strike="noStrike">
+        <a:defRPr sz="1400" b="0" i="0" u="none" strike="noStrike" cap="none">
           <a:solidFill>
             <a:srgbClr val="000000"/>
           </a:solidFill>
@@ -5792,7 +5952,7 @@
           <a:sym typeface="Arial"/>
         </a:defRPr>
       </a:lvl1pPr>
-      <a:lvl2pPr lvl="1" marR="0" rtl="0" algn="l">
+      <a:lvl2pPr marR="0" lvl="1" algn="l" rtl="0">
         <a:lnSpc>
           <a:spcPct val="100000"/>
         </a:lnSpc>
@@ -5806,7 +5966,7 @@
           <a:srgbClr val="000000"/>
         </a:buClr>
         <a:buFont typeface="Arial"/>
-        <a:defRPr b="0" i="0" sz="1400" u="none" cap="none" strike="noStrike">
+        <a:defRPr sz="1400" b="0" i="0" u="none" strike="noStrike" cap="none">
           <a:solidFill>
             <a:srgbClr val="000000"/>
           </a:solidFill>
@@ -5816,7 +5976,7 @@
           <a:sym typeface="Arial"/>
         </a:defRPr>
       </a:lvl2pPr>
-      <a:lvl3pPr lvl="2" marR="0" rtl="0" algn="l">
+      <a:lvl3pPr marR="0" lvl="2" algn="l" rtl="0">
         <a:lnSpc>
           <a:spcPct val="100000"/>
         </a:lnSpc>
@@ -5830,7 +5990,7 @@
           <a:srgbClr val="000000"/>
         </a:buClr>
         <a:buFont typeface="Arial"/>
-        <a:defRPr b="0" i="0" sz="1400" u="none" cap="none" strike="noStrike">
+        <a:defRPr sz="1400" b="0" i="0" u="none" strike="noStrike" cap="none">
           <a:solidFill>
             <a:srgbClr val="000000"/>
           </a:solidFill>
@@ -5840,7 +6000,7 @@
           <a:sym typeface="Arial"/>
         </a:defRPr>
       </a:lvl3pPr>
-      <a:lvl4pPr lvl="3" marR="0" rtl="0" algn="l">
+      <a:lvl4pPr marR="0" lvl="3" algn="l" rtl="0">
         <a:lnSpc>
           <a:spcPct val="100000"/>
         </a:lnSpc>
@@ -5854,7 +6014,7 @@
           <a:srgbClr val="000000"/>
         </a:buClr>
         <a:buFont typeface="Arial"/>
-        <a:defRPr b="0" i="0" sz="1400" u="none" cap="none" strike="noStrike">
+        <a:defRPr sz="1400" b="0" i="0" u="none" strike="noStrike" cap="none">
           <a:solidFill>
             <a:srgbClr val="000000"/>
           </a:solidFill>
@@ -5864,7 +6024,7 @@
           <a:sym typeface="Arial"/>
         </a:defRPr>
       </a:lvl4pPr>
-      <a:lvl5pPr lvl="4" marR="0" rtl="0" algn="l">
+      <a:lvl5pPr marR="0" lvl="4" algn="l" rtl="0">
         <a:lnSpc>
           <a:spcPct val="100000"/>
         </a:lnSpc>
@@ -5878,7 +6038,7 @@
           <a:srgbClr val="000000"/>
         </a:buClr>
         <a:buFont typeface="Arial"/>
-        <a:defRPr b="0" i="0" sz="1400" u="none" cap="none" strike="noStrike">
+        <a:defRPr sz="1400" b="0" i="0" u="none" strike="noStrike" cap="none">
           <a:solidFill>
             <a:srgbClr val="000000"/>
           </a:solidFill>
@@ -5888,7 +6048,7 @@
           <a:sym typeface="Arial"/>
         </a:defRPr>
       </a:lvl5pPr>
-      <a:lvl6pPr lvl="5" marR="0" rtl="0" algn="l">
+      <a:lvl6pPr marR="0" lvl="5" algn="l" rtl="0">
         <a:lnSpc>
           <a:spcPct val="100000"/>
         </a:lnSpc>
@@ -5902,7 +6062,7 @@
           <a:srgbClr val="000000"/>
         </a:buClr>
         <a:buFont typeface="Arial"/>
-        <a:defRPr b="0" i="0" sz="1400" u="none" cap="none" strike="noStrike">
+        <a:defRPr sz="1400" b="0" i="0" u="none" strike="noStrike" cap="none">
           <a:solidFill>
             <a:srgbClr val="000000"/>
           </a:solidFill>
@@ -5912,7 +6072,7 @@
           <a:sym typeface="Arial"/>
         </a:defRPr>
       </a:lvl6pPr>
-      <a:lvl7pPr lvl="6" marR="0" rtl="0" algn="l">
+      <a:lvl7pPr marR="0" lvl="6" algn="l" rtl="0">
         <a:lnSpc>
           <a:spcPct val="100000"/>
         </a:lnSpc>
@@ -5926,7 +6086,7 @@
           <a:srgbClr val="000000"/>
         </a:buClr>
         <a:buFont typeface="Arial"/>
-        <a:defRPr b="0" i="0" sz="1400" u="none" cap="none" strike="noStrike">
+        <a:defRPr sz="1400" b="0" i="0" u="none" strike="noStrike" cap="none">
           <a:solidFill>
             <a:srgbClr val="000000"/>
           </a:solidFill>
@@ -5936,7 +6096,7 @@
           <a:sym typeface="Arial"/>
         </a:defRPr>
       </a:lvl7pPr>
-      <a:lvl8pPr lvl="7" marR="0" rtl="0" algn="l">
+      <a:lvl8pPr marR="0" lvl="7" algn="l" rtl="0">
         <a:lnSpc>
           <a:spcPct val="100000"/>
         </a:lnSpc>
@@ -5950,7 +6110,7 @@
           <a:srgbClr val="000000"/>
         </a:buClr>
         <a:buFont typeface="Arial"/>
-        <a:defRPr b="0" i="0" sz="1400" u="none" cap="none" strike="noStrike">
+        <a:defRPr sz="1400" b="0" i="0" u="none" strike="noStrike" cap="none">
           <a:solidFill>
             <a:srgbClr val="000000"/>
           </a:solidFill>
@@ -5960,7 +6120,7 @@
           <a:sym typeface="Arial"/>
         </a:defRPr>
       </a:lvl8pPr>
-      <a:lvl9pPr lvl="8" marR="0" rtl="0" algn="l">
+      <a:lvl9pPr marR="0" lvl="8" algn="l" rtl="0">
         <a:lnSpc>
           <a:spcPct val="100000"/>
         </a:lnSpc>
@@ -5974,7 +6134,7 @@
           <a:srgbClr val="000000"/>
         </a:buClr>
         <a:buFont typeface="Arial"/>
-        <a:defRPr b="0" i="0" sz="1400" u="none" cap="none" strike="noStrike">
+        <a:defRPr sz="1400" b="0" i="0" u="none" strike="noStrike" cap="none">
           <a:solidFill>
             <a:srgbClr val="000000"/>
           </a:solidFill>
@@ -5986,7 +6146,7 @@
       </a:lvl9pPr>
     </p:bodyStyle>
     <p:otherStyle>
-      <a:defPPr lvl="0" marR="0" rtl="0" algn="l">
+      <a:defPPr marR="0" lvl="0" algn="l" rtl="0">
         <a:lnSpc>
           <a:spcPct val="100000"/>
         </a:lnSpc>
@@ -5997,7 +6157,7 @@
           <a:spcPts val="0"/>
         </a:spcAft>
       </a:defPPr>
-      <a:lvl1pPr lvl="0" marR="0" rtl="0" algn="l">
+      <a:lvl1pPr marR="0" lvl="0" algn="l" rtl="0">
         <a:lnSpc>
           <a:spcPct val="100000"/>
         </a:lnSpc>
@@ -6011,7 +6171,7 @@
           <a:srgbClr val="000000"/>
         </a:buClr>
         <a:buFont typeface="Arial"/>
-        <a:defRPr b="0" i="0" sz="1400" u="none" cap="none" strike="noStrike">
+        <a:defRPr sz="1400" b="0" i="0" u="none" strike="noStrike" cap="none">
           <a:solidFill>
             <a:srgbClr val="000000"/>
           </a:solidFill>
@@ -6021,7 +6181,7 @@
           <a:sym typeface="Arial"/>
         </a:defRPr>
       </a:lvl1pPr>
-      <a:lvl2pPr lvl="1" marR="0" rtl="0" algn="l">
+      <a:lvl2pPr marR="0" lvl="1" algn="l" rtl="0">
         <a:lnSpc>
           <a:spcPct val="100000"/>
         </a:lnSpc>
@@ -6035,7 +6195,7 @@
           <a:srgbClr val="000000"/>
         </a:buClr>
         <a:buFont typeface="Arial"/>
-        <a:defRPr b="0" i="0" sz="1400" u="none" cap="none" strike="noStrike">
+        <a:defRPr sz="1400" b="0" i="0" u="none" strike="noStrike" cap="none">
           <a:solidFill>
             <a:srgbClr val="000000"/>
           </a:solidFill>
@@ -6045,7 +6205,7 @@
           <a:sym typeface="Arial"/>
         </a:defRPr>
       </a:lvl2pPr>
-      <a:lvl3pPr lvl="2" marR="0" rtl="0" algn="l">
+      <a:lvl3pPr marR="0" lvl="2" algn="l" rtl="0">
         <a:lnSpc>
           <a:spcPct val="100000"/>
         </a:lnSpc>
@@ -6059,7 +6219,7 @@
           <a:srgbClr val="000000"/>
         </a:buClr>
         <a:buFont typeface="Arial"/>
-        <a:defRPr b="0" i="0" sz="1400" u="none" cap="none" strike="noStrike">
+        <a:defRPr sz="1400" b="0" i="0" u="none" strike="noStrike" cap="none">
           <a:solidFill>
             <a:srgbClr val="000000"/>
           </a:solidFill>
@@ -6069,7 +6229,7 @@
           <a:sym typeface="Arial"/>
         </a:defRPr>
       </a:lvl3pPr>
-      <a:lvl4pPr lvl="3" marR="0" rtl="0" algn="l">
+      <a:lvl4pPr marR="0" lvl="3" algn="l" rtl="0">
         <a:lnSpc>
           <a:spcPct val="100000"/>
         </a:lnSpc>
@@ -6083,7 +6243,7 @@
           <a:srgbClr val="000000"/>
         </a:buClr>
         <a:buFont typeface="Arial"/>
-        <a:defRPr b="0" i="0" sz="1400" u="none" cap="none" strike="noStrike">
+        <a:defRPr sz="1400" b="0" i="0" u="none" strike="noStrike" cap="none">
           <a:solidFill>
             <a:srgbClr val="000000"/>
           </a:solidFill>
@@ -6093,7 +6253,7 @@
           <a:sym typeface="Arial"/>
         </a:defRPr>
       </a:lvl4pPr>
-      <a:lvl5pPr lvl="4" marR="0" rtl="0" algn="l">
+      <a:lvl5pPr marR="0" lvl="4" algn="l" rtl="0">
         <a:lnSpc>
           <a:spcPct val="100000"/>
         </a:lnSpc>
@@ -6107,7 +6267,7 @@
           <a:srgbClr val="000000"/>
         </a:buClr>
         <a:buFont typeface="Arial"/>
-        <a:defRPr b="0" i="0" sz="1400" u="none" cap="none" strike="noStrike">
+        <a:defRPr sz="1400" b="0" i="0" u="none" strike="noStrike" cap="none">
           <a:solidFill>
             <a:srgbClr val="000000"/>
           </a:solidFill>
@@ -6117,7 +6277,7 @@
           <a:sym typeface="Arial"/>
         </a:defRPr>
       </a:lvl5pPr>
-      <a:lvl6pPr lvl="5" marR="0" rtl="0" algn="l">
+      <a:lvl6pPr marR="0" lvl="5" algn="l" rtl="0">
         <a:lnSpc>
           <a:spcPct val="100000"/>
         </a:lnSpc>
@@ -6131,7 +6291,7 @@
           <a:srgbClr val="000000"/>
         </a:buClr>
         <a:buFont typeface="Arial"/>
-        <a:defRPr b="0" i="0" sz="1400" u="none" cap="none" strike="noStrike">
+        <a:defRPr sz="1400" b="0" i="0" u="none" strike="noStrike" cap="none">
           <a:solidFill>
             <a:srgbClr val="000000"/>
           </a:solidFill>
@@ -6141,7 +6301,7 @@
           <a:sym typeface="Arial"/>
         </a:defRPr>
       </a:lvl6pPr>
-      <a:lvl7pPr lvl="6" marR="0" rtl="0" algn="l">
+      <a:lvl7pPr marR="0" lvl="6" algn="l" rtl="0">
         <a:lnSpc>
           <a:spcPct val="100000"/>
         </a:lnSpc>
@@ -6155,7 +6315,7 @@
           <a:srgbClr val="000000"/>
         </a:buClr>
         <a:buFont typeface="Arial"/>
-        <a:defRPr b="0" i="0" sz="1400" u="none" cap="none" strike="noStrike">
+        <a:defRPr sz="1400" b="0" i="0" u="none" strike="noStrike" cap="none">
           <a:solidFill>
             <a:srgbClr val="000000"/>
           </a:solidFill>
@@ -6165,7 +6325,7 @@
           <a:sym typeface="Arial"/>
         </a:defRPr>
       </a:lvl7pPr>
-      <a:lvl8pPr lvl="7" marR="0" rtl="0" algn="l">
+      <a:lvl8pPr marR="0" lvl="7" algn="l" rtl="0">
         <a:lnSpc>
           <a:spcPct val="100000"/>
         </a:lnSpc>
@@ -6179,7 +6339,7 @@
           <a:srgbClr val="000000"/>
         </a:buClr>
         <a:buFont typeface="Arial"/>
-        <a:defRPr b="0" i="0" sz="1400" u="none" cap="none" strike="noStrike">
+        <a:defRPr sz="1400" b="0" i="0" u="none" strike="noStrike" cap="none">
           <a:solidFill>
             <a:srgbClr val="000000"/>
           </a:solidFill>
@@ -6189,7 +6349,7 @@
           <a:sym typeface="Arial"/>
         </a:defRPr>
       </a:lvl8pPr>
-      <a:lvl9pPr lvl="8" marR="0" rtl="0" algn="l">
+      <a:lvl9pPr marR="0" lvl="8" algn="l" rtl="0">
         <a:lnSpc>
           <a:spcPct val="100000"/>
         </a:lnSpc>
@@ -6203,7 +6363,7 @@
           <a:srgbClr val="000000"/>
         </a:buClr>
         <a:buFont typeface="Arial"/>
-        <a:defRPr b="0" i="0" sz="1400" u="none" cap="none" strike="noStrike">
+        <a:defRPr sz="1400" b="0" i="0" u="none" strike="noStrike" cap="none">
           <a:solidFill>
             <a:srgbClr val="000000"/>
           </a:solidFill>
@@ -6219,11 +6379,11 @@
 </file>
 
 <file path=ppt/slides/slide1.xml><?xml version="1.0" encoding="utf-8"?>
-<p:sld xmlns:a="http://schemas.openxmlformats.org/drawingml/2006/main" xmlns:r="http://schemas.openxmlformats.org/officeDocument/2006/relationships" xmlns:mc="http://schemas.openxmlformats.org/markup-compatibility/2006" xmlns:mv="urn:schemas-microsoft-com:mac:vml" xmlns:p="http://schemas.openxmlformats.org/presentationml/2006/main" xmlns:c="http://schemas.openxmlformats.org/drawingml/2006/chart" xmlns:dgm="http://schemas.openxmlformats.org/drawingml/2006/diagram" xmlns:o="urn:schemas-microsoft-com:office:office" xmlns:v="urn:schemas-microsoft-com:vml" xmlns:pvml="urn:schemas-microsoft-com:office:powerpoint" xmlns:com="http://schemas.openxmlformats.org/drawingml/2006/compatibility" xmlns:p14="http://schemas.microsoft.com/office/powerpoint/2010/main" xmlns:p15="http://schemas.microsoft.com/office/powerpoint/2012/main" xmlns:ahyp="http://schemas.microsoft.com/office/drawing/2018/hyperlinkcolor">
+<p:sld xmlns:a="http://schemas.openxmlformats.org/drawingml/2006/main" xmlns:r="http://schemas.openxmlformats.org/officeDocument/2006/relationships" xmlns:p="http://schemas.openxmlformats.org/presentationml/2006/main">
   <p:cSld>
     <p:spTree>
       <p:nvGrpSpPr>
-        <p:cNvPr id="53" name="Shape 53"/>
+        <p:cNvPr id="1" name="Shape 53"/>
         <p:cNvGrpSpPr/>
         <p:nvPr/>
       </p:nvGrpSpPr>
@@ -6238,7 +6398,9 @@
       <p:sp>
         <p:nvSpPr>
           <p:cNvPr id="54" name="Google Shape;54;p13"/>
-          <p:cNvSpPr txBox="1"/>
+          <p:cNvSpPr txBox="1">
+            <a:spLocks noGrp="1"/>
+          </p:cNvSpPr>
           <p:nvPr>
             <p:ph type="ctrTitle"/>
           </p:nvPr>
@@ -6257,12 +6419,12 @@
           </a:ln>
         </p:spPr>
         <p:txBody>
-          <a:bodyPr anchorCtr="0" anchor="b" bIns="45700" lIns="91425" spcFirstLastPara="1" rIns="91425" wrap="square" tIns="45700">
+          <a:bodyPr spcFirstLastPara="1" wrap="square" lIns="91425" tIns="45700" rIns="91425" bIns="45700" anchor="b" anchorCtr="0">
             <a:normAutofit/>
           </a:bodyPr>
           <a:lstStyle/>
           <a:p>
-            <a:pPr indent="0" lvl="0" marL="0" rtl="0" algn="ctr">
+            <a:pPr marL="0" lvl="0" indent="0" algn="ctr" rtl="0">
               <a:lnSpc>
                 <a:spcPct val="90000"/>
               </a:lnSpc>
@@ -6290,9 +6452,11 @@
       <p:sp>
         <p:nvSpPr>
           <p:cNvPr id="55" name="Google Shape;55;p13"/>
-          <p:cNvSpPr txBox="1"/>
+          <p:cNvSpPr txBox="1">
+            <a:spLocks noGrp="1"/>
+          </p:cNvSpPr>
           <p:nvPr>
-            <p:ph idx="1" type="subTitle"/>
+            <p:ph type="subTitle" idx="1"/>
           </p:nvPr>
         </p:nvSpPr>
         <p:spPr>
@@ -6309,12 +6473,12 @@
           </a:ln>
         </p:spPr>
         <p:txBody>
-          <a:bodyPr anchorCtr="0" anchor="t" bIns="45700" lIns="91425" spcFirstLastPara="1" rIns="91425" wrap="square" tIns="45700">
+          <a:bodyPr spcFirstLastPara="1" wrap="square" lIns="91425" tIns="45700" rIns="91425" bIns="45700" anchor="t" anchorCtr="0">
             <a:normAutofit/>
           </a:bodyPr>
           <a:lstStyle/>
           <a:p>
-            <a:pPr indent="0" lvl="0" marL="0" rtl="0" algn="ctr">
+            <a:pPr marL="0" lvl="0" indent="0" algn="ctr" rtl="0">
               <a:lnSpc>
                 <a:spcPct val="80000"/>
               </a:lnSpc>
@@ -6347,11 +6511,11 @@
 </file>
 
 <file path=ppt/slides/slide2.xml><?xml version="1.0" encoding="utf-8"?>
-<p:sld xmlns:a="http://schemas.openxmlformats.org/drawingml/2006/main" xmlns:r="http://schemas.openxmlformats.org/officeDocument/2006/relationships" xmlns:mc="http://schemas.openxmlformats.org/markup-compatibility/2006" xmlns:mv="urn:schemas-microsoft-com:mac:vml" xmlns:p="http://schemas.openxmlformats.org/presentationml/2006/main" xmlns:c="http://schemas.openxmlformats.org/drawingml/2006/chart" xmlns:dgm="http://schemas.openxmlformats.org/drawingml/2006/diagram" xmlns:o="urn:schemas-microsoft-com:office:office" xmlns:v="urn:schemas-microsoft-com:vml" xmlns:pvml="urn:schemas-microsoft-com:office:powerpoint" xmlns:com="http://schemas.openxmlformats.org/drawingml/2006/compatibility" xmlns:p14="http://schemas.microsoft.com/office/powerpoint/2010/main" xmlns:p15="http://schemas.microsoft.com/office/powerpoint/2012/main" xmlns:ahyp="http://schemas.microsoft.com/office/drawing/2018/hyperlinkcolor">
+<p:sld xmlns:a="http://schemas.openxmlformats.org/drawingml/2006/main" xmlns:r="http://schemas.openxmlformats.org/officeDocument/2006/relationships" xmlns:p="http://schemas.openxmlformats.org/presentationml/2006/main">
   <p:cSld>
     <p:spTree>
       <p:nvGrpSpPr>
-        <p:cNvPr id="59" name="Shape 59"/>
+        <p:cNvPr id="1" name="Shape 59"/>
         <p:cNvGrpSpPr/>
         <p:nvPr/>
       </p:nvGrpSpPr>
@@ -6383,12 +6547,12 @@
           </a:ln>
         </p:spPr>
         <p:txBody>
-          <a:bodyPr anchorCtr="0" anchor="t" bIns="45700" lIns="91425" spcFirstLastPara="1" rIns="91425" wrap="square" tIns="45700">
+          <a:bodyPr spcFirstLastPara="1" wrap="square" lIns="91425" tIns="45700" rIns="91425" bIns="45700" anchor="t" anchorCtr="0">
             <a:noAutofit/>
           </a:bodyPr>
           <a:lstStyle/>
           <a:p>
-            <a:pPr indent="0" lvl="0" marL="0" marR="0" rtl="0" algn="l">
+            <a:pPr marL="0" marR="0" lvl="0" indent="0" algn="l" rtl="0">
               <a:lnSpc>
                 <a:spcPct val="90000"/>
               </a:lnSpc>
@@ -6406,7 +6570,7 @@
               <a:buNone/>
             </a:pPr>
             <a:r>
-              <a:rPr b="0" i="0" lang="en-US" sz="2400" u="none" cap="none" strike="noStrike">
+              <a:rPr lang="en-US" sz="2400" b="0" i="0" u="none" strike="noStrike" cap="none" dirty="0">
                 <a:solidFill>
                   <a:schemeClr val="dk1"/>
                 </a:solidFill>
@@ -6417,10 +6581,10 @@
               </a:rPr>
               <a:t>My problem (phrase as a decision problem):</a:t>
             </a:r>
-            <a:endParaRPr/>
+            <a:endParaRPr lang="en-US" dirty="0"/>
           </a:p>
           <a:p>
-            <a:pPr indent="0" lvl="1" marL="457200" marR="0" rtl="0" algn="l">
+            <a:pPr marL="457200" marR="0" lvl="1" indent="0" algn="l" rtl="0">
               <a:lnSpc>
                 <a:spcPct val="90000"/>
               </a:lnSpc>
@@ -6438,7 +6602,7 @@
               <a:buNone/>
             </a:pPr>
             <a:r>
-              <a:rPr b="0" i="0" lang="en-US" sz="2000" u="none" cap="none" strike="noStrike">
+              <a:rPr lang="en-US" sz="2000" b="0" i="0" u="none" strike="noStrike" cap="none" dirty="0">
                 <a:solidFill>
                   <a:schemeClr val="dk1"/>
                 </a:solidFill>
@@ -6447,43 +6611,11 @@
                 <a:cs typeface="Calibri"/>
                 <a:sym typeface="Calibri"/>
               </a:rPr>
-              <a:t>Given X, Y, and Z, does an "xxxx" exist of size "xxx"?</a:t>
+              <a:t>Can the maximum value be achieved without exceeding the weight W?</a:t>
             </a:r>
-            <a:endParaRPr/>
           </a:p>
           <a:p>
-            <a:pPr indent="0" lvl="1" marL="457200" marR="0" rtl="0" algn="l">
-              <a:lnSpc>
-                <a:spcPct val="90000"/>
-              </a:lnSpc>
-              <a:spcBef>
-                <a:spcPts val="500"/>
-              </a:spcBef>
-              <a:spcAft>
-                <a:spcPts val="0"/>
-              </a:spcAft>
-              <a:buClr>
-                <a:schemeClr val="dk1"/>
-              </a:buClr>
-              <a:buSzPts val="2000"/>
-              <a:buFont typeface="Arial"/>
-              <a:buNone/>
-            </a:pPr>
-            <a:r>
-              <a:t/>
-            </a:r>
-            <a:endParaRPr b="0" i="0" sz="2000" u="none" cap="none" strike="noStrike">
-              <a:solidFill>
-                <a:schemeClr val="dk1"/>
-              </a:solidFill>
-              <a:latin typeface="Calibri"/>
-              <a:ea typeface="Calibri"/>
-              <a:cs typeface="Calibri"/>
-              <a:sym typeface="Calibri"/>
-            </a:endParaRPr>
-          </a:p>
-          <a:p>
-            <a:pPr indent="0" lvl="0" marL="0" marR="0" rtl="0" algn="l">
+            <a:pPr marL="0" marR="0" lvl="0" indent="0" algn="l" rtl="0">
               <a:lnSpc>
                 <a:spcPct val="90000"/>
               </a:lnSpc>
@@ -6501,7 +6633,7 @@
               <a:buNone/>
             </a:pPr>
             <a:r>
-              <a:rPr b="0" i="0" lang="en-US" sz="2400" u="none" cap="none" strike="noStrike">
+              <a:rPr lang="en-US" sz="2400" b="0" i="0" u="none" strike="noStrike" cap="none" dirty="0">
                 <a:solidFill>
                   <a:schemeClr val="dk1"/>
                 </a:solidFill>
@@ -6512,10 +6644,10 @@
               </a:rPr>
               <a:t>Optimization Version:</a:t>
             </a:r>
-            <a:endParaRPr/>
+            <a:endParaRPr dirty="0"/>
           </a:p>
           <a:p>
-            <a:pPr indent="-342900" lvl="0" marL="342900" marR="0" rtl="0" algn="l">
+            <a:pPr marL="342900" marR="0" lvl="0" indent="-342900" algn="l" rtl="0">
               <a:lnSpc>
                 <a:spcPct val="90000"/>
               </a:lnSpc>
@@ -6533,18 +6665,17 @@
               <a:buChar char="•"/>
             </a:pPr>
             <a:r>
-              <a:rPr b="0" i="0" lang="en-US" sz="2400" u="none" cap="none" strike="noStrike">
+              <a:rPr lang="en-US" sz="2400" dirty="0">
                 <a:solidFill>
                   <a:schemeClr val="dk1"/>
                 </a:solidFill>
                 <a:latin typeface="Calibri"/>
-                <a:ea typeface="Calibri"/>
                 <a:cs typeface="Calibri"/>
                 <a:sym typeface="Calibri"/>
               </a:rPr>
-              <a:t>Many NP-Complete problems have their "optimization" version.  For example, what is the largest independent set in a graph G?</a:t>
+              <a:t>What is the maximum value achievable within a given weight W?</a:t>
             </a:r>
-            <a:endParaRPr/>
+            <a:endParaRPr dirty="0"/>
           </a:p>
         </p:txBody>
       </p:sp>
@@ -6568,12 +6699,12 @@
           </a:ln>
         </p:spPr>
         <p:txBody>
-          <a:bodyPr anchorCtr="0" anchor="b" bIns="45700" lIns="91425" spcFirstLastPara="1" rIns="91425" wrap="square" tIns="45700">
+          <a:bodyPr spcFirstLastPara="1" wrap="square" lIns="91425" tIns="45700" rIns="91425" bIns="45700" anchor="b" anchorCtr="0">
             <a:noAutofit/>
           </a:bodyPr>
           <a:lstStyle/>
           <a:p>
-            <a:pPr indent="0" lvl="0" marL="0" marR="0" rtl="0" algn="l">
+            <a:pPr marL="0" marR="0" lvl="0" indent="0" algn="l" rtl="0">
               <a:lnSpc>
                 <a:spcPct val="90000"/>
               </a:lnSpc>
@@ -6591,7 +6722,7 @@
               <a:buNone/>
             </a:pPr>
             <a:r>
-              <a:rPr b="0" i="0" lang="en-US" sz="3600" u="none" cap="none" strike="noStrike">
+              <a:rPr lang="en-US" sz="3600" b="0" i="0" u="none" strike="noStrike" cap="none">
                 <a:solidFill>
                   <a:schemeClr val="dk1"/>
                 </a:solidFill>
@@ -6621,23 +6752,25 @@
             <a:avLst/>
           </a:prstGeom>
           <a:noFill/>
-          <a:ln cap="flat" cmpd="sng" w="47625">
+          <a:ln w="47625" cap="flat" cmpd="sng">
             <a:solidFill>
               <a:schemeClr val="accent1"/>
             </a:solidFill>
             <a:prstDash val="solid"/>
             <a:miter lim="800000"/>
-            <a:headEnd len="sm" w="sm" type="none"/>
-            <a:tailEnd len="sm" w="sm" type="none"/>
+            <a:headEnd type="none" w="sm" len="sm"/>
+            <a:tailEnd type="none" w="sm" len="sm"/>
           </a:ln>
         </p:spPr>
       </p:cxnSp>
       <p:sp>
         <p:nvSpPr>
           <p:cNvPr id="63" name="Google Shape;63;p14"/>
-          <p:cNvSpPr txBox="1"/>
+          <p:cNvSpPr txBox="1">
+            <a:spLocks noGrp="1"/>
+          </p:cNvSpPr>
           <p:nvPr>
-            <p:ph idx="12" type="sldNum"/>
+            <p:ph type="sldNum" idx="12"/>
           </p:nvPr>
         </p:nvSpPr>
         <p:spPr>
@@ -6654,12 +6787,12 @@
           </a:ln>
         </p:spPr>
         <p:txBody>
-          <a:bodyPr anchorCtr="0" anchor="ctr" bIns="45700" lIns="91425" spcFirstLastPara="1" rIns="91425" wrap="square" tIns="45700">
+          <a:bodyPr spcFirstLastPara="1" wrap="square" lIns="91425" tIns="45700" rIns="91425" bIns="45700" anchor="ctr" anchorCtr="0">
             <a:normAutofit/>
           </a:bodyPr>
           <a:lstStyle/>
           <a:p>
-            <a:pPr indent="0" lvl="0" marL="0" rtl="0" algn="r">
+            <a:pPr marL="0" lvl="0" indent="0" algn="r" rtl="0">
               <a:spcBef>
                 <a:spcPts val="0"/>
               </a:spcBef>
@@ -6678,7 +6811,7 @@
                 <a:cs typeface="Arial"/>
                 <a:sym typeface="Arial"/>
               </a:rPr>
-              <a:t>‹#›</a:t>
+              <a:t>2</a:t>
             </a:fld>
             <a:endParaRPr>
               <a:solidFill>
@@ -6701,11 +6834,11 @@
 </file>
 
 <file path=ppt/slides/slide3.xml><?xml version="1.0" encoding="utf-8"?>
-<p:sld xmlns:a="http://schemas.openxmlformats.org/drawingml/2006/main" xmlns:r="http://schemas.openxmlformats.org/officeDocument/2006/relationships" xmlns:mc="http://schemas.openxmlformats.org/markup-compatibility/2006" xmlns:mv="urn:schemas-microsoft-com:mac:vml" xmlns:p="http://schemas.openxmlformats.org/presentationml/2006/main" xmlns:c="http://schemas.openxmlformats.org/drawingml/2006/chart" xmlns:dgm="http://schemas.openxmlformats.org/drawingml/2006/diagram" xmlns:o="urn:schemas-microsoft-com:office:office" xmlns:v="urn:schemas-microsoft-com:vml" xmlns:pvml="urn:schemas-microsoft-com:office:powerpoint" xmlns:com="http://schemas.openxmlformats.org/drawingml/2006/compatibility" xmlns:p14="http://schemas.microsoft.com/office/powerpoint/2010/main" xmlns:p15="http://schemas.microsoft.com/office/powerpoint/2012/main" xmlns:ahyp="http://schemas.microsoft.com/office/drawing/2018/hyperlinkcolor">
+<p:sld xmlns:a="http://schemas.openxmlformats.org/drawingml/2006/main" xmlns:r="http://schemas.openxmlformats.org/officeDocument/2006/relationships" xmlns:p="http://schemas.openxmlformats.org/presentationml/2006/main">
   <p:cSld>
     <p:spTree>
       <p:nvGrpSpPr>
-        <p:cNvPr id="67" name="Shape 67"/>
+        <p:cNvPr id="1" name="Shape 67"/>
         <p:cNvGrpSpPr/>
         <p:nvPr/>
       </p:nvGrpSpPr>
@@ -6725,8 +6858,8 @@
         </p:nvSpPr>
         <p:spPr>
           <a:xfrm>
-            <a:off x="-286328" y="1156811"/>
-            <a:ext cx="10726500" cy="1343100"/>
+            <a:off x="-286328" y="1156810"/>
+            <a:ext cx="10726500" cy="2538365"/>
           </a:xfrm>
           <a:prstGeom prst="rect">
             <a:avLst/>
@@ -6737,12 +6870,12 @@
           </a:ln>
         </p:spPr>
         <p:txBody>
-          <a:bodyPr anchorCtr="0" anchor="t" bIns="45700" lIns="91425" spcFirstLastPara="1" rIns="91425" wrap="square" tIns="45700">
+          <a:bodyPr spcFirstLastPara="1" wrap="square" lIns="91425" tIns="45700" rIns="91425" bIns="45700" anchor="t" anchorCtr="0">
             <a:noAutofit/>
           </a:bodyPr>
           <a:lstStyle/>
           <a:p>
-            <a:pPr indent="0" lvl="0" marL="914400" marR="0" rtl="0" algn="l">
+            <a:pPr marL="914400" marR="0" lvl="0" indent="0" algn="l" rtl="0">
               <a:lnSpc>
                 <a:spcPct val="90000"/>
               </a:lnSpc>
@@ -6760,13 +6893,19 @@
               <a:buNone/>
             </a:pPr>
             <a:r>
-              <a:rPr lang="en-US" sz="2900"/>
-              <a:t>11</a:t>
+              <a:rPr lang="en-US" sz="2900" dirty="0"/>
+              <a:t>11		</a:t>
             </a:r>
-            <a:endParaRPr sz="2900"/>
+            <a:r>
+              <a:rPr lang="en-US" sz="2900" dirty="0">
+                <a:sym typeface="Wingdings" pitchFamily="2" charset="2"/>
+              </a:rPr>
+              <a:t>-- Maximum weight of knapsack</a:t>
+            </a:r>
+            <a:endParaRPr sz="2900" dirty="0"/>
           </a:p>
           <a:p>
-            <a:pPr indent="0" lvl="0" marL="914400" marR="0" rtl="0" algn="l">
+            <a:pPr marL="914400" marR="0" lvl="0" indent="0" algn="l" rtl="0">
               <a:lnSpc>
                 <a:spcPct val="90000"/>
               </a:lnSpc>
@@ -6784,13 +6923,13 @@
               <a:buNone/>
             </a:pPr>
             <a:r>
-              <a:rPr lang="en-US" sz="2900"/>
-              <a:t>3</a:t>
+              <a:rPr lang="en-US" sz="2900" dirty="0"/>
+              <a:t>3		-- Number of available items</a:t>
             </a:r>
-            <a:endParaRPr sz="2900"/>
+            <a:endParaRPr sz="2900" dirty="0"/>
           </a:p>
           <a:p>
-            <a:pPr indent="0" lvl="0" marL="914400" marR="0" rtl="0" algn="l">
+            <a:pPr marL="914400" marR="0" lvl="0" indent="0" algn="l" rtl="0">
               <a:lnSpc>
                 <a:spcPct val="90000"/>
               </a:lnSpc>
@@ -6808,13 +6947,13 @@
               <a:buNone/>
             </a:pPr>
             <a:r>
-              <a:rPr lang="en-US" sz="2900"/>
-              <a:t>ring 100 5</a:t>
+              <a:rPr lang="en-US" sz="2900" dirty="0"/>
+              <a:t>ring 100 5	</a:t>
             </a:r>
-            <a:endParaRPr sz="2900"/>
+            <a:endParaRPr sz="2900" dirty="0"/>
           </a:p>
           <a:p>
-            <a:pPr indent="0" lvl="0" marL="914400" marR="0" rtl="0" algn="l">
+            <a:pPr marL="914400" marR="0" lvl="0" indent="0" algn="l" rtl="0">
               <a:lnSpc>
                 <a:spcPct val="90000"/>
               </a:lnSpc>
@@ -6832,13 +6971,13 @@
               <a:buNone/>
             </a:pPr>
             <a:r>
-              <a:rPr lang="en-US" sz="2900"/>
-              <a:t>gold 50 10</a:t>
+              <a:rPr lang="en-US" sz="2900" dirty="0"/>
+              <a:t>gold 50 10	-- Items given in format: name, value, weight</a:t>
             </a:r>
-            <a:endParaRPr sz="2900"/>
+            <a:endParaRPr sz="2900" dirty="0"/>
           </a:p>
           <a:p>
-            <a:pPr indent="0" lvl="0" marL="914400" marR="0" rtl="0" algn="l">
+            <a:pPr marL="914400" marR="0" lvl="0" indent="0" algn="l" rtl="0">
               <a:lnSpc>
                 <a:spcPct val="90000"/>
               </a:lnSpc>
@@ -6856,13 +6995,13 @@
               <a:buNone/>
             </a:pPr>
             <a:r>
-              <a:rPr lang="en-US" sz="2900"/>
+              <a:rPr lang="en-US" sz="2900" dirty="0"/>
               <a:t>silver 50 5</a:t>
             </a:r>
-            <a:endParaRPr sz="2900"/>
+            <a:endParaRPr sz="2900" dirty="0"/>
           </a:p>
           <a:p>
-            <a:pPr indent="0" lvl="0" marL="914400" marR="0" rtl="0" algn="l">
+            <a:pPr marL="914400" marR="0" lvl="0" indent="0" algn="l" rtl="0">
               <a:lnSpc>
                 <a:spcPct val="90000"/>
               </a:lnSpc>
@@ -6874,13 +7013,10 @@
               </a:spcAft>
               <a:buNone/>
             </a:pPr>
-            <a:r>
-              <a:t/>
-            </a:r>
-            <a:endParaRPr/>
+            <a:endParaRPr dirty="0"/>
           </a:p>
           <a:p>
-            <a:pPr indent="0" lvl="1" marL="457200" marR="0" rtl="0" algn="l">
+            <a:pPr marL="457200" marR="0" lvl="1" indent="0" algn="l" rtl="0">
               <a:lnSpc>
                 <a:spcPct val="90000"/>
               </a:lnSpc>
@@ -6897,10 +7033,7 @@
               <a:buFont typeface="Arial"/>
               <a:buNone/>
             </a:pPr>
-            <a:r>
-              <a:t/>
-            </a:r>
-            <a:endParaRPr b="0" i="0" sz="2000" u="none" cap="none" strike="noStrike">
+            <a:endParaRPr sz="2000" b="0" i="0" u="none" strike="noStrike" cap="none" dirty="0">
               <a:solidFill>
                 <a:schemeClr val="dk1"/>
               </a:solidFill>
@@ -6932,12 +7065,12 @@
           </a:ln>
         </p:spPr>
         <p:txBody>
-          <a:bodyPr anchorCtr="0" anchor="b" bIns="45700" lIns="91425" spcFirstLastPara="1" rIns="91425" wrap="square" tIns="45700">
+          <a:bodyPr spcFirstLastPara="1" wrap="square" lIns="91425" tIns="45700" rIns="91425" bIns="45700" anchor="b" anchorCtr="0">
             <a:noAutofit/>
           </a:bodyPr>
           <a:lstStyle/>
           <a:p>
-            <a:pPr indent="0" lvl="0" marL="0" marR="0" rtl="0" algn="l">
+            <a:pPr marL="0" marR="0" lvl="0" indent="0" algn="l" rtl="0">
               <a:lnSpc>
                 <a:spcPct val="90000"/>
               </a:lnSpc>
@@ -6955,7 +7088,7 @@
               <a:buNone/>
             </a:pPr>
             <a:r>
-              <a:rPr b="0" i="0" lang="en-US" sz="3600" u="none" cap="none" strike="noStrike">
+              <a:rPr lang="en-US" sz="3600" b="0" i="0" u="none" strike="noStrike" cap="none">
                 <a:solidFill>
                   <a:schemeClr val="dk1"/>
                 </a:solidFill>
@@ -6985,23 +7118,25 @@
             <a:avLst/>
           </a:prstGeom>
           <a:noFill/>
-          <a:ln cap="flat" cmpd="sng" w="47625">
+          <a:ln w="47625" cap="flat" cmpd="sng">
             <a:solidFill>
               <a:schemeClr val="accent1"/>
             </a:solidFill>
             <a:prstDash val="solid"/>
             <a:miter lim="800000"/>
-            <a:headEnd len="sm" w="sm" type="none"/>
-            <a:tailEnd len="sm" w="sm" type="none"/>
+            <a:headEnd type="none" w="sm" len="sm"/>
+            <a:tailEnd type="none" w="sm" len="sm"/>
           </a:ln>
         </p:spPr>
       </p:cxnSp>
       <p:sp>
         <p:nvSpPr>
           <p:cNvPr id="71" name="Google Shape;71;p15"/>
-          <p:cNvSpPr txBox="1"/>
+          <p:cNvSpPr txBox="1">
+            <a:spLocks noGrp="1"/>
+          </p:cNvSpPr>
           <p:nvPr>
-            <p:ph idx="12" type="sldNum"/>
+            <p:ph type="sldNum" idx="12"/>
           </p:nvPr>
         </p:nvSpPr>
         <p:spPr>
@@ -7018,12 +7153,12 @@
           </a:ln>
         </p:spPr>
         <p:txBody>
-          <a:bodyPr anchorCtr="0" anchor="ctr" bIns="45700" lIns="91425" spcFirstLastPara="1" rIns="91425" wrap="square" tIns="45700">
+          <a:bodyPr spcFirstLastPara="1" wrap="square" lIns="91425" tIns="45700" rIns="91425" bIns="45700" anchor="ctr" anchorCtr="0">
             <a:normAutofit/>
           </a:bodyPr>
           <a:lstStyle/>
           <a:p>
-            <a:pPr indent="0" lvl="0" marL="0" rtl="0" algn="r">
+            <a:pPr marL="0" lvl="0" indent="0" algn="r" rtl="0">
               <a:spcBef>
                 <a:spcPts val="0"/>
               </a:spcBef>
@@ -7042,7 +7177,7 @@
                 <a:cs typeface="Arial"/>
                 <a:sym typeface="Arial"/>
               </a:rPr>
-              <a:t>‹#›</a:t>
+              <a:t>3</a:t>
             </a:fld>
             <a:endParaRPr>
               <a:solidFill>
@@ -7065,11 +7200,11 @@
 </file>
 
 <file path=ppt/slides/slide4.xml><?xml version="1.0" encoding="utf-8"?>
-<p:sld xmlns:a="http://schemas.openxmlformats.org/drawingml/2006/main" xmlns:r="http://schemas.openxmlformats.org/officeDocument/2006/relationships" xmlns:mc="http://schemas.openxmlformats.org/markup-compatibility/2006" xmlns:mv="urn:schemas-microsoft-com:mac:vml" xmlns:p="http://schemas.openxmlformats.org/presentationml/2006/main" xmlns:c="http://schemas.openxmlformats.org/drawingml/2006/chart" xmlns:dgm="http://schemas.openxmlformats.org/drawingml/2006/diagram" xmlns:o="urn:schemas-microsoft-com:office:office" xmlns:v="urn:schemas-microsoft-com:vml" xmlns:pvml="urn:schemas-microsoft-com:office:powerpoint" xmlns:com="http://schemas.openxmlformats.org/drawingml/2006/compatibility" xmlns:p14="http://schemas.microsoft.com/office/powerpoint/2010/main" xmlns:p15="http://schemas.microsoft.com/office/powerpoint/2012/main" xmlns:ahyp="http://schemas.microsoft.com/office/drawing/2018/hyperlinkcolor">
+<p:sld xmlns:a="http://schemas.openxmlformats.org/drawingml/2006/main" xmlns:r="http://schemas.openxmlformats.org/officeDocument/2006/relationships" xmlns:p="http://schemas.openxmlformats.org/presentationml/2006/main">
   <p:cSld>
     <p:spTree>
       <p:nvGrpSpPr>
-        <p:cNvPr id="75" name="Shape 75"/>
+        <p:cNvPr id="1" name="Shape 75"/>
         <p:cNvGrpSpPr/>
         <p:nvPr/>
       </p:nvGrpSpPr>
@@ -7101,12 +7236,12 @@
           </a:ln>
         </p:spPr>
         <p:txBody>
-          <a:bodyPr anchorCtr="0" anchor="b" bIns="45700" lIns="91425" spcFirstLastPara="1" rIns="91425" wrap="square" tIns="45700">
+          <a:bodyPr spcFirstLastPara="1" wrap="square" lIns="91425" tIns="45700" rIns="91425" bIns="45700" anchor="b" anchorCtr="0">
             <a:noAutofit/>
           </a:bodyPr>
           <a:lstStyle/>
           <a:p>
-            <a:pPr indent="0" lvl="0" marL="0" marR="0" rtl="0" algn="l">
+            <a:pPr marL="0" marR="0" lvl="0" indent="0" algn="l" rtl="0">
               <a:lnSpc>
                 <a:spcPct val="90000"/>
               </a:lnSpc>
@@ -7124,7 +7259,7 @@
               <a:buNone/>
             </a:pPr>
             <a:r>
-              <a:rPr b="0" i="0" lang="en-US" sz="3600" u="none" cap="none" strike="noStrike">
+              <a:rPr lang="en-US" sz="3600" b="0" i="0" u="none" strike="noStrike" cap="none">
                 <a:solidFill>
                   <a:schemeClr val="dk1"/>
                 </a:solidFill>
@@ -7154,23 +7289,25 @@
             <a:avLst/>
           </a:prstGeom>
           <a:noFill/>
-          <a:ln cap="flat" cmpd="sng" w="47625">
+          <a:ln w="47625" cap="flat" cmpd="sng">
             <a:solidFill>
               <a:schemeClr val="accent1"/>
             </a:solidFill>
             <a:prstDash val="solid"/>
             <a:miter lim="800000"/>
-            <a:headEnd len="sm" w="sm" type="none"/>
-            <a:tailEnd len="sm" w="sm" type="none"/>
+            <a:headEnd type="none" w="sm" len="sm"/>
+            <a:tailEnd type="none" w="sm" len="sm"/>
           </a:ln>
         </p:spPr>
       </p:cxnSp>
       <p:sp>
         <p:nvSpPr>
           <p:cNvPr id="78" name="Google Shape;78;p16"/>
-          <p:cNvSpPr txBox="1"/>
+          <p:cNvSpPr txBox="1">
+            <a:spLocks noGrp="1"/>
+          </p:cNvSpPr>
           <p:nvPr>
-            <p:ph idx="12" type="sldNum"/>
+            <p:ph type="sldNum" idx="12"/>
           </p:nvPr>
         </p:nvSpPr>
         <p:spPr>
@@ -7187,12 +7324,12 @@
           </a:ln>
         </p:spPr>
         <p:txBody>
-          <a:bodyPr anchorCtr="0" anchor="ctr" bIns="45700" lIns="91425" spcFirstLastPara="1" rIns="91425" wrap="square" tIns="45700">
+          <a:bodyPr spcFirstLastPara="1" wrap="square" lIns="91425" tIns="45700" rIns="91425" bIns="45700" anchor="ctr" anchorCtr="0">
             <a:normAutofit/>
           </a:bodyPr>
           <a:lstStyle/>
           <a:p>
-            <a:pPr indent="0" lvl="0" marL="0" rtl="0" algn="r">
+            <a:pPr marL="0" lvl="0" indent="0" algn="r" rtl="0">
               <a:spcBef>
                 <a:spcPts val="0"/>
               </a:spcBef>
@@ -7211,7 +7348,7 @@
                 <a:cs typeface="Arial"/>
                 <a:sym typeface="Arial"/>
               </a:rPr>
-              <a:t>‹#›</a:t>
+              <a:t>4</a:t>
             </a:fld>
             <a:endParaRPr>
               <a:solidFill>
@@ -7245,12 +7382,12 @@
           </a:ln>
         </p:spPr>
         <p:txBody>
-          <a:bodyPr anchorCtr="0" anchor="t" bIns="45700" lIns="91425" spcFirstLastPara="1" rIns="91425" wrap="square" tIns="45700">
+          <a:bodyPr spcFirstLastPara="1" wrap="square" lIns="91425" tIns="45700" rIns="91425" bIns="45700" anchor="t" anchorCtr="0">
             <a:noAutofit/>
           </a:bodyPr>
           <a:lstStyle/>
           <a:p>
-            <a:pPr indent="0" lvl="0" marL="0" marR="0" rtl="0" algn="l">
+            <a:pPr marL="0" marR="0" lvl="0" indent="0" algn="l" rtl="0">
               <a:lnSpc>
                 <a:spcPct val="90000"/>
               </a:lnSpc>
@@ -7268,7 +7405,7 @@
               <a:buNone/>
             </a:pPr>
             <a:r>
-              <a:rPr b="0" i="0" lang="en-US" sz="2400" u="none" cap="none" strike="noStrike">
+              <a:rPr lang="en-US" sz="2400" b="0" i="0" u="none" strike="noStrike" cap="none">
                 <a:solidFill>
                   <a:schemeClr val="dk1"/>
                 </a:solidFill>
@@ -7292,11 +7429,11 @@
 </file>
 
 <file path=ppt/slides/slide5.xml><?xml version="1.0" encoding="utf-8"?>
-<p:sld xmlns:a="http://schemas.openxmlformats.org/drawingml/2006/main" xmlns:r="http://schemas.openxmlformats.org/officeDocument/2006/relationships" xmlns:mc="http://schemas.openxmlformats.org/markup-compatibility/2006" xmlns:mv="urn:schemas-microsoft-com:mac:vml" xmlns:p="http://schemas.openxmlformats.org/presentationml/2006/main" xmlns:c="http://schemas.openxmlformats.org/drawingml/2006/chart" xmlns:dgm="http://schemas.openxmlformats.org/drawingml/2006/diagram" xmlns:o="urn:schemas-microsoft-com:office:office" xmlns:v="urn:schemas-microsoft-com:vml" xmlns:pvml="urn:schemas-microsoft-com:office:powerpoint" xmlns:com="http://schemas.openxmlformats.org/drawingml/2006/compatibility" xmlns:p14="http://schemas.microsoft.com/office/powerpoint/2010/main" xmlns:p15="http://schemas.microsoft.com/office/powerpoint/2012/main" xmlns:ahyp="http://schemas.microsoft.com/office/drawing/2018/hyperlinkcolor">
+<p:sld xmlns:a="http://schemas.openxmlformats.org/drawingml/2006/main" xmlns:r="http://schemas.openxmlformats.org/officeDocument/2006/relationships" xmlns:p="http://schemas.openxmlformats.org/presentationml/2006/main">
   <p:cSld>
     <p:spTree>
       <p:nvGrpSpPr>
-        <p:cNvPr id="83" name="Shape 83"/>
+        <p:cNvPr id="1" name="Shape 83"/>
         <p:cNvGrpSpPr/>
         <p:nvPr/>
       </p:nvGrpSpPr>
@@ -7328,12 +7465,12 @@
           </a:ln>
         </p:spPr>
         <p:txBody>
-          <a:bodyPr anchorCtr="0" anchor="b" bIns="45700" lIns="91425" spcFirstLastPara="1" rIns="91425" wrap="square" tIns="45700">
+          <a:bodyPr spcFirstLastPara="1" wrap="square" lIns="91425" tIns="45700" rIns="91425" bIns="45700" anchor="b" anchorCtr="0">
             <a:noAutofit/>
           </a:bodyPr>
           <a:lstStyle/>
           <a:p>
-            <a:pPr indent="0" lvl="0" marL="0" marR="0" rtl="0" algn="l">
+            <a:pPr marL="0" marR="0" lvl="0" indent="0" algn="l" rtl="0">
               <a:lnSpc>
                 <a:spcPct val="90000"/>
               </a:lnSpc>
@@ -7351,7 +7488,7 @@
               <a:buNone/>
             </a:pPr>
             <a:r>
-              <a:rPr b="0" i="0" lang="en-US" sz="3600" u="none" cap="none" strike="noStrike">
+              <a:rPr lang="en-US" sz="3600" b="0" i="0" u="none" strike="noStrike" cap="none">
                 <a:solidFill>
                   <a:schemeClr val="dk1"/>
                 </a:solidFill>
@@ -7381,23 +7518,25 @@
             <a:avLst/>
           </a:prstGeom>
           <a:noFill/>
-          <a:ln cap="flat" cmpd="sng" w="47625">
+          <a:ln w="47625" cap="flat" cmpd="sng">
             <a:solidFill>
               <a:schemeClr val="accent1"/>
             </a:solidFill>
             <a:prstDash val="solid"/>
             <a:miter lim="800000"/>
-            <a:headEnd len="sm" w="sm" type="none"/>
-            <a:tailEnd len="sm" w="sm" type="none"/>
+            <a:headEnd type="none" w="sm" len="sm"/>
+            <a:tailEnd type="none" w="sm" len="sm"/>
           </a:ln>
         </p:spPr>
       </p:cxnSp>
       <p:sp>
         <p:nvSpPr>
           <p:cNvPr id="86" name="Google Shape;86;p17"/>
-          <p:cNvSpPr txBox="1"/>
+          <p:cNvSpPr txBox="1">
+            <a:spLocks noGrp="1"/>
+          </p:cNvSpPr>
           <p:nvPr>
-            <p:ph idx="12" type="sldNum"/>
+            <p:ph type="sldNum" idx="12"/>
           </p:nvPr>
         </p:nvSpPr>
         <p:spPr>
@@ -7414,12 +7553,12 @@
           </a:ln>
         </p:spPr>
         <p:txBody>
-          <a:bodyPr anchorCtr="0" anchor="ctr" bIns="45700" lIns="91425" spcFirstLastPara="1" rIns="91425" wrap="square" tIns="45700">
+          <a:bodyPr spcFirstLastPara="1" wrap="square" lIns="91425" tIns="45700" rIns="91425" bIns="45700" anchor="ctr" anchorCtr="0">
             <a:normAutofit/>
           </a:bodyPr>
           <a:lstStyle/>
           <a:p>
-            <a:pPr indent="0" lvl="0" marL="0" rtl="0" algn="r">
+            <a:pPr marL="0" lvl="0" indent="0" algn="r" rtl="0">
               <a:spcBef>
                 <a:spcPts val="0"/>
               </a:spcBef>
@@ -7438,7 +7577,7 @@
                 <a:cs typeface="Arial"/>
                 <a:sym typeface="Arial"/>
               </a:rPr>
-              <a:t>‹#›</a:t>
+              <a:t>5</a:t>
             </a:fld>
             <a:endParaRPr>
               <a:solidFill>
@@ -7472,12 +7611,12 @@
           </a:ln>
         </p:spPr>
         <p:txBody>
-          <a:bodyPr anchorCtr="0" anchor="t" bIns="91425" lIns="91425" spcFirstLastPara="1" rIns="91425" wrap="square" tIns="91425">
+          <a:bodyPr spcFirstLastPara="1" wrap="square" lIns="91425" tIns="91425" rIns="91425" bIns="91425" anchor="t" anchorCtr="0">
             <a:spAutoFit/>
           </a:bodyPr>
           <a:lstStyle/>
           <a:p>
-            <a:pPr indent="0" lvl="0" marL="0" rtl="0" algn="l">
+            <a:pPr marL="0" lvl="0" indent="0" algn="l" rtl="0">
               <a:spcBef>
                 <a:spcPts val="0"/>
               </a:spcBef>
@@ -7486,9 +7625,6 @@
               </a:spcAft>
               <a:buNone/>
             </a:pPr>
-            <a:r>
-              <a:t/>
-            </a:r>
             <a:endParaRPr/>
           </a:p>
         </p:txBody>
@@ -7502,11 +7638,11 @@
 </file>
 
 <file path=ppt/slides/slide6.xml><?xml version="1.0" encoding="utf-8"?>
-<p:sld xmlns:a="http://schemas.openxmlformats.org/drawingml/2006/main" xmlns:r="http://schemas.openxmlformats.org/officeDocument/2006/relationships" xmlns:mc="http://schemas.openxmlformats.org/markup-compatibility/2006" xmlns:mv="urn:schemas-microsoft-com:mac:vml" xmlns:p="http://schemas.openxmlformats.org/presentationml/2006/main" xmlns:c="http://schemas.openxmlformats.org/drawingml/2006/chart" xmlns:dgm="http://schemas.openxmlformats.org/drawingml/2006/diagram" xmlns:o="urn:schemas-microsoft-com:office:office" xmlns:v="urn:schemas-microsoft-com:vml" xmlns:pvml="urn:schemas-microsoft-com:office:powerpoint" xmlns:com="http://schemas.openxmlformats.org/drawingml/2006/compatibility" xmlns:p14="http://schemas.microsoft.com/office/powerpoint/2010/main" xmlns:p15="http://schemas.microsoft.com/office/powerpoint/2012/main" xmlns:ahyp="http://schemas.microsoft.com/office/drawing/2018/hyperlinkcolor">
+<p:sld xmlns:a="http://schemas.openxmlformats.org/drawingml/2006/main" xmlns:r="http://schemas.openxmlformats.org/officeDocument/2006/relationships" xmlns:p="http://schemas.openxmlformats.org/presentationml/2006/main">
   <p:cSld>
     <p:spTree>
       <p:nvGrpSpPr>
-        <p:cNvPr id="91" name="Shape 91"/>
+        <p:cNvPr id="1" name="Shape 91"/>
         <p:cNvGrpSpPr/>
         <p:nvPr/>
       </p:nvGrpSpPr>
@@ -7538,12 +7674,12 @@
           </a:ln>
         </p:spPr>
         <p:txBody>
-          <a:bodyPr anchorCtr="0" anchor="b" bIns="45700" lIns="91425" spcFirstLastPara="1" rIns="91425" wrap="square" tIns="45700">
+          <a:bodyPr spcFirstLastPara="1" wrap="square" lIns="91425" tIns="45700" rIns="91425" bIns="45700" anchor="b" anchorCtr="0">
             <a:noAutofit/>
           </a:bodyPr>
           <a:lstStyle/>
           <a:p>
-            <a:pPr indent="0" lvl="0" marL="0" marR="0" rtl="0" algn="l">
+            <a:pPr marL="0" marR="0" lvl="0" indent="0" algn="l" rtl="0">
               <a:lnSpc>
                 <a:spcPct val="90000"/>
               </a:lnSpc>
@@ -7561,7 +7697,7 @@
               <a:buNone/>
             </a:pPr>
             <a:r>
-              <a:rPr b="0" i="0" lang="en-US" sz="3600" u="none" cap="none" strike="noStrike">
+              <a:rPr lang="en-US" sz="3600" b="0" i="0" u="none" strike="noStrike" cap="none">
                 <a:solidFill>
                   <a:schemeClr val="dk1"/>
                 </a:solidFill>
@@ -7591,23 +7727,25 @@
             <a:avLst/>
           </a:prstGeom>
           <a:noFill/>
-          <a:ln cap="flat" cmpd="sng" w="47625">
+          <a:ln w="47625" cap="flat" cmpd="sng">
             <a:solidFill>
               <a:schemeClr val="accent1"/>
             </a:solidFill>
             <a:prstDash val="solid"/>
             <a:miter lim="800000"/>
-            <a:headEnd len="sm" w="sm" type="none"/>
-            <a:tailEnd len="sm" w="sm" type="none"/>
+            <a:headEnd type="none" w="sm" len="sm"/>
+            <a:tailEnd type="none" w="sm" len="sm"/>
           </a:ln>
         </p:spPr>
       </p:cxnSp>
       <p:sp>
         <p:nvSpPr>
           <p:cNvPr id="94" name="Google Shape;94;p18"/>
-          <p:cNvSpPr txBox="1"/>
+          <p:cNvSpPr txBox="1">
+            <a:spLocks noGrp="1"/>
+          </p:cNvSpPr>
           <p:nvPr>
-            <p:ph idx="12" type="sldNum"/>
+            <p:ph type="sldNum" idx="12"/>
           </p:nvPr>
         </p:nvSpPr>
         <p:spPr>
@@ -7624,12 +7762,12 @@
           </a:ln>
         </p:spPr>
         <p:txBody>
-          <a:bodyPr anchorCtr="0" anchor="ctr" bIns="45700" lIns="91425" spcFirstLastPara="1" rIns="91425" wrap="square" tIns="45700">
+          <a:bodyPr spcFirstLastPara="1" wrap="square" lIns="91425" tIns="45700" rIns="91425" bIns="45700" anchor="ctr" anchorCtr="0">
             <a:normAutofit/>
           </a:bodyPr>
           <a:lstStyle/>
           <a:p>
-            <a:pPr indent="0" lvl="0" marL="0" rtl="0" algn="r">
+            <a:pPr marL="0" lvl="0" indent="0" algn="r" rtl="0">
               <a:spcBef>
                 <a:spcPts val="0"/>
               </a:spcBef>
@@ -7648,7 +7786,7 @@
                 <a:cs typeface="Arial"/>
                 <a:sym typeface="Arial"/>
               </a:rPr>
-              <a:t>‹#›</a:t>
+              <a:t>6</a:t>
             </a:fld>
             <a:endParaRPr>
               <a:solidFill>
@@ -7671,11 +7809,11 @@
 </file>
 
 <file path=ppt/slides/slide7.xml><?xml version="1.0" encoding="utf-8"?>
-<p:sld xmlns:a="http://schemas.openxmlformats.org/drawingml/2006/main" xmlns:r="http://schemas.openxmlformats.org/officeDocument/2006/relationships" xmlns:mc="http://schemas.openxmlformats.org/markup-compatibility/2006" xmlns:mv="urn:schemas-microsoft-com:mac:vml" xmlns:p="http://schemas.openxmlformats.org/presentationml/2006/main" xmlns:c="http://schemas.openxmlformats.org/drawingml/2006/chart" xmlns:dgm="http://schemas.openxmlformats.org/drawingml/2006/diagram" xmlns:o="urn:schemas-microsoft-com:office:office" xmlns:v="urn:schemas-microsoft-com:vml" xmlns:pvml="urn:schemas-microsoft-com:office:powerpoint" xmlns:com="http://schemas.openxmlformats.org/drawingml/2006/compatibility" xmlns:p14="http://schemas.microsoft.com/office/powerpoint/2010/main" xmlns:p15="http://schemas.microsoft.com/office/powerpoint/2012/main" xmlns:ahyp="http://schemas.microsoft.com/office/drawing/2018/hyperlinkcolor">
+<p:sld xmlns:a="http://schemas.openxmlformats.org/drawingml/2006/main" xmlns:r="http://schemas.openxmlformats.org/officeDocument/2006/relationships" xmlns:p="http://schemas.openxmlformats.org/presentationml/2006/main">
   <p:cSld>
     <p:spTree>
       <p:nvGrpSpPr>
-        <p:cNvPr id="98" name="Shape 98"/>
+        <p:cNvPr id="1" name="Shape 98"/>
         <p:cNvGrpSpPr/>
         <p:nvPr/>
       </p:nvGrpSpPr>
@@ -7707,12 +7845,12 @@
           </a:ln>
         </p:spPr>
         <p:txBody>
-          <a:bodyPr anchorCtr="0" anchor="b" bIns="45700" lIns="91425" spcFirstLastPara="1" rIns="91425" wrap="square" tIns="45700">
+          <a:bodyPr spcFirstLastPara="1" wrap="square" lIns="91425" tIns="45700" rIns="91425" bIns="45700" anchor="b" anchorCtr="0">
             <a:noAutofit/>
           </a:bodyPr>
           <a:lstStyle/>
           <a:p>
-            <a:pPr indent="0" lvl="0" marL="0" marR="0" rtl="0" algn="l">
+            <a:pPr marL="0" marR="0" lvl="0" indent="0" algn="l" rtl="0">
               <a:lnSpc>
                 <a:spcPct val="90000"/>
               </a:lnSpc>
@@ -7730,7 +7868,7 @@
               <a:buNone/>
             </a:pPr>
             <a:r>
-              <a:rPr b="0" i="0" lang="en-US" sz="3600" u="none" cap="none" strike="noStrike">
+              <a:rPr lang="en-US" sz="3600" b="0" i="0" u="none" strike="noStrike" cap="none">
                 <a:solidFill>
                   <a:schemeClr val="dk1"/>
                 </a:solidFill>
@@ -7760,23 +7898,25 @@
             <a:avLst/>
           </a:prstGeom>
           <a:noFill/>
-          <a:ln cap="flat" cmpd="sng" w="47625">
+          <a:ln w="47625" cap="flat" cmpd="sng">
             <a:solidFill>
               <a:schemeClr val="accent1"/>
             </a:solidFill>
             <a:prstDash val="solid"/>
             <a:miter lim="800000"/>
-            <a:headEnd len="sm" w="sm" type="none"/>
-            <a:tailEnd len="sm" w="sm" type="none"/>
+            <a:headEnd type="none" w="sm" len="sm"/>
+            <a:tailEnd type="none" w="sm" len="sm"/>
           </a:ln>
         </p:spPr>
       </p:cxnSp>
       <p:sp>
         <p:nvSpPr>
           <p:cNvPr id="101" name="Google Shape;101;p19"/>
-          <p:cNvSpPr txBox="1"/>
+          <p:cNvSpPr txBox="1">
+            <a:spLocks noGrp="1"/>
+          </p:cNvSpPr>
           <p:nvPr>
-            <p:ph idx="12" type="sldNum"/>
+            <p:ph type="sldNum" idx="12"/>
           </p:nvPr>
         </p:nvSpPr>
         <p:spPr>
@@ -7793,12 +7933,12 @@
           </a:ln>
         </p:spPr>
         <p:txBody>
-          <a:bodyPr anchorCtr="0" anchor="ctr" bIns="45700" lIns="91425" spcFirstLastPara="1" rIns="91425" wrap="square" tIns="45700">
+          <a:bodyPr spcFirstLastPara="1" wrap="square" lIns="91425" tIns="45700" rIns="91425" bIns="45700" anchor="ctr" anchorCtr="0">
             <a:normAutofit/>
           </a:bodyPr>
           <a:lstStyle/>
           <a:p>
-            <a:pPr indent="0" lvl="0" marL="0" rtl="0" algn="r">
+            <a:pPr marL="0" lvl="0" indent="0" algn="r" rtl="0">
               <a:spcBef>
                 <a:spcPts val="0"/>
               </a:spcBef>
@@ -7817,7 +7957,7 @@
                 <a:cs typeface="Arial"/>
                 <a:sym typeface="Arial"/>
               </a:rPr>
-              <a:t>‹#›</a:t>
+              <a:t>7</a:t>
             </a:fld>
             <a:endParaRPr>
               <a:solidFill>
@@ -7851,12 +7991,12 @@
           </a:ln>
         </p:spPr>
         <p:txBody>
-          <a:bodyPr anchorCtr="0" anchor="t" bIns="45700" lIns="91425" spcFirstLastPara="1" rIns="91425" wrap="square" tIns="45700">
+          <a:bodyPr spcFirstLastPara="1" wrap="square" lIns="91425" tIns="45700" rIns="91425" bIns="45700" anchor="t" anchorCtr="0">
             <a:noAutofit/>
           </a:bodyPr>
           <a:lstStyle/>
           <a:p>
-            <a:pPr indent="0" lvl="0" marL="0" marR="0" rtl="0" algn="l">
+            <a:pPr marL="0" marR="0" lvl="0" indent="0" algn="l" rtl="0">
               <a:lnSpc>
                 <a:spcPct val="90000"/>
               </a:lnSpc>
@@ -7874,7 +8014,7 @@
               <a:buNone/>
             </a:pPr>
             <a:r>
-              <a:rPr b="0" i="0" lang="en-US" sz="2400" u="none" cap="none" strike="noStrike">
+              <a:rPr lang="en-US" sz="2400" b="0" i="0" u="none" strike="noStrike" cap="none">
                 <a:solidFill>
                   <a:schemeClr val="dk1"/>
                 </a:solidFill>
@@ -7888,7 +8028,7 @@
             <a:endParaRPr/>
           </a:p>
           <a:p>
-            <a:pPr indent="0" lvl="0" marL="0" marR="0" rtl="0" algn="l">
+            <a:pPr marL="0" marR="0" lvl="0" indent="0" algn="l" rtl="0">
               <a:lnSpc>
                 <a:spcPct val="90000"/>
               </a:lnSpc>
@@ -7906,7 +8046,7 @@
               <a:buNone/>
             </a:pPr>
             <a:r>
-              <a:rPr b="0" i="0" lang="en-US" sz="2400" u="none" cap="none" strike="noStrike">
+              <a:rPr lang="en-US" sz="2400" b="0" i="0" u="none" strike="noStrike" cap="none">
                 <a:solidFill>
                   <a:schemeClr val="dk1"/>
                 </a:solidFill>
@@ -7920,7 +8060,7 @@
             <a:endParaRPr/>
           </a:p>
           <a:p>
-            <a:pPr indent="0" lvl="0" marL="0" marR="0" rtl="0" algn="l">
+            <a:pPr marL="0" marR="0" lvl="0" indent="0" algn="l" rtl="0">
               <a:lnSpc>
                 <a:spcPct val="90000"/>
               </a:lnSpc>
@@ -7938,7 +8078,7 @@
               <a:buNone/>
             </a:pPr>
             <a:r>
-              <a:rPr b="0" i="0" lang="en-US" sz="2400" u="none" cap="none" strike="noStrike">
+              <a:rPr lang="en-US" sz="2400" b="0" i="0" u="none" strike="noStrike" cap="none">
                 <a:solidFill>
                   <a:schemeClr val="dk1"/>
                 </a:solidFill>
@@ -7952,7 +8092,7 @@
             <a:endParaRPr/>
           </a:p>
           <a:p>
-            <a:pPr indent="0" lvl="0" marL="0" marR="0" rtl="0" algn="l">
+            <a:pPr marL="0" marR="0" lvl="0" indent="0" algn="l" rtl="0">
               <a:lnSpc>
                 <a:spcPct val="90000"/>
               </a:lnSpc>
@@ -7970,7 +8110,7 @@
               <a:buNone/>
             </a:pPr>
             <a:r>
-              <a:rPr b="0" i="0" lang="en-US" sz="2400" u="none" cap="none" strike="noStrike">
+              <a:rPr lang="en-US" sz="2400" b="0" i="0" u="none" strike="noStrike" cap="none">
                 <a:solidFill>
                   <a:schemeClr val="dk1"/>
                 </a:solidFill>
@@ -7994,11 +8134,11 @@
 </file>
 
 <file path=ppt/slides/slide8.xml><?xml version="1.0" encoding="utf-8"?>
-<p:sld xmlns:a="http://schemas.openxmlformats.org/drawingml/2006/main" xmlns:r="http://schemas.openxmlformats.org/officeDocument/2006/relationships" xmlns:mc="http://schemas.openxmlformats.org/markup-compatibility/2006" xmlns:mv="urn:schemas-microsoft-com:mac:vml" xmlns:p="http://schemas.openxmlformats.org/presentationml/2006/main" xmlns:c="http://schemas.openxmlformats.org/drawingml/2006/chart" xmlns:dgm="http://schemas.openxmlformats.org/drawingml/2006/diagram" xmlns:o="urn:schemas-microsoft-com:office:office" xmlns:v="urn:schemas-microsoft-com:vml" xmlns:pvml="urn:schemas-microsoft-com:office:powerpoint" xmlns:com="http://schemas.openxmlformats.org/drawingml/2006/compatibility" xmlns:p14="http://schemas.microsoft.com/office/powerpoint/2010/main" xmlns:p15="http://schemas.microsoft.com/office/powerpoint/2012/main" xmlns:ahyp="http://schemas.microsoft.com/office/drawing/2018/hyperlinkcolor">
+<p:sld xmlns:a="http://schemas.openxmlformats.org/drawingml/2006/main" xmlns:r="http://schemas.openxmlformats.org/officeDocument/2006/relationships" xmlns:p="http://schemas.openxmlformats.org/presentationml/2006/main">
   <p:cSld>
     <p:spTree>
       <p:nvGrpSpPr>
-        <p:cNvPr id="106" name="Shape 106"/>
+        <p:cNvPr id="1" name="Shape 106"/>
         <p:cNvGrpSpPr/>
         <p:nvPr/>
       </p:nvGrpSpPr>
@@ -8013,7 +8153,9 @@
       <p:sp>
         <p:nvSpPr>
           <p:cNvPr id="107" name="Google Shape;107;p20"/>
-          <p:cNvSpPr txBox="1"/>
+          <p:cNvSpPr txBox="1">
+            <a:spLocks noGrp="1"/>
+          </p:cNvSpPr>
           <p:nvPr>
             <p:ph type="ctrTitle"/>
           </p:nvPr>
@@ -8032,12 +8174,12 @@
           </a:ln>
         </p:spPr>
         <p:txBody>
-          <a:bodyPr anchorCtr="0" anchor="b" bIns="45700" lIns="91425" spcFirstLastPara="1" rIns="91425" wrap="square" tIns="45700">
+          <a:bodyPr spcFirstLastPara="1" wrap="square" lIns="91425" tIns="45700" rIns="91425" bIns="45700" anchor="b" anchorCtr="0">
             <a:normAutofit/>
           </a:bodyPr>
           <a:lstStyle/>
           <a:p>
-            <a:pPr indent="0" lvl="0" marL="0" rtl="0" algn="ctr">
+            <a:pPr marL="0" lvl="0" indent="0" algn="ctr" rtl="0">
               <a:lnSpc>
                 <a:spcPct val="90000"/>
               </a:lnSpc>
@@ -8071,11 +8213,11 @@
 </file>
 
 <file path=ppt/slides/slide9.xml><?xml version="1.0" encoding="utf-8"?>
-<p:sld xmlns:a="http://schemas.openxmlformats.org/drawingml/2006/main" xmlns:r="http://schemas.openxmlformats.org/officeDocument/2006/relationships" xmlns:mc="http://schemas.openxmlformats.org/markup-compatibility/2006" xmlns:mv="urn:schemas-microsoft-com:mac:vml" xmlns:p="http://schemas.openxmlformats.org/presentationml/2006/main" xmlns:c="http://schemas.openxmlformats.org/drawingml/2006/chart" xmlns:dgm="http://schemas.openxmlformats.org/drawingml/2006/diagram" xmlns:o="urn:schemas-microsoft-com:office:office" xmlns:v="urn:schemas-microsoft-com:vml" xmlns:pvml="urn:schemas-microsoft-com:office:powerpoint" xmlns:com="http://schemas.openxmlformats.org/drawingml/2006/compatibility" xmlns:p14="http://schemas.microsoft.com/office/powerpoint/2010/main" xmlns:p15="http://schemas.microsoft.com/office/powerpoint/2012/main" xmlns:ahyp="http://schemas.microsoft.com/office/drawing/2018/hyperlinkcolor">
+<p:sld xmlns:a="http://schemas.openxmlformats.org/drawingml/2006/main" xmlns:r="http://schemas.openxmlformats.org/officeDocument/2006/relationships" xmlns:p="http://schemas.openxmlformats.org/presentationml/2006/main">
   <p:cSld>
     <p:spTree>
       <p:nvGrpSpPr>
-        <p:cNvPr id="111" name="Shape 111"/>
+        <p:cNvPr id="1" name="Shape 111"/>
         <p:cNvGrpSpPr/>
         <p:nvPr/>
       </p:nvGrpSpPr>
@@ -8107,12 +8249,12 @@
           </a:ln>
         </p:spPr>
         <p:txBody>
-          <a:bodyPr anchorCtr="0" anchor="b" bIns="45700" lIns="91425" spcFirstLastPara="1" rIns="91425" wrap="square" tIns="45700">
+          <a:bodyPr spcFirstLastPara="1" wrap="square" lIns="91425" tIns="45700" rIns="91425" bIns="45700" anchor="b" anchorCtr="0">
             <a:noAutofit/>
           </a:bodyPr>
           <a:lstStyle/>
           <a:p>
-            <a:pPr indent="0" lvl="0" marL="0" marR="0" rtl="0" algn="l">
+            <a:pPr marL="0" marR="0" lvl="0" indent="0" algn="l" rtl="0">
               <a:lnSpc>
                 <a:spcPct val="90000"/>
               </a:lnSpc>
@@ -8130,7 +8272,7 @@
               <a:buNone/>
             </a:pPr>
             <a:r>
-              <a:rPr b="0" i="0" lang="en-US" sz="3600" u="none" cap="none" strike="noStrike">
+              <a:rPr lang="en-US" sz="3600" b="0" i="0" u="none" strike="noStrike" cap="none">
                 <a:solidFill>
                   <a:schemeClr val="dk1"/>
                 </a:solidFill>
@@ -8160,23 +8302,25 @@
             <a:avLst/>
           </a:prstGeom>
           <a:noFill/>
-          <a:ln cap="flat" cmpd="sng" w="47625">
+          <a:ln w="47625" cap="flat" cmpd="sng">
             <a:solidFill>
               <a:schemeClr val="accent1"/>
             </a:solidFill>
             <a:prstDash val="solid"/>
             <a:miter lim="800000"/>
-            <a:headEnd len="sm" w="sm" type="none"/>
-            <a:tailEnd len="sm" w="sm" type="none"/>
+            <a:headEnd type="none" w="sm" len="sm"/>
+            <a:tailEnd type="none" w="sm" len="sm"/>
           </a:ln>
         </p:spPr>
       </p:cxnSp>
       <p:sp>
         <p:nvSpPr>
           <p:cNvPr id="114" name="Google Shape;114;p21"/>
-          <p:cNvSpPr txBox="1"/>
+          <p:cNvSpPr txBox="1">
+            <a:spLocks noGrp="1"/>
+          </p:cNvSpPr>
           <p:nvPr>
-            <p:ph idx="12" type="sldNum"/>
+            <p:ph type="sldNum" idx="12"/>
           </p:nvPr>
         </p:nvSpPr>
         <p:spPr>
@@ -8193,12 +8337,12 @@
           </a:ln>
         </p:spPr>
         <p:txBody>
-          <a:bodyPr anchorCtr="0" anchor="ctr" bIns="45700" lIns="91425" spcFirstLastPara="1" rIns="91425" wrap="square" tIns="45700">
+          <a:bodyPr spcFirstLastPara="1" wrap="square" lIns="91425" tIns="45700" rIns="91425" bIns="45700" anchor="ctr" anchorCtr="0">
             <a:normAutofit/>
           </a:bodyPr>
           <a:lstStyle/>
           <a:p>
-            <a:pPr indent="0" lvl="0" marL="0" rtl="0" algn="r">
+            <a:pPr marL="0" lvl="0" indent="0" algn="r" rtl="0">
               <a:spcBef>
                 <a:spcPts val="0"/>
               </a:spcBef>
@@ -8217,7 +8361,7 @@
                 <a:cs typeface="Arial"/>
                 <a:sym typeface="Arial"/>
               </a:rPr>
-              <a:t>‹#›</a:t>
+              <a:t>9</a:t>
             </a:fld>
             <a:endParaRPr>
               <a:solidFill>
@@ -8251,12 +8395,12 @@
           </a:ln>
         </p:spPr>
         <p:txBody>
-          <a:bodyPr anchorCtr="0" anchor="t" bIns="45700" lIns="91425" spcFirstLastPara="1" rIns="91425" wrap="square" tIns="45700">
+          <a:bodyPr spcFirstLastPara="1" wrap="square" lIns="91425" tIns="45700" rIns="91425" bIns="45700" anchor="t" anchorCtr="0">
             <a:noAutofit/>
           </a:bodyPr>
           <a:lstStyle/>
           <a:p>
-            <a:pPr indent="-342900" lvl="0" marL="342900" marR="0" rtl="0" algn="l">
+            <a:pPr marL="342900" marR="0" lvl="0" indent="-342900" algn="l" rtl="0">
               <a:lnSpc>
                 <a:spcPct val="90000"/>
               </a:lnSpc>
@@ -8274,7 +8418,7 @@
               <a:buChar char="•"/>
             </a:pPr>
             <a:r>
-              <a:rPr b="0" i="0" lang="en-US" sz="2400" u="none" cap="none" strike="noStrike">
+              <a:rPr lang="en-US" sz="2400" b="0" i="0" u="none" strike="noStrike" cap="none">
                 <a:solidFill>
                   <a:schemeClr val="dk1"/>
                 </a:solidFill>
@@ -8288,7 +8432,7 @@
             <a:endParaRPr/>
           </a:p>
           <a:p>
-            <a:pPr indent="-342900" lvl="0" marL="342900" marR="0" rtl="0" algn="l">
+            <a:pPr marL="342900" marR="0" lvl="0" indent="-342900" algn="l" rtl="0">
               <a:lnSpc>
                 <a:spcPct val="90000"/>
               </a:lnSpc>
@@ -8306,7 +8450,7 @@
               <a:buChar char="•"/>
             </a:pPr>
             <a:r>
-              <a:rPr b="0" i="0" lang="en-US" sz="2400" u="none" cap="none" strike="noStrike">
+              <a:rPr lang="en-US" sz="2400" b="0" i="0" u="none" strike="noStrike" cap="none">
                 <a:solidFill>
                   <a:schemeClr val="dk1"/>
                 </a:solidFill>
@@ -8320,7 +8464,7 @@
             <a:endParaRPr/>
           </a:p>
           <a:p>
-            <a:pPr indent="-342900" lvl="0" marL="342900" marR="0" rtl="0" algn="l">
+            <a:pPr marL="342900" marR="0" lvl="0" indent="-342900" algn="l" rtl="0">
               <a:lnSpc>
                 <a:spcPct val="90000"/>
               </a:lnSpc>
@@ -8338,7 +8482,7 @@
               <a:buChar char="•"/>
             </a:pPr>
             <a:r>
-              <a:rPr b="0" i="0" lang="en-US" sz="2400" u="none" cap="none" strike="noStrike">
+              <a:rPr lang="en-US" sz="2400" b="0" i="0" u="none" strike="noStrike" cap="none">
                 <a:solidFill>
                   <a:schemeClr val="dk1"/>
                 </a:solidFill>
@@ -8362,7 +8506,7 @@
 </file>
 
 <file path=ppt/theme/theme1.xml><?xml version="1.0" encoding="utf-8"?>
-<a:theme xmlns:a="http://schemas.openxmlformats.org/drawingml/2006/main" xmlns:r="http://schemas.openxmlformats.org/officeDocument/2006/relationships" name="Simple Light">
+<a:theme xmlns:a="http://schemas.openxmlformats.org/drawingml/2006/main" name="Simple Light">
   <a:themeElements>
     <a:clrScheme name="Simple Light">
       <a:dk1>
@@ -8637,11 +8781,13 @@
       </a:bgFillStyleLst>
     </a:fmtScheme>
   </a:themeElements>
+  <a:objectDefaults/>
+  <a:extraClrSchemeLst/>
 </a:theme>
 </file>
 
 <file path=ppt/theme/theme2.xml><?xml version="1.0" encoding="utf-8"?>
-<a:theme xmlns:a="http://schemas.openxmlformats.org/drawingml/2006/main" xmlns:r="http://schemas.openxmlformats.org/officeDocument/2006/relationships">
+<a:theme xmlns:a="http://schemas.openxmlformats.org/drawingml/2006/main">
   <a:themeElements>
     <a:clrScheme name="Default">
       <a:dk1>
@@ -8916,5 +9062,7 @@
       </a:bgFillStyleLst>
     </a:fmtScheme>
   </a:themeElements>
+  <a:objectDefaults/>
+  <a:extraClrSchemeLst/>
 </a:theme>
 </file>
--- a/presentations/problem_presentation.pptx
+++ b/presentations/problem_presentation.pptx
@@ -5,18 +5,21 @@
     <p:sldMasterId id="2147483659" r:id="rId1"/>
   </p:sldMasterIdLst>
   <p:notesMasterIdLst>
-    <p:notesMasterId r:id="rId11"/>
+    <p:notesMasterId r:id="rId14"/>
   </p:notesMasterIdLst>
   <p:sldIdLst>
     <p:sldId id="256" r:id="rId2"/>
     <p:sldId id="257" r:id="rId3"/>
     <p:sldId id="258" r:id="rId4"/>
-    <p:sldId id="259" r:id="rId5"/>
-    <p:sldId id="260" r:id="rId6"/>
-    <p:sldId id="261" r:id="rId7"/>
-    <p:sldId id="262" r:id="rId8"/>
-    <p:sldId id="263" r:id="rId9"/>
-    <p:sldId id="264" r:id="rId10"/>
+    <p:sldId id="266" r:id="rId5"/>
+    <p:sldId id="269" r:id="rId6"/>
+    <p:sldId id="267" r:id="rId7"/>
+    <p:sldId id="259" r:id="rId8"/>
+    <p:sldId id="260" r:id="rId9"/>
+    <p:sldId id="262" r:id="rId10"/>
+    <p:sldId id="268" r:id="rId11"/>
+    <p:sldId id="263" r:id="rId12"/>
+    <p:sldId id="264" r:id="rId13"/>
   </p:sldIdLst>
   <p:sldSz cx="12192000" cy="6858000"/>
   <p:notesSz cx="6858000" cy="9144000"/>
@@ -249,6 +252,11 @@
       </a:defRPr>
     </a:lvl9pPr>
   </p:defaultTextStyle>
+  <p:extLst>
+    <p:ext uri="{EFAFB233-063F-42B5-8137-9DF3F51BA10A}">
+      <p15:sldGuideLst xmlns:p15="http://schemas.microsoft.com/office/powerpoint/2012/main"/>
+    </p:ext>
+  </p:extLst>
 </p:presentation>
 </file>
 
@@ -760,8 +768,325 @@
         </p:nvSpPr>
         <p:spPr>
           <a:xfrm>
-            <a:off x="1143225" y="685800"/>
-            <a:ext cx="4572225" cy="3429000"/>
+            <a:off x="381000" y="685800"/>
+            <a:ext cx="6096000" cy="3429000"/>
+          </a:xfrm>
+          <a:custGeom>
+            <a:avLst/>
+            <a:gdLst/>
+            <a:ahLst/>
+            <a:cxnLst/>
+            <a:rect l="l" t="t" r="r" b="b"/>
+            <a:pathLst>
+              <a:path w="120000" h="120000" extrusionOk="0">
+                <a:moveTo>
+                  <a:pt x="0" y="0"/>
+                </a:moveTo>
+                <a:lnTo>
+                  <a:pt x="120000" y="0"/>
+                </a:lnTo>
+                <a:lnTo>
+                  <a:pt x="120000" y="120000"/>
+                </a:lnTo>
+                <a:lnTo>
+                  <a:pt x="0" y="120000"/>
+                </a:lnTo>
+                <a:close/>
+              </a:path>
+            </a:pathLst>
+          </a:custGeom>
+        </p:spPr>
+      </p:sp>
+    </p:spTree>
+  </p:cSld>
+  <p:clrMapOvr>
+    <a:masterClrMapping/>
+  </p:clrMapOvr>
+</p:notes>
+</file>
+
+<file path=ppt/notesSlides/notesSlide10.xml><?xml version="1.0" encoding="utf-8"?>
+<p:notes xmlns:a="http://schemas.openxmlformats.org/drawingml/2006/main" xmlns:r="http://schemas.openxmlformats.org/officeDocument/2006/relationships" xmlns:p="http://schemas.openxmlformats.org/presentationml/2006/main" showMasterSp="0" showMasterPhAnim="0">
+  <p:cSld>
+    <p:spTree>
+      <p:nvGrpSpPr>
+        <p:cNvPr id="1" name="Shape 56"/>
+        <p:cNvGrpSpPr/>
+        <p:nvPr/>
+      </p:nvGrpSpPr>
+      <p:grpSpPr>
+        <a:xfrm>
+          <a:off x="0" y="0"/>
+          <a:ext cx="0" cy="0"/>
+          <a:chOff x="0" y="0"/>
+          <a:chExt cx="0" cy="0"/>
+        </a:xfrm>
+      </p:grpSpPr>
+      <p:sp>
+        <p:nvSpPr>
+          <p:cNvPr id="57" name="Google Shape;57;p2:notes"/>
+          <p:cNvSpPr txBox="1">
+            <a:spLocks noGrp="1"/>
+          </p:cNvSpPr>
+          <p:nvPr>
+            <p:ph type="body" idx="1"/>
+          </p:nvPr>
+        </p:nvSpPr>
+        <p:spPr>
+          <a:xfrm>
+            <a:off x="685800" y="4343400"/>
+            <a:ext cx="5486400" cy="4114800"/>
+          </a:xfrm>
+          <a:prstGeom prst="rect">
+            <a:avLst/>
+          </a:prstGeom>
+        </p:spPr>
+        <p:txBody>
+          <a:bodyPr spcFirstLastPara="1" wrap="square" lIns="91425" tIns="91425" rIns="91425" bIns="91425" anchor="t" anchorCtr="0">
+            <a:noAutofit/>
+          </a:bodyPr>
+          <a:lstStyle/>
+          <a:p>
+            <a:pPr marL="0" lvl="0" indent="0" algn="l" rtl="0">
+              <a:spcBef>
+                <a:spcPts val="0"/>
+              </a:spcBef>
+              <a:spcAft>
+                <a:spcPts val="0"/>
+              </a:spcAft>
+              <a:buNone/>
+            </a:pPr>
+            <a:endParaRPr/>
+          </a:p>
+        </p:txBody>
+      </p:sp>
+      <p:sp>
+        <p:nvSpPr>
+          <p:cNvPr id="58" name="Google Shape;58;p2:notes"/>
+          <p:cNvSpPr>
+            <a:spLocks noGrp="1" noRot="1" noChangeAspect="1"/>
+          </p:cNvSpPr>
+          <p:nvPr>
+            <p:ph type="sldImg" idx="2"/>
+          </p:nvPr>
+        </p:nvSpPr>
+        <p:spPr>
+          <a:xfrm>
+            <a:off x="381000" y="685800"/>
+            <a:ext cx="6096000" cy="3429000"/>
+          </a:xfrm>
+          <a:custGeom>
+            <a:avLst/>
+            <a:gdLst/>
+            <a:ahLst/>
+            <a:cxnLst/>
+            <a:rect l="l" t="t" r="r" b="b"/>
+            <a:pathLst>
+              <a:path w="120000" h="120000" extrusionOk="0">
+                <a:moveTo>
+                  <a:pt x="0" y="0"/>
+                </a:moveTo>
+                <a:lnTo>
+                  <a:pt x="120000" y="0"/>
+                </a:lnTo>
+                <a:lnTo>
+                  <a:pt x="120000" y="120000"/>
+                </a:lnTo>
+                <a:lnTo>
+                  <a:pt x="0" y="120000"/>
+                </a:lnTo>
+                <a:close/>
+              </a:path>
+            </a:pathLst>
+          </a:custGeom>
+        </p:spPr>
+      </p:sp>
+    </p:spTree>
+    <p:extLst>
+      <p:ext uri="{BB962C8B-B14F-4D97-AF65-F5344CB8AC3E}">
+        <p14:creationId xmlns:p14="http://schemas.microsoft.com/office/powerpoint/2010/main" val="2159391302"/>
+      </p:ext>
+    </p:extLst>
+  </p:cSld>
+  <p:clrMapOvr>
+    <a:masterClrMapping/>
+  </p:clrMapOvr>
+</p:notes>
+</file>
+
+<file path=ppt/notesSlides/notesSlide11.xml><?xml version="1.0" encoding="utf-8"?>
+<p:notes xmlns:a="http://schemas.openxmlformats.org/drawingml/2006/main" xmlns:r="http://schemas.openxmlformats.org/officeDocument/2006/relationships" xmlns:p="http://schemas.openxmlformats.org/presentationml/2006/main" showMasterSp="0" showMasterPhAnim="0">
+  <p:cSld>
+    <p:spTree>
+      <p:nvGrpSpPr>
+        <p:cNvPr id="1" name="Shape 103"/>
+        <p:cNvGrpSpPr/>
+        <p:nvPr/>
+      </p:nvGrpSpPr>
+      <p:grpSpPr>
+        <a:xfrm>
+          <a:off x="0" y="0"/>
+          <a:ext cx="0" cy="0"/>
+          <a:chOff x="0" y="0"/>
+          <a:chExt cx="0" cy="0"/>
+        </a:xfrm>
+      </p:grpSpPr>
+      <p:sp>
+        <p:nvSpPr>
+          <p:cNvPr id="104" name="Google Shape;104;p8:notes"/>
+          <p:cNvSpPr txBox="1">
+            <a:spLocks noGrp="1"/>
+          </p:cNvSpPr>
+          <p:nvPr>
+            <p:ph type="body" idx="1"/>
+          </p:nvPr>
+        </p:nvSpPr>
+        <p:spPr>
+          <a:xfrm>
+            <a:off x="685800" y="4343400"/>
+            <a:ext cx="5486400" cy="4114800"/>
+          </a:xfrm>
+          <a:prstGeom prst="rect">
+            <a:avLst/>
+          </a:prstGeom>
+        </p:spPr>
+        <p:txBody>
+          <a:bodyPr spcFirstLastPara="1" wrap="square" lIns="91425" tIns="91425" rIns="91425" bIns="91425" anchor="t" anchorCtr="0">
+            <a:noAutofit/>
+          </a:bodyPr>
+          <a:lstStyle/>
+          <a:p>
+            <a:pPr marL="0" lvl="0" indent="0" algn="l" rtl="0">
+              <a:spcBef>
+                <a:spcPts val="0"/>
+              </a:spcBef>
+              <a:spcAft>
+                <a:spcPts val="0"/>
+              </a:spcAft>
+              <a:buNone/>
+            </a:pPr>
+            <a:endParaRPr/>
+          </a:p>
+        </p:txBody>
+      </p:sp>
+      <p:sp>
+        <p:nvSpPr>
+          <p:cNvPr id="105" name="Google Shape;105;p8:notes"/>
+          <p:cNvSpPr>
+            <a:spLocks noGrp="1" noRot="1" noChangeAspect="1"/>
+          </p:cNvSpPr>
+          <p:nvPr>
+            <p:ph type="sldImg" idx="2"/>
+          </p:nvPr>
+        </p:nvSpPr>
+        <p:spPr>
+          <a:xfrm>
+            <a:off x="381000" y="685800"/>
+            <a:ext cx="6096000" cy="3429000"/>
+          </a:xfrm>
+          <a:custGeom>
+            <a:avLst/>
+            <a:gdLst/>
+            <a:ahLst/>
+            <a:cxnLst/>
+            <a:rect l="l" t="t" r="r" b="b"/>
+            <a:pathLst>
+              <a:path w="120000" h="120000" extrusionOk="0">
+                <a:moveTo>
+                  <a:pt x="0" y="0"/>
+                </a:moveTo>
+                <a:lnTo>
+                  <a:pt x="120000" y="0"/>
+                </a:lnTo>
+                <a:lnTo>
+                  <a:pt x="120000" y="120000"/>
+                </a:lnTo>
+                <a:lnTo>
+                  <a:pt x="0" y="120000"/>
+                </a:lnTo>
+                <a:close/>
+              </a:path>
+            </a:pathLst>
+          </a:custGeom>
+        </p:spPr>
+      </p:sp>
+    </p:spTree>
+  </p:cSld>
+  <p:clrMapOvr>
+    <a:masterClrMapping/>
+  </p:clrMapOvr>
+</p:notes>
+</file>
+
+<file path=ppt/notesSlides/notesSlide12.xml><?xml version="1.0" encoding="utf-8"?>
+<p:notes xmlns:a="http://schemas.openxmlformats.org/drawingml/2006/main" xmlns:r="http://schemas.openxmlformats.org/officeDocument/2006/relationships" xmlns:p="http://schemas.openxmlformats.org/presentationml/2006/main" showMasterSp="0" showMasterPhAnim="0">
+  <p:cSld>
+    <p:spTree>
+      <p:nvGrpSpPr>
+        <p:cNvPr id="1" name="Shape 108"/>
+        <p:cNvGrpSpPr/>
+        <p:nvPr/>
+      </p:nvGrpSpPr>
+      <p:grpSpPr>
+        <a:xfrm>
+          <a:off x="0" y="0"/>
+          <a:ext cx="0" cy="0"/>
+          <a:chOff x="0" y="0"/>
+          <a:chExt cx="0" cy="0"/>
+        </a:xfrm>
+      </p:grpSpPr>
+      <p:sp>
+        <p:nvSpPr>
+          <p:cNvPr id="109" name="Google Shape;109;p9:notes"/>
+          <p:cNvSpPr txBox="1">
+            <a:spLocks noGrp="1"/>
+          </p:cNvSpPr>
+          <p:nvPr>
+            <p:ph type="body" idx="1"/>
+          </p:nvPr>
+        </p:nvSpPr>
+        <p:spPr>
+          <a:xfrm>
+            <a:off x="685800" y="4343400"/>
+            <a:ext cx="5486400" cy="4114800"/>
+          </a:xfrm>
+          <a:prstGeom prst="rect">
+            <a:avLst/>
+          </a:prstGeom>
+        </p:spPr>
+        <p:txBody>
+          <a:bodyPr spcFirstLastPara="1" wrap="square" lIns="91425" tIns="91425" rIns="91425" bIns="91425" anchor="t" anchorCtr="0">
+            <a:noAutofit/>
+          </a:bodyPr>
+          <a:lstStyle/>
+          <a:p>
+            <a:pPr marL="0" lvl="0" indent="0" algn="l" rtl="0">
+              <a:spcBef>
+                <a:spcPts val="0"/>
+              </a:spcBef>
+              <a:spcAft>
+                <a:spcPts val="0"/>
+              </a:spcAft>
+              <a:buNone/>
+            </a:pPr>
+            <a:endParaRPr/>
+          </a:p>
+        </p:txBody>
+      </p:sp>
+      <p:sp>
+        <p:nvSpPr>
+          <p:cNvPr id="110" name="Google Shape;110;p9:notes"/>
+          <p:cNvSpPr>
+            <a:spLocks noGrp="1" noRot="1" noChangeAspect="1"/>
+          </p:cNvSpPr>
+          <p:nvPr>
+            <p:ph type="sldImg" idx="2"/>
+          </p:nvPr>
+        </p:nvSpPr>
+        <p:spPr>
+          <a:xfrm>
+            <a:off x="381000" y="685800"/>
+            <a:ext cx="6096000" cy="3429000"/>
           </a:xfrm>
           <a:custGeom>
             <a:avLst/>
@@ -1010,6 +1335,333 @@
   <p:cSld>
     <p:spTree>
       <p:nvGrpSpPr>
+        <p:cNvPr id="1" name="Shape 64"/>
+        <p:cNvGrpSpPr/>
+        <p:nvPr/>
+      </p:nvGrpSpPr>
+      <p:grpSpPr>
+        <a:xfrm>
+          <a:off x="0" y="0"/>
+          <a:ext cx="0" cy="0"/>
+          <a:chOff x="0" y="0"/>
+          <a:chExt cx="0" cy="0"/>
+        </a:xfrm>
+      </p:grpSpPr>
+      <p:sp>
+        <p:nvSpPr>
+          <p:cNvPr id="65" name="Google Shape;65;p3:notes"/>
+          <p:cNvSpPr txBox="1">
+            <a:spLocks noGrp="1"/>
+          </p:cNvSpPr>
+          <p:nvPr>
+            <p:ph type="body" idx="1"/>
+          </p:nvPr>
+        </p:nvSpPr>
+        <p:spPr>
+          <a:xfrm>
+            <a:off x="685800" y="4343400"/>
+            <a:ext cx="5486400" cy="4114800"/>
+          </a:xfrm>
+          <a:prstGeom prst="rect">
+            <a:avLst/>
+          </a:prstGeom>
+        </p:spPr>
+        <p:txBody>
+          <a:bodyPr spcFirstLastPara="1" wrap="square" lIns="91425" tIns="91425" rIns="91425" bIns="91425" anchor="t" anchorCtr="0">
+            <a:noAutofit/>
+          </a:bodyPr>
+          <a:lstStyle/>
+          <a:p>
+            <a:pPr marL="0" lvl="0" indent="0" algn="l" rtl="0">
+              <a:spcBef>
+                <a:spcPts val="0"/>
+              </a:spcBef>
+              <a:spcAft>
+                <a:spcPts val="0"/>
+              </a:spcAft>
+              <a:buNone/>
+            </a:pPr>
+            <a:endParaRPr/>
+          </a:p>
+        </p:txBody>
+      </p:sp>
+      <p:sp>
+        <p:nvSpPr>
+          <p:cNvPr id="66" name="Google Shape;66;p3:notes"/>
+          <p:cNvSpPr>
+            <a:spLocks noGrp="1" noRot="1" noChangeAspect="1"/>
+          </p:cNvSpPr>
+          <p:nvPr>
+            <p:ph type="sldImg" idx="2"/>
+          </p:nvPr>
+        </p:nvSpPr>
+        <p:spPr>
+          <a:xfrm>
+            <a:off x="381000" y="685800"/>
+            <a:ext cx="6096000" cy="3429000"/>
+          </a:xfrm>
+          <a:custGeom>
+            <a:avLst/>
+            <a:gdLst/>
+            <a:ahLst/>
+            <a:cxnLst/>
+            <a:rect l="l" t="t" r="r" b="b"/>
+            <a:pathLst>
+              <a:path w="120000" h="120000" extrusionOk="0">
+                <a:moveTo>
+                  <a:pt x="0" y="0"/>
+                </a:moveTo>
+                <a:lnTo>
+                  <a:pt x="120000" y="0"/>
+                </a:lnTo>
+                <a:lnTo>
+                  <a:pt x="120000" y="120000"/>
+                </a:lnTo>
+                <a:lnTo>
+                  <a:pt x="0" y="120000"/>
+                </a:lnTo>
+                <a:close/>
+              </a:path>
+            </a:pathLst>
+          </a:custGeom>
+        </p:spPr>
+      </p:sp>
+    </p:spTree>
+    <p:extLst>
+      <p:ext uri="{BB962C8B-B14F-4D97-AF65-F5344CB8AC3E}">
+        <p14:creationId xmlns:p14="http://schemas.microsoft.com/office/powerpoint/2010/main" val="2623583795"/>
+      </p:ext>
+    </p:extLst>
+  </p:cSld>
+  <p:clrMapOvr>
+    <a:masterClrMapping/>
+  </p:clrMapOvr>
+</p:notes>
+</file>
+
+<file path=ppt/notesSlides/notesSlide5.xml><?xml version="1.0" encoding="utf-8"?>
+<p:notes xmlns:a="http://schemas.openxmlformats.org/drawingml/2006/main" xmlns:r="http://schemas.openxmlformats.org/officeDocument/2006/relationships" xmlns:p="http://schemas.openxmlformats.org/presentationml/2006/main" showMasterSp="0" showMasterPhAnim="0">
+  <p:cSld>
+    <p:spTree>
+      <p:nvGrpSpPr>
+        <p:cNvPr id="1" name="Shape 56"/>
+        <p:cNvGrpSpPr/>
+        <p:nvPr/>
+      </p:nvGrpSpPr>
+      <p:grpSpPr>
+        <a:xfrm>
+          <a:off x="0" y="0"/>
+          <a:ext cx="0" cy="0"/>
+          <a:chOff x="0" y="0"/>
+          <a:chExt cx="0" cy="0"/>
+        </a:xfrm>
+      </p:grpSpPr>
+      <p:sp>
+        <p:nvSpPr>
+          <p:cNvPr id="57" name="Google Shape;57;p2:notes"/>
+          <p:cNvSpPr txBox="1">
+            <a:spLocks noGrp="1"/>
+          </p:cNvSpPr>
+          <p:nvPr>
+            <p:ph type="body" idx="1"/>
+          </p:nvPr>
+        </p:nvSpPr>
+        <p:spPr>
+          <a:xfrm>
+            <a:off x="685800" y="4343400"/>
+            <a:ext cx="5486400" cy="4114800"/>
+          </a:xfrm>
+          <a:prstGeom prst="rect">
+            <a:avLst/>
+          </a:prstGeom>
+        </p:spPr>
+        <p:txBody>
+          <a:bodyPr spcFirstLastPara="1" wrap="square" lIns="91425" tIns="91425" rIns="91425" bIns="91425" anchor="t" anchorCtr="0">
+            <a:noAutofit/>
+          </a:bodyPr>
+          <a:lstStyle/>
+          <a:p>
+            <a:pPr marL="0" lvl="0" indent="0" algn="l" rtl="0">
+              <a:spcBef>
+                <a:spcPts val="0"/>
+              </a:spcBef>
+              <a:spcAft>
+                <a:spcPts val="0"/>
+              </a:spcAft>
+              <a:buNone/>
+            </a:pPr>
+            <a:endParaRPr/>
+          </a:p>
+        </p:txBody>
+      </p:sp>
+      <p:sp>
+        <p:nvSpPr>
+          <p:cNvPr id="58" name="Google Shape;58;p2:notes"/>
+          <p:cNvSpPr>
+            <a:spLocks noGrp="1" noRot="1" noChangeAspect="1"/>
+          </p:cNvSpPr>
+          <p:nvPr>
+            <p:ph type="sldImg" idx="2"/>
+          </p:nvPr>
+        </p:nvSpPr>
+        <p:spPr>
+          <a:xfrm>
+            <a:off x="381000" y="685800"/>
+            <a:ext cx="6096000" cy="3429000"/>
+          </a:xfrm>
+          <a:custGeom>
+            <a:avLst/>
+            <a:gdLst/>
+            <a:ahLst/>
+            <a:cxnLst/>
+            <a:rect l="l" t="t" r="r" b="b"/>
+            <a:pathLst>
+              <a:path w="120000" h="120000" extrusionOk="0">
+                <a:moveTo>
+                  <a:pt x="0" y="0"/>
+                </a:moveTo>
+                <a:lnTo>
+                  <a:pt x="120000" y="0"/>
+                </a:lnTo>
+                <a:lnTo>
+                  <a:pt x="120000" y="120000"/>
+                </a:lnTo>
+                <a:lnTo>
+                  <a:pt x="0" y="120000"/>
+                </a:lnTo>
+                <a:close/>
+              </a:path>
+            </a:pathLst>
+          </a:custGeom>
+        </p:spPr>
+      </p:sp>
+    </p:spTree>
+    <p:extLst>
+      <p:ext uri="{BB962C8B-B14F-4D97-AF65-F5344CB8AC3E}">
+        <p14:creationId xmlns:p14="http://schemas.microsoft.com/office/powerpoint/2010/main" val="580818392"/>
+      </p:ext>
+    </p:extLst>
+  </p:cSld>
+  <p:clrMapOvr>
+    <a:masterClrMapping/>
+  </p:clrMapOvr>
+</p:notes>
+</file>
+
+<file path=ppt/notesSlides/notesSlide6.xml><?xml version="1.0" encoding="utf-8"?>
+<p:notes xmlns:a="http://schemas.openxmlformats.org/drawingml/2006/main" xmlns:r="http://schemas.openxmlformats.org/officeDocument/2006/relationships" xmlns:p="http://schemas.openxmlformats.org/presentationml/2006/main" showMasterSp="0" showMasterPhAnim="0">
+  <p:cSld>
+    <p:spTree>
+      <p:nvGrpSpPr>
+        <p:cNvPr id="1" name="Shape 64"/>
+        <p:cNvGrpSpPr/>
+        <p:nvPr/>
+      </p:nvGrpSpPr>
+      <p:grpSpPr>
+        <a:xfrm>
+          <a:off x="0" y="0"/>
+          <a:ext cx="0" cy="0"/>
+          <a:chOff x="0" y="0"/>
+          <a:chExt cx="0" cy="0"/>
+        </a:xfrm>
+      </p:grpSpPr>
+      <p:sp>
+        <p:nvSpPr>
+          <p:cNvPr id="65" name="Google Shape;65;p3:notes"/>
+          <p:cNvSpPr txBox="1">
+            <a:spLocks noGrp="1"/>
+          </p:cNvSpPr>
+          <p:nvPr>
+            <p:ph type="body" idx="1"/>
+          </p:nvPr>
+        </p:nvSpPr>
+        <p:spPr>
+          <a:xfrm>
+            <a:off x="685800" y="4343400"/>
+            <a:ext cx="5486400" cy="4114800"/>
+          </a:xfrm>
+          <a:prstGeom prst="rect">
+            <a:avLst/>
+          </a:prstGeom>
+        </p:spPr>
+        <p:txBody>
+          <a:bodyPr spcFirstLastPara="1" wrap="square" lIns="91425" tIns="91425" rIns="91425" bIns="91425" anchor="t" anchorCtr="0">
+            <a:noAutofit/>
+          </a:bodyPr>
+          <a:lstStyle/>
+          <a:p>
+            <a:pPr marL="0" lvl="0" indent="0" algn="l" rtl="0">
+              <a:spcBef>
+                <a:spcPts val="0"/>
+              </a:spcBef>
+              <a:spcAft>
+                <a:spcPts val="0"/>
+              </a:spcAft>
+              <a:buNone/>
+            </a:pPr>
+            <a:endParaRPr/>
+          </a:p>
+        </p:txBody>
+      </p:sp>
+      <p:sp>
+        <p:nvSpPr>
+          <p:cNvPr id="66" name="Google Shape;66;p3:notes"/>
+          <p:cNvSpPr>
+            <a:spLocks noGrp="1" noRot="1" noChangeAspect="1"/>
+          </p:cNvSpPr>
+          <p:nvPr>
+            <p:ph type="sldImg" idx="2"/>
+          </p:nvPr>
+        </p:nvSpPr>
+        <p:spPr>
+          <a:xfrm>
+            <a:off x="381000" y="685800"/>
+            <a:ext cx="6096000" cy="3429000"/>
+          </a:xfrm>
+          <a:custGeom>
+            <a:avLst/>
+            <a:gdLst/>
+            <a:ahLst/>
+            <a:cxnLst/>
+            <a:rect l="l" t="t" r="r" b="b"/>
+            <a:pathLst>
+              <a:path w="120000" h="120000" extrusionOk="0">
+                <a:moveTo>
+                  <a:pt x="0" y="0"/>
+                </a:moveTo>
+                <a:lnTo>
+                  <a:pt x="120000" y="0"/>
+                </a:lnTo>
+                <a:lnTo>
+                  <a:pt x="120000" y="120000"/>
+                </a:lnTo>
+                <a:lnTo>
+                  <a:pt x="0" y="120000"/>
+                </a:lnTo>
+                <a:close/>
+              </a:path>
+            </a:pathLst>
+          </a:custGeom>
+        </p:spPr>
+      </p:sp>
+    </p:spTree>
+    <p:extLst>
+      <p:ext uri="{BB962C8B-B14F-4D97-AF65-F5344CB8AC3E}">
+        <p14:creationId xmlns:p14="http://schemas.microsoft.com/office/powerpoint/2010/main" val="1975781248"/>
+      </p:ext>
+    </p:extLst>
+  </p:cSld>
+  <p:clrMapOvr>
+    <a:masterClrMapping/>
+  </p:clrMapOvr>
+</p:notes>
+</file>
+
+<file path=ppt/notesSlides/notesSlide7.xml><?xml version="1.0" encoding="utf-8"?>
+<p:notes xmlns:a="http://schemas.openxmlformats.org/drawingml/2006/main" xmlns:r="http://schemas.openxmlformats.org/officeDocument/2006/relationships" xmlns:p="http://schemas.openxmlformats.org/presentationml/2006/main" showMasterSp="0" showMasterPhAnim="0">
+  <p:cSld>
+    <p:spTree>
+      <p:nvGrpSpPr>
         <p:cNvPr id="1" name="Shape 72"/>
         <p:cNvGrpSpPr/>
         <p:nvPr/>
@@ -1072,8 +1724,8 @@
         </p:nvSpPr>
         <p:spPr>
           <a:xfrm>
-            <a:off x="1143225" y="685800"/>
-            <a:ext cx="4572225" cy="3429000"/>
+            <a:off x="381000" y="685800"/>
+            <a:ext cx="6096000" cy="3429000"/>
           </a:xfrm>
           <a:custGeom>
             <a:avLst/>
@@ -1109,7 +1761,7 @@
 </p:notes>
 </file>
 
-<file path=ppt/notesSlides/notesSlide5.xml><?xml version="1.0" encoding="utf-8"?>
+<file path=ppt/notesSlides/notesSlide8.xml><?xml version="1.0" encoding="utf-8"?>
 <p:notes xmlns:a="http://schemas.openxmlformats.org/drawingml/2006/main" xmlns:r="http://schemas.openxmlformats.org/officeDocument/2006/relationships" xmlns:p="http://schemas.openxmlformats.org/presentationml/2006/main" showMasterSp="0" showMasterPhAnim="0">
   <p:cSld>
     <p:spTree>
@@ -1176,8 +1828,8 @@
         </p:nvSpPr>
         <p:spPr>
           <a:xfrm>
-            <a:off x="1143225" y="685800"/>
-            <a:ext cx="4572225" cy="3429000"/>
+            <a:off x="381000" y="685800"/>
+            <a:ext cx="6096000" cy="3429000"/>
           </a:xfrm>
           <a:custGeom>
             <a:avLst/>
@@ -1213,111 +1865,7 @@
 </p:notes>
 </file>
 
-<file path=ppt/notesSlides/notesSlide6.xml><?xml version="1.0" encoding="utf-8"?>
-<p:notes xmlns:a="http://schemas.openxmlformats.org/drawingml/2006/main" xmlns:r="http://schemas.openxmlformats.org/officeDocument/2006/relationships" xmlns:p="http://schemas.openxmlformats.org/presentationml/2006/main" showMasterSp="0" showMasterPhAnim="0">
-  <p:cSld>
-    <p:spTree>
-      <p:nvGrpSpPr>
-        <p:cNvPr id="1" name="Shape 88"/>
-        <p:cNvGrpSpPr/>
-        <p:nvPr/>
-      </p:nvGrpSpPr>
-      <p:grpSpPr>
-        <a:xfrm>
-          <a:off x="0" y="0"/>
-          <a:ext cx="0" cy="0"/>
-          <a:chOff x="0" y="0"/>
-          <a:chExt cx="0" cy="0"/>
-        </a:xfrm>
-      </p:grpSpPr>
-      <p:sp>
-        <p:nvSpPr>
-          <p:cNvPr id="89" name="Google Shape;89;p6:notes"/>
-          <p:cNvSpPr txBox="1">
-            <a:spLocks noGrp="1"/>
-          </p:cNvSpPr>
-          <p:nvPr>
-            <p:ph type="body" idx="1"/>
-          </p:nvPr>
-        </p:nvSpPr>
-        <p:spPr>
-          <a:xfrm>
-            <a:off x="685800" y="4343400"/>
-            <a:ext cx="5486400" cy="4114800"/>
-          </a:xfrm>
-          <a:prstGeom prst="rect">
-            <a:avLst/>
-          </a:prstGeom>
-        </p:spPr>
-        <p:txBody>
-          <a:bodyPr spcFirstLastPara="1" wrap="square" lIns="91425" tIns="91425" rIns="91425" bIns="91425" anchor="t" anchorCtr="0">
-            <a:noAutofit/>
-          </a:bodyPr>
-          <a:lstStyle/>
-          <a:p>
-            <a:pPr marL="0" lvl="0" indent="0" algn="l" rtl="0">
-              <a:spcBef>
-                <a:spcPts val="0"/>
-              </a:spcBef>
-              <a:spcAft>
-                <a:spcPts val="0"/>
-              </a:spcAft>
-              <a:buNone/>
-            </a:pPr>
-            <a:endParaRPr/>
-          </a:p>
-        </p:txBody>
-      </p:sp>
-      <p:sp>
-        <p:nvSpPr>
-          <p:cNvPr id="90" name="Google Shape;90;p6:notes"/>
-          <p:cNvSpPr>
-            <a:spLocks noGrp="1" noRot="1" noChangeAspect="1"/>
-          </p:cNvSpPr>
-          <p:nvPr>
-            <p:ph type="sldImg" idx="2"/>
-          </p:nvPr>
-        </p:nvSpPr>
-        <p:spPr>
-          <a:xfrm>
-            <a:off x="1143225" y="685800"/>
-            <a:ext cx="4572225" cy="3429000"/>
-          </a:xfrm>
-          <a:custGeom>
-            <a:avLst/>
-            <a:gdLst/>
-            <a:ahLst/>
-            <a:cxnLst/>
-            <a:rect l="l" t="t" r="r" b="b"/>
-            <a:pathLst>
-              <a:path w="120000" h="120000" extrusionOk="0">
-                <a:moveTo>
-                  <a:pt x="0" y="0"/>
-                </a:moveTo>
-                <a:lnTo>
-                  <a:pt x="120000" y="0"/>
-                </a:lnTo>
-                <a:lnTo>
-                  <a:pt x="120000" y="120000"/>
-                </a:lnTo>
-                <a:lnTo>
-                  <a:pt x="0" y="120000"/>
-                </a:lnTo>
-                <a:close/>
-              </a:path>
-            </a:pathLst>
-          </a:custGeom>
-        </p:spPr>
-      </p:sp>
-    </p:spTree>
-  </p:cSld>
-  <p:clrMapOvr>
-    <a:masterClrMapping/>
-  </p:clrMapOvr>
-</p:notes>
-</file>
-
-<file path=ppt/notesSlides/notesSlide7.xml><?xml version="1.0" encoding="utf-8"?>
+<file path=ppt/notesSlides/notesSlide9.xml><?xml version="1.0" encoding="utf-8"?>
 <p:notes xmlns:a="http://schemas.openxmlformats.org/drawingml/2006/main" xmlns:r="http://schemas.openxmlformats.org/officeDocument/2006/relationships" xmlns:p="http://schemas.openxmlformats.org/presentationml/2006/main" showMasterSp="0" showMasterPhAnim="0">
   <p:cSld>
     <p:spTree>
@@ -1384,216 +1932,8 @@
         </p:nvSpPr>
         <p:spPr>
           <a:xfrm>
-            <a:off x="1143225" y="685800"/>
-            <a:ext cx="4572225" cy="3429000"/>
-          </a:xfrm>
-          <a:custGeom>
-            <a:avLst/>
-            <a:gdLst/>
-            <a:ahLst/>
-            <a:cxnLst/>
-            <a:rect l="l" t="t" r="r" b="b"/>
-            <a:pathLst>
-              <a:path w="120000" h="120000" extrusionOk="0">
-                <a:moveTo>
-                  <a:pt x="0" y="0"/>
-                </a:moveTo>
-                <a:lnTo>
-                  <a:pt x="120000" y="0"/>
-                </a:lnTo>
-                <a:lnTo>
-                  <a:pt x="120000" y="120000"/>
-                </a:lnTo>
-                <a:lnTo>
-                  <a:pt x="0" y="120000"/>
-                </a:lnTo>
-                <a:close/>
-              </a:path>
-            </a:pathLst>
-          </a:custGeom>
-        </p:spPr>
-      </p:sp>
-    </p:spTree>
-  </p:cSld>
-  <p:clrMapOvr>
-    <a:masterClrMapping/>
-  </p:clrMapOvr>
-</p:notes>
-</file>
-
-<file path=ppt/notesSlides/notesSlide8.xml><?xml version="1.0" encoding="utf-8"?>
-<p:notes xmlns:a="http://schemas.openxmlformats.org/drawingml/2006/main" xmlns:r="http://schemas.openxmlformats.org/officeDocument/2006/relationships" xmlns:p="http://schemas.openxmlformats.org/presentationml/2006/main" showMasterSp="0" showMasterPhAnim="0">
-  <p:cSld>
-    <p:spTree>
-      <p:nvGrpSpPr>
-        <p:cNvPr id="1" name="Shape 103"/>
-        <p:cNvGrpSpPr/>
-        <p:nvPr/>
-      </p:nvGrpSpPr>
-      <p:grpSpPr>
-        <a:xfrm>
-          <a:off x="0" y="0"/>
-          <a:ext cx="0" cy="0"/>
-          <a:chOff x="0" y="0"/>
-          <a:chExt cx="0" cy="0"/>
-        </a:xfrm>
-      </p:grpSpPr>
-      <p:sp>
-        <p:nvSpPr>
-          <p:cNvPr id="104" name="Google Shape;104;p8:notes"/>
-          <p:cNvSpPr txBox="1">
-            <a:spLocks noGrp="1"/>
-          </p:cNvSpPr>
-          <p:nvPr>
-            <p:ph type="body" idx="1"/>
-          </p:nvPr>
-        </p:nvSpPr>
-        <p:spPr>
-          <a:xfrm>
-            <a:off x="685800" y="4343400"/>
-            <a:ext cx="5486400" cy="4114800"/>
-          </a:xfrm>
-          <a:prstGeom prst="rect">
-            <a:avLst/>
-          </a:prstGeom>
-        </p:spPr>
-        <p:txBody>
-          <a:bodyPr spcFirstLastPara="1" wrap="square" lIns="91425" tIns="91425" rIns="91425" bIns="91425" anchor="t" anchorCtr="0">
-            <a:noAutofit/>
-          </a:bodyPr>
-          <a:lstStyle/>
-          <a:p>
-            <a:pPr marL="0" lvl="0" indent="0" algn="l" rtl="0">
-              <a:spcBef>
-                <a:spcPts val="0"/>
-              </a:spcBef>
-              <a:spcAft>
-                <a:spcPts val="0"/>
-              </a:spcAft>
-              <a:buNone/>
-            </a:pPr>
-            <a:endParaRPr/>
-          </a:p>
-        </p:txBody>
-      </p:sp>
-      <p:sp>
-        <p:nvSpPr>
-          <p:cNvPr id="105" name="Google Shape;105;p8:notes"/>
-          <p:cNvSpPr>
-            <a:spLocks noGrp="1" noRot="1" noChangeAspect="1"/>
-          </p:cNvSpPr>
-          <p:nvPr>
-            <p:ph type="sldImg" idx="2"/>
-          </p:nvPr>
-        </p:nvSpPr>
-        <p:spPr>
-          <a:xfrm>
-            <a:off x="1143225" y="685800"/>
-            <a:ext cx="4572225" cy="3429000"/>
-          </a:xfrm>
-          <a:custGeom>
-            <a:avLst/>
-            <a:gdLst/>
-            <a:ahLst/>
-            <a:cxnLst/>
-            <a:rect l="l" t="t" r="r" b="b"/>
-            <a:pathLst>
-              <a:path w="120000" h="120000" extrusionOk="0">
-                <a:moveTo>
-                  <a:pt x="0" y="0"/>
-                </a:moveTo>
-                <a:lnTo>
-                  <a:pt x="120000" y="0"/>
-                </a:lnTo>
-                <a:lnTo>
-                  <a:pt x="120000" y="120000"/>
-                </a:lnTo>
-                <a:lnTo>
-                  <a:pt x="0" y="120000"/>
-                </a:lnTo>
-                <a:close/>
-              </a:path>
-            </a:pathLst>
-          </a:custGeom>
-        </p:spPr>
-      </p:sp>
-    </p:spTree>
-  </p:cSld>
-  <p:clrMapOvr>
-    <a:masterClrMapping/>
-  </p:clrMapOvr>
-</p:notes>
-</file>
-
-<file path=ppt/notesSlides/notesSlide9.xml><?xml version="1.0" encoding="utf-8"?>
-<p:notes xmlns:a="http://schemas.openxmlformats.org/drawingml/2006/main" xmlns:r="http://schemas.openxmlformats.org/officeDocument/2006/relationships" xmlns:p="http://schemas.openxmlformats.org/presentationml/2006/main" showMasterSp="0" showMasterPhAnim="0">
-  <p:cSld>
-    <p:spTree>
-      <p:nvGrpSpPr>
-        <p:cNvPr id="1" name="Shape 108"/>
-        <p:cNvGrpSpPr/>
-        <p:nvPr/>
-      </p:nvGrpSpPr>
-      <p:grpSpPr>
-        <a:xfrm>
-          <a:off x="0" y="0"/>
-          <a:ext cx="0" cy="0"/>
-          <a:chOff x="0" y="0"/>
-          <a:chExt cx="0" cy="0"/>
-        </a:xfrm>
-      </p:grpSpPr>
-      <p:sp>
-        <p:nvSpPr>
-          <p:cNvPr id="109" name="Google Shape;109;p9:notes"/>
-          <p:cNvSpPr txBox="1">
-            <a:spLocks noGrp="1"/>
-          </p:cNvSpPr>
-          <p:nvPr>
-            <p:ph type="body" idx="1"/>
-          </p:nvPr>
-        </p:nvSpPr>
-        <p:spPr>
-          <a:xfrm>
-            <a:off x="685800" y="4343400"/>
-            <a:ext cx="5486400" cy="4114800"/>
-          </a:xfrm>
-          <a:prstGeom prst="rect">
-            <a:avLst/>
-          </a:prstGeom>
-        </p:spPr>
-        <p:txBody>
-          <a:bodyPr spcFirstLastPara="1" wrap="square" lIns="91425" tIns="91425" rIns="91425" bIns="91425" anchor="t" anchorCtr="0">
-            <a:noAutofit/>
-          </a:bodyPr>
-          <a:lstStyle/>
-          <a:p>
-            <a:pPr marL="0" lvl="0" indent="0" algn="l" rtl="0">
-              <a:spcBef>
-                <a:spcPts val="0"/>
-              </a:spcBef>
-              <a:spcAft>
-                <a:spcPts val="0"/>
-              </a:spcAft>
-              <a:buNone/>
-            </a:pPr>
-            <a:endParaRPr/>
-          </a:p>
-        </p:txBody>
-      </p:sp>
-      <p:sp>
-        <p:nvSpPr>
-          <p:cNvPr id="110" name="Google Shape;110;p9:notes"/>
-          <p:cNvSpPr>
-            <a:spLocks noGrp="1" noRot="1" noChangeAspect="1"/>
-          </p:cNvSpPr>
-          <p:nvPr>
-            <p:ph type="sldImg" idx="2"/>
-          </p:nvPr>
-        </p:nvSpPr>
-        <p:spPr>
-          <a:xfrm>
-            <a:off x="1143225" y="685800"/>
-            <a:ext cx="4572225" cy="3429000"/>
+            <a:off x="381000" y="685800"/>
+            <a:ext cx="6096000" cy="3429000"/>
           </a:xfrm>
           <a:custGeom>
             <a:avLst/>
@@ -2019,370 +2359,6 @@
 </file>
 
 <file path=ppt/slideLayouts/slideLayout10.xml><?xml version="1.0" encoding="utf-8"?>
-<p:sldLayout xmlns:a="http://schemas.openxmlformats.org/drawingml/2006/main" xmlns:r="http://schemas.openxmlformats.org/officeDocument/2006/relationships" xmlns:p="http://schemas.openxmlformats.org/presentationml/2006/main" matchingName="Big number">
-  <p:cSld name="BIG_NUMBER">
-    <p:spTree>
-      <p:nvGrpSpPr>
-        <p:cNvPr id="1" name="Shape 44"/>
-        <p:cNvGrpSpPr/>
-        <p:nvPr/>
-      </p:nvGrpSpPr>
-      <p:grpSpPr>
-        <a:xfrm>
-          <a:off x="0" y="0"/>
-          <a:ext cx="0" cy="0"/>
-          <a:chOff x="0" y="0"/>
-          <a:chExt cx="0" cy="0"/>
-        </a:xfrm>
-      </p:grpSpPr>
-      <p:sp>
-        <p:nvSpPr>
-          <p:cNvPr id="45" name="Google Shape;45;p11"/>
-          <p:cNvSpPr txBox="1">
-            <a:spLocks noGrp="1"/>
-          </p:cNvSpPr>
-          <p:nvPr>
-            <p:ph type="title" hasCustomPrompt="1"/>
-          </p:nvPr>
-        </p:nvSpPr>
-        <p:spPr>
-          <a:xfrm>
-            <a:off x="415600" y="1474833"/>
-            <a:ext cx="11360700" cy="2618100"/>
-          </a:xfrm>
-          <a:prstGeom prst="rect">
-            <a:avLst/>
-          </a:prstGeom>
-        </p:spPr>
-        <p:txBody>
-          <a:bodyPr spcFirstLastPara="1" wrap="square" lIns="121900" tIns="121900" rIns="121900" bIns="121900" anchor="b" anchorCtr="0">
-            <a:normAutofit/>
-          </a:bodyPr>
-          <a:lstStyle>
-            <a:lvl1pPr lvl="0" algn="ctr">
-              <a:spcBef>
-                <a:spcPts val="0"/>
-              </a:spcBef>
-              <a:spcAft>
-                <a:spcPts val="0"/>
-              </a:spcAft>
-              <a:buSzPts val="16000"/>
-              <a:buNone/>
-              <a:defRPr sz="16000"/>
-            </a:lvl1pPr>
-            <a:lvl2pPr lvl="1" algn="ctr">
-              <a:spcBef>
-                <a:spcPts val="0"/>
-              </a:spcBef>
-              <a:spcAft>
-                <a:spcPts val="0"/>
-              </a:spcAft>
-              <a:buSzPts val="16000"/>
-              <a:buNone/>
-              <a:defRPr sz="16000"/>
-            </a:lvl2pPr>
-            <a:lvl3pPr lvl="2" algn="ctr">
-              <a:spcBef>
-                <a:spcPts val="0"/>
-              </a:spcBef>
-              <a:spcAft>
-                <a:spcPts val="0"/>
-              </a:spcAft>
-              <a:buSzPts val="16000"/>
-              <a:buNone/>
-              <a:defRPr sz="16000"/>
-            </a:lvl3pPr>
-            <a:lvl4pPr lvl="3" algn="ctr">
-              <a:spcBef>
-                <a:spcPts val="0"/>
-              </a:spcBef>
-              <a:spcAft>
-                <a:spcPts val="0"/>
-              </a:spcAft>
-              <a:buSzPts val="16000"/>
-              <a:buNone/>
-              <a:defRPr sz="16000"/>
-            </a:lvl4pPr>
-            <a:lvl5pPr lvl="4" algn="ctr">
-              <a:spcBef>
-                <a:spcPts val="0"/>
-              </a:spcBef>
-              <a:spcAft>
-                <a:spcPts val="0"/>
-              </a:spcAft>
-              <a:buSzPts val="16000"/>
-              <a:buNone/>
-              <a:defRPr sz="16000"/>
-            </a:lvl5pPr>
-            <a:lvl6pPr lvl="5" algn="ctr">
-              <a:spcBef>
-                <a:spcPts val="0"/>
-              </a:spcBef>
-              <a:spcAft>
-                <a:spcPts val="0"/>
-              </a:spcAft>
-              <a:buSzPts val="16000"/>
-              <a:buNone/>
-              <a:defRPr sz="16000"/>
-            </a:lvl6pPr>
-            <a:lvl7pPr lvl="6" algn="ctr">
-              <a:spcBef>
-                <a:spcPts val="0"/>
-              </a:spcBef>
-              <a:spcAft>
-                <a:spcPts val="0"/>
-              </a:spcAft>
-              <a:buSzPts val="16000"/>
-              <a:buNone/>
-              <a:defRPr sz="16000"/>
-            </a:lvl7pPr>
-            <a:lvl8pPr lvl="7" algn="ctr">
-              <a:spcBef>
-                <a:spcPts val="0"/>
-              </a:spcBef>
-              <a:spcAft>
-                <a:spcPts val="0"/>
-              </a:spcAft>
-              <a:buSzPts val="16000"/>
-              <a:buNone/>
-              <a:defRPr sz="16000"/>
-            </a:lvl8pPr>
-            <a:lvl9pPr lvl="8" algn="ctr">
-              <a:spcBef>
-                <a:spcPts val="0"/>
-              </a:spcBef>
-              <a:spcAft>
-                <a:spcPts val="0"/>
-              </a:spcAft>
-              <a:buSzPts val="16000"/>
-              <a:buNone/>
-              <a:defRPr sz="16000"/>
-            </a:lvl9pPr>
-          </a:lstStyle>
-          <a:p>
-            <a:r>
-              <a:t>xx%</a:t>
-            </a:r>
-          </a:p>
-        </p:txBody>
-      </p:sp>
-      <p:sp>
-        <p:nvSpPr>
-          <p:cNvPr id="46" name="Google Shape;46;p11"/>
-          <p:cNvSpPr txBox="1">
-            <a:spLocks noGrp="1"/>
-          </p:cNvSpPr>
-          <p:nvPr>
-            <p:ph type="body" idx="1"/>
-          </p:nvPr>
-        </p:nvSpPr>
-        <p:spPr>
-          <a:xfrm>
-            <a:off x="415600" y="4202967"/>
-            <a:ext cx="11360700" cy="1734300"/>
-          </a:xfrm>
-          <a:prstGeom prst="rect">
-            <a:avLst/>
-          </a:prstGeom>
-        </p:spPr>
-        <p:txBody>
-          <a:bodyPr spcFirstLastPara="1" wrap="square" lIns="121900" tIns="121900" rIns="121900" bIns="121900" anchor="t" anchorCtr="0">
-            <a:normAutofit/>
-          </a:bodyPr>
-          <a:lstStyle>
-            <a:lvl1pPr marL="457200" lvl="0" indent="-381000" algn="ctr">
-              <a:spcBef>
-                <a:spcPts val="0"/>
-              </a:spcBef>
-              <a:spcAft>
-                <a:spcPts val="0"/>
-              </a:spcAft>
-              <a:buSzPts val="2400"/>
-              <a:buChar char="●"/>
-              <a:defRPr/>
-            </a:lvl1pPr>
-            <a:lvl2pPr marL="914400" lvl="1" indent="-349250" algn="ctr">
-              <a:spcBef>
-                <a:spcPts val="0"/>
-              </a:spcBef>
-              <a:spcAft>
-                <a:spcPts val="0"/>
-              </a:spcAft>
-              <a:buSzPts val="1900"/>
-              <a:buChar char="○"/>
-              <a:defRPr/>
-            </a:lvl2pPr>
-            <a:lvl3pPr marL="1371600" lvl="2" indent="-349250" algn="ctr">
-              <a:spcBef>
-                <a:spcPts val="0"/>
-              </a:spcBef>
-              <a:spcAft>
-                <a:spcPts val="0"/>
-              </a:spcAft>
-              <a:buSzPts val="1900"/>
-              <a:buChar char="■"/>
-              <a:defRPr/>
-            </a:lvl3pPr>
-            <a:lvl4pPr marL="1828800" lvl="3" indent="-349250" algn="ctr">
-              <a:spcBef>
-                <a:spcPts val="0"/>
-              </a:spcBef>
-              <a:spcAft>
-                <a:spcPts val="0"/>
-              </a:spcAft>
-              <a:buSzPts val="1900"/>
-              <a:buChar char="●"/>
-              <a:defRPr/>
-            </a:lvl4pPr>
-            <a:lvl5pPr marL="2286000" lvl="4" indent="-349250" algn="ctr">
-              <a:spcBef>
-                <a:spcPts val="0"/>
-              </a:spcBef>
-              <a:spcAft>
-                <a:spcPts val="0"/>
-              </a:spcAft>
-              <a:buSzPts val="1900"/>
-              <a:buChar char="○"/>
-              <a:defRPr/>
-            </a:lvl5pPr>
-            <a:lvl6pPr marL="2743200" lvl="5" indent="-349250" algn="ctr">
-              <a:spcBef>
-                <a:spcPts val="0"/>
-              </a:spcBef>
-              <a:spcAft>
-                <a:spcPts val="0"/>
-              </a:spcAft>
-              <a:buSzPts val="1900"/>
-              <a:buChar char="■"/>
-              <a:defRPr/>
-            </a:lvl6pPr>
-            <a:lvl7pPr marL="3200400" lvl="6" indent="-349250" algn="ctr">
-              <a:spcBef>
-                <a:spcPts val="0"/>
-              </a:spcBef>
-              <a:spcAft>
-                <a:spcPts val="0"/>
-              </a:spcAft>
-              <a:buSzPts val="1900"/>
-              <a:buChar char="●"/>
-              <a:defRPr/>
-            </a:lvl7pPr>
-            <a:lvl8pPr marL="3657600" lvl="7" indent="-349250" algn="ctr">
-              <a:spcBef>
-                <a:spcPts val="0"/>
-              </a:spcBef>
-              <a:spcAft>
-                <a:spcPts val="0"/>
-              </a:spcAft>
-              <a:buSzPts val="1900"/>
-              <a:buChar char="○"/>
-              <a:defRPr/>
-            </a:lvl8pPr>
-            <a:lvl9pPr marL="4114800" lvl="8" indent="-349250" algn="ctr">
-              <a:spcBef>
-                <a:spcPts val="0"/>
-              </a:spcBef>
-              <a:spcAft>
-                <a:spcPts val="0"/>
-              </a:spcAft>
-              <a:buSzPts val="1900"/>
-              <a:buChar char="■"/>
-              <a:defRPr/>
-            </a:lvl9pPr>
-          </a:lstStyle>
-          <a:p>
-            <a:endParaRPr/>
-          </a:p>
-        </p:txBody>
-      </p:sp>
-      <p:sp>
-        <p:nvSpPr>
-          <p:cNvPr id="47" name="Google Shape;47;p11"/>
-          <p:cNvSpPr txBox="1">
-            <a:spLocks noGrp="1"/>
-          </p:cNvSpPr>
-          <p:nvPr>
-            <p:ph type="sldNum" idx="12"/>
-          </p:nvPr>
-        </p:nvSpPr>
-        <p:spPr>
-          <a:xfrm>
-            <a:off x="11296610" y="6217622"/>
-            <a:ext cx="731700" cy="524700"/>
-          </a:xfrm>
-          <a:prstGeom prst="rect">
-            <a:avLst/>
-          </a:prstGeom>
-        </p:spPr>
-        <p:txBody>
-          <a:bodyPr spcFirstLastPara="1" wrap="square" lIns="121900" tIns="121900" rIns="121900" bIns="121900" anchor="ctr" anchorCtr="0">
-            <a:normAutofit/>
-          </a:bodyPr>
-          <a:lstStyle>
-            <a:lvl1pPr lvl="0">
-              <a:buNone/>
-              <a:defRPr/>
-            </a:lvl1pPr>
-            <a:lvl2pPr lvl="1">
-              <a:buNone/>
-              <a:defRPr/>
-            </a:lvl2pPr>
-            <a:lvl3pPr lvl="2">
-              <a:buNone/>
-              <a:defRPr/>
-            </a:lvl3pPr>
-            <a:lvl4pPr lvl="3">
-              <a:buNone/>
-              <a:defRPr/>
-            </a:lvl4pPr>
-            <a:lvl5pPr lvl="4">
-              <a:buNone/>
-              <a:defRPr/>
-            </a:lvl5pPr>
-            <a:lvl6pPr lvl="5">
-              <a:buNone/>
-              <a:defRPr/>
-            </a:lvl6pPr>
-            <a:lvl7pPr lvl="6">
-              <a:buNone/>
-              <a:defRPr/>
-            </a:lvl7pPr>
-            <a:lvl8pPr lvl="7">
-              <a:buNone/>
-              <a:defRPr/>
-            </a:lvl8pPr>
-            <a:lvl9pPr lvl="8">
-              <a:buNone/>
-              <a:defRPr/>
-            </a:lvl9pPr>
-          </a:lstStyle>
-          <a:p>
-            <a:pPr marL="0" lvl="0" indent="0" algn="r" rtl="0">
-              <a:spcBef>
-                <a:spcPts val="0"/>
-              </a:spcBef>
-              <a:spcAft>
-                <a:spcPts val="0"/>
-              </a:spcAft>
-              <a:buNone/>
-            </a:pPr>
-            <a:fld id="{00000000-1234-1234-1234-123412341234}" type="slidenum">
-              <a:rPr lang="en-US"/>
-              <a:t>‹#›</a:t>
-            </a:fld>
-            <a:endParaRPr/>
-          </a:p>
-        </p:txBody>
-      </p:sp>
-    </p:spTree>
-  </p:cSld>
-  <p:clrMapOvr>
-    <a:masterClrMapping/>
-  </p:clrMapOvr>
-</p:sldLayout>
-</file>
-
-<file path=ppt/slideLayouts/slideLayout11.xml><?xml version="1.0" encoding="utf-8"?>
 <p:sldLayout xmlns:a="http://schemas.openxmlformats.org/drawingml/2006/main" xmlns:r="http://schemas.openxmlformats.org/officeDocument/2006/relationships" xmlns:p="http://schemas.openxmlformats.org/presentationml/2006/main" matchingName="Blank" type="blank">
   <p:cSld name="BLANK">
     <p:spTree>
@@ -2720,368 +2696,6 @@
 </file>
 
 <file path=ppt/slideLayouts/slideLayout3.xml><?xml version="1.0" encoding="utf-8"?>
-<p:sldLayout xmlns:a="http://schemas.openxmlformats.org/drawingml/2006/main" xmlns:r="http://schemas.openxmlformats.org/officeDocument/2006/relationships" xmlns:p="http://schemas.openxmlformats.org/presentationml/2006/main" matchingName="Title and body" type="tx">
-  <p:cSld name="TITLE_AND_BODY">
-    <p:spTree>
-      <p:nvGrpSpPr>
-        <p:cNvPr id="1" name="Shape 16"/>
-        <p:cNvGrpSpPr/>
-        <p:nvPr/>
-      </p:nvGrpSpPr>
-      <p:grpSpPr>
-        <a:xfrm>
-          <a:off x="0" y="0"/>
-          <a:ext cx="0" cy="0"/>
-          <a:chOff x="0" y="0"/>
-          <a:chExt cx="0" cy="0"/>
-        </a:xfrm>
-      </p:grpSpPr>
-      <p:sp>
-        <p:nvSpPr>
-          <p:cNvPr id="17" name="Google Shape;17;p4"/>
-          <p:cNvSpPr txBox="1">
-            <a:spLocks noGrp="1"/>
-          </p:cNvSpPr>
-          <p:nvPr>
-            <p:ph type="title"/>
-          </p:nvPr>
-        </p:nvSpPr>
-        <p:spPr>
-          <a:xfrm>
-            <a:off x="415600" y="593367"/>
-            <a:ext cx="11360700" cy="763500"/>
-          </a:xfrm>
-          <a:prstGeom prst="rect">
-            <a:avLst/>
-          </a:prstGeom>
-        </p:spPr>
-        <p:txBody>
-          <a:bodyPr spcFirstLastPara="1" wrap="square" lIns="121900" tIns="121900" rIns="121900" bIns="121900" anchor="t" anchorCtr="0">
-            <a:normAutofit/>
-          </a:bodyPr>
-          <a:lstStyle>
-            <a:lvl1pPr lvl="0">
-              <a:spcBef>
-                <a:spcPts val="0"/>
-              </a:spcBef>
-              <a:spcAft>
-                <a:spcPts val="0"/>
-              </a:spcAft>
-              <a:buSzPts val="3700"/>
-              <a:buNone/>
-              <a:defRPr/>
-            </a:lvl1pPr>
-            <a:lvl2pPr lvl="1">
-              <a:spcBef>
-                <a:spcPts val="0"/>
-              </a:spcBef>
-              <a:spcAft>
-                <a:spcPts val="0"/>
-              </a:spcAft>
-              <a:buSzPts val="3700"/>
-              <a:buNone/>
-              <a:defRPr/>
-            </a:lvl2pPr>
-            <a:lvl3pPr lvl="2">
-              <a:spcBef>
-                <a:spcPts val="0"/>
-              </a:spcBef>
-              <a:spcAft>
-                <a:spcPts val="0"/>
-              </a:spcAft>
-              <a:buSzPts val="3700"/>
-              <a:buNone/>
-              <a:defRPr/>
-            </a:lvl3pPr>
-            <a:lvl4pPr lvl="3">
-              <a:spcBef>
-                <a:spcPts val="0"/>
-              </a:spcBef>
-              <a:spcAft>
-                <a:spcPts val="0"/>
-              </a:spcAft>
-              <a:buSzPts val="3700"/>
-              <a:buNone/>
-              <a:defRPr/>
-            </a:lvl4pPr>
-            <a:lvl5pPr lvl="4">
-              <a:spcBef>
-                <a:spcPts val="0"/>
-              </a:spcBef>
-              <a:spcAft>
-                <a:spcPts val="0"/>
-              </a:spcAft>
-              <a:buSzPts val="3700"/>
-              <a:buNone/>
-              <a:defRPr/>
-            </a:lvl5pPr>
-            <a:lvl6pPr lvl="5">
-              <a:spcBef>
-                <a:spcPts val="0"/>
-              </a:spcBef>
-              <a:spcAft>
-                <a:spcPts val="0"/>
-              </a:spcAft>
-              <a:buSzPts val="3700"/>
-              <a:buNone/>
-              <a:defRPr/>
-            </a:lvl6pPr>
-            <a:lvl7pPr lvl="6">
-              <a:spcBef>
-                <a:spcPts val="0"/>
-              </a:spcBef>
-              <a:spcAft>
-                <a:spcPts val="0"/>
-              </a:spcAft>
-              <a:buSzPts val="3700"/>
-              <a:buNone/>
-              <a:defRPr/>
-            </a:lvl7pPr>
-            <a:lvl8pPr lvl="7">
-              <a:spcBef>
-                <a:spcPts val="0"/>
-              </a:spcBef>
-              <a:spcAft>
-                <a:spcPts val="0"/>
-              </a:spcAft>
-              <a:buSzPts val="3700"/>
-              <a:buNone/>
-              <a:defRPr/>
-            </a:lvl8pPr>
-            <a:lvl9pPr lvl="8">
-              <a:spcBef>
-                <a:spcPts val="0"/>
-              </a:spcBef>
-              <a:spcAft>
-                <a:spcPts val="0"/>
-              </a:spcAft>
-              <a:buSzPts val="3700"/>
-              <a:buNone/>
-              <a:defRPr/>
-            </a:lvl9pPr>
-          </a:lstStyle>
-          <a:p>
-            <a:endParaRPr/>
-          </a:p>
-        </p:txBody>
-      </p:sp>
-      <p:sp>
-        <p:nvSpPr>
-          <p:cNvPr id="18" name="Google Shape;18;p4"/>
-          <p:cNvSpPr txBox="1">
-            <a:spLocks noGrp="1"/>
-          </p:cNvSpPr>
-          <p:nvPr>
-            <p:ph type="body" idx="1"/>
-          </p:nvPr>
-        </p:nvSpPr>
-        <p:spPr>
-          <a:xfrm>
-            <a:off x="415600" y="1536633"/>
-            <a:ext cx="11360700" cy="4555200"/>
-          </a:xfrm>
-          <a:prstGeom prst="rect">
-            <a:avLst/>
-          </a:prstGeom>
-        </p:spPr>
-        <p:txBody>
-          <a:bodyPr spcFirstLastPara="1" wrap="square" lIns="121900" tIns="121900" rIns="121900" bIns="121900" anchor="t" anchorCtr="0">
-            <a:normAutofit/>
-          </a:bodyPr>
-          <a:lstStyle>
-            <a:lvl1pPr marL="457200" lvl="0" indent="-381000">
-              <a:spcBef>
-                <a:spcPts val="0"/>
-              </a:spcBef>
-              <a:spcAft>
-                <a:spcPts val="0"/>
-              </a:spcAft>
-              <a:buSzPts val="2400"/>
-              <a:buChar char="●"/>
-              <a:defRPr/>
-            </a:lvl1pPr>
-            <a:lvl2pPr marL="914400" lvl="1" indent="-349250">
-              <a:spcBef>
-                <a:spcPts val="0"/>
-              </a:spcBef>
-              <a:spcAft>
-                <a:spcPts val="0"/>
-              </a:spcAft>
-              <a:buSzPts val="1900"/>
-              <a:buChar char="○"/>
-              <a:defRPr/>
-            </a:lvl2pPr>
-            <a:lvl3pPr marL="1371600" lvl="2" indent="-349250">
-              <a:spcBef>
-                <a:spcPts val="0"/>
-              </a:spcBef>
-              <a:spcAft>
-                <a:spcPts val="0"/>
-              </a:spcAft>
-              <a:buSzPts val="1900"/>
-              <a:buChar char="■"/>
-              <a:defRPr/>
-            </a:lvl3pPr>
-            <a:lvl4pPr marL="1828800" lvl="3" indent="-349250">
-              <a:spcBef>
-                <a:spcPts val="0"/>
-              </a:spcBef>
-              <a:spcAft>
-                <a:spcPts val="0"/>
-              </a:spcAft>
-              <a:buSzPts val="1900"/>
-              <a:buChar char="●"/>
-              <a:defRPr/>
-            </a:lvl4pPr>
-            <a:lvl5pPr marL="2286000" lvl="4" indent="-349250">
-              <a:spcBef>
-                <a:spcPts val="0"/>
-              </a:spcBef>
-              <a:spcAft>
-                <a:spcPts val="0"/>
-              </a:spcAft>
-              <a:buSzPts val="1900"/>
-              <a:buChar char="○"/>
-              <a:defRPr/>
-            </a:lvl5pPr>
-            <a:lvl6pPr marL="2743200" lvl="5" indent="-349250">
-              <a:spcBef>
-                <a:spcPts val="0"/>
-              </a:spcBef>
-              <a:spcAft>
-                <a:spcPts val="0"/>
-              </a:spcAft>
-              <a:buSzPts val="1900"/>
-              <a:buChar char="■"/>
-              <a:defRPr/>
-            </a:lvl6pPr>
-            <a:lvl7pPr marL="3200400" lvl="6" indent="-349250">
-              <a:spcBef>
-                <a:spcPts val="0"/>
-              </a:spcBef>
-              <a:spcAft>
-                <a:spcPts val="0"/>
-              </a:spcAft>
-              <a:buSzPts val="1900"/>
-              <a:buChar char="●"/>
-              <a:defRPr/>
-            </a:lvl7pPr>
-            <a:lvl8pPr marL="3657600" lvl="7" indent="-349250">
-              <a:spcBef>
-                <a:spcPts val="0"/>
-              </a:spcBef>
-              <a:spcAft>
-                <a:spcPts val="0"/>
-              </a:spcAft>
-              <a:buSzPts val="1900"/>
-              <a:buChar char="○"/>
-              <a:defRPr/>
-            </a:lvl8pPr>
-            <a:lvl9pPr marL="4114800" lvl="8" indent="-349250">
-              <a:spcBef>
-                <a:spcPts val="0"/>
-              </a:spcBef>
-              <a:spcAft>
-                <a:spcPts val="0"/>
-              </a:spcAft>
-              <a:buSzPts val="1900"/>
-              <a:buChar char="■"/>
-              <a:defRPr/>
-            </a:lvl9pPr>
-          </a:lstStyle>
-          <a:p>
-            <a:endParaRPr/>
-          </a:p>
-        </p:txBody>
-      </p:sp>
-      <p:sp>
-        <p:nvSpPr>
-          <p:cNvPr id="19" name="Google Shape;19;p4"/>
-          <p:cNvSpPr txBox="1">
-            <a:spLocks noGrp="1"/>
-          </p:cNvSpPr>
-          <p:nvPr>
-            <p:ph type="sldNum" idx="12"/>
-          </p:nvPr>
-        </p:nvSpPr>
-        <p:spPr>
-          <a:xfrm>
-            <a:off x="11296610" y="6217622"/>
-            <a:ext cx="731700" cy="524700"/>
-          </a:xfrm>
-          <a:prstGeom prst="rect">
-            <a:avLst/>
-          </a:prstGeom>
-        </p:spPr>
-        <p:txBody>
-          <a:bodyPr spcFirstLastPara="1" wrap="square" lIns="121900" tIns="121900" rIns="121900" bIns="121900" anchor="ctr" anchorCtr="0">
-            <a:normAutofit/>
-          </a:bodyPr>
-          <a:lstStyle>
-            <a:lvl1pPr lvl="0">
-              <a:buNone/>
-              <a:defRPr/>
-            </a:lvl1pPr>
-            <a:lvl2pPr lvl="1">
-              <a:buNone/>
-              <a:defRPr/>
-            </a:lvl2pPr>
-            <a:lvl3pPr lvl="2">
-              <a:buNone/>
-              <a:defRPr/>
-            </a:lvl3pPr>
-            <a:lvl4pPr lvl="3">
-              <a:buNone/>
-              <a:defRPr/>
-            </a:lvl4pPr>
-            <a:lvl5pPr lvl="4">
-              <a:buNone/>
-              <a:defRPr/>
-            </a:lvl5pPr>
-            <a:lvl6pPr lvl="5">
-              <a:buNone/>
-              <a:defRPr/>
-            </a:lvl6pPr>
-            <a:lvl7pPr lvl="6">
-              <a:buNone/>
-              <a:defRPr/>
-            </a:lvl7pPr>
-            <a:lvl8pPr lvl="7">
-              <a:buNone/>
-              <a:defRPr/>
-            </a:lvl8pPr>
-            <a:lvl9pPr lvl="8">
-              <a:buNone/>
-              <a:defRPr/>
-            </a:lvl9pPr>
-          </a:lstStyle>
-          <a:p>
-            <a:pPr marL="0" lvl="0" indent="0" algn="r" rtl="0">
-              <a:spcBef>
-                <a:spcPts val="0"/>
-              </a:spcBef>
-              <a:spcAft>
-                <a:spcPts val="0"/>
-              </a:spcAft>
-              <a:buNone/>
-            </a:pPr>
-            <a:fld id="{00000000-1234-1234-1234-123412341234}" type="slidenum">
-              <a:rPr lang="en-US"/>
-              <a:t>‹#›</a:t>
-            </a:fld>
-            <a:endParaRPr/>
-          </a:p>
-        </p:txBody>
-      </p:sp>
-    </p:spTree>
-  </p:cSld>
-  <p:clrMapOvr>
-    <a:masterClrMapping/>
-  </p:clrMapOvr>
-</p:sldLayout>
-</file>
-
-<file path=ppt/slideLayouts/slideLayout4.xml><?xml version="1.0" encoding="utf-8"?>
 <p:sldLayout xmlns:a="http://schemas.openxmlformats.org/drawingml/2006/main" xmlns:r="http://schemas.openxmlformats.org/officeDocument/2006/relationships" xmlns:p="http://schemas.openxmlformats.org/presentationml/2006/main" matchingName="Title and two columns" type="twoColTx">
   <p:cSld name="TITLE_AND_TWO_COLUMNS">
     <p:spTree>
@@ -3572,7 +3186,7 @@
 </p:sldLayout>
 </file>
 
-<file path=ppt/slideLayouts/slideLayout5.xml><?xml version="1.0" encoding="utf-8"?>
+<file path=ppt/slideLayouts/slideLayout4.xml><?xml version="1.0" encoding="utf-8"?>
 <p:sldLayout xmlns:a="http://schemas.openxmlformats.org/drawingml/2006/main" xmlns:r="http://schemas.openxmlformats.org/officeDocument/2006/relationships" xmlns:p="http://schemas.openxmlformats.org/presentationml/2006/main" matchingName="Title only" type="titleOnly">
   <p:cSld name="TITLE_ONLY">
     <p:spTree>
@@ -3805,7 +3419,7 @@
 </p:sldLayout>
 </file>
 
-<file path=ppt/slideLayouts/slideLayout6.xml><?xml version="1.0" encoding="utf-8"?>
+<file path=ppt/slideLayouts/slideLayout5.xml><?xml version="1.0" encoding="utf-8"?>
 <p:sldLayout xmlns:a="http://schemas.openxmlformats.org/drawingml/2006/main" xmlns:r="http://schemas.openxmlformats.org/officeDocument/2006/relationships" xmlns:p="http://schemas.openxmlformats.org/presentationml/2006/main" matchingName="One column text">
   <p:cSld name="ONE_COLUMN_TEXT">
     <p:spTree>
@@ -4167,7 +3781,7 @@
 </p:sldLayout>
 </file>
 
-<file path=ppt/slideLayouts/slideLayout7.xml><?xml version="1.0" encoding="utf-8"?>
+<file path=ppt/slideLayouts/slideLayout6.xml><?xml version="1.0" encoding="utf-8"?>
 <p:sldLayout xmlns:a="http://schemas.openxmlformats.org/drawingml/2006/main" xmlns:r="http://schemas.openxmlformats.org/officeDocument/2006/relationships" xmlns:p="http://schemas.openxmlformats.org/presentationml/2006/main" matchingName="Main point">
   <p:cSld name="MAIN_POINT">
     <p:spTree>
@@ -4400,7 +4014,7 @@
 </p:sldLayout>
 </file>
 
-<file path=ppt/slideLayouts/slideLayout8.xml><?xml version="1.0" encoding="utf-8"?>
+<file path=ppt/slideLayouts/slideLayout7.xml><?xml version="1.0" encoding="utf-8"?>
 <p:sldLayout xmlns:a="http://schemas.openxmlformats.org/drawingml/2006/main" xmlns:r="http://schemas.openxmlformats.org/officeDocument/2006/relationships" xmlns:p="http://schemas.openxmlformats.org/presentationml/2006/main" matchingName="Section title and description">
   <p:cSld name="SECTION_TITLE_AND_DESCRIPTION">
     <p:spTree>
@@ -4958,7 +4572,7 @@
 </p:sldLayout>
 </file>
 
-<file path=ppt/slideLayouts/slideLayout9.xml><?xml version="1.0" encoding="utf-8"?>
+<file path=ppt/slideLayouts/slideLayout8.xml><?xml version="1.0" encoding="utf-8"?>
 <p:sldLayout xmlns:a="http://schemas.openxmlformats.org/drawingml/2006/main" xmlns:r="http://schemas.openxmlformats.org/officeDocument/2006/relationships" xmlns:p="http://schemas.openxmlformats.org/presentationml/2006/main" matchingName="Caption">
   <p:cSld name="CAPTION_ONLY">
     <p:spTree>
@@ -5022,6 +4636,370 @@
       <p:sp>
         <p:nvSpPr>
           <p:cNvPr id="43" name="Google Shape;43;p10"/>
+          <p:cNvSpPr txBox="1">
+            <a:spLocks noGrp="1"/>
+          </p:cNvSpPr>
+          <p:nvPr>
+            <p:ph type="sldNum" idx="12"/>
+          </p:nvPr>
+        </p:nvSpPr>
+        <p:spPr>
+          <a:xfrm>
+            <a:off x="11296610" y="6217622"/>
+            <a:ext cx="731700" cy="524700"/>
+          </a:xfrm>
+          <a:prstGeom prst="rect">
+            <a:avLst/>
+          </a:prstGeom>
+        </p:spPr>
+        <p:txBody>
+          <a:bodyPr spcFirstLastPara="1" wrap="square" lIns="121900" tIns="121900" rIns="121900" bIns="121900" anchor="ctr" anchorCtr="0">
+            <a:normAutofit/>
+          </a:bodyPr>
+          <a:lstStyle>
+            <a:lvl1pPr lvl="0">
+              <a:buNone/>
+              <a:defRPr/>
+            </a:lvl1pPr>
+            <a:lvl2pPr lvl="1">
+              <a:buNone/>
+              <a:defRPr/>
+            </a:lvl2pPr>
+            <a:lvl3pPr lvl="2">
+              <a:buNone/>
+              <a:defRPr/>
+            </a:lvl3pPr>
+            <a:lvl4pPr lvl="3">
+              <a:buNone/>
+              <a:defRPr/>
+            </a:lvl4pPr>
+            <a:lvl5pPr lvl="4">
+              <a:buNone/>
+              <a:defRPr/>
+            </a:lvl5pPr>
+            <a:lvl6pPr lvl="5">
+              <a:buNone/>
+              <a:defRPr/>
+            </a:lvl6pPr>
+            <a:lvl7pPr lvl="6">
+              <a:buNone/>
+              <a:defRPr/>
+            </a:lvl7pPr>
+            <a:lvl8pPr lvl="7">
+              <a:buNone/>
+              <a:defRPr/>
+            </a:lvl8pPr>
+            <a:lvl9pPr lvl="8">
+              <a:buNone/>
+              <a:defRPr/>
+            </a:lvl9pPr>
+          </a:lstStyle>
+          <a:p>
+            <a:pPr marL="0" lvl="0" indent="0" algn="r" rtl="0">
+              <a:spcBef>
+                <a:spcPts val="0"/>
+              </a:spcBef>
+              <a:spcAft>
+                <a:spcPts val="0"/>
+              </a:spcAft>
+              <a:buNone/>
+            </a:pPr>
+            <a:fld id="{00000000-1234-1234-1234-123412341234}" type="slidenum">
+              <a:rPr lang="en-US"/>
+              <a:t>‹#›</a:t>
+            </a:fld>
+            <a:endParaRPr/>
+          </a:p>
+        </p:txBody>
+      </p:sp>
+    </p:spTree>
+  </p:cSld>
+  <p:clrMapOvr>
+    <a:masterClrMapping/>
+  </p:clrMapOvr>
+</p:sldLayout>
+</file>
+
+<file path=ppt/slideLayouts/slideLayout9.xml><?xml version="1.0" encoding="utf-8"?>
+<p:sldLayout xmlns:a="http://schemas.openxmlformats.org/drawingml/2006/main" xmlns:r="http://schemas.openxmlformats.org/officeDocument/2006/relationships" xmlns:p="http://schemas.openxmlformats.org/presentationml/2006/main" matchingName="Big number">
+  <p:cSld name="BIG_NUMBER">
+    <p:spTree>
+      <p:nvGrpSpPr>
+        <p:cNvPr id="1" name="Shape 44"/>
+        <p:cNvGrpSpPr/>
+        <p:nvPr/>
+      </p:nvGrpSpPr>
+      <p:grpSpPr>
+        <a:xfrm>
+          <a:off x="0" y="0"/>
+          <a:ext cx="0" cy="0"/>
+          <a:chOff x="0" y="0"/>
+          <a:chExt cx="0" cy="0"/>
+        </a:xfrm>
+      </p:grpSpPr>
+      <p:sp>
+        <p:nvSpPr>
+          <p:cNvPr id="45" name="Google Shape;45;p11"/>
+          <p:cNvSpPr txBox="1">
+            <a:spLocks noGrp="1"/>
+          </p:cNvSpPr>
+          <p:nvPr>
+            <p:ph type="title" hasCustomPrompt="1"/>
+          </p:nvPr>
+        </p:nvSpPr>
+        <p:spPr>
+          <a:xfrm>
+            <a:off x="415600" y="1474833"/>
+            <a:ext cx="11360700" cy="2618100"/>
+          </a:xfrm>
+          <a:prstGeom prst="rect">
+            <a:avLst/>
+          </a:prstGeom>
+        </p:spPr>
+        <p:txBody>
+          <a:bodyPr spcFirstLastPara="1" wrap="square" lIns="121900" tIns="121900" rIns="121900" bIns="121900" anchor="b" anchorCtr="0">
+            <a:normAutofit/>
+          </a:bodyPr>
+          <a:lstStyle>
+            <a:lvl1pPr lvl="0" algn="ctr">
+              <a:spcBef>
+                <a:spcPts val="0"/>
+              </a:spcBef>
+              <a:spcAft>
+                <a:spcPts val="0"/>
+              </a:spcAft>
+              <a:buSzPts val="16000"/>
+              <a:buNone/>
+              <a:defRPr sz="16000"/>
+            </a:lvl1pPr>
+            <a:lvl2pPr lvl="1" algn="ctr">
+              <a:spcBef>
+                <a:spcPts val="0"/>
+              </a:spcBef>
+              <a:spcAft>
+                <a:spcPts val="0"/>
+              </a:spcAft>
+              <a:buSzPts val="16000"/>
+              <a:buNone/>
+              <a:defRPr sz="16000"/>
+            </a:lvl2pPr>
+            <a:lvl3pPr lvl="2" algn="ctr">
+              <a:spcBef>
+                <a:spcPts val="0"/>
+              </a:spcBef>
+              <a:spcAft>
+                <a:spcPts val="0"/>
+              </a:spcAft>
+              <a:buSzPts val="16000"/>
+              <a:buNone/>
+              <a:defRPr sz="16000"/>
+            </a:lvl3pPr>
+            <a:lvl4pPr lvl="3" algn="ctr">
+              <a:spcBef>
+                <a:spcPts val="0"/>
+              </a:spcBef>
+              <a:spcAft>
+                <a:spcPts val="0"/>
+              </a:spcAft>
+              <a:buSzPts val="16000"/>
+              <a:buNone/>
+              <a:defRPr sz="16000"/>
+            </a:lvl4pPr>
+            <a:lvl5pPr lvl="4" algn="ctr">
+              <a:spcBef>
+                <a:spcPts val="0"/>
+              </a:spcBef>
+              <a:spcAft>
+                <a:spcPts val="0"/>
+              </a:spcAft>
+              <a:buSzPts val="16000"/>
+              <a:buNone/>
+              <a:defRPr sz="16000"/>
+            </a:lvl5pPr>
+            <a:lvl6pPr lvl="5" algn="ctr">
+              <a:spcBef>
+                <a:spcPts val="0"/>
+              </a:spcBef>
+              <a:spcAft>
+                <a:spcPts val="0"/>
+              </a:spcAft>
+              <a:buSzPts val="16000"/>
+              <a:buNone/>
+              <a:defRPr sz="16000"/>
+            </a:lvl6pPr>
+            <a:lvl7pPr lvl="6" algn="ctr">
+              <a:spcBef>
+                <a:spcPts val="0"/>
+              </a:spcBef>
+              <a:spcAft>
+                <a:spcPts val="0"/>
+              </a:spcAft>
+              <a:buSzPts val="16000"/>
+              <a:buNone/>
+              <a:defRPr sz="16000"/>
+            </a:lvl7pPr>
+            <a:lvl8pPr lvl="7" algn="ctr">
+              <a:spcBef>
+                <a:spcPts val="0"/>
+              </a:spcBef>
+              <a:spcAft>
+                <a:spcPts val="0"/>
+              </a:spcAft>
+              <a:buSzPts val="16000"/>
+              <a:buNone/>
+              <a:defRPr sz="16000"/>
+            </a:lvl8pPr>
+            <a:lvl9pPr lvl="8" algn="ctr">
+              <a:spcBef>
+                <a:spcPts val="0"/>
+              </a:spcBef>
+              <a:spcAft>
+                <a:spcPts val="0"/>
+              </a:spcAft>
+              <a:buSzPts val="16000"/>
+              <a:buNone/>
+              <a:defRPr sz="16000"/>
+            </a:lvl9pPr>
+          </a:lstStyle>
+          <a:p>
+            <a:r>
+              <a:t>xx%</a:t>
+            </a:r>
+          </a:p>
+        </p:txBody>
+      </p:sp>
+      <p:sp>
+        <p:nvSpPr>
+          <p:cNvPr id="46" name="Google Shape;46;p11"/>
+          <p:cNvSpPr txBox="1">
+            <a:spLocks noGrp="1"/>
+          </p:cNvSpPr>
+          <p:nvPr>
+            <p:ph type="body" idx="1"/>
+          </p:nvPr>
+        </p:nvSpPr>
+        <p:spPr>
+          <a:xfrm>
+            <a:off x="415600" y="4202967"/>
+            <a:ext cx="11360700" cy="1734300"/>
+          </a:xfrm>
+          <a:prstGeom prst="rect">
+            <a:avLst/>
+          </a:prstGeom>
+        </p:spPr>
+        <p:txBody>
+          <a:bodyPr spcFirstLastPara="1" wrap="square" lIns="121900" tIns="121900" rIns="121900" bIns="121900" anchor="t" anchorCtr="0">
+            <a:normAutofit/>
+          </a:bodyPr>
+          <a:lstStyle>
+            <a:lvl1pPr marL="457200" lvl="0" indent="-381000" algn="ctr">
+              <a:spcBef>
+                <a:spcPts val="0"/>
+              </a:spcBef>
+              <a:spcAft>
+                <a:spcPts val="0"/>
+              </a:spcAft>
+              <a:buSzPts val="2400"/>
+              <a:buChar char="●"/>
+              <a:defRPr/>
+            </a:lvl1pPr>
+            <a:lvl2pPr marL="914400" lvl="1" indent="-349250" algn="ctr">
+              <a:spcBef>
+                <a:spcPts val="0"/>
+              </a:spcBef>
+              <a:spcAft>
+                <a:spcPts val="0"/>
+              </a:spcAft>
+              <a:buSzPts val="1900"/>
+              <a:buChar char="○"/>
+              <a:defRPr/>
+            </a:lvl2pPr>
+            <a:lvl3pPr marL="1371600" lvl="2" indent="-349250" algn="ctr">
+              <a:spcBef>
+                <a:spcPts val="0"/>
+              </a:spcBef>
+              <a:spcAft>
+                <a:spcPts val="0"/>
+              </a:spcAft>
+              <a:buSzPts val="1900"/>
+              <a:buChar char="■"/>
+              <a:defRPr/>
+            </a:lvl3pPr>
+            <a:lvl4pPr marL="1828800" lvl="3" indent="-349250" algn="ctr">
+              <a:spcBef>
+                <a:spcPts val="0"/>
+              </a:spcBef>
+              <a:spcAft>
+                <a:spcPts val="0"/>
+              </a:spcAft>
+              <a:buSzPts val="1900"/>
+              <a:buChar char="●"/>
+              <a:defRPr/>
+            </a:lvl4pPr>
+            <a:lvl5pPr marL="2286000" lvl="4" indent="-349250" algn="ctr">
+              <a:spcBef>
+                <a:spcPts val="0"/>
+              </a:spcBef>
+              <a:spcAft>
+                <a:spcPts val="0"/>
+              </a:spcAft>
+              <a:buSzPts val="1900"/>
+              <a:buChar char="○"/>
+              <a:defRPr/>
+            </a:lvl5pPr>
+            <a:lvl6pPr marL="2743200" lvl="5" indent="-349250" algn="ctr">
+              <a:spcBef>
+                <a:spcPts val="0"/>
+              </a:spcBef>
+              <a:spcAft>
+                <a:spcPts val="0"/>
+              </a:spcAft>
+              <a:buSzPts val="1900"/>
+              <a:buChar char="■"/>
+              <a:defRPr/>
+            </a:lvl6pPr>
+            <a:lvl7pPr marL="3200400" lvl="6" indent="-349250" algn="ctr">
+              <a:spcBef>
+                <a:spcPts val="0"/>
+              </a:spcBef>
+              <a:spcAft>
+                <a:spcPts val="0"/>
+              </a:spcAft>
+              <a:buSzPts val="1900"/>
+              <a:buChar char="●"/>
+              <a:defRPr/>
+            </a:lvl7pPr>
+            <a:lvl8pPr marL="3657600" lvl="7" indent="-349250" algn="ctr">
+              <a:spcBef>
+                <a:spcPts val="0"/>
+              </a:spcBef>
+              <a:spcAft>
+                <a:spcPts val="0"/>
+              </a:spcAft>
+              <a:buSzPts val="1900"/>
+              <a:buChar char="○"/>
+              <a:defRPr/>
+            </a:lvl8pPr>
+            <a:lvl9pPr marL="4114800" lvl="8" indent="-349250" algn="ctr">
+              <a:spcBef>
+                <a:spcPts val="0"/>
+              </a:spcBef>
+              <a:spcAft>
+                <a:spcPts val="0"/>
+              </a:spcAft>
+              <a:buSzPts val="1900"/>
+              <a:buChar char="■"/>
+              <a:defRPr/>
+            </a:lvl9pPr>
+          </a:lstStyle>
+          <a:p>
+            <a:endParaRPr/>
+          </a:p>
+        </p:txBody>
+      </p:sp>
+      <p:sp>
+        <p:nvSpPr>
+          <p:cNvPr id="47" name="Google Shape;47;p11"/>
           <p:cNvSpPr txBox="1">
             <a:spLocks noGrp="1"/>
           </p:cNvSpPr>
@@ -5675,15 +5653,14 @@
   <p:sldLayoutIdLst>
     <p:sldLayoutId id="2147483648" r:id="rId1"/>
     <p:sldLayoutId id="2147483649" r:id="rId2"/>
-    <p:sldLayoutId id="2147483650" r:id="rId3"/>
-    <p:sldLayoutId id="2147483651" r:id="rId4"/>
-    <p:sldLayoutId id="2147483652" r:id="rId5"/>
-    <p:sldLayoutId id="2147483653" r:id="rId6"/>
-    <p:sldLayoutId id="2147483654" r:id="rId7"/>
-    <p:sldLayoutId id="2147483655" r:id="rId8"/>
-    <p:sldLayoutId id="2147483656" r:id="rId9"/>
-    <p:sldLayoutId id="2147483657" r:id="rId10"/>
-    <p:sldLayoutId id="2147483658" r:id="rId11"/>
+    <p:sldLayoutId id="2147483651" r:id="rId3"/>
+    <p:sldLayoutId id="2147483652" r:id="rId4"/>
+    <p:sldLayoutId id="2147483653" r:id="rId5"/>
+    <p:sldLayoutId id="2147483654" r:id="rId6"/>
+    <p:sldLayoutId id="2147483655" r:id="rId7"/>
+    <p:sldLayoutId id="2147483656" r:id="rId8"/>
+    <p:sldLayoutId id="2147483657" r:id="rId9"/>
+    <p:sldLayoutId id="2147483658" r:id="rId10"/>
   </p:sldLayoutIdLst>
   <p:hf sldNum="0" hdr="0" ftr="0" dt="0"/>
   <p:txStyles>
@@ -6510,7 +6487,7 @@
 </p:sld>
 </file>
 
-<file path=ppt/slides/slide2.xml><?xml version="1.0" encoding="utf-8"?>
+<file path=ppt/slides/slide10.xml><?xml version="1.0" encoding="utf-8"?>
 <p:sld xmlns:a="http://schemas.openxmlformats.org/drawingml/2006/main" xmlns:r="http://schemas.openxmlformats.org/officeDocument/2006/relationships" xmlns:p="http://schemas.openxmlformats.org/presentationml/2006/main">
   <p:cSld>
     <p:spTree>
@@ -6569,112 +6546,6 @@
               <a:buFont typeface="Arial"/>
               <a:buNone/>
             </a:pPr>
-            <a:r>
-              <a:rPr lang="en-US" sz="2400" b="0" i="0" u="none" strike="noStrike" cap="none" dirty="0">
-                <a:solidFill>
-                  <a:schemeClr val="dk1"/>
-                </a:solidFill>
-                <a:latin typeface="Calibri"/>
-                <a:ea typeface="Calibri"/>
-                <a:cs typeface="Calibri"/>
-                <a:sym typeface="Calibri"/>
-              </a:rPr>
-              <a:t>My problem (phrase as a decision problem):</a:t>
-            </a:r>
-            <a:endParaRPr lang="en-US" dirty="0"/>
-          </a:p>
-          <a:p>
-            <a:pPr marL="457200" marR="0" lvl="1" indent="0" algn="l" rtl="0">
-              <a:lnSpc>
-                <a:spcPct val="90000"/>
-              </a:lnSpc>
-              <a:spcBef>
-                <a:spcPts val="500"/>
-              </a:spcBef>
-              <a:spcAft>
-                <a:spcPts val="0"/>
-              </a:spcAft>
-              <a:buClr>
-                <a:schemeClr val="dk1"/>
-              </a:buClr>
-              <a:buSzPts val="2000"/>
-              <a:buFont typeface="Arial"/>
-              <a:buNone/>
-            </a:pPr>
-            <a:r>
-              <a:rPr lang="en-US" sz="2000" b="0" i="0" u="none" strike="noStrike" cap="none" dirty="0">
-                <a:solidFill>
-                  <a:schemeClr val="dk1"/>
-                </a:solidFill>
-                <a:latin typeface="Calibri"/>
-                <a:ea typeface="Calibri"/>
-                <a:cs typeface="Calibri"/>
-                <a:sym typeface="Calibri"/>
-              </a:rPr>
-              <a:t>Can the maximum value be achieved without exceeding the weight W?</a:t>
-            </a:r>
-          </a:p>
-          <a:p>
-            <a:pPr marL="0" marR="0" lvl="0" indent="0" algn="l" rtl="0">
-              <a:lnSpc>
-                <a:spcPct val="90000"/>
-              </a:lnSpc>
-              <a:spcBef>
-                <a:spcPts val="1000"/>
-              </a:spcBef>
-              <a:spcAft>
-                <a:spcPts val="0"/>
-              </a:spcAft>
-              <a:buClr>
-                <a:schemeClr val="dk1"/>
-              </a:buClr>
-              <a:buSzPts val="2400"/>
-              <a:buFont typeface="Arial"/>
-              <a:buNone/>
-            </a:pPr>
-            <a:r>
-              <a:rPr lang="en-US" sz="2400" b="0" i="0" u="none" strike="noStrike" cap="none" dirty="0">
-                <a:solidFill>
-                  <a:schemeClr val="dk1"/>
-                </a:solidFill>
-                <a:latin typeface="Calibri"/>
-                <a:ea typeface="Calibri"/>
-                <a:cs typeface="Calibri"/>
-                <a:sym typeface="Calibri"/>
-              </a:rPr>
-              <a:t>Optimization Version:</a:t>
-            </a:r>
-            <a:endParaRPr dirty="0"/>
-          </a:p>
-          <a:p>
-            <a:pPr marL="342900" marR="0" lvl="0" indent="-342900" algn="l" rtl="0">
-              <a:lnSpc>
-                <a:spcPct val="90000"/>
-              </a:lnSpc>
-              <a:spcBef>
-                <a:spcPts val="1000"/>
-              </a:spcBef>
-              <a:spcAft>
-                <a:spcPts val="0"/>
-              </a:spcAft>
-              <a:buClr>
-                <a:schemeClr val="dk1"/>
-              </a:buClr>
-              <a:buSzPts val="2400"/>
-              <a:buFont typeface="Arial"/>
-              <a:buChar char="•"/>
-            </a:pPr>
-            <a:r>
-              <a:rPr lang="en-US" sz="2400" dirty="0">
-                <a:solidFill>
-                  <a:schemeClr val="dk1"/>
-                </a:solidFill>
-                <a:latin typeface="Calibri"/>
-                <a:cs typeface="Calibri"/>
-                <a:sym typeface="Calibri"/>
-              </a:rPr>
-              <a:t>What is the maximum value achievable within a given weight W?</a:t>
-            </a:r>
             <a:endParaRPr dirty="0"/>
           </a:p>
         </p:txBody>
@@ -6722,7 +6593,7 @@
               <a:buNone/>
             </a:pPr>
             <a:r>
-              <a:rPr lang="en-US" sz="3600" b="0" i="0" u="none" strike="noStrike" cap="none">
+              <a:rPr lang="en-US" sz="3600" b="0" i="0" u="none" strike="noStrike" cap="none" dirty="0">
                 <a:solidFill>
                   <a:schemeClr val="dk1"/>
                 </a:solidFill>
@@ -6731,9 +6602,9 @@
                 <a:cs typeface="Calibri"/>
                 <a:sym typeface="Calibri"/>
               </a:rPr>
-              <a:t>My Problem</a:t>
+              <a:t>Runtime Analysis</a:t>
             </a:r>
-            <a:endParaRPr/>
+            <a:endParaRPr dirty="0"/>
           </a:p>
         </p:txBody>
       </p:sp>
@@ -6811,6 +6682,889 @@
                 <a:cs typeface="Arial"/>
                 <a:sym typeface="Arial"/>
               </a:rPr>
+              <a:t>10</a:t>
+            </a:fld>
+            <a:endParaRPr>
+              <a:solidFill>
+                <a:schemeClr val="dk2"/>
+              </a:solidFill>
+              <a:latin typeface="Arial"/>
+              <a:ea typeface="Arial"/>
+              <a:cs typeface="Arial"/>
+              <a:sym typeface="Arial"/>
+            </a:endParaRPr>
+          </a:p>
+        </p:txBody>
+      </p:sp>
+      <p:sp>
+        <p:nvSpPr>
+          <p:cNvPr id="2" name="TextBox 1">
+            <a:extLst>
+              <a:ext uri="{FF2B5EF4-FFF2-40B4-BE49-F238E27FC236}">
+                <a16:creationId xmlns:a16="http://schemas.microsoft.com/office/drawing/2014/main" id="{EC04C3E4-C739-079C-6E8A-C73C362493D4}"/>
+              </a:ext>
+            </a:extLst>
+          </p:cNvPr>
+          <p:cNvSpPr txBox="1"/>
+          <p:nvPr/>
+        </p:nvSpPr>
+        <p:spPr>
+          <a:xfrm>
+            <a:off x="7553490" y="3177480"/>
+            <a:ext cx="3620562" cy="2554545"/>
+          </a:xfrm>
+          <a:prstGeom prst="rect">
+            <a:avLst/>
+          </a:prstGeom>
+          <a:noFill/>
+        </p:spPr>
+        <p:txBody>
+          <a:bodyPr wrap="square" rtlCol="0">
+            <a:spAutoFit/>
+          </a:bodyPr>
+          <a:lstStyle/>
+          <a:p>
+            <a:pPr marL="342900" indent="-342900">
+              <a:buFont typeface="Arial" panose="020B0604020202020204" pitchFamily="34" charset="0"/>
+              <a:buChar char="•"/>
+            </a:pPr>
+            <a:r>
+              <a:rPr lang="en-US" sz="2000" dirty="0"/>
+              <a:t>Around input size 100, the runtime began to grow exponentially.</a:t>
+            </a:r>
+          </a:p>
+          <a:p>
+            <a:endParaRPr lang="en-US" sz="2000" dirty="0"/>
+          </a:p>
+          <a:p>
+            <a:pPr marL="342900" indent="-342900">
+              <a:buFont typeface="Arial" panose="020B0604020202020204" pitchFamily="34" charset="0"/>
+              <a:buChar char="•"/>
+            </a:pPr>
+            <a:r>
+              <a:rPr lang="en-US" sz="2000" dirty="0"/>
+              <a:t>No real “worst case”. Performance decreases as maximum capacity increases</a:t>
+            </a:r>
+          </a:p>
+        </p:txBody>
+      </p:sp>
+      <p:pic>
+        <p:nvPicPr>
+          <p:cNvPr id="2052" name="Picture 4">
+            <a:extLst>
+              <a:ext uri="{FF2B5EF4-FFF2-40B4-BE49-F238E27FC236}">
+                <a16:creationId xmlns:a16="http://schemas.microsoft.com/office/drawing/2014/main" id="{70152D91-0B21-97DA-B136-27A09983D75A}"/>
+              </a:ext>
+            </a:extLst>
+          </p:cNvPr>
+          <p:cNvPicPr>
+            <a:picLocks noChangeAspect="1" noChangeArrowheads="1"/>
+          </p:cNvPicPr>
+          <p:nvPr/>
+        </p:nvPicPr>
+        <p:blipFill>
+          <a:blip r:embed="rId3">
+            <a:extLst>
+              <a:ext uri="{28A0092B-C50C-407E-A947-70E740481C1C}">
+                <a14:useLocalDpi xmlns:a14="http://schemas.microsoft.com/office/drawing/2010/main" val="0"/>
+              </a:ext>
+            </a:extLst>
+          </a:blip>
+          <a:srcRect/>
+          <a:stretch>
+            <a:fillRect/>
+          </a:stretch>
+        </p:blipFill>
+        <p:spPr bwMode="auto">
+          <a:xfrm>
+            <a:off x="521697" y="968659"/>
+            <a:ext cx="5734707" cy="5328826"/>
+          </a:xfrm>
+          <a:prstGeom prst="rect">
+            <a:avLst/>
+          </a:prstGeom>
+          <a:noFill/>
+          <a:extLst>
+            <a:ext uri="{909E8E84-426E-40DD-AFC4-6F175D3DCCD1}">
+              <a14:hiddenFill xmlns:a14="http://schemas.microsoft.com/office/drawing/2010/main">
+                <a:solidFill>
+                  <a:srgbClr val="FFFFFF"/>
+                </a:solidFill>
+              </a14:hiddenFill>
+            </a:ext>
+          </a:extLst>
+        </p:spPr>
+      </p:pic>
+      <p:sp>
+        <p:nvSpPr>
+          <p:cNvPr id="3" name="TextBox 2">
+            <a:extLst>
+              <a:ext uri="{FF2B5EF4-FFF2-40B4-BE49-F238E27FC236}">
+                <a16:creationId xmlns:a16="http://schemas.microsoft.com/office/drawing/2014/main" id="{57DC0B50-4857-2789-220A-BEF65A44F2C1}"/>
+              </a:ext>
+            </a:extLst>
+          </p:cNvPr>
+          <p:cNvSpPr txBox="1"/>
+          <p:nvPr/>
+        </p:nvSpPr>
+        <p:spPr>
+          <a:xfrm>
+            <a:off x="1250731" y="5735451"/>
+            <a:ext cx="5402317" cy="307777"/>
+          </a:xfrm>
+          <a:prstGeom prst="rect">
+            <a:avLst/>
+          </a:prstGeom>
+          <a:noFill/>
+        </p:spPr>
+        <p:txBody>
+          <a:bodyPr wrap="square" rtlCol="0">
+            <a:spAutoFit/>
+          </a:bodyPr>
+          <a:lstStyle/>
+          <a:p>
+            <a:r>
+              <a:rPr lang="en-US" dirty="0"/>
+              <a:t>Items: 63</a:t>
+            </a:r>
+          </a:p>
+        </p:txBody>
+      </p:sp>
+      <p:pic>
+        <p:nvPicPr>
+          <p:cNvPr id="2054" name="Picture 6">
+            <a:extLst>
+              <a:ext uri="{FF2B5EF4-FFF2-40B4-BE49-F238E27FC236}">
+                <a16:creationId xmlns:a16="http://schemas.microsoft.com/office/drawing/2014/main" id="{B8E221CB-FA70-4D32-5C57-50276082C49B}"/>
+              </a:ext>
+            </a:extLst>
+          </p:cNvPr>
+          <p:cNvPicPr>
+            <a:picLocks noChangeAspect="1" noChangeArrowheads="1"/>
+          </p:cNvPicPr>
+          <p:nvPr/>
+        </p:nvPicPr>
+        <p:blipFill>
+          <a:blip r:embed="rId4">
+            <a:extLst>
+              <a:ext uri="{28A0092B-C50C-407E-A947-70E740481C1C}">
+                <a14:useLocalDpi xmlns:a14="http://schemas.microsoft.com/office/drawing/2010/main" val="0"/>
+              </a:ext>
+            </a:extLst>
+          </a:blip>
+          <a:srcRect/>
+          <a:stretch>
+            <a:fillRect/>
+          </a:stretch>
+        </p:blipFill>
+        <p:spPr bwMode="auto">
+          <a:xfrm>
+            <a:off x="7805810" y="1695450"/>
+            <a:ext cx="2665828" cy="1188515"/>
+          </a:xfrm>
+          <a:prstGeom prst="rect">
+            <a:avLst/>
+          </a:prstGeom>
+          <a:noFill/>
+          <a:extLst>
+            <a:ext uri="{909E8E84-426E-40DD-AFC4-6F175D3DCCD1}">
+              <a14:hiddenFill xmlns:a14="http://schemas.microsoft.com/office/drawing/2010/main">
+                <a:solidFill>
+                  <a:srgbClr val="FFFFFF"/>
+                </a:solidFill>
+              </a14:hiddenFill>
+            </a:ext>
+          </a:extLst>
+        </p:spPr>
+      </p:pic>
+    </p:spTree>
+    <p:extLst>
+      <p:ext uri="{BB962C8B-B14F-4D97-AF65-F5344CB8AC3E}">
+        <p14:creationId xmlns:p14="http://schemas.microsoft.com/office/powerpoint/2010/main" val="1785062764"/>
+      </p:ext>
+    </p:extLst>
+  </p:cSld>
+  <p:clrMapOvr>
+    <a:masterClrMapping/>
+  </p:clrMapOvr>
+</p:sld>
+</file>
+
+<file path=ppt/slides/slide11.xml><?xml version="1.0" encoding="utf-8"?>
+<p:sld xmlns:a="http://schemas.openxmlformats.org/drawingml/2006/main" xmlns:r="http://schemas.openxmlformats.org/officeDocument/2006/relationships" xmlns:p="http://schemas.openxmlformats.org/presentationml/2006/main">
+  <p:cSld>
+    <p:spTree>
+      <p:nvGrpSpPr>
+        <p:cNvPr id="1" name="Shape 106"/>
+        <p:cNvGrpSpPr/>
+        <p:nvPr/>
+      </p:nvGrpSpPr>
+      <p:grpSpPr>
+        <a:xfrm>
+          <a:off x="0" y="0"/>
+          <a:ext cx="0" cy="0"/>
+          <a:chOff x="0" y="0"/>
+          <a:chExt cx="0" cy="0"/>
+        </a:xfrm>
+      </p:grpSpPr>
+      <p:sp>
+        <p:nvSpPr>
+          <p:cNvPr id="107" name="Google Shape;107;p20"/>
+          <p:cNvSpPr txBox="1">
+            <a:spLocks noGrp="1"/>
+          </p:cNvSpPr>
+          <p:nvPr>
+            <p:ph type="ctrTitle"/>
+          </p:nvPr>
+        </p:nvSpPr>
+        <p:spPr>
+          <a:xfrm>
+            <a:off x="415611" y="992767"/>
+            <a:ext cx="11360700" cy="2736900"/>
+          </a:xfrm>
+          <a:prstGeom prst="rect">
+            <a:avLst/>
+          </a:prstGeom>
+          <a:noFill/>
+          <a:ln>
+            <a:noFill/>
+          </a:ln>
+        </p:spPr>
+        <p:txBody>
+          <a:bodyPr spcFirstLastPara="1" wrap="square" lIns="91425" tIns="45700" rIns="91425" bIns="45700" anchor="b" anchorCtr="0">
+            <a:normAutofit/>
+          </a:bodyPr>
+          <a:lstStyle/>
+          <a:p>
+            <a:pPr marL="0" lvl="0" indent="0" algn="ctr" rtl="0">
+              <a:lnSpc>
+                <a:spcPct val="90000"/>
+              </a:lnSpc>
+              <a:spcBef>
+                <a:spcPts val="0"/>
+              </a:spcBef>
+              <a:spcAft>
+                <a:spcPts val="0"/>
+              </a:spcAft>
+              <a:buClr>
+                <a:schemeClr val="dk1"/>
+              </a:buClr>
+              <a:buSzPts val="6000"/>
+              <a:buFont typeface="Calibri"/>
+              <a:buNone/>
+            </a:pPr>
+            <a:r>
+              <a:rPr lang="en-US"/>
+              <a:t>Approximation Portion</a:t>
+            </a:r>
+            <a:endParaRPr/>
+          </a:p>
+        </p:txBody>
+      </p:sp>
+    </p:spTree>
+  </p:cSld>
+  <p:clrMapOvr>
+    <a:masterClrMapping/>
+  </p:clrMapOvr>
+</p:sld>
+</file>
+
+<file path=ppt/slides/slide12.xml><?xml version="1.0" encoding="utf-8"?>
+<p:sld xmlns:a="http://schemas.openxmlformats.org/drawingml/2006/main" xmlns:r="http://schemas.openxmlformats.org/officeDocument/2006/relationships" xmlns:p="http://schemas.openxmlformats.org/presentationml/2006/main">
+  <p:cSld>
+    <p:spTree>
+      <p:nvGrpSpPr>
+        <p:cNvPr id="1" name="Shape 111"/>
+        <p:cNvGrpSpPr/>
+        <p:nvPr/>
+      </p:nvGrpSpPr>
+      <p:grpSpPr>
+        <a:xfrm>
+          <a:off x="0" y="0"/>
+          <a:ext cx="0" cy="0"/>
+          <a:chOff x="0" y="0"/>
+          <a:chExt cx="0" cy="0"/>
+        </a:xfrm>
+      </p:grpSpPr>
+      <p:sp>
+        <p:nvSpPr>
+          <p:cNvPr id="112" name="Google Shape;112;p21"/>
+          <p:cNvSpPr txBox="1"/>
+          <p:nvPr/>
+        </p:nvSpPr>
+        <p:spPr>
+          <a:xfrm>
+            <a:off x="0" y="-19050"/>
+            <a:ext cx="12192000" cy="857250"/>
+          </a:xfrm>
+          <a:prstGeom prst="rect">
+            <a:avLst/>
+          </a:prstGeom>
+          <a:noFill/>
+          <a:ln>
+            <a:noFill/>
+          </a:ln>
+        </p:spPr>
+        <p:txBody>
+          <a:bodyPr spcFirstLastPara="1" wrap="square" lIns="91425" tIns="45700" rIns="91425" bIns="45700" anchor="b" anchorCtr="0">
+            <a:noAutofit/>
+          </a:bodyPr>
+          <a:lstStyle/>
+          <a:p>
+            <a:pPr marL="0" marR="0" lvl="0" indent="0" algn="l" rtl="0">
+              <a:lnSpc>
+                <a:spcPct val="90000"/>
+              </a:lnSpc>
+              <a:spcBef>
+                <a:spcPts val="0"/>
+              </a:spcBef>
+              <a:spcAft>
+                <a:spcPts val="0"/>
+              </a:spcAft>
+              <a:buClr>
+                <a:schemeClr val="dk1"/>
+              </a:buClr>
+              <a:buSzPts val="3600"/>
+              <a:buFont typeface="Calibri"/>
+              <a:buNone/>
+            </a:pPr>
+            <a:r>
+              <a:rPr lang="en-US" sz="3600" b="0" i="0" u="none" strike="noStrike" cap="none">
+                <a:solidFill>
+                  <a:schemeClr val="dk1"/>
+                </a:solidFill>
+                <a:latin typeface="Calibri"/>
+                <a:ea typeface="Calibri"/>
+                <a:cs typeface="Calibri"/>
+                <a:sym typeface="Calibri"/>
+              </a:rPr>
+              <a:t>Approximation</a:t>
+            </a:r>
+            <a:endParaRPr/>
+          </a:p>
+        </p:txBody>
+      </p:sp>
+      <p:cxnSp>
+        <p:nvCxnSpPr>
+          <p:cNvPr id="113" name="Google Shape;113;p21"/>
+          <p:cNvCxnSpPr/>
+          <p:nvPr/>
+        </p:nvCxnSpPr>
+        <p:spPr>
+          <a:xfrm>
+            <a:off x="0" y="838200"/>
+            <a:ext cx="12192000" cy="0"/>
+          </a:xfrm>
+          <a:prstGeom prst="straightConnector1">
+            <a:avLst/>
+          </a:prstGeom>
+          <a:noFill/>
+          <a:ln w="47625" cap="flat" cmpd="sng">
+            <a:solidFill>
+              <a:schemeClr val="accent1"/>
+            </a:solidFill>
+            <a:prstDash val="solid"/>
+            <a:miter lim="800000"/>
+            <a:headEnd type="none" w="sm" len="sm"/>
+            <a:tailEnd type="none" w="sm" len="sm"/>
+          </a:ln>
+        </p:spPr>
+      </p:cxnSp>
+      <p:sp>
+        <p:nvSpPr>
+          <p:cNvPr id="114" name="Google Shape;114;p21"/>
+          <p:cNvSpPr txBox="1">
+            <a:spLocks noGrp="1"/>
+          </p:cNvSpPr>
+          <p:nvPr>
+            <p:ph type="sldNum" idx="12"/>
+          </p:nvPr>
+        </p:nvSpPr>
+        <p:spPr>
+          <a:xfrm>
+            <a:off x="11400311" y="6356350"/>
+            <a:ext cx="625617" cy="365125"/>
+          </a:xfrm>
+          <a:prstGeom prst="rect">
+            <a:avLst/>
+          </a:prstGeom>
+          <a:noFill/>
+          <a:ln>
+            <a:noFill/>
+          </a:ln>
+        </p:spPr>
+        <p:txBody>
+          <a:bodyPr spcFirstLastPara="1" wrap="square" lIns="91425" tIns="45700" rIns="91425" bIns="45700" anchor="ctr" anchorCtr="0">
+            <a:normAutofit/>
+          </a:bodyPr>
+          <a:lstStyle/>
+          <a:p>
+            <a:pPr marL="0" lvl="0" indent="0" algn="r" rtl="0">
+              <a:spcBef>
+                <a:spcPts val="0"/>
+              </a:spcBef>
+              <a:spcAft>
+                <a:spcPts val="0"/>
+              </a:spcAft>
+              <a:buNone/>
+            </a:pPr>
+            <a:fld id="{00000000-1234-1234-1234-123412341234}" type="slidenum">
+              <a:rPr lang="en-US">
+                <a:solidFill>
+                  <a:schemeClr val="dk2"/>
+                </a:solidFill>
+                <a:latin typeface="Arial"/>
+                <a:ea typeface="Arial"/>
+                <a:cs typeface="Arial"/>
+                <a:sym typeface="Arial"/>
+              </a:rPr>
+              <a:t>12</a:t>
+            </a:fld>
+            <a:endParaRPr>
+              <a:solidFill>
+                <a:schemeClr val="dk2"/>
+              </a:solidFill>
+              <a:latin typeface="Arial"/>
+              <a:ea typeface="Arial"/>
+              <a:cs typeface="Arial"/>
+              <a:sym typeface="Arial"/>
+            </a:endParaRPr>
+          </a:p>
+        </p:txBody>
+      </p:sp>
+      <p:sp>
+        <p:nvSpPr>
+          <p:cNvPr id="115" name="Google Shape;115;p21"/>
+          <p:cNvSpPr txBox="1"/>
+          <p:nvPr/>
+        </p:nvSpPr>
+        <p:spPr>
+          <a:xfrm>
+            <a:off x="447447" y="968660"/>
+            <a:ext cx="10726605" cy="2575921"/>
+          </a:xfrm>
+          <a:prstGeom prst="rect">
+            <a:avLst/>
+          </a:prstGeom>
+          <a:noFill/>
+          <a:ln>
+            <a:noFill/>
+          </a:ln>
+        </p:spPr>
+        <p:txBody>
+          <a:bodyPr spcFirstLastPara="1" wrap="square" lIns="91425" tIns="45700" rIns="91425" bIns="45700" anchor="t" anchorCtr="0">
+            <a:noAutofit/>
+          </a:bodyPr>
+          <a:lstStyle/>
+          <a:p>
+            <a:pPr marL="342900" marR="0" lvl="0" indent="-342900" algn="l" rtl="0">
+              <a:lnSpc>
+                <a:spcPct val="90000"/>
+              </a:lnSpc>
+              <a:spcBef>
+                <a:spcPts val="0"/>
+              </a:spcBef>
+              <a:spcAft>
+                <a:spcPts val="0"/>
+              </a:spcAft>
+              <a:buClr>
+                <a:schemeClr val="dk1"/>
+              </a:buClr>
+              <a:buSzPts val="2400"/>
+              <a:buFont typeface="Arial"/>
+              <a:buChar char="•"/>
+            </a:pPr>
+            <a:r>
+              <a:rPr lang="en-US" sz="2400" b="0" i="0" u="none" strike="noStrike" cap="none">
+                <a:solidFill>
+                  <a:schemeClr val="dk1"/>
+                </a:solidFill>
+                <a:latin typeface="Calibri"/>
+                <a:ea typeface="Calibri"/>
+                <a:cs typeface="Calibri"/>
+                <a:sym typeface="Calibri"/>
+              </a:rPr>
+              <a:t>Sketch algorithm choices (anytime algorithms, greedy algorithms, stochastic algorithms).</a:t>
+            </a:r>
+            <a:endParaRPr/>
+          </a:p>
+          <a:p>
+            <a:pPr marL="342900" marR="0" lvl="0" indent="-342900" algn="l" rtl="0">
+              <a:lnSpc>
+                <a:spcPct val="90000"/>
+              </a:lnSpc>
+              <a:spcBef>
+                <a:spcPts val="1000"/>
+              </a:spcBef>
+              <a:spcAft>
+                <a:spcPts val="0"/>
+              </a:spcAft>
+              <a:buClr>
+                <a:schemeClr val="dk1"/>
+              </a:buClr>
+              <a:buSzPts val="2400"/>
+              <a:buFont typeface="Arial"/>
+              <a:buChar char="•"/>
+            </a:pPr>
+            <a:r>
+              <a:rPr lang="en-US" sz="2400" b="0" i="0" u="none" strike="noStrike" cap="none">
+                <a:solidFill>
+                  <a:schemeClr val="dk1"/>
+                </a:solidFill>
+                <a:latin typeface="Calibri"/>
+                <a:ea typeface="Calibri"/>
+                <a:cs typeface="Calibri"/>
+                <a:sym typeface="Calibri"/>
+              </a:rPr>
+              <a:t>Bounds on its performance</a:t>
+            </a:r>
+            <a:endParaRPr/>
+          </a:p>
+          <a:p>
+            <a:pPr marL="342900" marR="0" lvl="0" indent="-342900" algn="l" rtl="0">
+              <a:lnSpc>
+                <a:spcPct val="90000"/>
+              </a:lnSpc>
+              <a:spcBef>
+                <a:spcPts val="1000"/>
+              </a:spcBef>
+              <a:spcAft>
+                <a:spcPts val="0"/>
+              </a:spcAft>
+              <a:buClr>
+                <a:schemeClr val="dk1"/>
+              </a:buClr>
+              <a:buSzPts val="2400"/>
+              <a:buFont typeface="Arial"/>
+              <a:buChar char="•"/>
+            </a:pPr>
+            <a:r>
+              <a:rPr lang="en-US" sz="2400" b="0" i="0" u="none" strike="noStrike" cap="none">
+                <a:solidFill>
+                  <a:schemeClr val="dk1"/>
+                </a:solidFill>
+                <a:latin typeface="Calibri"/>
+                <a:ea typeface="Calibri"/>
+                <a:cs typeface="Calibri"/>
+                <a:sym typeface="Calibri"/>
+              </a:rPr>
+              <a:t>Plot comparing difference in run time and solution quality using your test cases.</a:t>
+            </a:r>
+            <a:endParaRPr/>
+          </a:p>
+        </p:txBody>
+      </p:sp>
+    </p:spTree>
+  </p:cSld>
+  <p:clrMapOvr>
+    <a:masterClrMapping/>
+  </p:clrMapOvr>
+</p:sld>
+</file>
+
+<file path=ppt/slides/slide2.xml><?xml version="1.0" encoding="utf-8"?>
+<p:sld xmlns:a="http://schemas.openxmlformats.org/drawingml/2006/main" xmlns:r="http://schemas.openxmlformats.org/officeDocument/2006/relationships" xmlns:p="http://schemas.openxmlformats.org/presentationml/2006/main">
+  <p:cSld>
+    <p:spTree>
+      <p:nvGrpSpPr>
+        <p:cNvPr id="1" name="Shape 59"/>
+        <p:cNvGrpSpPr/>
+        <p:nvPr/>
+      </p:nvGrpSpPr>
+      <p:grpSpPr>
+        <a:xfrm>
+          <a:off x="0" y="0"/>
+          <a:ext cx="0" cy="0"/>
+          <a:chOff x="0" y="0"/>
+          <a:chExt cx="0" cy="0"/>
+        </a:xfrm>
+      </p:grpSpPr>
+      <p:sp>
+        <p:nvSpPr>
+          <p:cNvPr id="60" name="Google Shape;60;p14"/>
+          <p:cNvSpPr txBox="1"/>
+          <p:nvPr/>
+        </p:nvSpPr>
+        <p:spPr>
+          <a:xfrm>
+            <a:off x="447447" y="968660"/>
+            <a:ext cx="10726605" cy="2586193"/>
+          </a:xfrm>
+          <a:prstGeom prst="rect">
+            <a:avLst/>
+          </a:prstGeom>
+          <a:noFill/>
+          <a:ln>
+            <a:noFill/>
+          </a:ln>
+        </p:spPr>
+        <p:txBody>
+          <a:bodyPr spcFirstLastPara="1" wrap="square" lIns="91425" tIns="45700" rIns="91425" bIns="45700" anchor="t" anchorCtr="0">
+            <a:noAutofit/>
+          </a:bodyPr>
+          <a:lstStyle/>
+          <a:p>
+            <a:pPr marL="0" marR="0" lvl="0" indent="0" algn="l" rtl="0">
+              <a:lnSpc>
+                <a:spcPct val="90000"/>
+              </a:lnSpc>
+              <a:spcBef>
+                <a:spcPts val="0"/>
+              </a:spcBef>
+              <a:spcAft>
+                <a:spcPts val="0"/>
+              </a:spcAft>
+              <a:buClr>
+                <a:schemeClr val="dk1"/>
+              </a:buClr>
+              <a:buSzPts val="2400"/>
+              <a:buFont typeface="Arial"/>
+              <a:buNone/>
+            </a:pPr>
+            <a:r>
+              <a:rPr lang="en-US" sz="2400" b="0" i="0" u="none" strike="noStrike" cap="none" dirty="0">
+                <a:solidFill>
+                  <a:schemeClr val="dk1"/>
+                </a:solidFill>
+                <a:latin typeface="Calibri"/>
+                <a:ea typeface="Calibri"/>
+                <a:cs typeface="Calibri"/>
+                <a:sym typeface="Calibri"/>
+              </a:rPr>
+              <a:t>My problem (phrase as a decision problem):</a:t>
+            </a:r>
+            <a:endParaRPr lang="en-US" dirty="0">
+              <a:ea typeface="Calibri"/>
+            </a:endParaRPr>
+          </a:p>
+          <a:p>
+            <a:pPr marL="342900" marR="0" lvl="0" indent="-342900" algn="l" rtl="0">
+              <a:lnSpc>
+                <a:spcPct val="90000"/>
+              </a:lnSpc>
+              <a:spcBef>
+                <a:spcPts val="0"/>
+              </a:spcBef>
+              <a:spcAft>
+                <a:spcPts val="0"/>
+              </a:spcAft>
+              <a:buClr>
+                <a:schemeClr val="dk1"/>
+              </a:buClr>
+              <a:buSzPts val="2400"/>
+              <a:buFont typeface="Arial" panose="020B0604020202020204" pitchFamily="34" charset="0"/>
+              <a:buChar char="•"/>
+            </a:pPr>
+            <a:r>
+              <a:rPr lang="en-US" sz="2400" b="0" i="0" u="none" strike="noStrike" cap="none" dirty="0">
+                <a:solidFill>
+                  <a:schemeClr val="dk1"/>
+                </a:solidFill>
+                <a:latin typeface="Calibri"/>
+                <a:ea typeface="Calibri"/>
+                <a:cs typeface="Calibri"/>
+                <a:sym typeface="Calibri"/>
+              </a:rPr>
+              <a:t>Can the maximum value V be achieved without exceeding the weight W?</a:t>
+            </a:r>
+          </a:p>
+          <a:p>
+            <a:pPr marL="0" marR="0" lvl="0" indent="0" algn="l" rtl="0">
+              <a:lnSpc>
+                <a:spcPct val="90000"/>
+              </a:lnSpc>
+              <a:spcBef>
+                <a:spcPts val="1000"/>
+              </a:spcBef>
+              <a:spcAft>
+                <a:spcPts val="0"/>
+              </a:spcAft>
+              <a:buClr>
+                <a:schemeClr val="dk1"/>
+              </a:buClr>
+              <a:buSzPts val="2400"/>
+              <a:buFont typeface="Arial"/>
+              <a:buNone/>
+            </a:pPr>
+            <a:r>
+              <a:rPr lang="en-US" sz="2400" b="0" i="0" u="none" strike="noStrike" cap="none" dirty="0">
+                <a:solidFill>
+                  <a:schemeClr val="dk1"/>
+                </a:solidFill>
+                <a:latin typeface="Calibri"/>
+                <a:ea typeface="Calibri"/>
+                <a:cs typeface="Calibri"/>
+                <a:sym typeface="Calibri"/>
+              </a:rPr>
+              <a:t>Optimization Version:</a:t>
+            </a:r>
+            <a:endParaRPr dirty="0"/>
+          </a:p>
+          <a:p>
+            <a:pPr marL="342900" marR="0" lvl="0" indent="-342900" algn="l" rtl="0">
+              <a:lnSpc>
+                <a:spcPct val="90000"/>
+              </a:lnSpc>
+              <a:spcBef>
+                <a:spcPts val="1000"/>
+              </a:spcBef>
+              <a:spcAft>
+                <a:spcPts val="0"/>
+              </a:spcAft>
+              <a:buClr>
+                <a:schemeClr val="dk1"/>
+              </a:buClr>
+              <a:buSzPts val="2400"/>
+              <a:buFont typeface="Arial"/>
+              <a:buChar char="•"/>
+            </a:pPr>
+            <a:r>
+              <a:rPr lang="en-US" sz="2400" dirty="0">
+                <a:solidFill>
+                  <a:schemeClr val="dk1"/>
+                </a:solidFill>
+                <a:latin typeface="Calibri"/>
+                <a:cs typeface="Calibri"/>
+                <a:sym typeface="Calibri"/>
+              </a:rPr>
+              <a:t>What is the maximum value V achievable within a given weight W?</a:t>
+            </a:r>
+            <a:endParaRPr dirty="0"/>
+          </a:p>
+        </p:txBody>
+      </p:sp>
+      <p:sp>
+        <p:nvSpPr>
+          <p:cNvPr id="61" name="Google Shape;61;p14"/>
+          <p:cNvSpPr txBox="1"/>
+          <p:nvPr/>
+        </p:nvSpPr>
+        <p:spPr>
+          <a:xfrm>
+            <a:off x="0" y="-19050"/>
+            <a:ext cx="12192000" cy="857250"/>
+          </a:xfrm>
+          <a:prstGeom prst="rect">
+            <a:avLst/>
+          </a:prstGeom>
+          <a:noFill/>
+          <a:ln>
+            <a:noFill/>
+          </a:ln>
+        </p:spPr>
+        <p:txBody>
+          <a:bodyPr spcFirstLastPara="1" wrap="square" lIns="91425" tIns="45700" rIns="91425" bIns="45700" anchor="b" anchorCtr="0">
+            <a:noAutofit/>
+          </a:bodyPr>
+          <a:lstStyle/>
+          <a:p>
+            <a:pPr marL="0" marR="0" lvl="0" indent="0" algn="l" rtl="0">
+              <a:lnSpc>
+                <a:spcPct val="90000"/>
+              </a:lnSpc>
+              <a:spcBef>
+                <a:spcPts val="0"/>
+              </a:spcBef>
+              <a:spcAft>
+                <a:spcPts val="0"/>
+              </a:spcAft>
+              <a:buClr>
+                <a:schemeClr val="dk1"/>
+              </a:buClr>
+              <a:buSzPts val="3600"/>
+              <a:buFont typeface="Calibri"/>
+              <a:buNone/>
+            </a:pPr>
+            <a:r>
+              <a:rPr lang="en-US" sz="3600" b="0" i="0" u="none" strike="noStrike" cap="none">
+                <a:solidFill>
+                  <a:schemeClr val="dk1"/>
+                </a:solidFill>
+                <a:latin typeface="Calibri"/>
+                <a:ea typeface="Calibri"/>
+                <a:cs typeface="Calibri"/>
+                <a:sym typeface="Calibri"/>
+              </a:rPr>
+              <a:t>My Problem</a:t>
+            </a:r>
+            <a:endParaRPr/>
+          </a:p>
+        </p:txBody>
+      </p:sp>
+      <p:cxnSp>
+        <p:nvCxnSpPr>
+          <p:cNvPr id="62" name="Google Shape;62;p14"/>
+          <p:cNvCxnSpPr/>
+          <p:nvPr/>
+        </p:nvCxnSpPr>
+        <p:spPr>
+          <a:xfrm>
+            <a:off x="0" y="838200"/>
+            <a:ext cx="12192000" cy="0"/>
+          </a:xfrm>
+          <a:prstGeom prst="straightConnector1">
+            <a:avLst/>
+          </a:prstGeom>
+          <a:noFill/>
+          <a:ln w="47625" cap="flat" cmpd="sng">
+            <a:solidFill>
+              <a:schemeClr val="accent1"/>
+            </a:solidFill>
+            <a:prstDash val="solid"/>
+            <a:miter lim="800000"/>
+            <a:headEnd type="none" w="sm" len="sm"/>
+            <a:tailEnd type="none" w="sm" len="sm"/>
+          </a:ln>
+        </p:spPr>
+      </p:cxnSp>
+      <p:sp>
+        <p:nvSpPr>
+          <p:cNvPr id="63" name="Google Shape;63;p14"/>
+          <p:cNvSpPr txBox="1">
+            <a:spLocks noGrp="1"/>
+          </p:cNvSpPr>
+          <p:nvPr>
+            <p:ph type="sldNum" idx="12"/>
+          </p:nvPr>
+        </p:nvSpPr>
+        <p:spPr>
+          <a:xfrm>
+            <a:off x="11400311" y="6356350"/>
+            <a:ext cx="625617" cy="365125"/>
+          </a:xfrm>
+          <a:prstGeom prst="rect">
+            <a:avLst/>
+          </a:prstGeom>
+          <a:noFill/>
+          <a:ln>
+            <a:noFill/>
+          </a:ln>
+        </p:spPr>
+        <p:txBody>
+          <a:bodyPr spcFirstLastPara="1" wrap="square" lIns="91425" tIns="45700" rIns="91425" bIns="45700" anchor="ctr" anchorCtr="0">
+            <a:normAutofit/>
+          </a:bodyPr>
+          <a:lstStyle/>
+          <a:p>
+            <a:pPr marL="0" lvl="0" indent="0" algn="r" rtl="0">
+              <a:spcBef>
+                <a:spcPts val="0"/>
+              </a:spcBef>
+              <a:spcAft>
+                <a:spcPts val="0"/>
+              </a:spcAft>
+              <a:buNone/>
+            </a:pPr>
+            <a:fld id="{00000000-1234-1234-1234-123412341234}" type="slidenum">
+              <a:rPr lang="en-US">
+                <a:solidFill>
+                  <a:schemeClr val="dk2"/>
+                </a:solidFill>
+                <a:latin typeface="Arial"/>
+                <a:ea typeface="Arial"/>
+                <a:cs typeface="Arial"/>
+                <a:sym typeface="Arial"/>
+              </a:rPr>
               <a:t>2</a:t>
             </a:fld>
             <a:endParaRPr>
@@ -6825,6 +7579,53 @@
           </a:p>
         </p:txBody>
       </p:sp>
+      <p:pic>
+        <p:nvPicPr>
+          <p:cNvPr id="4098" name="Picture 2">
+            <a:extLst>
+              <a:ext uri="{FF2B5EF4-FFF2-40B4-BE49-F238E27FC236}">
+                <a16:creationId xmlns:a16="http://schemas.microsoft.com/office/drawing/2014/main" id="{692170CF-A036-5DDC-10AE-3B056F783BFF}"/>
+              </a:ext>
+            </a:extLst>
+          </p:cNvPr>
+          <p:cNvPicPr>
+            <a:picLocks noChangeAspect="1" noChangeArrowheads="1"/>
+          </p:cNvPicPr>
+          <p:nvPr/>
+        </p:nvPicPr>
+        <p:blipFill>
+          <a:blip r:embed="rId3">
+            <a:extLst>
+              <a:ext uri="{28A0092B-C50C-407E-A947-70E740481C1C}">
+                <a14:useLocalDpi xmlns:a14="http://schemas.microsoft.com/office/drawing/2010/main" val="0"/>
+              </a:ext>
+            </a:extLst>
+          </a:blip>
+          <a:srcRect/>
+          <a:stretch>
+            <a:fillRect/>
+          </a:stretch>
+        </p:blipFill>
+        <p:spPr bwMode="auto">
+          <a:xfrm>
+            <a:off x="2638097" y="2580398"/>
+            <a:ext cx="6915806" cy="3890141"/>
+          </a:xfrm>
+          <a:prstGeom prst="rect">
+            <a:avLst/>
+          </a:prstGeom>
+          <a:noFill/>
+          <a:extLst>
+            <a:ext uri="{909E8E84-426E-40DD-AFC4-6F175D3DCCD1}">
+              <a14:hiddenFill xmlns:a14="http://schemas.microsoft.com/office/drawing/2010/main">
+                <a:solidFill>
+                  <a:srgbClr val="FFFFFF"/>
+                </a:solidFill>
+              </a14:hiddenFill>
+            </a:ext>
+          </a:extLst>
+        </p:spPr>
+      </p:pic>
     </p:spTree>
   </p:cSld>
   <p:clrMapOvr>
@@ -6858,8 +7659,8 @@
         </p:nvSpPr>
         <p:spPr>
           <a:xfrm>
-            <a:off x="-286328" y="1156810"/>
-            <a:ext cx="10726500" cy="2538365"/>
+            <a:off x="4677102" y="1768307"/>
+            <a:ext cx="9368117" cy="3321383"/>
           </a:xfrm>
           <a:prstGeom prst="rect">
             <a:avLst/>
@@ -6893,10 +7694,6 @@
               <a:buNone/>
             </a:pPr>
             <a:r>
-              <a:rPr lang="en-US" sz="2900" dirty="0"/>
-              <a:t>11		</a:t>
-            </a:r>
-            <a:r>
               <a:rPr lang="en-US" sz="2900" dirty="0">
                 <a:sym typeface="Wingdings" pitchFamily="2" charset="2"/>
               </a:rPr>
@@ -6924,7 +7721,7 @@
             </a:pPr>
             <a:r>
               <a:rPr lang="en-US" sz="2900" dirty="0"/>
-              <a:t>3		-- Number of available items</a:t>
+              <a:t>-- Number of available items</a:t>
             </a:r>
             <a:endParaRPr sz="2900" dirty="0"/>
           </a:p>
@@ -6948,9 +7745,8 @@
             </a:pPr>
             <a:r>
               <a:rPr lang="en-US" sz="2900" dirty="0"/>
-              <a:t>ring 100 5	</a:t>
+              <a:t>	</a:t>
             </a:r>
-            <a:endParaRPr sz="2900" dirty="0"/>
           </a:p>
           <a:p>
             <a:pPr marL="914400" marR="0" lvl="0" indent="0" algn="l" rtl="0">
@@ -6972,9 +7768,8 @@
             </a:pPr>
             <a:r>
               <a:rPr lang="en-US" sz="2900" dirty="0"/>
-              <a:t>gold 50 10	-- Items given in format: name, value, weight</a:t>
+              <a:t>-- Items given in format: name, </a:t>
             </a:r>
-            <a:endParaRPr sz="2900" dirty="0"/>
           </a:p>
           <a:p>
             <a:pPr marL="914400" marR="0" lvl="0" indent="0" algn="l" rtl="0">
@@ -6996,7 +7791,7 @@
             </a:pPr>
             <a:r>
               <a:rPr lang="en-US" sz="2900" dirty="0"/>
-              <a:t>silver 50 5</a:t>
+              <a:t>    value, weight</a:t>
             </a:r>
             <a:endParaRPr sz="2900" dirty="0"/>
           </a:p>
@@ -7191,6 +7986,36 @@
           </a:p>
         </p:txBody>
       </p:sp>
+      <p:pic>
+        <p:nvPicPr>
+          <p:cNvPr id="7" name="Picture 6" descr="Table&#10;&#10;Description automatically generated">
+            <a:extLst>
+              <a:ext uri="{FF2B5EF4-FFF2-40B4-BE49-F238E27FC236}">
+                <a16:creationId xmlns:a16="http://schemas.microsoft.com/office/drawing/2014/main" id="{7136BE13-5A95-FC5F-883F-6FA0A276113E}"/>
+              </a:ext>
+            </a:extLst>
+          </p:cNvPr>
+          <p:cNvPicPr>
+            <a:picLocks noChangeAspect="1"/>
+          </p:cNvPicPr>
+          <p:nvPr/>
+        </p:nvPicPr>
+        <p:blipFill>
+          <a:blip r:embed="rId3"/>
+          <a:stretch>
+            <a:fillRect/>
+          </a:stretch>
+        </p:blipFill>
+        <p:spPr>
+          <a:xfrm>
+            <a:off x="628430" y="1852755"/>
+            <a:ext cx="4383454" cy="3083034"/>
+          </a:xfrm>
+          <a:prstGeom prst="rect">
+            <a:avLst/>
+          </a:prstGeom>
+        </p:spPr>
+      </p:pic>
     </p:spTree>
   </p:cSld>
   <p:clrMapOvr>
@@ -7200,6 +8025,746 @@
 </file>
 
 <file path=ppt/slides/slide4.xml><?xml version="1.0" encoding="utf-8"?>
+<p:sld xmlns:a="http://schemas.openxmlformats.org/drawingml/2006/main" xmlns:r="http://schemas.openxmlformats.org/officeDocument/2006/relationships" xmlns:p="http://schemas.openxmlformats.org/presentationml/2006/main">
+  <p:cSld>
+    <p:spTree>
+      <p:nvGrpSpPr>
+        <p:cNvPr id="1" name="Shape 67"/>
+        <p:cNvGrpSpPr/>
+        <p:nvPr/>
+      </p:nvGrpSpPr>
+      <p:grpSpPr>
+        <a:xfrm>
+          <a:off x="0" y="0"/>
+          <a:ext cx="0" cy="0"/>
+          <a:chOff x="0" y="0"/>
+          <a:chExt cx="0" cy="0"/>
+        </a:xfrm>
+      </p:grpSpPr>
+      <p:sp>
+        <p:nvSpPr>
+          <p:cNvPr id="68" name="Google Shape;68;p15"/>
+          <p:cNvSpPr txBox="1"/>
+          <p:nvPr/>
+        </p:nvSpPr>
+        <p:spPr>
+          <a:xfrm>
+            <a:off x="11145250" y="1442704"/>
+            <a:ext cx="2448128" cy="2151053"/>
+          </a:xfrm>
+          <a:prstGeom prst="rect">
+            <a:avLst/>
+          </a:prstGeom>
+          <a:noFill/>
+          <a:ln>
+            <a:noFill/>
+          </a:ln>
+        </p:spPr>
+        <p:txBody>
+          <a:bodyPr spcFirstLastPara="1" wrap="square" lIns="91425" tIns="45700" rIns="91425" bIns="45700" anchor="t" anchorCtr="0">
+            <a:noAutofit/>
+          </a:bodyPr>
+          <a:lstStyle/>
+          <a:p>
+            <a:pPr marL="914400" marR="0" lvl="0" indent="0" algn="l" rtl="0">
+              <a:lnSpc>
+                <a:spcPct val="90000"/>
+              </a:lnSpc>
+              <a:spcBef>
+                <a:spcPts val="500"/>
+              </a:spcBef>
+              <a:spcAft>
+                <a:spcPts val="0"/>
+              </a:spcAft>
+              <a:buNone/>
+            </a:pPr>
+            <a:endParaRPr dirty="0"/>
+          </a:p>
+          <a:p>
+            <a:pPr marL="457200" marR="0" lvl="1" indent="0" algn="l" rtl="0">
+              <a:lnSpc>
+                <a:spcPct val="90000"/>
+              </a:lnSpc>
+              <a:spcBef>
+                <a:spcPts val="500"/>
+              </a:spcBef>
+              <a:spcAft>
+                <a:spcPts val="0"/>
+              </a:spcAft>
+              <a:buClr>
+                <a:schemeClr val="dk1"/>
+              </a:buClr>
+              <a:buSzPts val="2000"/>
+              <a:buFont typeface="Arial"/>
+              <a:buNone/>
+            </a:pPr>
+            <a:endParaRPr sz="2000" b="0" i="0" u="none" strike="noStrike" cap="none" dirty="0">
+              <a:solidFill>
+                <a:schemeClr val="dk1"/>
+              </a:solidFill>
+              <a:latin typeface="Calibri"/>
+              <a:ea typeface="Calibri"/>
+              <a:cs typeface="Calibri"/>
+              <a:sym typeface="Calibri"/>
+            </a:endParaRPr>
+          </a:p>
+        </p:txBody>
+      </p:sp>
+      <p:sp>
+        <p:nvSpPr>
+          <p:cNvPr id="69" name="Google Shape;69;p15"/>
+          <p:cNvSpPr txBox="1"/>
+          <p:nvPr/>
+        </p:nvSpPr>
+        <p:spPr>
+          <a:xfrm>
+            <a:off x="0" y="-19050"/>
+            <a:ext cx="12192000" cy="857250"/>
+          </a:xfrm>
+          <a:prstGeom prst="rect">
+            <a:avLst/>
+          </a:prstGeom>
+          <a:noFill/>
+          <a:ln>
+            <a:noFill/>
+          </a:ln>
+        </p:spPr>
+        <p:txBody>
+          <a:bodyPr spcFirstLastPara="1" wrap="square" lIns="91425" tIns="45700" rIns="91425" bIns="45700" anchor="b" anchorCtr="0">
+            <a:noAutofit/>
+          </a:bodyPr>
+          <a:lstStyle/>
+          <a:p>
+            <a:pPr marL="0" marR="0" lvl="0" indent="0" algn="l" rtl="0">
+              <a:lnSpc>
+                <a:spcPct val="90000"/>
+              </a:lnSpc>
+              <a:spcBef>
+                <a:spcPts val="0"/>
+              </a:spcBef>
+              <a:spcAft>
+                <a:spcPts val="0"/>
+              </a:spcAft>
+              <a:buClr>
+                <a:schemeClr val="dk1"/>
+              </a:buClr>
+              <a:buSzPts val="3600"/>
+              <a:buFont typeface="Calibri"/>
+              <a:buNone/>
+            </a:pPr>
+            <a:r>
+              <a:rPr lang="en-US" sz="3600" b="0" i="0" u="none" strike="noStrike" cap="none" dirty="0">
+                <a:solidFill>
+                  <a:schemeClr val="dk1"/>
+                </a:solidFill>
+                <a:latin typeface="Calibri"/>
+                <a:ea typeface="Calibri"/>
+                <a:cs typeface="Calibri"/>
+                <a:sym typeface="Calibri"/>
+              </a:rPr>
+              <a:t>Problem Output</a:t>
+            </a:r>
+            <a:endParaRPr dirty="0"/>
+          </a:p>
+        </p:txBody>
+      </p:sp>
+      <p:cxnSp>
+        <p:nvCxnSpPr>
+          <p:cNvPr id="70" name="Google Shape;70;p15"/>
+          <p:cNvCxnSpPr/>
+          <p:nvPr/>
+        </p:nvCxnSpPr>
+        <p:spPr>
+          <a:xfrm>
+            <a:off x="0" y="838200"/>
+            <a:ext cx="12192000" cy="0"/>
+          </a:xfrm>
+          <a:prstGeom prst="straightConnector1">
+            <a:avLst/>
+          </a:prstGeom>
+          <a:noFill/>
+          <a:ln w="47625" cap="flat" cmpd="sng">
+            <a:solidFill>
+              <a:schemeClr val="accent1"/>
+            </a:solidFill>
+            <a:prstDash val="solid"/>
+            <a:miter lim="800000"/>
+            <a:headEnd type="none" w="sm" len="sm"/>
+            <a:tailEnd type="none" w="sm" len="sm"/>
+          </a:ln>
+        </p:spPr>
+      </p:cxnSp>
+      <p:sp>
+        <p:nvSpPr>
+          <p:cNvPr id="71" name="Google Shape;71;p15"/>
+          <p:cNvSpPr txBox="1">
+            <a:spLocks noGrp="1"/>
+          </p:cNvSpPr>
+          <p:nvPr>
+            <p:ph type="sldNum" idx="12"/>
+          </p:nvPr>
+        </p:nvSpPr>
+        <p:spPr>
+          <a:xfrm>
+            <a:off x="11400311" y="6356350"/>
+            <a:ext cx="625617" cy="365125"/>
+          </a:xfrm>
+          <a:prstGeom prst="rect">
+            <a:avLst/>
+          </a:prstGeom>
+          <a:noFill/>
+          <a:ln>
+            <a:noFill/>
+          </a:ln>
+        </p:spPr>
+        <p:txBody>
+          <a:bodyPr spcFirstLastPara="1" wrap="square" lIns="91425" tIns="45700" rIns="91425" bIns="45700" anchor="ctr" anchorCtr="0">
+            <a:normAutofit/>
+          </a:bodyPr>
+          <a:lstStyle/>
+          <a:p>
+            <a:pPr marL="0" lvl="0" indent="0" algn="r" rtl="0">
+              <a:spcBef>
+                <a:spcPts val="0"/>
+              </a:spcBef>
+              <a:spcAft>
+                <a:spcPts val="0"/>
+              </a:spcAft>
+              <a:buNone/>
+            </a:pPr>
+            <a:fld id="{00000000-1234-1234-1234-123412341234}" type="slidenum">
+              <a:rPr lang="en-US">
+                <a:solidFill>
+                  <a:schemeClr val="dk2"/>
+                </a:solidFill>
+                <a:latin typeface="Arial"/>
+                <a:ea typeface="Arial"/>
+                <a:cs typeface="Arial"/>
+                <a:sym typeface="Arial"/>
+              </a:rPr>
+              <a:t>4</a:t>
+            </a:fld>
+            <a:endParaRPr>
+              <a:solidFill>
+                <a:schemeClr val="dk2"/>
+              </a:solidFill>
+              <a:latin typeface="Arial"/>
+              <a:ea typeface="Arial"/>
+              <a:cs typeface="Arial"/>
+              <a:sym typeface="Arial"/>
+            </a:endParaRPr>
+          </a:p>
+        </p:txBody>
+      </p:sp>
+      <p:pic>
+        <p:nvPicPr>
+          <p:cNvPr id="5" name="Picture 4" descr="Table&#10;&#10;Description automatically generated">
+            <a:extLst>
+              <a:ext uri="{FF2B5EF4-FFF2-40B4-BE49-F238E27FC236}">
+                <a16:creationId xmlns:a16="http://schemas.microsoft.com/office/drawing/2014/main" id="{89AC0D60-53C5-B5BA-BA19-7F66E20F59BE}"/>
+              </a:ext>
+            </a:extLst>
+          </p:cNvPr>
+          <p:cNvPicPr>
+            <a:picLocks noChangeAspect="1"/>
+          </p:cNvPicPr>
+          <p:nvPr/>
+        </p:nvPicPr>
+        <p:blipFill>
+          <a:blip r:embed="rId3"/>
+          <a:stretch>
+            <a:fillRect/>
+          </a:stretch>
+        </p:blipFill>
+        <p:spPr>
+          <a:xfrm>
+            <a:off x="3150521" y="1504134"/>
+            <a:ext cx="5890957" cy="4179245"/>
+          </a:xfrm>
+          <a:prstGeom prst="rect">
+            <a:avLst/>
+          </a:prstGeom>
+        </p:spPr>
+      </p:pic>
+    </p:spTree>
+    <p:extLst>
+      <p:ext uri="{BB962C8B-B14F-4D97-AF65-F5344CB8AC3E}">
+        <p14:creationId xmlns:p14="http://schemas.microsoft.com/office/powerpoint/2010/main" val="2725738455"/>
+      </p:ext>
+    </p:extLst>
+  </p:cSld>
+  <p:clrMapOvr>
+    <a:masterClrMapping/>
+  </p:clrMapOvr>
+</p:sld>
+</file>
+
+<file path=ppt/slides/slide5.xml><?xml version="1.0" encoding="utf-8"?>
+<p:sld xmlns:a="http://schemas.openxmlformats.org/drawingml/2006/main" xmlns:r="http://schemas.openxmlformats.org/officeDocument/2006/relationships" xmlns:p="http://schemas.openxmlformats.org/presentationml/2006/main">
+  <p:cSld>
+    <p:spTree>
+      <p:nvGrpSpPr>
+        <p:cNvPr id="1" name="Shape 59"/>
+        <p:cNvGrpSpPr/>
+        <p:nvPr/>
+      </p:nvGrpSpPr>
+      <p:grpSpPr>
+        <a:xfrm>
+          <a:off x="0" y="0"/>
+          <a:ext cx="0" cy="0"/>
+          <a:chOff x="0" y="0"/>
+          <a:chExt cx="0" cy="0"/>
+        </a:xfrm>
+      </p:grpSpPr>
+      <p:sp>
+        <p:nvSpPr>
+          <p:cNvPr id="61" name="Google Shape;61;p14"/>
+          <p:cNvSpPr txBox="1"/>
+          <p:nvPr/>
+        </p:nvSpPr>
+        <p:spPr>
+          <a:xfrm>
+            <a:off x="0" y="-19050"/>
+            <a:ext cx="12192000" cy="857250"/>
+          </a:xfrm>
+          <a:prstGeom prst="rect">
+            <a:avLst/>
+          </a:prstGeom>
+          <a:noFill/>
+          <a:ln>
+            <a:noFill/>
+          </a:ln>
+        </p:spPr>
+        <p:txBody>
+          <a:bodyPr spcFirstLastPara="1" wrap="square" lIns="91425" tIns="45700" rIns="91425" bIns="45700" anchor="b" anchorCtr="0">
+            <a:noAutofit/>
+          </a:bodyPr>
+          <a:lstStyle/>
+          <a:p>
+            <a:pPr marL="0" marR="0" lvl="0" indent="0" algn="l" rtl="0">
+              <a:lnSpc>
+                <a:spcPct val="90000"/>
+              </a:lnSpc>
+              <a:spcBef>
+                <a:spcPts val="0"/>
+              </a:spcBef>
+              <a:spcAft>
+                <a:spcPts val="0"/>
+              </a:spcAft>
+              <a:buClr>
+                <a:schemeClr val="dk1"/>
+              </a:buClr>
+              <a:buSzPts val="3600"/>
+              <a:buFont typeface="Calibri"/>
+              <a:buNone/>
+            </a:pPr>
+            <a:r>
+              <a:rPr lang="en-US" sz="3600" b="0" i="0" u="none" strike="noStrike" cap="none" dirty="0">
+                <a:solidFill>
+                  <a:schemeClr val="dk1"/>
+                </a:solidFill>
+                <a:latin typeface="Calibri"/>
+                <a:ea typeface="Calibri"/>
+                <a:cs typeface="Calibri"/>
+                <a:sym typeface="Calibri"/>
+              </a:rPr>
+              <a:t>Problem Output</a:t>
+            </a:r>
+            <a:endParaRPr dirty="0"/>
+          </a:p>
+        </p:txBody>
+      </p:sp>
+      <p:cxnSp>
+        <p:nvCxnSpPr>
+          <p:cNvPr id="62" name="Google Shape;62;p14"/>
+          <p:cNvCxnSpPr/>
+          <p:nvPr/>
+        </p:nvCxnSpPr>
+        <p:spPr>
+          <a:xfrm>
+            <a:off x="0" y="838200"/>
+            <a:ext cx="12192000" cy="0"/>
+          </a:xfrm>
+          <a:prstGeom prst="straightConnector1">
+            <a:avLst/>
+          </a:prstGeom>
+          <a:noFill/>
+          <a:ln w="47625" cap="flat" cmpd="sng">
+            <a:solidFill>
+              <a:schemeClr val="accent1"/>
+            </a:solidFill>
+            <a:prstDash val="solid"/>
+            <a:miter lim="800000"/>
+            <a:headEnd type="none" w="sm" len="sm"/>
+            <a:tailEnd type="none" w="sm" len="sm"/>
+          </a:ln>
+        </p:spPr>
+      </p:cxnSp>
+      <p:sp>
+        <p:nvSpPr>
+          <p:cNvPr id="63" name="Google Shape;63;p14"/>
+          <p:cNvSpPr txBox="1">
+            <a:spLocks noGrp="1"/>
+          </p:cNvSpPr>
+          <p:nvPr>
+            <p:ph type="sldNum" idx="12"/>
+          </p:nvPr>
+        </p:nvSpPr>
+        <p:spPr>
+          <a:xfrm>
+            <a:off x="11400311" y="6356350"/>
+            <a:ext cx="625617" cy="365125"/>
+          </a:xfrm>
+          <a:prstGeom prst="rect">
+            <a:avLst/>
+          </a:prstGeom>
+          <a:noFill/>
+          <a:ln>
+            <a:noFill/>
+          </a:ln>
+        </p:spPr>
+        <p:txBody>
+          <a:bodyPr spcFirstLastPara="1" wrap="square" lIns="91425" tIns="45700" rIns="91425" bIns="45700" anchor="ctr" anchorCtr="0">
+            <a:normAutofit/>
+          </a:bodyPr>
+          <a:lstStyle/>
+          <a:p>
+            <a:pPr marL="0" lvl="0" indent="0" algn="r" rtl="0">
+              <a:spcBef>
+                <a:spcPts val="0"/>
+              </a:spcBef>
+              <a:spcAft>
+                <a:spcPts val="0"/>
+              </a:spcAft>
+              <a:buNone/>
+            </a:pPr>
+            <a:fld id="{00000000-1234-1234-1234-123412341234}" type="slidenum">
+              <a:rPr lang="en-US">
+                <a:solidFill>
+                  <a:schemeClr val="dk2"/>
+                </a:solidFill>
+                <a:latin typeface="Arial"/>
+                <a:ea typeface="Arial"/>
+                <a:cs typeface="Arial"/>
+                <a:sym typeface="Arial"/>
+              </a:rPr>
+              <a:t>5</a:t>
+            </a:fld>
+            <a:endParaRPr>
+              <a:solidFill>
+                <a:schemeClr val="dk2"/>
+              </a:solidFill>
+              <a:latin typeface="Arial"/>
+              <a:ea typeface="Arial"/>
+              <a:cs typeface="Arial"/>
+              <a:sym typeface="Arial"/>
+            </a:endParaRPr>
+          </a:p>
+        </p:txBody>
+      </p:sp>
+      <p:pic>
+        <p:nvPicPr>
+          <p:cNvPr id="3074" name="Picture 2">
+            <a:extLst>
+              <a:ext uri="{FF2B5EF4-FFF2-40B4-BE49-F238E27FC236}">
+                <a16:creationId xmlns:a16="http://schemas.microsoft.com/office/drawing/2014/main" id="{DA9295F9-DCD9-85A4-695A-10D95CAF2229}"/>
+              </a:ext>
+            </a:extLst>
+          </p:cNvPr>
+          <p:cNvPicPr>
+            <a:picLocks noChangeAspect="1" noChangeArrowheads="1"/>
+          </p:cNvPicPr>
+          <p:nvPr/>
+        </p:nvPicPr>
+        <p:blipFill>
+          <a:blip r:embed="rId3">
+            <a:extLst>
+              <a:ext uri="{28A0092B-C50C-407E-A947-70E740481C1C}">
+                <a14:useLocalDpi xmlns:a14="http://schemas.microsoft.com/office/drawing/2010/main" val="0"/>
+              </a:ext>
+            </a:extLst>
+          </a:blip>
+          <a:srcRect/>
+          <a:stretch>
+            <a:fillRect/>
+          </a:stretch>
+        </p:blipFill>
+        <p:spPr bwMode="auto">
+          <a:xfrm>
+            <a:off x="436179" y="1031194"/>
+            <a:ext cx="11319641" cy="5132160"/>
+          </a:xfrm>
+          <a:prstGeom prst="rect">
+            <a:avLst/>
+          </a:prstGeom>
+          <a:noFill/>
+          <a:extLst>
+            <a:ext uri="{909E8E84-426E-40DD-AFC4-6F175D3DCCD1}">
+              <a14:hiddenFill xmlns:a14="http://schemas.microsoft.com/office/drawing/2010/main">
+                <a:solidFill>
+                  <a:srgbClr val="FFFFFF"/>
+                </a:solidFill>
+              </a14:hiddenFill>
+            </a:ext>
+          </a:extLst>
+        </p:spPr>
+      </p:pic>
+    </p:spTree>
+    <p:extLst>
+      <p:ext uri="{BB962C8B-B14F-4D97-AF65-F5344CB8AC3E}">
+        <p14:creationId xmlns:p14="http://schemas.microsoft.com/office/powerpoint/2010/main" val="4153131328"/>
+      </p:ext>
+    </p:extLst>
+  </p:cSld>
+  <p:clrMapOvr>
+    <a:masterClrMapping/>
+  </p:clrMapOvr>
+</p:sld>
+</file>
+
+<file path=ppt/slides/slide6.xml><?xml version="1.0" encoding="utf-8"?>
+<p:sld xmlns:a="http://schemas.openxmlformats.org/drawingml/2006/main" xmlns:r="http://schemas.openxmlformats.org/officeDocument/2006/relationships" xmlns:p="http://schemas.openxmlformats.org/presentationml/2006/main">
+  <p:cSld>
+    <p:spTree>
+      <p:nvGrpSpPr>
+        <p:cNvPr id="1" name="Shape 67"/>
+        <p:cNvGrpSpPr/>
+        <p:nvPr/>
+      </p:nvGrpSpPr>
+      <p:grpSpPr>
+        <a:xfrm>
+          <a:off x="0" y="0"/>
+          <a:ext cx="0" cy="0"/>
+          <a:chOff x="0" y="0"/>
+          <a:chExt cx="0" cy="0"/>
+        </a:xfrm>
+      </p:grpSpPr>
+      <p:sp>
+        <p:nvSpPr>
+          <p:cNvPr id="69" name="Google Shape;69;p15"/>
+          <p:cNvSpPr txBox="1"/>
+          <p:nvPr/>
+        </p:nvSpPr>
+        <p:spPr>
+          <a:xfrm>
+            <a:off x="0" y="-19050"/>
+            <a:ext cx="12192000" cy="857250"/>
+          </a:xfrm>
+          <a:prstGeom prst="rect">
+            <a:avLst/>
+          </a:prstGeom>
+          <a:noFill/>
+          <a:ln>
+            <a:noFill/>
+          </a:ln>
+        </p:spPr>
+        <p:txBody>
+          <a:bodyPr spcFirstLastPara="1" wrap="square" lIns="91425" tIns="45700" rIns="91425" bIns="45700" anchor="b" anchorCtr="0">
+            <a:noAutofit/>
+          </a:bodyPr>
+          <a:lstStyle/>
+          <a:p>
+            <a:pPr marL="0" marR="0" lvl="0" indent="0" algn="l" rtl="0">
+              <a:lnSpc>
+                <a:spcPct val="90000"/>
+              </a:lnSpc>
+              <a:spcBef>
+                <a:spcPts val="0"/>
+              </a:spcBef>
+              <a:spcAft>
+                <a:spcPts val="0"/>
+              </a:spcAft>
+              <a:buClr>
+                <a:schemeClr val="dk1"/>
+              </a:buClr>
+              <a:buSzPts val="3600"/>
+              <a:buFont typeface="Calibri"/>
+              <a:buNone/>
+            </a:pPr>
+            <a:r>
+              <a:rPr lang="en-US" sz="3600" b="0" i="0" u="none" strike="noStrike" cap="none" dirty="0">
+                <a:solidFill>
+                  <a:schemeClr val="dk1"/>
+                </a:solidFill>
+                <a:latin typeface="Calibri"/>
+                <a:ea typeface="Calibri"/>
+                <a:cs typeface="Calibri"/>
+                <a:sym typeface="Calibri"/>
+              </a:rPr>
+              <a:t>Applications</a:t>
+            </a:r>
+            <a:endParaRPr dirty="0"/>
+          </a:p>
+        </p:txBody>
+      </p:sp>
+      <p:cxnSp>
+        <p:nvCxnSpPr>
+          <p:cNvPr id="70" name="Google Shape;70;p15"/>
+          <p:cNvCxnSpPr/>
+          <p:nvPr/>
+        </p:nvCxnSpPr>
+        <p:spPr>
+          <a:xfrm>
+            <a:off x="0" y="838200"/>
+            <a:ext cx="12192000" cy="0"/>
+          </a:xfrm>
+          <a:prstGeom prst="straightConnector1">
+            <a:avLst/>
+          </a:prstGeom>
+          <a:noFill/>
+          <a:ln w="47625" cap="flat" cmpd="sng">
+            <a:solidFill>
+              <a:schemeClr val="accent1"/>
+            </a:solidFill>
+            <a:prstDash val="solid"/>
+            <a:miter lim="800000"/>
+            <a:headEnd type="none" w="sm" len="sm"/>
+            <a:tailEnd type="none" w="sm" len="sm"/>
+          </a:ln>
+        </p:spPr>
+      </p:cxnSp>
+      <p:sp>
+        <p:nvSpPr>
+          <p:cNvPr id="71" name="Google Shape;71;p15"/>
+          <p:cNvSpPr txBox="1">
+            <a:spLocks noGrp="1"/>
+          </p:cNvSpPr>
+          <p:nvPr>
+            <p:ph type="sldNum" idx="12"/>
+          </p:nvPr>
+        </p:nvSpPr>
+        <p:spPr>
+          <a:xfrm>
+            <a:off x="11400311" y="6356350"/>
+            <a:ext cx="625617" cy="365125"/>
+          </a:xfrm>
+          <a:prstGeom prst="rect">
+            <a:avLst/>
+          </a:prstGeom>
+          <a:noFill/>
+          <a:ln>
+            <a:noFill/>
+          </a:ln>
+        </p:spPr>
+        <p:txBody>
+          <a:bodyPr spcFirstLastPara="1" wrap="square" lIns="91425" tIns="45700" rIns="91425" bIns="45700" anchor="ctr" anchorCtr="0">
+            <a:normAutofit/>
+          </a:bodyPr>
+          <a:lstStyle/>
+          <a:p>
+            <a:pPr marL="0" lvl="0" indent="0" algn="r" rtl="0">
+              <a:spcBef>
+                <a:spcPts val="0"/>
+              </a:spcBef>
+              <a:spcAft>
+                <a:spcPts val="0"/>
+              </a:spcAft>
+              <a:buNone/>
+            </a:pPr>
+            <a:fld id="{00000000-1234-1234-1234-123412341234}" type="slidenum">
+              <a:rPr lang="en-US">
+                <a:solidFill>
+                  <a:schemeClr val="dk2"/>
+                </a:solidFill>
+                <a:latin typeface="Arial"/>
+                <a:ea typeface="Arial"/>
+                <a:cs typeface="Arial"/>
+                <a:sym typeface="Arial"/>
+              </a:rPr>
+              <a:t>6</a:t>
+            </a:fld>
+            <a:endParaRPr>
+              <a:solidFill>
+                <a:schemeClr val="dk2"/>
+              </a:solidFill>
+              <a:latin typeface="Arial"/>
+              <a:ea typeface="Arial"/>
+              <a:cs typeface="Arial"/>
+              <a:sym typeface="Arial"/>
+            </a:endParaRPr>
+          </a:p>
+        </p:txBody>
+      </p:sp>
+      <p:sp>
+        <p:nvSpPr>
+          <p:cNvPr id="6" name="TextBox 5">
+            <a:extLst>
+              <a:ext uri="{FF2B5EF4-FFF2-40B4-BE49-F238E27FC236}">
+                <a16:creationId xmlns:a16="http://schemas.microsoft.com/office/drawing/2014/main" id="{BEFC9740-EA29-FD57-7715-66B639FDF599}"/>
+              </a:ext>
+            </a:extLst>
+          </p:cNvPr>
+          <p:cNvSpPr txBox="1"/>
+          <p:nvPr/>
+        </p:nvSpPr>
+        <p:spPr>
+          <a:xfrm>
+            <a:off x="578069" y="1208690"/>
+            <a:ext cx="11119945" cy="1631216"/>
+          </a:xfrm>
+          <a:prstGeom prst="rect">
+            <a:avLst/>
+          </a:prstGeom>
+          <a:noFill/>
+        </p:spPr>
+        <p:txBody>
+          <a:bodyPr wrap="square" rtlCol="0">
+            <a:spAutoFit/>
+          </a:bodyPr>
+          <a:lstStyle/>
+          <a:p>
+            <a:pPr marL="342900" indent="-342900">
+              <a:buFont typeface="Arial" panose="020B0604020202020204" pitchFamily="34" charset="0"/>
+              <a:buChar char="•"/>
+            </a:pPr>
+            <a:r>
+              <a:rPr lang="en-US" sz="2000" dirty="0"/>
+              <a:t>Packing for a trip (mars rover) – add image of mars rover</a:t>
+            </a:r>
+          </a:p>
+          <a:p>
+            <a:pPr marL="342900" indent="-342900">
+              <a:buFont typeface="Arial" panose="020B0604020202020204" pitchFamily="34" charset="0"/>
+              <a:buChar char="•"/>
+            </a:pPr>
+            <a:r>
+              <a:rPr lang="en-US" sz="2000" dirty="0"/>
+              <a:t>Eating lowest num of calories(weight) with hunger being max capacity fullness (value)</a:t>
+            </a:r>
+          </a:p>
+          <a:p>
+            <a:pPr marL="342900" indent="-342900">
+              <a:buFont typeface="Arial" panose="020B0604020202020204" pitchFamily="34" charset="0"/>
+              <a:buChar char="•"/>
+            </a:pPr>
+            <a:r>
+              <a:rPr lang="en-US" sz="2000" dirty="0"/>
+              <a:t>Cramming for test (textbook): knowledge (capacity), pages to read (weight), importance (value)</a:t>
+            </a:r>
+          </a:p>
+          <a:p>
+            <a:pPr marL="342900" indent="-342900">
+              <a:buFont typeface="Arial" panose="020B0604020202020204" pitchFamily="34" charset="0"/>
+              <a:buChar char="•"/>
+            </a:pPr>
+            <a:endParaRPr lang="en-US" sz="2000" dirty="0"/>
+          </a:p>
+        </p:txBody>
+      </p:sp>
+    </p:spTree>
+    <p:extLst>
+      <p:ext uri="{BB962C8B-B14F-4D97-AF65-F5344CB8AC3E}">
+        <p14:creationId xmlns:p14="http://schemas.microsoft.com/office/powerpoint/2010/main" val="4270703032"/>
+      </p:ext>
+    </p:extLst>
+  </p:cSld>
+  <p:clrMapOvr>
+    <a:masterClrMapping/>
+  </p:clrMapOvr>
+</p:sld>
+</file>
+
+<file path=ppt/slides/slide7.xml><?xml version="1.0" encoding="utf-8"?>
 <p:sld xmlns:a="http://schemas.openxmlformats.org/drawingml/2006/main" xmlns:r="http://schemas.openxmlformats.org/officeDocument/2006/relationships" xmlns:p="http://schemas.openxmlformats.org/presentationml/2006/main">
   <p:cSld>
     <p:spTree>
@@ -7348,7 +8913,7 @@
                 <a:cs typeface="Arial"/>
                 <a:sym typeface="Arial"/>
               </a:rPr>
-              <a:t>4</a:t>
+              <a:t>7</a:t>
             </a:fld>
             <a:endParaRPr>
               <a:solidFill>
@@ -7428,7 +8993,7 @@
 </p:sld>
 </file>
 
-<file path=ppt/slides/slide5.xml><?xml version="1.0" encoding="utf-8"?>
+<file path=ppt/slides/slide8.xml><?xml version="1.0" encoding="utf-8"?>
 <p:sld xmlns:a="http://schemas.openxmlformats.org/drawingml/2006/main" xmlns:r="http://schemas.openxmlformats.org/officeDocument/2006/relationships" xmlns:p="http://schemas.openxmlformats.org/presentationml/2006/main">
   <p:cSld>
     <p:spTree>
@@ -7577,7 +9142,7 @@
                 <a:cs typeface="Arial"/>
                 <a:sym typeface="Arial"/>
               </a:rPr>
-              <a:t>5</a:t>
+              <a:t>8</a:t>
             </a:fld>
             <a:endParaRPr>
               <a:solidFill>
@@ -7629,174 +9194,535 @@
           </a:p>
         </p:txBody>
       </p:sp>
-    </p:spTree>
-  </p:cSld>
-  <p:clrMapOvr>
-    <a:masterClrMapping/>
-  </p:clrMapOvr>
-</p:sld>
-</file>
-
-<file path=ppt/slides/slide6.xml><?xml version="1.0" encoding="utf-8"?>
-<p:sld xmlns:a="http://schemas.openxmlformats.org/drawingml/2006/main" xmlns:r="http://schemas.openxmlformats.org/officeDocument/2006/relationships" xmlns:p="http://schemas.openxmlformats.org/presentationml/2006/main">
-  <p:cSld>
-    <p:spTree>
-      <p:nvGrpSpPr>
-        <p:cNvPr id="1" name="Shape 91"/>
-        <p:cNvGrpSpPr/>
-        <p:nvPr/>
-      </p:nvGrpSpPr>
-      <p:grpSpPr>
-        <a:xfrm>
-          <a:off x="0" y="0"/>
-          <a:ext cx="0" cy="0"/>
-          <a:chOff x="0" y="0"/>
-          <a:chExt cx="0" cy="0"/>
-        </a:xfrm>
-      </p:grpSpPr>
       <p:sp>
         <p:nvSpPr>
-          <p:cNvPr id="92" name="Google Shape;92;p18"/>
+          <p:cNvPr id="2" name="TextBox 1">
+            <a:extLst>
+              <a:ext uri="{FF2B5EF4-FFF2-40B4-BE49-F238E27FC236}">
+                <a16:creationId xmlns:a16="http://schemas.microsoft.com/office/drawing/2014/main" id="{5709D56F-D48F-387A-EDBD-EEA0E690F0D2}"/>
+              </a:ext>
+            </a:extLst>
+          </p:cNvPr>
           <p:cNvSpPr txBox="1"/>
           <p:nvPr/>
         </p:nvSpPr>
         <p:spPr>
           <a:xfrm>
-            <a:off x="0" y="-19050"/>
-            <a:ext cx="12192000" cy="857250"/>
+            <a:off x="338675" y="1135194"/>
+            <a:ext cx="6924622" cy="6186309"/>
           </a:xfrm>
           <a:prstGeom prst="rect">
             <a:avLst/>
           </a:prstGeom>
           <a:noFill/>
-          <a:ln>
-            <a:noFill/>
-          </a:ln>
         </p:spPr>
         <p:txBody>
-          <a:bodyPr spcFirstLastPara="1" wrap="square" lIns="91425" tIns="45700" rIns="91425" bIns="45700" anchor="b" anchorCtr="0">
-            <a:noAutofit/>
+          <a:bodyPr wrap="square" rtlCol="0">
+            <a:spAutoFit/>
           </a:bodyPr>
           <a:lstStyle/>
           <a:p>
-            <a:pPr marL="0" marR="0" lvl="0" indent="0" algn="l" rtl="0">
-              <a:lnSpc>
-                <a:spcPct val="90000"/>
-              </a:lnSpc>
-              <a:spcBef>
-                <a:spcPts val="0"/>
-              </a:spcBef>
-              <a:spcAft>
-                <a:spcPts val="0"/>
-              </a:spcAft>
-              <a:buClr>
-                <a:schemeClr val="dk1"/>
-              </a:buClr>
-              <a:buSzPts val="3600"/>
-              <a:buFont typeface="Calibri"/>
-              <a:buNone/>
-            </a:pPr>
             <a:r>
-              <a:rPr lang="en-US" sz="3600" b="0" i="0" u="none" strike="noStrike" cap="none">
-                <a:solidFill>
-                  <a:schemeClr val="dk1"/>
-                </a:solidFill>
-                <a:latin typeface="Calibri"/>
-                <a:ea typeface="Calibri"/>
-                <a:cs typeface="Calibri"/>
-                <a:sym typeface="Calibri"/>
+              <a:rPr lang="en-US" sz="1800" b="1" dirty="0" err="1">
+                <a:latin typeface="Courier" pitchFamily="2" charset="0"/>
               </a:rPr>
-              <a:t>Worst Case Example (if possible)</a:t>
+              <a:t>knapSack</a:t>
             </a:r>
-            <a:endParaRPr/>
+            <a:r>
+              <a:rPr lang="en-US" sz="1800" dirty="0">
+                <a:latin typeface="Courier" pitchFamily="2" charset="0"/>
+              </a:rPr>
+              <a:t>(capacity, </a:t>
+            </a:r>
+            <a:r>
+              <a:rPr lang="en-US" sz="1800" dirty="0" err="1">
+                <a:latin typeface="Courier" pitchFamily="2" charset="0"/>
+              </a:rPr>
+              <a:t>wts</a:t>
+            </a:r>
+            <a:r>
+              <a:rPr lang="en-US" sz="1800" dirty="0">
+                <a:latin typeface="Courier" pitchFamily="2" charset="0"/>
+              </a:rPr>
+              <a:t>, </a:t>
+            </a:r>
+            <a:r>
+              <a:rPr lang="en-US" sz="1800" dirty="0" err="1">
+                <a:latin typeface="Courier" pitchFamily="2" charset="0"/>
+              </a:rPr>
+              <a:t>vals</a:t>
+            </a:r>
+            <a:r>
+              <a:rPr lang="en-US" sz="1800" dirty="0">
+                <a:latin typeface="Courier" pitchFamily="2" charset="0"/>
+              </a:rPr>
+              <a:t>, n)</a:t>
+            </a:r>
+          </a:p>
+          <a:p>
+            <a:r>
+              <a:rPr lang="en-US" sz="1800" dirty="0">
+                <a:latin typeface="Courier" pitchFamily="2" charset="0"/>
+              </a:rPr>
+              <a:t>    </a:t>
+            </a:r>
+            <a:r>
+              <a:rPr lang="en-US" sz="1800" b="1" dirty="0">
+                <a:latin typeface="Courier" pitchFamily="2" charset="0"/>
+              </a:rPr>
+              <a:t>if</a:t>
+            </a:r>
+            <a:r>
+              <a:rPr lang="en-US" sz="1800" dirty="0">
+                <a:latin typeface="Courier" pitchFamily="2" charset="0"/>
+              </a:rPr>
+              <a:t> n = 0 or capacity = 0 </a:t>
+            </a:r>
+            <a:r>
+              <a:rPr lang="en-US" sz="1800" b="1" dirty="0">
+                <a:latin typeface="Courier" pitchFamily="2" charset="0"/>
+              </a:rPr>
+              <a:t>then</a:t>
+            </a:r>
+          </a:p>
+          <a:p>
+            <a:r>
+              <a:rPr lang="en-US" sz="1800" dirty="0">
+                <a:latin typeface="Courier" pitchFamily="2" charset="0"/>
+              </a:rPr>
+              <a:t>        </a:t>
+            </a:r>
+            <a:r>
+              <a:rPr lang="en-US" sz="1800" b="1" dirty="0">
+                <a:latin typeface="Courier" pitchFamily="2" charset="0"/>
+              </a:rPr>
+              <a:t>return</a:t>
+            </a:r>
+            <a:r>
+              <a:rPr lang="en-US" sz="1800" dirty="0">
+                <a:latin typeface="Courier" pitchFamily="2" charset="0"/>
+              </a:rPr>
+              <a:t> 0</a:t>
+            </a:r>
+          </a:p>
+          <a:p>
+            <a:endParaRPr lang="en-US" sz="1800" dirty="0">
+              <a:latin typeface="Courier" pitchFamily="2" charset="0"/>
+            </a:endParaRPr>
+          </a:p>
+          <a:p>
+            <a:r>
+              <a:rPr lang="en-US" sz="1800" dirty="0">
+                <a:latin typeface="Courier" pitchFamily="2" charset="0"/>
+              </a:rPr>
+              <a:t>    </a:t>
+            </a:r>
+          </a:p>
+          <a:p>
+            <a:r>
+              <a:rPr lang="en-US" sz="1800" dirty="0">
+                <a:latin typeface="Courier" pitchFamily="2" charset="0"/>
+              </a:rPr>
+              <a:t>    </a:t>
+            </a:r>
+            <a:r>
+              <a:rPr lang="en-US" sz="1800" b="1" dirty="0">
+                <a:latin typeface="Courier" pitchFamily="2" charset="0"/>
+              </a:rPr>
+              <a:t>if</a:t>
+            </a:r>
+            <a:r>
+              <a:rPr lang="en-US" sz="1800" dirty="0">
+                <a:latin typeface="Courier" pitchFamily="2" charset="0"/>
+              </a:rPr>
+              <a:t> </a:t>
+            </a:r>
+            <a:r>
+              <a:rPr lang="en-US" sz="1800" dirty="0" err="1">
+                <a:latin typeface="Courier" pitchFamily="2" charset="0"/>
+              </a:rPr>
+              <a:t>wts</a:t>
+            </a:r>
+            <a:r>
+              <a:rPr lang="en-US" sz="1800" dirty="0">
+                <a:latin typeface="Courier" pitchFamily="2" charset="0"/>
+              </a:rPr>
+              <a:t>[n-1] &gt; capacity </a:t>
+            </a:r>
+            <a:r>
+              <a:rPr lang="en-US" sz="1800" b="1" dirty="0">
+                <a:latin typeface="Courier" pitchFamily="2" charset="0"/>
+              </a:rPr>
+              <a:t>then</a:t>
+            </a:r>
+          </a:p>
+          <a:p>
+            <a:r>
+              <a:rPr lang="en-US" sz="1800" dirty="0">
+                <a:latin typeface="Courier" pitchFamily="2" charset="0"/>
+              </a:rPr>
+              <a:t>        </a:t>
+            </a:r>
+            <a:r>
+              <a:rPr lang="en-US" sz="1800" b="1" dirty="0">
+                <a:latin typeface="Courier" pitchFamily="2" charset="0"/>
+              </a:rPr>
+              <a:t>return</a:t>
+            </a:r>
+            <a:r>
+              <a:rPr lang="en-US" sz="1800" dirty="0">
+                <a:latin typeface="Courier" pitchFamily="2" charset="0"/>
+              </a:rPr>
+              <a:t> </a:t>
+            </a:r>
+            <a:r>
+              <a:rPr lang="en-US" sz="1800" b="1" dirty="0" err="1">
+                <a:latin typeface="Courier" pitchFamily="2" charset="0"/>
+              </a:rPr>
+              <a:t>knapSack</a:t>
+            </a:r>
+            <a:r>
+              <a:rPr lang="en-US" sz="1800" dirty="0">
+                <a:latin typeface="Courier" pitchFamily="2" charset="0"/>
+              </a:rPr>
+              <a:t>(capacity, </a:t>
+            </a:r>
+            <a:r>
+              <a:rPr lang="en-US" sz="1800" dirty="0" err="1">
+                <a:latin typeface="Courier" pitchFamily="2" charset="0"/>
+              </a:rPr>
+              <a:t>wts</a:t>
+            </a:r>
+            <a:r>
+              <a:rPr lang="en-US" sz="1800" dirty="0">
+                <a:latin typeface="Courier" pitchFamily="2" charset="0"/>
+              </a:rPr>
+              <a:t>, </a:t>
+            </a:r>
+            <a:r>
+              <a:rPr lang="en-US" sz="1800" dirty="0" err="1">
+                <a:latin typeface="Courier" pitchFamily="2" charset="0"/>
+              </a:rPr>
+              <a:t>vals</a:t>
+            </a:r>
+            <a:r>
+              <a:rPr lang="en-US" sz="1800" dirty="0">
+                <a:latin typeface="Courier" pitchFamily="2" charset="0"/>
+              </a:rPr>
+              <a:t>, n-1)</a:t>
+            </a:r>
+          </a:p>
+          <a:p>
+            <a:endParaRPr lang="en-US" sz="1800" dirty="0">
+              <a:latin typeface="Courier" pitchFamily="2" charset="0"/>
+            </a:endParaRPr>
+          </a:p>
+          <a:p>
+            <a:r>
+              <a:rPr lang="en-US" sz="1800" dirty="0">
+                <a:latin typeface="Courier" pitchFamily="2" charset="0"/>
+              </a:rPr>
+              <a:t>    </a:t>
+            </a:r>
+            <a:r>
+              <a:rPr lang="en-US" sz="1800" b="1" dirty="0">
+                <a:latin typeface="Courier" pitchFamily="2" charset="0"/>
+              </a:rPr>
+              <a:t>else</a:t>
+            </a:r>
+          </a:p>
+          <a:p>
+            <a:r>
+              <a:rPr lang="en-US" sz="1800" dirty="0">
+                <a:latin typeface="Courier" pitchFamily="2" charset="0"/>
+              </a:rPr>
+              <a:t>        </a:t>
+            </a:r>
+            <a:r>
+              <a:rPr lang="en-US" sz="1800" b="1" dirty="0">
+                <a:latin typeface="Courier" pitchFamily="2" charset="0"/>
+              </a:rPr>
+              <a:t>return</a:t>
+            </a:r>
+            <a:r>
+              <a:rPr lang="en-US" sz="1800" dirty="0">
+                <a:latin typeface="Courier" pitchFamily="2" charset="0"/>
+              </a:rPr>
+              <a:t> </a:t>
+            </a:r>
+            <a:r>
+              <a:rPr lang="en-US" sz="1800" b="1" dirty="0">
+                <a:latin typeface="Courier" pitchFamily="2" charset="0"/>
+              </a:rPr>
+              <a:t>max</a:t>
+            </a:r>
+            <a:r>
+              <a:rPr lang="en-US" sz="1800" dirty="0">
+                <a:latin typeface="Courier" pitchFamily="2" charset="0"/>
+              </a:rPr>
+              <a:t>(</a:t>
+            </a:r>
+            <a:r>
+              <a:rPr lang="en-US" sz="1800" dirty="0" err="1">
+                <a:latin typeface="Courier" pitchFamily="2" charset="0"/>
+              </a:rPr>
+              <a:t>vals</a:t>
+            </a:r>
+            <a:r>
+              <a:rPr lang="en-US" sz="1800" dirty="0">
+                <a:latin typeface="Courier" pitchFamily="2" charset="0"/>
+              </a:rPr>
+              <a:t>[n-1] + </a:t>
+            </a:r>
+            <a:r>
+              <a:rPr lang="en-US" sz="1800" b="1" dirty="0" err="1">
+                <a:latin typeface="Courier" pitchFamily="2" charset="0"/>
+              </a:rPr>
+              <a:t>knapSack</a:t>
+            </a:r>
+            <a:r>
+              <a:rPr lang="en-US" sz="1800" dirty="0">
+                <a:latin typeface="Courier" pitchFamily="2" charset="0"/>
+              </a:rPr>
+              <a:t>(</a:t>
+            </a:r>
+          </a:p>
+          <a:p>
+            <a:r>
+              <a:rPr lang="en-US" sz="1800" dirty="0">
+                <a:latin typeface="Courier" pitchFamily="2" charset="0"/>
+              </a:rPr>
+              <a:t>                   capacity-</a:t>
+            </a:r>
+            <a:r>
+              <a:rPr lang="en-US" sz="1800" dirty="0" err="1">
+                <a:latin typeface="Courier" pitchFamily="2" charset="0"/>
+              </a:rPr>
+              <a:t>wts</a:t>
+            </a:r>
+            <a:r>
+              <a:rPr lang="en-US" sz="1800" dirty="0">
+                <a:latin typeface="Courier" pitchFamily="2" charset="0"/>
+              </a:rPr>
+              <a:t>[n-1], </a:t>
+            </a:r>
+            <a:r>
+              <a:rPr lang="en-US" sz="1800" dirty="0" err="1">
+                <a:latin typeface="Courier" pitchFamily="2" charset="0"/>
+              </a:rPr>
+              <a:t>wts</a:t>
+            </a:r>
+            <a:r>
+              <a:rPr lang="en-US" sz="1800" dirty="0">
+                <a:latin typeface="Courier" pitchFamily="2" charset="0"/>
+              </a:rPr>
+              <a:t>, </a:t>
+            </a:r>
+          </a:p>
+          <a:p>
+            <a:r>
+              <a:rPr lang="en-US" sz="1800" dirty="0">
+                <a:latin typeface="Courier" pitchFamily="2" charset="0"/>
+              </a:rPr>
+              <a:t>                   </a:t>
+            </a:r>
+            <a:r>
+              <a:rPr lang="en-US" sz="1800" dirty="0" err="1">
+                <a:latin typeface="Courier" pitchFamily="2" charset="0"/>
+              </a:rPr>
+              <a:t>vals</a:t>
+            </a:r>
+            <a:r>
+              <a:rPr lang="en-US" sz="1800" dirty="0">
+                <a:latin typeface="Courier" pitchFamily="2" charset="0"/>
+              </a:rPr>
+              <a:t>, n-1), </a:t>
+            </a:r>
+            <a:r>
+              <a:rPr lang="en-US" sz="1800" b="1" dirty="0" err="1">
+                <a:latin typeface="Courier" pitchFamily="2" charset="0"/>
+              </a:rPr>
+              <a:t>knapSack</a:t>
+            </a:r>
+            <a:r>
+              <a:rPr lang="en-US" sz="1800" dirty="0">
+                <a:latin typeface="Courier" pitchFamily="2" charset="0"/>
+              </a:rPr>
+              <a:t>(</a:t>
+            </a:r>
+          </a:p>
+          <a:p>
+            <a:r>
+              <a:rPr lang="en-US" sz="1800" dirty="0">
+                <a:latin typeface="Courier" pitchFamily="2" charset="0"/>
+              </a:rPr>
+              <a:t>                   capacity, </a:t>
+            </a:r>
+            <a:r>
+              <a:rPr lang="en-US" sz="1800" dirty="0" err="1">
+                <a:latin typeface="Courier" pitchFamily="2" charset="0"/>
+              </a:rPr>
+              <a:t>wts</a:t>
+            </a:r>
+            <a:r>
+              <a:rPr lang="en-US" sz="1800" dirty="0">
+                <a:latin typeface="Courier" pitchFamily="2" charset="0"/>
+              </a:rPr>
+              <a:t>, </a:t>
+            </a:r>
+            <a:r>
+              <a:rPr lang="en-US" sz="1800" dirty="0" err="1">
+                <a:latin typeface="Courier" pitchFamily="2" charset="0"/>
+              </a:rPr>
+              <a:t>vals</a:t>
+            </a:r>
+            <a:r>
+              <a:rPr lang="en-US" sz="1800" dirty="0">
+                <a:latin typeface="Courier" pitchFamily="2" charset="0"/>
+              </a:rPr>
+              <a:t>, n-1))</a:t>
+            </a:r>
+          </a:p>
+          <a:p>
+            <a:r>
+              <a:rPr lang="en-US" sz="1800" dirty="0">
+                <a:latin typeface="Courier" pitchFamily="2" charset="0"/>
+              </a:rPr>
+              <a:t>    </a:t>
+            </a:r>
+            <a:r>
+              <a:rPr lang="en-US" sz="1800" b="1" dirty="0">
+                <a:latin typeface="Courier" pitchFamily="2" charset="0"/>
+              </a:rPr>
+              <a:t>end</a:t>
+            </a:r>
+            <a:r>
+              <a:rPr lang="en-US" sz="1800" dirty="0">
+                <a:latin typeface="Courier" pitchFamily="2" charset="0"/>
+              </a:rPr>
+              <a:t> </a:t>
+            </a:r>
+          </a:p>
+          <a:p>
+            <a:r>
+              <a:rPr lang="en-US" sz="1800" b="1" dirty="0">
+                <a:latin typeface="Courier" pitchFamily="2" charset="0"/>
+              </a:rPr>
+              <a:t>end</a:t>
+            </a:r>
+          </a:p>
+          <a:p>
+            <a:endParaRPr lang="en-US" dirty="0">
+              <a:latin typeface="Courier" pitchFamily="2" charset="0"/>
+            </a:endParaRPr>
+          </a:p>
+          <a:p>
+            <a:endParaRPr lang="en-US" dirty="0">
+              <a:latin typeface="Courier" pitchFamily="2" charset="0"/>
+            </a:endParaRPr>
+          </a:p>
+          <a:p>
+            <a:endParaRPr lang="en-US" dirty="0">
+              <a:latin typeface="Courier" pitchFamily="2" charset="0"/>
+            </a:endParaRPr>
+          </a:p>
+          <a:p>
+            <a:endParaRPr lang="en-US" dirty="0">
+              <a:latin typeface="Courier" pitchFamily="2" charset="0"/>
+            </a:endParaRPr>
+          </a:p>
+          <a:p>
+            <a:endParaRPr lang="en-US" dirty="0">
+              <a:latin typeface="Courier" pitchFamily="2" charset="0"/>
+            </a:endParaRPr>
+          </a:p>
+          <a:p>
+            <a:endParaRPr lang="en-US" dirty="0">
+              <a:latin typeface="Courier" pitchFamily="2" charset="0"/>
+            </a:endParaRPr>
+          </a:p>
+          <a:p>
+            <a:endParaRPr lang="en-US" dirty="0">
+              <a:latin typeface="Courier" pitchFamily="2" charset="0"/>
+            </a:endParaRPr>
+          </a:p>
+          <a:p>
+            <a:endParaRPr lang="en-US" dirty="0">
+              <a:latin typeface="Courier" pitchFamily="2" charset="0"/>
+            </a:endParaRPr>
+          </a:p>
+          <a:p>
+            <a:endParaRPr lang="en-US" dirty="0">
+              <a:latin typeface="Courier" pitchFamily="2" charset="0"/>
+            </a:endParaRPr>
           </a:p>
         </p:txBody>
       </p:sp>
-      <p:cxnSp>
-        <p:nvCxnSpPr>
-          <p:cNvPr id="93" name="Google Shape;93;p18"/>
-          <p:cNvCxnSpPr/>
-          <p:nvPr/>
-        </p:nvCxnSpPr>
-        <p:spPr>
-          <a:xfrm>
-            <a:off x="0" y="838200"/>
-            <a:ext cx="12192000" cy="0"/>
-          </a:xfrm>
-          <a:prstGeom prst="straightConnector1">
-            <a:avLst/>
-          </a:prstGeom>
-          <a:noFill/>
-          <a:ln w="47625" cap="flat" cmpd="sng">
-            <a:solidFill>
-              <a:schemeClr val="accent1"/>
-            </a:solidFill>
-            <a:prstDash val="solid"/>
-            <a:miter lim="800000"/>
-            <a:headEnd type="none" w="sm" len="sm"/>
-            <a:tailEnd type="none" w="sm" len="sm"/>
-          </a:ln>
-        </p:spPr>
-      </p:cxnSp>
       <p:sp>
         <p:nvSpPr>
-          <p:cNvPr id="94" name="Google Shape;94;p18"/>
-          <p:cNvSpPr txBox="1">
-            <a:spLocks noGrp="1"/>
-          </p:cNvSpPr>
-          <p:nvPr>
-            <p:ph type="sldNum" idx="12"/>
-          </p:nvPr>
+          <p:cNvPr id="3" name="TextBox 2">
+            <a:extLst>
+              <a:ext uri="{FF2B5EF4-FFF2-40B4-BE49-F238E27FC236}">
+                <a16:creationId xmlns:a16="http://schemas.microsoft.com/office/drawing/2014/main" id="{518CA0D4-70FE-DA96-7247-AFAB889AEA72}"/>
+              </a:ext>
+            </a:extLst>
+          </p:cNvPr>
+          <p:cNvSpPr txBox="1"/>
+          <p:nvPr/>
         </p:nvSpPr>
         <p:spPr>
           <a:xfrm>
-            <a:off x="11400311" y="6356350"/>
-            <a:ext cx="625617" cy="365125"/>
+            <a:off x="7610167" y="1147701"/>
+            <a:ext cx="4689987" cy="3262432"/>
           </a:xfrm>
           <a:prstGeom prst="rect">
             <a:avLst/>
           </a:prstGeom>
           <a:noFill/>
-          <a:ln>
-            <a:noFill/>
-          </a:ln>
         </p:spPr>
         <p:txBody>
-          <a:bodyPr spcFirstLastPara="1" wrap="square" lIns="91425" tIns="45700" rIns="91425" bIns="45700" anchor="ctr" anchorCtr="0">
-            <a:normAutofit/>
+          <a:bodyPr wrap="square" rtlCol="0">
+            <a:spAutoFit/>
           </a:bodyPr>
           <a:lstStyle/>
           <a:p>
-            <a:pPr marL="0" lvl="0" indent="0" algn="r" rtl="0">
-              <a:spcBef>
-                <a:spcPts val="0"/>
-              </a:spcBef>
-              <a:spcAft>
-                <a:spcPts val="0"/>
-              </a:spcAft>
-              <a:buNone/>
-            </a:pPr>
-            <a:fld id="{00000000-1234-1234-1234-123412341234}" type="slidenum">
-              <a:rPr lang="en-US">
-                <a:solidFill>
-                  <a:schemeClr val="dk2"/>
-                </a:solidFill>
-                <a:latin typeface="Arial"/>
-                <a:ea typeface="Arial"/>
-                <a:cs typeface="Arial"/>
-                <a:sym typeface="Arial"/>
-              </a:rPr>
-              <a:t>6</a:t>
-            </a:fld>
-            <a:endParaRPr>
-              <a:solidFill>
-                <a:schemeClr val="dk2"/>
-              </a:solidFill>
-              <a:latin typeface="Arial"/>
-              <a:ea typeface="Arial"/>
-              <a:cs typeface="Arial"/>
-              <a:sym typeface="Arial"/>
-            </a:endParaRPr>
+            <a:endParaRPr lang="en-US" dirty="0"/>
+          </a:p>
+          <a:p>
+            <a:endParaRPr lang="en-US" dirty="0"/>
+          </a:p>
+          <a:p>
+            <a:r>
+              <a:rPr lang="en-US" sz="1800" dirty="0"/>
+              <a:t>-- No items to select or max capacity is 0</a:t>
+            </a:r>
+          </a:p>
+          <a:p>
+            <a:endParaRPr lang="en-US" dirty="0"/>
+          </a:p>
+          <a:p>
+            <a:endParaRPr lang="en-US" dirty="0"/>
+          </a:p>
+          <a:p>
+            <a:endParaRPr lang="en-US" dirty="0"/>
+          </a:p>
+          <a:p>
+            <a:r>
+              <a:rPr lang="en-US" sz="1800" dirty="0"/>
+              <a:t>-- Weight of nth item exceeds the capacity of the knapsack, cannot be included in optimal solution</a:t>
+            </a:r>
+          </a:p>
+          <a:p>
+            <a:endParaRPr lang="en-US" dirty="0"/>
+          </a:p>
+          <a:p>
+            <a:endParaRPr lang="en-US" dirty="0"/>
+          </a:p>
+          <a:p>
+            <a:r>
+              <a:rPr lang="en-US" sz="1800" dirty="0"/>
+              <a:t>-- Return the maximum of two cases: nth item included, nth item not included</a:t>
+            </a:r>
           </a:p>
         </p:txBody>
       </p:sp>
@@ -7808,7 +9734,7 @@
 </p:sld>
 </file>
 
-<file path=ppt/slides/slide7.xml><?xml version="1.0" encoding="utf-8"?>
+<file path=ppt/slides/slide9.xml><?xml version="1.0" encoding="utf-8"?>
 <p:sld xmlns:a="http://schemas.openxmlformats.org/drawingml/2006/main" xmlns:r="http://schemas.openxmlformats.org/officeDocument/2006/relationships" xmlns:p="http://schemas.openxmlformats.org/presentationml/2006/main">
   <p:cSld>
     <p:spTree>
@@ -7957,7 +9883,7 @@
                 <a:cs typeface="Arial"/>
                 <a:sym typeface="Arial"/>
               </a:rPr>
-              <a:t>7</a:t>
+              <a:t>9</a:t>
             </a:fld>
             <a:endParaRPr>
               <a:solidFill>
@@ -8014,7 +9940,7 @@
               <a:buNone/>
             </a:pPr>
             <a:r>
-              <a:rPr lang="en-US" sz="2400" b="0" i="0" u="none" strike="noStrike" cap="none">
+              <a:rPr lang="en-US" sz="2400" b="0" i="0" u="none" strike="noStrike" cap="none" dirty="0">
                 <a:solidFill>
                   <a:schemeClr val="dk1"/>
                 </a:solidFill>
@@ -8025,7 +9951,97 @@
               </a:rPr>
               <a:t>How did you generate them? (hopefully with a python program)</a:t>
             </a:r>
-            <a:endParaRPr/>
+          </a:p>
+          <a:p>
+            <a:pPr marL="342900" marR="0" lvl="0" indent="-342900" algn="l" rtl="0">
+              <a:lnSpc>
+                <a:spcPct val="90000"/>
+              </a:lnSpc>
+              <a:spcBef>
+                <a:spcPts val="0"/>
+              </a:spcBef>
+              <a:spcAft>
+                <a:spcPts val="0"/>
+              </a:spcAft>
+              <a:buClr>
+                <a:schemeClr val="dk1"/>
+              </a:buClr>
+              <a:buSzPts val="2400"/>
+              <a:buFontTx/>
+              <a:buChar char="-"/>
+            </a:pPr>
+            <a:r>
+              <a:rPr lang="en-US" sz="2400" dirty="0">
+                <a:solidFill>
+                  <a:schemeClr val="dk1"/>
+                </a:solidFill>
+                <a:latin typeface="Calibri"/>
+                <a:cs typeface="Calibri"/>
+                <a:sym typeface="Calibri"/>
+              </a:rPr>
+              <a:t>Created Python script that used a stepped for loop to print integers from 10-100,000 in intervals of 100.</a:t>
+            </a:r>
+          </a:p>
+          <a:p>
+            <a:pPr marL="285750" marR="0" lvl="0" indent="-285750" algn="l" rtl="0">
+              <a:lnSpc>
+                <a:spcPct val="90000"/>
+              </a:lnSpc>
+              <a:spcBef>
+                <a:spcPts val="0"/>
+              </a:spcBef>
+              <a:spcAft>
+                <a:spcPts val="0"/>
+              </a:spcAft>
+              <a:buClr>
+                <a:schemeClr val="dk1"/>
+              </a:buClr>
+              <a:buSzPts val="2400"/>
+              <a:buFontTx/>
+              <a:buChar char="-"/>
+            </a:pPr>
+            <a:r>
+              <a:rPr lang="en-US" sz="2400" dirty="0">
+                <a:solidFill>
+                  <a:schemeClr val="dk1"/>
+                </a:solidFill>
+                <a:latin typeface="Calibri"/>
+                <a:cs typeface="Calibri"/>
+                <a:sym typeface="Calibri"/>
+              </a:rPr>
+              <a:t>Generated a random integer from 1-100 to select that quantity of random ”items”.</a:t>
+            </a:r>
+          </a:p>
+          <a:p>
+            <a:pPr marL="285750" marR="0" lvl="0" indent="-285750" algn="l" rtl="0">
+              <a:lnSpc>
+                <a:spcPct val="90000"/>
+              </a:lnSpc>
+              <a:spcBef>
+                <a:spcPts val="0"/>
+              </a:spcBef>
+              <a:spcAft>
+                <a:spcPts val="0"/>
+              </a:spcAft>
+              <a:buClr>
+                <a:schemeClr val="dk1"/>
+              </a:buClr>
+              <a:buSzPts val="2400"/>
+              <a:buFontTx/>
+              <a:buChar char="-"/>
+            </a:pPr>
+            <a:r>
+              <a:rPr lang="en-US" sz="2400" dirty="0">
+                <a:solidFill>
+                  <a:schemeClr val="dk1"/>
+                </a:solidFill>
+                <a:latin typeface="Calibri"/>
+                <a:cs typeface="Calibri"/>
+                <a:sym typeface="Calibri"/>
+              </a:rPr>
+              <a:t>Two more random integers were generated in each iteration to decide the item’s weight and value. </a:t>
+            </a:r>
+            <a:endParaRPr dirty="0"/>
           </a:p>
           <a:p>
             <a:pPr marL="0" marR="0" lvl="0" indent="0" algn="l" rtl="0">
@@ -8046,7 +10062,7 @@
               <a:buNone/>
             </a:pPr>
             <a:r>
-              <a:rPr lang="en-US" sz="2400" b="0" i="0" u="none" strike="noStrike" cap="none">
+              <a:rPr lang="en-US" sz="2400" b="0" i="0" u="none" strike="noStrike" cap="none" dirty="0">
                 <a:solidFill>
                   <a:schemeClr val="dk1"/>
                 </a:solidFill>
@@ -8057,7 +10073,6 @@
               </a:rPr>
               <a:t>Test case Sizes?</a:t>
             </a:r>
-            <a:endParaRPr/>
           </a:p>
           <a:p>
             <a:pPr marL="0" marR="0" lvl="0" indent="0" algn="l" rtl="0">
@@ -8078,7 +10093,38 @@
               <a:buNone/>
             </a:pPr>
             <a:r>
-              <a:rPr lang="en-US" sz="2400" b="0" i="0" u="none" strike="noStrike" cap="none">
+              <a:rPr lang="en-US" sz="2400" dirty="0">
+                <a:solidFill>
+                  <a:schemeClr val="dk1"/>
+                </a:solidFill>
+                <a:latin typeface="Calibri"/>
+                <a:cs typeface="Calibri"/>
+                <a:sym typeface="Calibri"/>
+              </a:rPr>
+              <a:t>- All test cases used the same randomly generated list of 63 items with each test increasing its maximum capacity.</a:t>
+            </a:r>
+            <a:endParaRPr dirty="0"/>
+          </a:p>
+          <a:p>
+            <a:pPr marL="0" marR="0" lvl="0" indent="0" algn="l" rtl="0">
+              <a:lnSpc>
+                <a:spcPct val="90000"/>
+              </a:lnSpc>
+              <a:spcBef>
+                <a:spcPts val="1000"/>
+              </a:spcBef>
+              <a:spcAft>
+                <a:spcPts val="0"/>
+              </a:spcAft>
+              <a:buClr>
+                <a:schemeClr val="dk1"/>
+              </a:buClr>
+              <a:buSzPts val="2400"/>
+              <a:buFont typeface="Arial"/>
+              <a:buNone/>
+            </a:pPr>
+            <a:r>
+              <a:rPr lang="en-US" sz="2400" b="0" i="0" u="none" strike="noStrike" cap="none" dirty="0">
                 <a:solidFill>
                   <a:schemeClr val="dk1"/>
                 </a:solidFill>
@@ -8089,7 +10135,6 @@
               </a:rPr>
               <a:t>Performance of test cases of different sizes?</a:t>
             </a:r>
-            <a:endParaRPr/>
           </a:p>
           <a:p>
             <a:pPr marL="0" marR="0" lvl="0" indent="0" algn="l" rtl="0">
@@ -8110,7 +10155,38 @@
               <a:buNone/>
             </a:pPr>
             <a:r>
-              <a:rPr lang="en-US" sz="2400" b="0" i="0" u="none" strike="noStrike" cap="none">
+              <a:rPr lang="en-US" sz="2400" dirty="0">
+                <a:solidFill>
+                  <a:schemeClr val="dk1"/>
+                </a:solidFill>
+                <a:latin typeface="Calibri"/>
+                <a:cs typeface="Calibri"/>
+                <a:sym typeface="Calibri"/>
+              </a:rPr>
+              <a:t>- See graph</a:t>
+            </a:r>
+            <a:endParaRPr dirty="0"/>
+          </a:p>
+          <a:p>
+            <a:pPr marL="0" marR="0" lvl="0" indent="0" algn="l" rtl="0">
+              <a:lnSpc>
+                <a:spcPct val="90000"/>
+              </a:lnSpc>
+              <a:spcBef>
+                <a:spcPts val="1000"/>
+              </a:spcBef>
+              <a:spcAft>
+                <a:spcPts val="0"/>
+              </a:spcAft>
+              <a:buClr>
+                <a:schemeClr val="dk1"/>
+              </a:buClr>
+              <a:buSzPts val="2400"/>
+              <a:buFont typeface="Arial"/>
+              <a:buNone/>
+            </a:pPr>
+            <a:r>
+              <a:rPr lang="en-US" sz="2400" b="0" i="0" u="none" strike="noStrike" cap="none" dirty="0">
                 <a:solidFill>
                   <a:schemeClr val="dk1"/>
                 </a:solidFill>
@@ -8121,379 +10197,7 @@
               </a:rPr>
               <a:t>Plot of the run time of your program as you increase the input size.  You MUST run your program on inputs that cause your program to run more than 20 minutes.</a:t>
             </a:r>
-            <a:endParaRPr/>
-          </a:p>
-        </p:txBody>
-      </p:sp>
-    </p:spTree>
-  </p:cSld>
-  <p:clrMapOvr>
-    <a:masterClrMapping/>
-  </p:clrMapOvr>
-</p:sld>
-</file>
-
-<file path=ppt/slides/slide8.xml><?xml version="1.0" encoding="utf-8"?>
-<p:sld xmlns:a="http://schemas.openxmlformats.org/drawingml/2006/main" xmlns:r="http://schemas.openxmlformats.org/officeDocument/2006/relationships" xmlns:p="http://schemas.openxmlformats.org/presentationml/2006/main">
-  <p:cSld>
-    <p:spTree>
-      <p:nvGrpSpPr>
-        <p:cNvPr id="1" name="Shape 106"/>
-        <p:cNvGrpSpPr/>
-        <p:nvPr/>
-      </p:nvGrpSpPr>
-      <p:grpSpPr>
-        <a:xfrm>
-          <a:off x="0" y="0"/>
-          <a:ext cx="0" cy="0"/>
-          <a:chOff x="0" y="0"/>
-          <a:chExt cx="0" cy="0"/>
-        </a:xfrm>
-      </p:grpSpPr>
-      <p:sp>
-        <p:nvSpPr>
-          <p:cNvPr id="107" name="Google Shape;107;p20"/>
-          <p:cNvSpPr txBox="1">
-            <a:spLocks noGrp="1"/>
-          </p:cNvSpPr>
-          <p:nvPr>
-            <p:ph type="ctrTitle"/>
-          </p:nvPr>
-        </p:nvSpPr>
-        <p:spPr>
-          <a:xfrm>
-            <a:off x="415611" y="992767"/>
-            <a:ext cx="11360700" cy="2736900"/>
-          </a:xfrm>
-          <a:prstGeom prst="rect">
-            <a:avLst/>
-          </a:prstGeom>
-          <a:noFill/>
-          <a:ln>
-            <a:noFill/>
-          </a:ln>
-        </p:spPr>
-        <p:txBody>
-          <a:bodyPr spcFirstLastPara="1" wrap="square" lIns="91425" tIns="45700" rIns="91425" bIns="45700" anchor="b" anchorCtr="0">
-            <a:normAutofit/>
-          </a:bodyPr>
-          <a:lstStyle/>
-          <a:p>
-            <a:pPr marL="0" lvl="0" indent="0" algn="ctr" rtl="0">
-              <a:lnSpc>
-                <a:spcPct val="90000"/>
-              </a:lnSpc>
-              <a:spcBef>
-                <a:spcPts val="0"/>
-              </a:spcBef>
-              <a:spcAft>
-                <a:spcPts val="0"/>
-              </a:spcAft>
-              <a:buClr>
-                <a:schemeClr val="dk1"/>
-              </a:buClr>
-              <a:buSzPts val="6000"/>
-              <a:buFont typeface="Calibri"/>
-              <a:buNone/>
-            </a:pPr>
-            <a:r>
-              <a:rPr lang="en-US"/>
-              <a:t>Approximation Portion</a:t>
-            </a:r>
-            <a:endParaRPr/>
-          </a:p>
-        </p:txBody>
-      </p:sp>
-    </p:spTree>
-  </p:cSld>
-  <p:clrMapOvr>
-    <a:masterClrMapping/>
-  </p:clrMapOvr>
-</p:sld>
-</file>
-
-<file path=ppt/slides/slide9.xml><?xml version="1.0" encoding="utf-8"?>
-<p:sld xmlns:a="http://schemas.openxmlformats.org/drawingml/2006/main" xmlns:r="http://schemas.openxmlformats.org/officeDocument/2006/relationships" xmlns:p="http://schemas.openxmlformats.org/presentationml/2006/main">
-  <p:cSld>
-    <p:spTree>
-      <p:nvGrpSpPr>
-        <p:cNvPr id="1" name="Shape 111"/>
-        <p:cNvGrpSpPr/>
-        <p:nvPr/>
-      </p:nvGrpSpPr>
-      <p:grpSpPr>
-        <a:xfrm>
-          <a:off x="0" y="0"/>
-          <a:ext cx="0" cy="0"/>
-          <a:chOff x="0" y="0"/>
-          <a:chExt cx="0" cy="0"/>
-        </a:xfrm>
-      </p:grpSpPr>
-      <p:sp>
-        <p:nvSpPr>
-          <p:cNvPr id="112" name="Google Shape;112;p21"/>
-          <p:cNvSpPr txBox="1"/>
-          <p:nvPr/>
-        </p:nvSpPr>
-        <p:spPr>
-          <a:xfrm>
-            <a:off x="0" y="-19050"/>
-            <a:ext cx="12192000" cy="857250"/>
-          </a:xfrm>
-          <a:prstGeom prst="rect">
-            <a:avLst/>
-          </a:prstGeom>
-          <a:noFill/>
-          <a:ln>
-            <a:noFill/>
-          </a:ln>
-        </p:spPr>
-        <p:txBody>
-          <a:bodyPr spcFirstLastPara="1" wrap="square" lIns="91425" tIns="45700" rIns="91425" bIns="45700" anchor="b" anchorCtr="0">
-            <a:noAutofit/>
-          </a:bodyPr>
-          <a:lstStyle/>
-          <a:p>
-            <a:pPr marL="0" marR="0" lvl="0" indent="0" algn="l" rtl="0">
-              <a:lnSpc>
-                <a:spcPct val="90000"/>
-              </a:lnSpc>
-              <a:spcBef>
-                <a:spcPts val="0"/>
-              </a:spcBef>
-              <a:spcAft>
-                <a:spcPts val="0"/>
-              </a:spcAft>
-              <a:buClr>
-                <a:schemeClr val="dk1"/>
-              </a:buClr>
-              <a:buSzPts val="3600"/>
-              <a:buFont typeface="Calibri"/>
-              <a:buNone/>
-            </a:pPr>
-            <a:r>
-              <a:rPr lang="en-US" sz="3600" b="0" i="0" u="none" strike="noStrike" cap="none">
-                <a:solidFill>
-                  <a:schemeClr val="dk1"/>
-                </a:solidFill>
-                <a:latin typeface="Calibri"/>
-                <a:ea typeface="Calibri"/>
-                <a:cs typeface="Calibri"/>
-                <a:sym typeface="Calibri"/>
-              </a:rPr>
-              <a:t>Approximation</a:t>
-            </a:r>
-            <a:endParaRPr/>
-          </a:p>
-        </p:txBody>
-      </p:sp>
-      <p:cxnSp>
-        <p:nvCxnSpPr>
-          <p:cNvPr id="113" name="Google Shape;113;p21"/>
-          <p:cNvCxnSpPr/>
-          <p:nvPr/>
-        </p:nvCxnSpPr>
-        <p:spPr>
-          <a:xfrm>
-            <a:off x="0" y="838200"/>
-            <a:ext cx="12192000" cy="0"/>
-          </a:xfrm>
-          <a:prstGeom prst="straightConnector1">
-            <a:avLst/>
-          </a:prstGeom>
-          <a:noFill/>
-          <a:ln w="47625" cap="flat" cmpd="sng">
-            <a:solidFill>
-              <a:schemeClr val="accent1"/>
-            </a:solidFill>
-            <a:prstDash val="solid"/>
-            <a:miter lim="800000"/>
-            <a:headEnd type="none" w="sm" len="sm"/>
-            <a:tailEnd type="none" w="sm" len="sm"/>
-          </a:ln>
-        </p:spPr>
-      </p:cxnSp>
-      <p:sp>
-        <p:nvSpPr>
-          <p:cNvPr id="114" name="Google Shape;114;p21"/>
-          <p:cNvSpPr txBox="1">
-            <a:spLocks noGrp="1"/>
-          </p:cNvSpPr>
-          <p:nvPr>
-            <p:ph type="sldNum" idx="12"/>
-          </p:nvPr>
-        </p:nvSpPr>
-        <p:spPr>
-          <a:xfrm>
-            <a:off x="11400311" y="6356350"/>
-            <a:ext cx="625617" cy="365125"/>
-          </a:xfrm>
-          <a:prstGeom prst="rect">
-            <a:avLst/>
-          </a:prstGeom>
-          <a:noFill/>
-          <a:ln>
-            <a:noFill/>
-          </a:ln>
-        </p:spPr>
-        <p:txBody>
-          <a:bodyPr spcFirstLastPara="1" wrap="square" lIns="91425" tIns="45700" rIns="91425" bIns="45700" anchor="ctr" anchorCtr="0">
-            <a:normAutofit/>
-          </a:bodyPr>
-          <a:lstStyle/>
-          <a:p>
-            <a:pPr marL="0" lvl="0" indent="0" algn="r" rtl="0">
-              <a:spcBef>
-                <a:spcPts val="0"/>
-              </a:spcBef>
-              <a:spcAft>
-                <a:spcPts val="0"/>
-              </a:spcAft>
-              <a:buNone/>
-            </a:pPr>
-            <a:fld id="{00000000-1234-1234-1234-123412341234}" type="slidenum">
-              <a:rPr lang="en-US">
-                <a:solidFill>
-                  <a:schemeClr val="dk2"/>
-                </a:solidFill>
-                <a:latin typeface="Arial"/>
-                <a:ea typeface="Arial"/>
-                <a:cs typeface="Arial"/>
-                <a:sym typeface="Arial"/>
-              </a:rPr>
-              <a:t>9</a:t>
-            </a:fld>
-            <a:endParaRPr>
-              <a:solidFill>
-                <a:schemeClr val="dk2"/>
-              </a:solidFill>
-              <a:latin typeface="Arial"/>
-              <a:ea typeface="Arial"/>
-              <a:cs typeface="Arial"/>
-              <a:sym typeface="Arial"/>
-            </a:endParaRPr>
-          </a:p>
-        </p:txBody>
-      </p:sp>
-      <p:sp>
-        <p:nvSpPr>
-          <p:cNvPr id="115" name="Google Shape;115;p21"/>
-          <p:cNvSpPr txBox="1"/>
-          <p:nvPr/>
-        </p:nvSpPr>
-        <p:spPr>
-          <a:xfrm>
-            <a:off x="447447" y="968660"/>
-            <a:ext cx="10726605" cy="2575921"/>
-          </a:xfrm>
-          <a:prstGeom prst="rect">
-            <a:avLst/>
-          </a:prstGeom>
-          <a:noFill/>
-          <a:ln>
-            <a:noFill/>
-          </a:ln>
-        </p:spPr>
-        <p:txBody>
-          <a:bodyPr spcFirstLastPara="1" wrap="square" lIns="91425" tIns="45700" rIns="91425" bIns="45700" anchor="t" anchorCtr="0">
-            <a:noAutofit/>
-          </a:bodyPr>
-          <a:lstStyle/>
-          <a:p>
-            <a:pPr marL="342900" marR="0" lvl="0" indent="-342900" algn="l" rtl="0">
-              <a:lnSpc>
-                <a:spcPct val="90000"/>
-              </a:lnSpc>
-              <a:spcBef>
-                <a:spcPts val="0"/>
-              </a:spcBef>
-              <a:spcAft>
-                <a:spcPts val="0"/>
-              </a:spcAft>
-              <a:buClr>
-                <a:schemeClr val="dk1"/>
-              </a:buClr>
-              <a:buSzPts val="2400"/>
-              <a:buFont typeface="Arial"/>
-              <a:buChar char="•"/>
-            </a:pPr>
-            <a:r>
-              <a:rPr lang="en-US" sz="2400" b="0" i="0" u="none" strike="noStrike" cap="none">
-                <a:solidFill>
-                  <a:schemeClr val="dk1"/>
-                </a:solidFill>
-                <a:latin typeface="Calibri"/>
-                <a:ea typeface="Calibri"/>
-                <a:cs typeface="Calibri"/>
-                <a:sym typeface="Calibri"/>
-              </a:rPr>
-              <a:t>Sketch algorithm choices (anytime algorithms, greedy algorithms, stochastic algorithms).</a:t>
-            </a:r>
-            <a:endParaRPr/>
-          </a:p>
-          <a:p>
-            <a:pPr marL="342900" marR="0" lvl="0" indent="-342900" algn="l" rtl="0">
-              <a:lnSpc>
-                <a:spcPct val="90000"/>
-              </a:lnSpc>
-              <a:spcBef>
-                <a:spcPts val="1000"/>
-              </a:spcBef>
-              <a:spcAft>
-                <a:spcPts val="0"/>
-              </a:spcAft>
-              <a:buClr>
-                <a:schemeClr val="dk1"/>
-              </a:buClr>
-              <a:buSzPts val="2400"/>
-              <a:buFont typeface="Arial"/>
-              <a:buChar char="•"/>
-            </a:pPr>
-            <a:r>
-              <a:rPr lang="en-US" sz="2400" b="0" i="0" u="none" strike="noStrike" cap="none">
-                <a:solidFill>
-                  <a:schemeClr val="dk1"/>
-                </a:solidFill>
-                <a:latin typeface="Calibri"/>
-                <a:ea typeface="Calibri"/>
-                <a:cs typeface="Calibri"/>
-                <a:sym typeface="Calibri"/>
-              </a:rPr>
-              <a:t>Bounds on its performance</a:t>
-            </a:r>
-            <a:endParaRPr/>
-          </a:p>
-          <a:p>
-            <a:pPr marL="342900" marR="0" lvl="0" indent="-342900" algn="l" rtl="0">
-              <a:lnSpc>
-                <a:spcPct val="90000"/>
-              </a:lnSpc>
-              <a:spcBef>
-                <a:spcPts val="1000"/>
-              </a:spcBef>
-              <a:spcAft>
-                <a:spcPts val="0"/>
-              </a:spcAft>
-              <a:buClr>
-                <a:schemeClr val="dk1"/>
-              </a:buClr>
-              <a:buSzPts val="2400"/>
-              <a:buFont typeface="Arial"/>
-              <a:buChar char="•"/>
-            </a:pPr>
-            <a:r>
-              <a:rPr lang="en-US" sz="2400" b="0" i="0" u="none" strike="noStrike" cap="none">
-                <a:solidFill>
-                  <a:schemeClr val="dk1"/>
-                </a:solidFill>
-                <a:latin typeface="Calibri"/>
-                <a:ea typeface="Calibri"/>
-                <a:cs typeface="Calibri"/>
-                <a:sym typeface="Calibri"/>
-              </a:rPr>
-              <a:t>Plot comparing difference in run time and solution quality using your test cases.</a:t>
-            </a:r>
-            <a:endParaRPr/>
+            <a:endParaRPr dirty="0"/>
           </a:p>
         </p:txBody>
       </p:sp>
